--- a/Term1/Machine Vision/lectures/21_ShallowNeuralNets_.pptx
+++ b/Term1/Machine Vision/lectures/21_ShallowNeuralNets_.pptx
@@ -238,7 +238,7 @@
             <a:fld id="{A1B787B9-0DAE-42E2-BEBC-E3B5162A5373}" type="datetimeFigureOut">
               <a:rPr lang="en-US" smtClean="0"/>
               <a:pPr/>
-              <a:t>11-Dec-22</a:t>
+              <a:t>5/1/2024</a:t>
             </a:fld>
             <a:endParaRPr lang="en-GB"/>
           </a:p>
@@ -320,6 +320,2379 @@
   </p:cSld>
   <p:clrMap bg1="lt1" tx1="dk1" bg2="lt2" tx2="dk2" accent1="accent1" accent2="accent2" accent3="accent3" accent4="accent4" accent5="accent5" accent6="accent6" hlink="hlink" folHlink="folHlink"/>
 </p:handoutMaster>
+</file>
+
+<file path=ppt/ink/ink1.xml><?xml version="1.0" encoding="utf-8"?>
+<inkml:ink xmlns:inkml="http://www.w3.org/2003/InkML">
+  <inkml:definitions>
+    <inkml:context xml:id="ctx0">
+      <inkml:inkSource xml:id="inkSrc0">
+        <inkml:traceFormat>
+          <inkml:channel name="X" type="integer" min="-2.14748E9" max="2.14748E9" units="cm"/>
+          <inkml:channel name="Y" type="integer" min="-2.14748E9" max="2.14748E9" units="cm"/>
+          <inkml:channel name="F" type="integer" max="32767" units="dev"/>
+          <inkml:channel name="OA" type="integer" max="360" units="deg"/>
+          <inkml:channel name="OE" type="integer" max="90" units="deg"/>
+        </inkml:traceFormat>
+        <inkml:channelProperties>
+          <inkml:channelProperty channel="X" name="resolution" value="1000" units="1/cm"/>
+          <inkml:channelProperty channel="Y" name="resolution" value="1000" units="1/cm"/>
+          <inkml:channelProperty channel="F" name="resolution" value="0" units="1/dev"/>
+          <inkml:channelProperty channel="OA" name="resolution" value="1000" units="1/deg"/>
+          <inkml:channelProperty channel="OE" name="resolution" value="1000" units="1/deg"/>
+        </inkml:channelProperties>
+      </inkml:inkSource>
+      <inkml:timestamp xml:id="ts0" timeString="2024-05-01T17:28:22.978"/>
+    </inkml:context>
+    <inkml:brush xml:id="br0">
+      <inkml:brushProperty name="width" value="0.05" units="cm"/>
+      <inkml:brushProperty name="height" value="0.05" units="cm"/>
+      <inkml:brushProperty name="color" value="#004F8B"/>
+    </inkml:brush>
+  </inkml:definitions>
+  <inkml:trace contextRef="#ctx0" brushRef="#br0">769 1 4255 0 0,'-6'7'74'0'0,"1"0"0"0"0,0 1-1 0 0,0 0 1 0 0,1 0 0 0 0,0 0-1 0 0,0 1 1 0 0,-3 11 0 0 0,-2 1 435 0 0,-44 110 2455 0 0,13-41-1519 0 0,-4 11 313 0 0,-55 215 3032 0 0,87-277-4471 0 0,-59 277 1027 0 0,44-181-1020 0 0,-9-6-46 0 0,3-7-15 0 0,-5 52 233 0 0,-28 123 559 0 0,-101 663 2644 0 0,142-677-2915 0 0,16 442 0 0 0,12-637-583 0 0,15 209 411 0 0,20 42-141 0 0,22-3-140 0 0,55 103 97 0 0,-75-294-287 0 0,45 213 253 0 0,32 112 535 0 0,-79-344-738 0 0,83 245 336 0 0,-22-126 20 0 0,23 60-11 0 0,-80-193-344 0 0,65 178 427 0 0,-77-196-413 0 0,3 9 61 0 0,70 153-1 0 0,-81-220-665 0 0,-22-35 47 0 0,-1-3-1091 0 0,-9-19-29 0 0,-2 1 0 0 0,-14-19 0 0 0,-2-3-1416 0 0,-1-3-2658 0 0,-38-45-1 0 0,26 43 294 0 0</inkml:trace>
+</inkml:ink>
+</file>
+
+<file path=ppt/ink/ink10.xml><?xml version="1.0" encoding="utf-8"?>
+<inkml:ink xmlns:inkml="http://www.w3.org/2003/InkML">
+  <inkml:definitions>
+    <inkml:context xml:id="ctx0">
+      <inkml:inkSource xml:id="inkSrc0">
+        <inkml:traceFormat>
+          <inkml:channel name="X" type="integer" min="-2.14748E9" max="2.14748E9" units="cm"/>
+          <inkml:channel name="Y" type="integer" min="-2.14748E9" max="2.14748E9" units="cm"/>
+          <inkml:channel name="F" type="integer" max="32767" units="dev"/>
+          <inkml:channel name="OA" type="integer" max="360" units="deg"/>
+          <inkml:channel name="OE" type="integer" max="90" units="deg"/>
+        </inkml:traceFormat>
+        <inkml:channelProperties>
+          <inkml:channelProperty channel="X" name="resolution" value="1000" units="1/cm"/>
+          <inkml:channelProperty channel="Y" name="resolution" value="1000" units="1/cm"/>
+          <inkml:channelProperty channel="F" name="resolution" value="0" units="1/dev"/>
+          <inkml:channelProperty channel="OA" name="resolution" value="1000" units="1/deg"/>
+          <inkml:channelProperty channel="OE" name="resolution" value="1000" units="1/deg"/>
+        </inkml:channelProperties>
+      </inkml:inkSource>
+      <inkml:timestamp xml:id="ts0" timeString="2024-05-01T17:48:14.756"/>
+    </inkml:context>
+    <inkml:brush xml:id="br0">
+      <inkml:brushProperty name="width" value="0.05" units="cm"/>
+      <inkml:brushProperty name="height" value="0.05" units="cm"/>
+      <inkml:brushProperty name="color" value="#004F8B"/>
+    </inkml:brush>
+  </inkml:definitions>
+  <inkml:trace contextRef="#ctx0" brushRef="#br0">67 0 19951 0 0,'-6'22'1776'0'0,"-13"9"-1424"0"0,2-3-280 0 0,6-9-72 0 0,4-4 80 0 0,0-4-80 0 0</inkml:trace>
+</inkml:ink>
+</file>
+
+<file path=ppt/ink/ink11.xml><?xml version="1.0" encoding="utf-8"?>
+<inkml:ink xmlns:inkml="http://www.w3.org/2003/InkML">
+  <inkml:definitions>
+    <inkml:context xml:id="ctx0">
+      <inkml:inkSource xml:id="inkSrc0">
+        <inkml:traceFormat>
+          <inkml:channel name="X" type="integer" min="-2.14748E9" max="2.14748E9" units="cm"/>
+          <inkml:channel name="Y" type="integer" min="-2.14748E9" max="2.14748E9" units="cm"/>
+          <inkml:channel name="F" type="integer" max="32767" units="dev"/>
+          <inkml:channel name="OA" type="integer" max="360" units="deg"/>
+          <inkml:channel name="OE" type="integer" max="90" units="deg"/>
+        </inkml:traceFormat>
+        <inkml:channelProperties>
+          <inkml:channelProperty channel="X" name="resolution" value="1000" units="1/cm"/>
+          <inkml:channelProperty channel="Y" name="resolution" value="1000" units="1/cm"/>
+          <inkml:channelProperty channel="F" name="resolution" value="0" units="1/dev"/>
+          <inkml:channelProperty channel="OA" name="resolution" value="1000" units="1/deg"/>
+          <inkml:channelProperty channel="OE" name="resolution" value="1000" units="1/deg"/>
+        </inkml:channelProperties>
+      </inkml:inkSource>
+      <inkml:timestamp xml:id="ts0" timeString="2024-05-01T17:48:15.525"/>
+    </inkml:context>
+    <inkml:brush xml:id="br0">
+      <inkml:brushProperty name="width" value="0.05" units="cm"/>
+      <inkml:brushProperty name="height" value="0.05" units="cm"/>
+      <inkml:brushProperty name="color" value="#004F8B"/>
+    </inkml:brush>
+  </inkml:definitions>
+  <inkml:trace contextRef="#ctx0" brushRef="#br0">86 38 3311 0 0,'0'0'251'0'0,"3"-1"-160"0"0,51-13 1684 0 0,85-7 10410 0 0,-108 19-8291 0 0,-29 4-3658 0 0,-1 0-144 0 0,1 0-1 0 0,-1 0 1 0 0,0 0-1 0 0,0 0 1 0 0,0 0 0 0 0,0 0-1 0 0,-1 0 1 0 0,1 1-1 0 0,-1-1 1 0 0,1 0-1 0 0,-1 0 1 0 0,1 0 0 0 0,-1 1-1 0 0,0-1 1 0 0,0 0-1 0 0,0 1 1 0 0,-1-1-1 0 0,1 0 1 0 0,-1 0-1 0 0,1 1 1 0 0,-2 2 0 0 0,-2 7 415 0 0,-1-1 1 0 0,0 0 0 0 0,-7 11 0 0 0,-1 2-57 0 0,-3 11 187 0 0,-14 45 0 0 0,23-63-423 0 0,-10 21 0 0 0,-5 11 142 0 0,14-27-201 0 0,-1-1 0 0 0,-1 0 0 0 0,-14 20 0 0 0,0 1 93 0 0,18-30-190 0 0,0-1 1 0 0,-1 0-1 0 0,0 0 0 0 0,-1 0 0 0 0,0-1 1 0 0,-1 0-1 0 0,0-1 0 0 0,0 0 0 0 0,-13 9 0 0 0,19-15-54 0 0,-10 3-171 0 0,12-6 58 0 0,1 0 0 0 0,-1-1-1 0 0,1 1 1 0 0,-1-1 0 0 0,1 1 0 0 0,-1-1 0 0 0,1 1-1 0 0,0-1 1 0 0,-1 1 0 0 0,1-1 0 0 0,0 1 0 0 0,0-1-1 0 0,-1 0 1 0 0,1 1 0 0 0,0-1 0 0 0,0 1-1 0 0,0-2 1 0 0,0 1-71 0 0,-3-14-2312 0 0,6-2-3647 0 0,3-3-2002 0 0</inkml:trace>
+</inkml:ink>
+</file>
+
+<file path=ppt/ink/ink12.xml><?xml version="1.0" encoding="utf-8"?>
+<inkml:ink xmlns:inkml="http://www.w3.org/2003/InkML">
+  <inkml:definitions>
+    <inkml:context xml:id="ctx0">
+      <inkml:inkSource xml:id="inkSrc0">
+        <inkml:traceFormat>
+          <inkml:channel name="X" type="integer" min="-2.14748E9" max="2.14748E9" units="cm"/>
+          <inkml:channel name="Y" type="integer" min="-2.14748E9" max="2.14748E9" units="cm"/>
+          <inkml:channel name="F" type="integer" max="32767" units="dev"/>
+          <inkml:channel name="OA" type="integer" max="360" units="deg"/>
+          <inkml:channel name="OE" type="integer" max="90" units="deg"/>
+        </inkml:traceFormat>
+        <inkml:channelProperties>
+          <inkml:channelProperty channel="X" name="resolution" value="1000" units="1/cm"/>
+          <inkml:channelProperty channel="Y" name="resolution" value="1000" units="1/cm"/>
+          <inkml:channelProperty channel="F" name="resolution" value="0" units="1/dev"/>
+          <inkml:channelProperty channel="OA" name="resolution" value="1000" units="1/deg"/>
+          <inkml:channelProperty channel="OE" name="resolution" value="1000" units="1/deg"/>
+        </inkml:channelProperties>
+      </inkml:inkSource>
+      <inkml:timestamp xml:id="ts0" timeString="2024-05-01T17:48:15.859"/>
+    </inkml:context>
+    <inkml:brush xml:id="br0">
+      <inkml:brushProperty name="width" value="0.05" units="cm"/>
+      <inkml:brushProperty name="height" value="0.05" units="cm"/>
+      <inkml:brushProperty name="color" value="#004F8B"/>
+    </inkml:brush>
+  </inkml:definitions>
+  <inkml:trace contextRef="#ctx0" brushRef="#br0">1 11 5783 0 0,'2'1'444'0'0,"11"3"364"0"0,23 5-1 0 0,-14-4 4175 0 0,-20-4-4608 0 0,0 0 0 0 0,1 0 0 0 0,-1 0 0 0 0,1-1 0 0 0,-1 1 0 0 0,1-1 0 0 0,-1 1 0 0 0,1-1 0 0 0,-1 0 1 0 0,1 0-1 0 0,-1 0 0 0 0,1-1 0 0 0,-1 1 0 0 0,1 0 0 0 0,-1-1 0 0 0,1 0 0 0 0,-1 1 0 0 0,4-3 0 0 0,-5 3-586 0 0,0 0 0 0 0,0-1 0 0 0,0 1 0 0 0,0-1 0 0 0,-1 0 0 0 0,1 1 0 0 0,0-1-1 0 0,0 0 1 0 0,0 1 0 0 0,-1-1 0 0 0,1 0 0 0 0,0 0 0 0 0,-1 0 0 0 0,1 1 0 0 0,0-1 0 0 0,-1 0 0 0 0,1-1-1 0 0,1-2-1447 0 0,7-9-4546 0 0</inkml:trace>
+</inkml:ink>
+</file>
+
+<file path=ppt/ink/ink13.xml><?xml version="1.0" encoding="utf-8"?>
+<inkml:ink xmlns:inkml="http://www.w3.org/2003/InkML">
+  <inkml:definitions>
+    <inkml:context xml:id="ctx0">
+      <inkml:inkSource xml:id="inkSrc0">
+        <inkml:traceFormat>
+          <inkml:channel name="X" type="integer" min="-2.14748E9" max="2.14748E9" units="cm"/>
+          <inkml:channel name="Y" type="integer" min="-2.14748E9" max="2.14748E9" units="cm"/>
+          <inkml:channel name="F" type="integer" max="32767" units="dev"/>
+          <inkml:channel name="OA" type="integer" max="360" units="deg"/>
+          <inkml:channel name="OE" type="integer" max="90" units="deg"/>
+        </inkml:traceFormat>
+        <inkml:channelProperties>
+          <inkml:channelProperty channel="X" name="resolution" value="1000" units="1/cm"/>
+          <inkml:channelProperty channel="Y" name="resolution" value="1000" units="1/cm"/>
+          <inkml:channelProperty channel="F" name="resolution" value="0" units="1/dev"/>
+          <inkml:channelProperty channel="OA" name="resolution" value="1000" units="1/deg"/>
+          <inkml:channelProperty channel="OE" name="resolution" value="1000" units="1/deg"/>
+        </inkml:channelProperties>
+      </inkml:inkSource>
+      <inkml:timestamp xml:id="ts0" timeString="2024-05-01T17:48:16.614"/>
+    </inkml:context>
+    <inkml:brush xml:id="br0">
+      <inkml:brushProperty name="width" value="0.05" units="cm"/>
+      <inkml:brushProperty name="height" value="0.05" units="cm"/>
+      <inkml:brushProperty name="color" value="#004F8B"/>
+    </inkml:brush>
+  </inkml:definitions>
+  <inkml:trace contextRef="#ctx0" brushRef="#br0">98 1 6415 0 0,'-26'124'2056'0'0,"24"-118"-1546"0"0,-1 0 0 0 0,0 1 0 0 0,0-1 0 0 0,0 0 0 0 0,-5 6 0 0 0,3-5 214 0 0,1 0 0 0 0,0 0-1 0 0,-4 8 1 0 0,7-10-183 0 0,-1 0 0 0 0,0 0 0 0 0,-1 0 0 0 0,1 0 0 0 0,-1-1 0 0 0,0 1 0 0 0,0-1 0 0 0,-7 7 1915 0 0,10-16-2413 0 0,0 0 0 0 0,0 1 0 0 0,1-1 0 0 0,-1 0 0 0 0,1 0-1 0 0,0 1 1 0 0,1-1 0 0 0,-1 1 0 0 0,4-7 0 0 0,0-2-43 0 0,-3 9 0 0 0,-1-1 0 0 0,1 1 0 0 0,0 0 0 0 0,1 0 0 0 0,-1 0 0 0 0,1 0 0 0 0,6-7 0 0 0,1 1 95 0 0,0 0 0 0 0,1 1 0 0 0,0 0 1 0 0,0 1-1 0 0,1 0 0 0 0,0 1 0 0 0,0 0 0 0 0,15-6 0 0 0,24-2 746 0 0,-49 15-490 0 0,1-1 1 0 0,23 0 360 0 0,-24 1-3 0 0,-2 1-649 0 0,1 0-1 0 0,0 0 0 0 0,0 0 1 0 0,0 0-1 0 0,0-1 0 0 0,-1 1 1 0 0,1 0-1 0 0,0 0 0 0 0,2 0 1 0 0,-1 1 15 0 0,0 0 0 0 0,-1-1 0 0 0,1 1 0 0 0,-1 0 0 0 0,1 0 0 0 0,-1 0 0 0 0,0 1 0 0 0,0-1 0 0 0,0 0 0 0 0,0 0 0 0 0,0 1 1 0 0,0-1-1 0 0,0 0 0 0 0,-1 1 0 0 0,1 3 0 0 0,-1 1 167 0 0,0 1 0 0 0,0 0-1 0 0,-2 10 1 0 0,1-3 52 0 0,-1-2 104 0 0,-6 23 0 0 0,1-4 57 0 0,4-19-199 0 0,-1 0 1 0 0,0 0-1 0 0,-1 0 0 0 0,-11 22 0 0 0,-32 46 944 0 0,38-65-1082 0 0,4-7-32 0 0,-27 41 232 0 0,29-45-345 0 0,-1 0-1 0 0,1 0 1 0 0,-1 0-1 0 0,0 0 1 0 0,0-1-1 0 0,-10 6 1 0 0,-7-2-408 0 0,22-8 358 0 0,-1 0 1 0 0,1 0-1 0 0,-1 0 0 0 0,1 0 0 0 0,-1 0 1 0 0,1-1-1 0 0,-1 1 0 0 0,1 0 0 0 0,-1 0 1 0 0,1 0-1 0 0,-1-1 0 0 0,1 1 0 0 0,-1 0 1 0 0,1 0-1 0 0,0-1 0 0 0,-1 1 0 0 0,1-1 1 0 0,-1 1-1 0 0,1 0 0 0 0,0-1 0 0 0,-1 1 1 0 0,1-1-1 0 0,-2-1-375 0 0,-19-18-4528 0 0,10 3-1845 0 0,3-1-1041 0 0</inkml:trace>
+</inkml:ink>
+</file>
+
+<file path=ppt/ink/ink14.xml><?xml version="1.0" encoding="utf-8"?>
+<inkml:ink xmlns:inkml="http://www.w3.org/2003/InkML">
+  <inkml:definitions>
+    <inkml:context xml:id="ctx0">
+      <inkml:inkSource xml:id="inkSrc0">
+        <inkml:traceFormat>
+          <inkml:channel name="X" type="integer" min="-2.14748E9" max="2.14748E9" units="cm"/>
+          <inkml:channel name="Y" type="integer" min="-2.14748E9" max="2.14748E9" units="cm"/>
+          <inkml:channel name="F" type="integer" max="32767" units="dev"/>
+          <inkml:channel name="OA" type="integer" max="360" units="deg"/>
+          <inkml:channel name="OE" type="integer" max="90" units="deg"/>
+        </inkml:traceFormat>
+        <inkml:channelProperties>
+          <inkml:channelProperty channel="X" name="resolution" value="1000" units="1/cm"/>
+          <inkml:channelProperty channel="Y" name="resolution" value="1000" units="1/cm"/>
+          <inkml:channelProperty channel="F" name="resolution" value="0" units="1/dev"/>
+          <inkml:channelProperty channel="OA" name="resolution" value="1000" units="1/deg"/>
+          <inkml:channelProperty channel="OE" name="resolution" value="1000" units="1/deg"/>
+        </inkml:channelProperties>
+      </inkml:inkSource>
+      <inkml:timestamp xml:id="ts0" timeString="2024-05-01T17:48:16.968"/>
+    </inkml:context>
+    <inkml:brush xml:id="br0">
+      <inkml:brushProperty name="width" value="0.05" units="cm"/>
+      <inkml:brushProperty name="height" value="0.05" units="cm"/>
+      <inkml:brushProperty name="color" value="#004F8B"/>
+    </inkml:brush>
+  </inkml:definitions>
+  <inkml:trace contextRef="#ctx0" brushRef="#br0">0 66 3767 0 0,'0'0'291'0'0,"2"0"-192"0"0,38-11 4358 0 0,-23 5-812 0 0,-15 6-2071 0 0,24-7 2315 0 0,-24 6-3069 0 0,0 0-168 0 0,5-3-306 0 0,0 0 1 0 0,0 1-1 0 0,0-1 0 0 0,8-1 1 0 0,-14 5-549 0 0,-1-1 1 0 0,0 1 0 0 0,1 0-1 0 0,-1 0 1 0 0,1-1 0 0 0,-1 1-1 0 0,1 0 1 0 0,-1-1 0 0 0,0 1-1 0 0,1-1 1 0 0,-1 1 0 0 0,0-1-1 0 0,1 1 1 0 0,-1 0-1 0 0,0-1 1 0 0,0 1 0 0 0,1-2-1 0 0,1-1-1758 0 0,9-5-4622 0 0</inkml:trace>
+</inkml:ink>
+</file>
+
+<file path=ppt/ink/ink15.xml><?xml version="1.0" encoding="utf-8"?>
+<inkml:ink xmlns:inkml="http://www.w3.org/2003/InkML">
+  <inkml:definitions>
+    <inkml:context xml:id="ctx0">
+      <inkml:inkSource xml:id="inkSrc0">
+        <inkml:traceFormat>
+          <inkml:channel name="X" type="integer" min="-2.14748E9" max="2.14748E9" units="cm"/>
+          <inkml:channel name="Y" type="integer" min="-2.14748E9" max="2.14748E9" units="cm"/>
+          <inkml:channel name="F" type="integer" max="32767" units="dev"/>
+          <inkml:channel name="OA" type="integer" max="360" units="deg"/>
+          <inkml:channel name="OE" type="integer" max="90" units="deg"/>
+        </inkml:traceFormat>
+        <inkml:channelProperties>
+          <inkml:channelProperty channel="X" name="resolution" value="1000" units="1/cm"/>
+          <inkml:channelProperty channel="Y" name="resolution" value="1000" units="1/cm"/>
+          <inkml:channelProperty channel="F" name="resolution" value="0" units="1/dev"/>
+          <inkml:channelProperty channel="OA" name="resolution" value="1000" units="1/deg"/>
+          <inkml:channelProperty channel="OE" name="resolution" value="1000" units="1/deg"/>
+        </inkml:channelProperties>
+      </inkml:inkSource>
+      <inkml:timestamp xml:id="ts0" timeString="2024-05-01T17:48:17.340"/>
+    </inkml:context>
+    <inkml:brush xml:id="br0">
+      <inkml:brushProperty name="width" value="0.05" units="cm"/>
+      <inkml:brushProperty name="height" value="0.05" units="cm"/>
+      <inkml:brushProperty name="color" value="#004F8B"/>
+    </inkml:brush>
+  </inkml:definitions>
+  <inkml:trace contextRef="#ctx0" brushRef="#br0">159 1 6127 0 0,'-5'14'390'0'0,"0"-1"-1"0"0,0 1 0 0 0,-1-1 1 0 0,-1 0-1 0 0,0 0 0 0 0,-16 20 1 0 0,-5 10 3119 0 0,27-40-3239 0 0,-15 26 3777 0 0,-40 52 4246 0 0,68-94-6933 0 0,16-14-73 0 0,2 1 0 0 0,1 1-1 0 0,56-33 1 0 0,-73 50-868 0 0,0 1 0 0 0,28-9 0 0 0,-40 15-507 0 0,-9 15-5954 0 0,-10 5-4931 0 0,5-10 4163 0 0</inkml:trace>
+  <inkml:trace contextRef="#ctx0" brushRef="#br0" timeOffset="1">235 318 6127 0 0,'7'7'171'0'0,"1"0"0"0"0,-2 1-1 0 0,1 0 1 0 0,8 15-1 0 0,0-1 1251 0 0,-11-16-448 0 0,-1 1-1 0 0,1 0 1 0 0,-1 0 0 0 0,4 14 0 0 0,3 7 1671 0 0,-5-19-1581 0 0,-1 1 0 0 0,0-1 0 0 0,-1 1 0 0 0,0 0 0 0 0,-1 0 0 0 0,0 0 1 0 0,1 18-1 0 0,-3-9 41 0 0,1-15-941 0 0,-1-1 0 0 0,0 1 0 0 0,0-1 0 0 0,0 1 1 0 0,-1-1-1 0 0,0 1 0 0 0,0 3 0 0 0,0-5 605 0 0</inkml:trace>
+</inkml:ink>
+</file>
+
+<file path=ppt/ink/ink16.xml><?xml version="1.0" encoding="utf-8"?>
+<inkml:ink xmlns:inkml="http://www.w3.org/2003/InkML">
+  <inkml:definitions>
+    <inkml:context xml:id="ctx0">
+      <inkml:inkSource xml:id="inkSrc0">
+        <inkml:traceFormat>
+          <inkml:channel name="X" type="integer" min="-2.14748E9" max="2.14748E9" units="cm"/>
+          <inkml:channel name="Y" type="integer" min="-2.14748E9" max="2.14748E9" units="cm"/>
+          <inkml:channel name="F" type="integer" max="32767" units="dev"/>
+          <inkml:channel name="OA" type="integer" max="360" units="deg"/>
+          <inkml:channel name="OE" type="integer" max="90" units="deg"/>
+        </inkml:traceFormat>
+        <inkml:channelProperties>
+          <inkml:channelProperty channel="X" name="resolution" value="1000" units="1/cm"/>
+          <inkml:channelProperty channel="Y" name="resolution" value="1000" units="1/cm"/>
+          <inkml:channelProperty channel="F" name="resolution" value="0" units="1/dev"/>
+          <inkml:channelProperty channel="OA" name="resolution" value="1000" units="1/deg"/>
+          <inkml:channelProperty channel="OE" name="resolution" value="1000" units="1/deg"/>
+        </inkml:channelProperties>
+      </inkml:inkSource>
+      <inkml:timestamp xml:id="ts0" timeString="2024-05-01T17:48:17.685"/>
+    </inkml:context>
+    <inkml:brush xml:id="br0">
+      <inkml:brushProperty name="width" value="0.05" units="cm"/>
+      <inkml:brushProperty name="height" value="0.05" units="cm"/>
+      <inkml:brushProperty name="color" value="#004F8B"/>
+    </inkml:brush>
+  </inkml:definitions>
+  <inkml:trace contextRef="#ctx0" brushRef="#br0">0 0 5927 0 0,'0'0'458'0'0,"12"0"8986"0"0,-5 7-4065 0 0,-5-4-4907 0 0,-1 0 0 0 0,1 0-1 0 0,-1-1 1 0 0,0 2 0 0 0,1-1 0 0 0,-1 4-1 0 0,2 1-537 0 0,-2 2 1 0 0,1-1-1 0 0,-1 18 0 0 0,-3 75-3840 0 0,2-64 1482 0 0,1-29 1643 0 0,-1 0-1 0 0,0 0 1 0 0,-3 14-1 0 0,0-1 578 0 0,1 0 0 0 0,0 32 9288 0 0,6-67-8687 0 0,1 0 0 0 0,8-12 0 0 0,-11 20-528 0 0,0 1-1 0 0,0-1 1 0 0,2-10 0 0 0,2-7-5917 0 0,3 2-1718 0 0</inkml:trace>
+</inkml:ink>
+</file>
+
+<file path=ppt/ink/ink17.xml><?xml version="1.0" encoding="utf-8"?>
+<inkml:ink xmlns:inkml="http://www.w3.org/2003/InkML">
+  <inkml:definitions>
+    <inkml:context xml:id="ctx0">
+      <inkml:inkSource xml:id="inkSrc0">
+        <inkml:traceFormat>
+          <inkml:channel name="X" type="integer" min="-2.14748E9" max="2.14748E9" units="cm"/>
+          <inkml:channel name="Y" type="integer" min="-2.14748E9" max="2.14748E9" units="cm"/>
+          <inkml:channel name="F" type="integer" max="32767" units="dev"/>
+          <inkml:channel name="OA" type="integer" max="360" units="deg"/>
+          <inkml:channel name="OE" type="integer" max="90" units="deg"/>
+        </inkml:traceFormat>
+        <inkml:channelProperties>
+          <inkml:channelProperty channel="X" name="resolution" value="1000" units="1/cm"/>
+          <inkml:channelProperty channel="Y" name="resolution" value="1000" units="1/cm"/>
+          <inkml:channelProperty channel="F" name="resolution" value="0" units="1/dev"/>
+          <inkml:channelProperty channel="OA" name="resolution" value="1000" units="1/deg"/>
+          <inkml:channelProperty channel="OE" name="resolution" value="1000" units="1/deg"/>
+        </inkml:channelProperties>
+      </inkml:inkSource>
+      <inkml:timestamp xml:id="ts0" timeString="2024-05-01T17:48:18.072"/>
+    </inkml:context>
+    <inkml:brush xml:id="br0">
+      <inkml:brushProperty name="width" value="0.05" units="cm"/>
+      <inkml:brushProperty name="height" value="0.05" units="cm"/>
+      <inkml:brushProperty name="color" value="#004F8B"/>
+    </inkml:brush>
+  </inkml:definitions>
+  <inkml:trace contextRef="#ctx0" brushRef="#br0">60 61 4055 0 0,'0'0'312'0'0,"2"-1"-204"0"0,16-10 3825 0 0,1 2-1 0 0,32-13 0 0 0,-34 15-2246 0 0,-7 5-311 0 0,-1-1 0 0 0,1 1 0 0 0,17-1 0 0 0,-23 2-1042 0 0,-1 1 316 0 0,-1 0-134 0 0,24 5 648 0 0,-26-5-1137 0 0,1 1 1 0 0,0 0-1 0 0,-1 0 0 0 0,1-1 1 0 0,-1 1-1 0 0,1 0 1 0 0,-1 0-1 0 0,1 0 1 0 0,-1 0-1 0 0,1 0 0 0 0,-1 0 1 0 0,0 0-1 0 0,0 0 1 0 0,1-1-1 0 0,-1 1 1 0 0,0 0-1 0 0,0 2 0 0 0,1 17 123 0 0,-2-15-111 0 0,0-1 0 0 0,-1 1 0 0 0,1-1 1 0 0,-1 1-1 0 0,0-1 0 0 0,0 0 0 0 0,-1 0 1 0 0,1 0-1 0 0,-4 4 0 0 0,-32 33 504 0 0,18-20-425 0 0,-11 12-107 0 0,-61 65 44 0 0,81-87-37 0 0,-1 1 1 0 0,2 1-1 0 0,-18 26 0 0 0,27-37 757 0 0,4-2-334 0 0,6-2-165 0 0,1-1 0 0 0,0 0 1 0 0,-1 0-1 0 0,0-1 1 0 0,16-9-1 0 0,-3 2 102 0 0,16-10 246 0 0,-27 15-417 0 0,-1-1-1 0 0,17-5 1 0 0,-10 5-104 0 0,28-17 0 0 0,-32 16-79 0 0,0 1 1 0 0,1 0-1 0 0,0 1 1 0 0,1 1-1 0 0,-1 0 1 0 0,19-4-1 0 0,-21 7-23 0 0,-4-5 0 0 0,-7 7-243 0 0,0-1 0 0 0,-1 0 0 0 0,1 0-1 0 0,0 0 1 0 0,-1 0 0 0 0,0 0 0 0 0,1 0 0 0 0,-1 0 0 0 0,1 0-1 0 0,-1 0 1 0 0,0 0 0 0 0,0 0 0 0 0,0 0 0 0 0,0 0 0 0 0,1 0-1 0 0,-1-1 1 0 0,-1 1 0 0 0,1 0 0 0 0,0 0 0 0 0,0 0 0 0 0,0 0-1 0 0,-1 0 1 0 0,1 0 0 0 0,0 0 0 0 0,-1 0 0 0 0,1 0 0 0 0,-1 0-1 0 0,1 0 1 0 0,-2-1 0 0 0,-3-9-4063 0 0,3 0-4821 0 0</inkml:trace>
+</inkml:ink>
+</file>
+
+<file path=ppt/ink/ink18.xml><?xml version="1.0" encoding="utf-8"?>
+<inkml:ink xmlns:inkml="http://www.w3.org/2003/InkML">
+  <inkml:definitions>
+    <inkml:context xml:id="ctx0">
+      <inkml:inkSource xml:id="inkSrc0">
+        <inkml:traceFormat>
+          <inkml:channel name="X" type="integer" min="-2.14748E9" max="2.14748E9" units="cm"/>
+          <inkml:channel name="Y" type="integer" min="-2.14748E9" max="2.14748E9" units="cm"/>
+          <inkml:channel name="F" type="integer" max="32767" units="dev"/>
+          <inkml:channel name="OA" type="integer" max="360" units="deg"/>
+          <inkml:channel name="OE" type="integer" max="90" units="deg"/>
+        </inkml:traceFormat>
+        <inkml:channelProperties>
+          <inkml:channelProperty channel="X" name="resolution" value="1000" units="1/cm"/>
+          <inkml:channelProperty channel="Y" name="resolution" value="1000" units="1/cm"/>
+          <inkml:channelProperty channel="F" name="resolution" value="0" units="1/dev"/>
+          <inkml:channelProperty channel="OA" name="resolution" value="1000" units="1/deg"/>
+          <inkml:channelProperty channel="OE" name="resolution" value="1000" units="1/deg"/>
+        </inkml:channelProperties>
+      </inkml:inkSource>
+      <inkml:timestamp xml:id="ts0" timeString="2024-05-01T17:48:18.416"/>
+    </inkml:context>
+    <inkml:brush xml:id="br0">
+      <inkml:brushProperty name="width" value="0.05" units="cm"/>
+      <inkml:brushProperty name="height" value="0.05" units="cm"/>
+      <inkml:brushProperty name="color" value="#004F8B"/>
+    </inkml:brush>
+  </inkml:definitions>
+  <inkml:trace contextRef="#ctx0" brushRef="#br0">18 0 7687 0 0,'17'70'1201'0'0,"-10"-33"2077"0"0,-2-1 1 0 0,-2 2 0 0 0,-1 46-1 0 0,-7 1-532 0 0,-27 148 2105 0 0,21-159-3643 0 0,9-55-747 0 0,1 23 0 0 0,1-16-1076 0 0,12-34-845 0 0,-9 6 1024 0 0,-1-1 1 0 0,1 0-1 0 0,-1 1 1 0 0,0-1 0 0 0,0 0-1 0 0,0 0 1 0 0,0-1-1 0 0,-1 1 1 0 0,3-6-1 0 0,8-34-6263 0 0,-10 36 4454 0 0,3-19-4863 0 0</inkml:trace>
+</inkml:ink>
+</file>
+
+<file path=ppt/ink/ink19.xml><?xml version="1.0" encoding="utf-8"?>
+<inkml:ink xmlns:inkml="http://www.w3.org/2003/InkML">
+  <inkml:definitions>
+    <inkml:context xml:id="ctx0">
+      <inkml:inkSource xml:id="inkSrc0">
+        <inkml:traceFormat>
+          <inkml:channel name="X" type="integer" min="-2.14748E9" max="2.14748E9" units="cm"/>
+          <inkml:channel name="Y" type="integer" min="-2.14748E9" max="2.14748E9" units="cm"/>
+          <inkml:channel name="F" type="integer" max="32767" units="dev"/>
+          <inkml:channel name="OA" type="integer" max="360" units="deg"/>
+          <inkml:channel name="OE" type="integer" max="90" units="deg"/>
+        </inkml:traceFormat>
+        <inkml:channelProperties>
+          <inkml:channelProperty channel="X" name="resolution" value="1000" units="1/cm"/>
+          <inkml:channelProperty channel="Y" name="resolution" value="1000" units="1/cm"/>
+          <inkml:channelProperty channel="F" name="resolution" value="0" units="1/dev"/>
+          <inkml:channelProperty channel="OA" name="resolution" value="1000" units="1/deg"/>
+          <inkml:channelProperty channel="OE" name="resolution" value="1000" units="1/deg"/>
+        </inkml:channelProperties>
+      </inkml:inkSource>
+      <inkml:timestamp xml:id="ts0" timeString="2024-05-01T17:48:18.787"/>
+    </inkml:context>
+    <inkml:brush xml:id="br0">
+      <inkml:brushProperty name="width" value="0.05" units="cm"/>
+      <inkml:brushProperty name="height" value="0.05" units="cm"/>
+      <inkml:brushProperty name="color" value="#004F8B"/>
+    </inkml:brush>
+  </inkml:definitions>
+  <inkml:trace contextRef="#ctx0" brushRef="#br0">0 800 3799 0 0,'3'2'291'0'0,"43"31"534"0"0,4 2 7094 0 0,-43-29-6656 0 0,0-1 1 0 0,1-1-1 0 0,0 1 0 0 0,0-1 1 0 0,1 0-1 0 0,-1-1 0 0 0,1 0 1 0 0,-1 0-1 0 0,1-1 1 0 0,0 0-1 0 0,10 0 0 0 0,-8-1-309 0 0,1-1 0 0 0,0 0 0 0 0,0 0-1 0 0,21-5 1 0 0,-19 1-949 0 0,-11 2-6 0 0,11-6 309 0 0,-11 3-624 0 0,-2 2-1132 0 0,6-9-6124 0 0,2 0-2624 0 0</inkml:trace>
+  <inkml:trace contextRef="#ctx0" brushRef="#br0" timeOffset="1">462 3 4111 0 0,'2'-1'319'0'0,"0"1"97"0"0,0-1-1 0 0,0 1 0 0 0,0 0 1 0 0,0 0-1 0 0,0-1 1 0 0,0 1-1 0 0,0 1 1 0 0,1-1-1 0 0,-1 0 1 0 0,0 0-1 0 0,0 1 1 0 0,0-1-1 0 0,-1 1 1 0 0,1 0-1 0 0,0 0 1 0 0,0-1-1 0 0,0 1 0 0 0,0 0 1 0 0,-1 1-1 0 0,3 0 1 0 0,-1 1-313 0 0,-2-2 269 0 0,1 1 0 0 0,-1-1 1 0 0,0 1-1 0 0,0-1 0 0 0,0 1 0 0 0,0 0 0 0 0,0-1 0 0 0,-1 1 1 0 0,1 0-1 0 0,0 0 0 0 0,-1-1 0 0 0,0 1 0 0 0,1 0 0 0 0,-1 0 1 0 0,0 4-1 0 0,1-3 334 0 0,0 8 269 0 0,-1 0 1 0 0,0-1-1 0 0,-1 1 0 0 0,0 0 0 0 0,0 0 1 0 0,-5 15-1 0 0,-23 63 1383 0 0,18-57-1847 0 0,-2-2-246 0 0,10-23-317 0 0,-1 0 0 0 0,2 1-1 0 0,-1 0 1 0 0,-2 9 0 0 0,0-9-1271 0 0</inkml:trace>
+</inkml:ink>
+</file>
+
+<file path=ppt/ink/ink2.xml><?xml version="1.0" encoding="utf-8"?>
+<inkml:ink xmlns:inkml="http://www.w3.org/2003/InkML">
+  <inkml:definitions>
+    <inkml:context xml:id="ctx0">
+      <inkml:inkSource xml:id="inkSrc0">
+        <inkml:traceFormat>
+          <inkml:channel name="X" type="integer" min="-2.14748E9" max="2.14748E9" units="cm"/>
+          <inkml:channel name="Y" type="integer" min="-2.14748E9" max="2.14748E9" units="cm"/>
+          <inkml:channel name="F" type="integer" max="32767" units="dev"/>
+          <inkml:channel name="OA" type="integer" max="360" units="deg"/>
+          <inkml:channel name="OE" type="integer" max="90" units="deg"/>
+        </inkml:traceFormat>
+        <inkml:channelProperties>
+          <inkml:channelProperty channel="X" name="resolution" value="1000" units="1/cm"/>
+          <inkml:channelProperty channel="Y" name="resolution" value="1000" units="1/cm"/>
+          <inkml:channelProperty channel="F" name="resolution" value="0" units="1/dev"/>
+          <inkml:channelProperty channel="OA" name="resolution" value="1000" units="1/deg"/>
+          <inkml:channelProperty channel="OE" name="resolution" value="1000" units="1/deg"/>
+        </inkml:channelProperties>
+      </inkml:inkSource>
+      <inkml:timestamp xml:id="ts0" timeString="2024-05-01T17:28:23.345"/>
+    </inkml:context>
+    <inkml:brush xml:id="br0">
+      <inkml:brushProperty name="width" value="0.05" units="cm"/>
+      <inkml:brushProperty name="height" value="0.05" units="cm"/>
+      <inkml:brushProperty name="color" value="#004F8B"/>
+    </inkml:brush>
+  </inkml:definitions>
+  <inkml:trace contextRef="#ctx0" brushRef="#br0">0 712 4175 0 0,'10'6'100'0'0,"0"1"0"0"0,-1-1-1 0 0,0 1 1 0 0,12 12 0 0 0,6 5 351 0 0,55 42 2921 0 0,-4 2 0 0 0,106 121 0 0 0,-131-125-1081 0 0,43 50 2616 0 0,-74-91-2808 0 0,28 21 0 0 0,-46-40-1825 0 0,-2-3-147 0 0,0 1 0 0 0,1-1-1 0 0,-1 1 1 0 0,1-1 0 0 0,-1 0-1 0 0,0 1 1 0 0,1-2 0 0 0,0 1-1 0 0,-1 0 1 0 0,1 0 0 0 0,0-1 0 0 0,-1 1-1 0 0,1-1 1 0 0,0 0 0 0 0,0 0-1 0 0,4 0 1 0 0,-5 0-66 0 0,0-1 0 0 0,0 1 0 0 0,0-1 0 0 0,0 1 0 0 0,0-1 0 0 0,-1 0 0 0 0,1 0-1 0 0,0 0 1 0 0,0 0 0 0 0,-1 0 0 0 0,1 0 0 0 0,0 0 0 0 0,-1 0 0 0 0,1-1 0 0 0,-1 1 0 0 0,0-1 0 0 0,1 1 0 0 0,-1-1-1 0 0,0 1 1 0 0,0-1 0 0 0,0 0 0 0 0,0 0 0 0 0,1-2 0 0 0,2-9 121 0 0,0 0 0 0 0,-1 0 0 0 0,-1 0 0 0 0,0-1-1 0 0,-1 1 1 0 0,0-23 0 0 0,-13-82 167 0 0,5 62-164 0 0,-35-231 148 0 0,6 52-237 0 0,17 90-49 0 0,3 23-2005 0 0,2 0-5155 0 0,1-15-3083 0 0</inkml:trace>
+</inkml:ink>
+</file>
+
+<file path=ppt/ink/ink20.xml><?xml version="1.0" encoding="utf-8"?>
+<inkml:ink xmlns:inkml="http://www.w3.org/2003/InkML">
+  <inkml:definitions>
+    <inkml:context xml:id="ctx0">
+      <inkml:inkSource xml:id="inkSrc0">
+        <inkml:traceFormat>
+          <inkml:channel name="X" type="integer" min="-2.14748E9" max="2.14748E9" units="cm"/>
+          <inkml:channel name="Y" type="integer" min="-2.14748E9" max="2.14748E9" units="cm"/>
+          <inkml:channel name="F" type="integer" max="32767" units="dev"/>
+          <inkml:channel name="OA" type="integer" max="360" units="deg"/>
+          <inkml:channel name="OE" type="integer" max="90" units="deg"/>
+        </inkml:traceFormat>
+        <inkml:channelProperties>
+          <inkml:channelProperty channel="X" name="resolution" value="1000" units="1/cm"/>
+          <inkml:channelProperty channel="Y" name="resolution" value="1000" units="1/cm"/>
+          <inkml:channelProperty channel="F" name="resolution" value="0" units="1/dev"/>
+          <inkml:channelProperty channel="OA" name="resolution" value="1000" units="1/deg"/>
+          <inkml:channelProperty channel="OE" name="resolution" value="1000" units="1/deg"/>
+        </inkml:channelProperties>
+      </inkml:inkSource>
+      <inkml:timestamp xml:id="ts0" timeString="2024-05-01T17:48:19.175"/>
+    </inkml:context>
+    <inkml:brush xml:id="br0">
+      <inkml:brushProperty name="width" value="0.05" units="cm"/>
+      <inkml:brushProperty name="height" value="0.05" units="cm"/>
+      <inkml:brushProperty name="color" value="#004F8B"/>
+    </inkml:brush>
+  </inkml:definitions>
+  <inkml:trace contextRef="#ctx0" brushRef="#br0">14 77 12551 0 0,'3'-1'971'0'0,"36"-15"3"0"0,2-5 4224 0 0,-7 2 1354 0 0,-32 19-5399 0 0,8-8-70 0 0,8-2-297 0 0,-17 9-1907 0 0</inkml:trace>
+  <inkml:trace contextRef="#ctx0" brushRef="#br0" timeOffset="1">0 156 6127 0 0,'0'0'472'0'0,"3"2"-306"0"0,8 4 991 0 0,25 13 9254 0 0,-34-19-9633 0 0,0 1-1 0 0,0-1 1 0 0,0 1 0 0 0,0-1 0 0 0,0 1 0 0 0,0 0 0 0 0,0 0 0 0 0,3 2 0 0 0,4 1-1241 0 0</inkml:trace>
+</inkml:ink>
+</file>
+
+<file path=ppt/ink/ink21.xml><?xml version="1.0" encoding="utf-8"?>
+<inkml:ink xmlns:inkml="http://www.w3.org/2003/InkML">
+  <inkml:definitions>
+    <inkml:context xml:id="ctx0">
+      <inkml:inkSource xml:id="inkSrc0">
+        <inkml:traceFormat>
+          <inkml:channel name="X" type="integer" min="-2.14748E9" max="2.14748E9" units="cm"/>
+          <inkml:channel name="Y" type="integer" min="-2.14748E9" max="2.14748E9" units="cm"/>
+          <inkml:channel name="F" type="integer" max="32767" units="dev"/>
+          <inkml:channel name="OA" type="integer" max="360" units="deg"/>
+          <inkml:channel name="OE" type="integer" max="90" units="deg"/>
+        </inkml:traceFormat>
+        <inkml:channelProperties>
+          <inkml:channelProperty channel="X" name="resolution" value="1000" units="1/cm"/>
+          <inkml:channelProperty channel="Y" name="resolution" value="1000" units="1/cm"/>
+          <inkml:channelProperty channel="F" name="resolution" value="0" units="1/dev"/>
+          <inkml:channelProperty channel="OA" name="resolution" value="1000" units="1/deg"/>
+          <inkml:channelProperty channel="OE" name="resolution" value="1000" units="1/deg"/>
+        </inkml:channelProperties>
+      </inkml:inkSource>
+      <inkml:timestamp xml:id="ts0" timeString="2024-05-01T17:48:19.596"/>
+    </inkml:context>
+    <inkml:brush xml:id="br0">
+      <inkml:brushProperty name="width" value="0.05" units="cm"/>
+      <inkml:brushProperty name="height" value="0.05" units="cm"/>
+      <inkml:brushProperty name="color" value="#004F8B"/>
+    </inkml:brush>
+  </inkml:definitions>
+  <inkml:trace contextRef="#ctx0" brushRef="#br0">162 0 1951 0 0,'1'3'147'0'0,"-1"3"-18"0"0,0 1 1 0 0,-1-1-1 0 0,0 0 0 0 0,0 1 0 0 0,-2 8 0 0 0,-13 36 4284 0 0,14-46-3737 0 0,-27 92 15836 0 0,30-96-16414 0 0,0 0-1 0 0,0 0 1 0 0,1 0 0 0 0,-1 0 0 0 0,1-1 0 0 0,-1 1 0 0 0,0 0-1 0 0,1 0 1 0 0,0-1 0 0 0,-1 1 0 0 0,1-1 0 0 0,-1 0 0 0 0,3 1-1 0 0,-4-1-30 0 0,2 0 307 0 0,1 0-28 0 0,15-5 227 0 0,0 0 0 0 0,30-15-1 0 0,-46 19-458 0 0,6-3 1311 0 0,-11 11-1396 0 0,0-1 1 0 0,-1 0-1 0 0,0 0 1 0 0,0 0-1 0 0,-1 0 0 0 0,0-1 1 0 0,0 0-1 0 0,-9 8 1 0 0,-7 2-32 0 0,-25 15 0 0 0,28-19 0 0 0,0 1 1 0 0,-23 20-1 0 0,16-9 2 0 0,16-13 0 0 0,3 0 11 0 0,7-9-5 0 0,-1-1 0 0 0,0 1-1 0 0,1-1 1 0 0,-1 1 0 0 0,1-1 0 0 0,-1 1 0 0 0,1-1 0 0 0,-1 1 0 0 0,1-1 0 0 0,-1 1 0 0 0,1-1-1 0 0,0 0 1 0 0,-1 1 0 0 0,1-1 0 0 0,-1 0 0 0 0,1 0 0 0 0,0 1 0 0 0,0-1 0 0 0,0 0 0 0 0,17 7 66 0 0,-11-8-83 0 0,-4 0 5 0 0,6-1 76 0 0,0 1 0 0 0,0-1 1 0 0,0-1-1 0 0,-1 1 0 0 0,17-9 0 0 0,-23 10 110 0 0,9-5 203 0 0,3-1-522 0 0,-17 13-2237 0 0,-21 17-2165 0 0,11-13 499 0 0,-20 13 0 0 0,20-14 990 0 0,-11 6-2684 0 0</inkml:trace>
+</inkml:ink>
+</file>
+
+<file path=ppt/ink/ink22.xml><?xml version="1.0" encoding="utf-8"?>
+<inkml:ink xmlns:inkml="http://www.w3.org/2003/InkML">
+  <inkml:definitions>
+    <inkml:context xml:id="ctx0">
+      <inkml:inkSource xml:id="inkSrc0">
+        <inkml:traceFormat>
+          <inkml:channel name="X" type="integer" min="-2.14748E9" max="2.14748E9" units="cm"/>
+          <inkml:channel name="Y" type="integer" min="-2.14748E9" max="2.14748E9" units="cm"/>
+          <inkml:channel name="F" type="integer" max="32767" units="dev"/>
+          <inkml:channel name="OA" type="integer" max="360" units="deg"/>
+          <inkml:channel name="OE" type="integer" max="90" units="deg"/>
+        </inkml:traceFormat>
+        <inkml:channelProperties>
+          <inkml:channelProperty channel="X" name="resolution" value="1000" units="1/cm"/>
+          <inkml:channelProperty channel="Y" name="resolution" value="1000" units="1/cm"/>
+          <inkml:channelProperty channel="F" name="resolution" value="0" units="1/dev"/>
+          <inkml:channelProperty channel="OA" name="resolution" value="1000" units="1/deg"/>
+          <inkml:channelProperty channel="OE" name="resolution" value="1000" units="1/deg"/>
+        </inkml:channelProperties>
+      </inkml:inkSource>
+      <inkml:timestamp xml:id="ts0" timeString="2024-05-01T17:48:20.002"/>
+    </inkml:context>
+    <inkml:brush xml:id="br0">
+      <inkml:brushProperty name="width" value="0.05" units="cm"/>
+      <inkml:brushProperty name="height" value="0.05" units="cm"/>
+      <inkml:brushProperty name="color" value="#004F8B"/>
+    </inkml:brush>
+  </inkml:definitions>
+  <inkml:trace contextRef="#ctx0" brushRef="#br0">0 174 4831 0 0,'6'6'160'0'0,"0"1"-1"0"0,0 0 0 0 0,-1 0 0 0 0,0 1 0 0 0,8 14 1 0 0,-3-5 1502 0 0,26 59 7754 0 0,-12-20-1175 0 0,-23-55-8058 0 0,0 1 1 0 0,0-1 0 0 0,0 0-1 0 0,0 0 1 0 0,0 0-1 0 0,0 1 1 0 0,0-1 0 0 0,0 0-1 0 0,1 0 1 0 0,-1-1-1 0 0,0 1 1 0 0,3 1 0 0 0,-1-1 29 0 0,-2 0 123 0 0,10-4 417 0 0,-7 0-728 0 0,-1-1-1 0 0,0 0 1 0 0,-1 0-1 0 0,1-1 1 0 0,0 1-1 0 0,-1-1 1 0 0,0 1-1 0 0,0-1 1 0 0,-1 1-1 0 0,1-1 1 0 0,-1 0-1 0 0,0 0 1 0 0,0 0-1 0 0,0-5 0 0 0,-1-10-270 0 0,0 0-1 0 0,-3-25 0 0 0,0 10-128 0 0,-3 10 63 0 0,5 13 169 0 0,7-13 25 0 0,1 14 64 0 0,0 6 89 0 0,-1 0 0 0 0,1 0-1 0 0,0 1 1 0 0,0 0 0 0 0,0 0-1 0 0,10-3 1 0 0,51-15 890 0 0,-39 13-562 0 0,82-32 1085 0 0,-96 36-753 0 0,31-8 0 0 0,-29 9 42 0 0,-15 4-716 0 0,1 0 0 0 0,-1 0 0 0 0,0 0 0 0 0,0 0 0 0 0,1 0 0 0 0,-1 0 0 0 0,0 1 0 0 0,0-1 0 0 0,4 3 0 0 0,5 4 6 0 0,-10-6-27 0 0,0 1 1 0 0,0 0-1 0 0,-1 0 0 0 0,1 0 0 0 0,0-1 1 0 0,-1 1-1 0 0,0 0 0 0 0,1 0 1 0 0,-1 0-1 0 0,0 0 0 0 0,0 0 0 0 0,0 0 1 0 0,0 0-1 0 0,0 0 0 0 0,-1 0 1 0 0,0 2-1 0 0,-11 34-1 0 0,7-25 1 0 0,3-8 0 0 0,0 0 0 0 0,-1 0 0 0 0,0 0 0 0 0,0 0 0 0 0,0-1 0 0 0,-6 6 0 0 0,-4 7 0 0 0,7-10 0 0 0,1 0 0 0 0,-2-1 0 0 0,-8 9 0 0 0,8-10 0 0 0,7-4-51 0 0,0-1 0 0 0,-1 1 0 0 0,1-1 0 0 0,0 0-1 0 0,-1 0 1 0 0,1 1 0 0 0,0-1 0 0 0,-1 0 0 0 0,1 0 0 0 0,-1 1 0 0 0,1-1 0 0 0,-1 0 0 0 0,1 0-1 0 0,0 0 1 0 0,-1 0 0 0 0,1 0 0 0 0,-1 0 0 0 0,1 0 0 0 0,-1 1 0 0 0,1-1 0 0 0,-1 0 0 0 0,1-1 0 0 0,0 1-1 0 0,-1 0 1 0 0,1 0 0 0 0,-1 0 0 0 0,1 0 0 0 0,-1 0 0 0 0,1 0 0 0 0,0 0 0 0 0,-1-1 0 0 0,1 1-1 0 0,-1 0 1 0 0,1 0 0 0 0,0-1 0 0 0,-1 1 0 0 0,1 0 0 0 0,0-1 0 0 0,-1 1 0 0 0,1 0 0 0 0,0-1-1 0 0,-1 1 1 0 0,1 0 0 0 0,0-1 0 0 0,0 1 0 0 0,0 0 0 0 0,-1-1 0 0 0,1 1 0 0 0,0-1 0 0 0,0 0 0 0 0,0 1-240 0 0,-7-22-9281 0 0,4 8 801 0 0</inkml:trace>
+</inkml:ink>
+</file>
+
+<file path=ppt/ink/ink23.xml><?xml version="1.0" encoding="utf-8"?>
+<inkml:ink xmlns:inkml="http://www.w3.org/2003/InkML">
+  <inkml:definitions>
+    <inkml:context xml:id="ctx0">
+      <inkml:inkSource xml:id="inkSrc0">
+        <inkml:traceFormat>
+          <inkml:channel name="X" type="integer" min="-2.14748E9" max="2.14748E9" units="cm"/>
+          <inkml:channel name="Y" type="integer" min="-2.14748E9" max="2.14748E9" units="cm"/>
+          <inkml:channel name="F" type="integer" max="32767" units="dev"/>
+          <inkml:channel name="OA" type="integer" max="360" units="deg"/>
+          <inkml:channel name="OE" type="integer" max="90" units="deg"/>
+        </inkml:traceFormat>
+        <inkml:channelProperties>
+          <inkml:channelProperty channel="X" name="resolution" value="1000" units="1/cm"/>
+          <inkml:channelProperty channel="Y" name="resolution" value="1000" units="1/cm"/>
+          <inkml:channelProperty channel="F" name="resolution" value="0" units="1/dev"/>
+          <inkml:channelProperty channel="OA" name="resolution" value="1000" units="1/deg"/>
+          <inkml:channelProperty channel="OE" name="resolution" value="1000" units="1/deg"/>
+        </inkml:channelProperties>
+      </inkml:inkSource>
+      <inkml:timestamp xml:id="ts0" timeString="2024-05-01T17:48:20.392"/>
+    </inkml:context>
+    <inkml:brush xml:id="br0">
+      <inkml:brushProperty name="width" value="0.05" units="cm"/>
+      <inkml:brushProperty name="height" value="0.05" units="cm"/>
+      <inkml:brushProperty name="color" value="#004F8B"/>
+    </inkml:brush>
+  </inkml:definitions>
+  <inkml:trace contextRef="#ctx0" brushRef="#br0">0 0 2359 0 0,'2'2'174'0'0,"77"179"15502"0"0,-56-132-12355 0 0,-5-10 421 0 0,19 58 1 0 0,8 52 9 0 0,-41-140-3772 0 0,-3-8-83 0 0,-19-21-11563 0 0,5-6 3527 0 0,5 12 2523 0 0</inkml:trace>
+</inkml:ink>
+</file>
+
+<file path=ppt/ink/ink24.xml><?xml version="1.0" encoding="utf-8"?>
+<inkml:ink xmlns:inkml="http://www.w3.org/2003/InkML">
+  <inkml:definitions>
+    <inkml:context xml:id="ctx0">
+      <inkml:inkSource xml:id="inkSrc0">
+        <inkml:traceFormat>
+          <inkml:channel name="X" type="integer" min="-2.14748E9" max="2.14748E9" units="cm"/>
+          <inkml:channel name="Y" type="integer" min="-2.14748E9" max="2.14748E9" units="cm"/>
+          <inkml:channel name="F" type="integer" max="32767" units="dev"/>
+          <inkml:channel name="OA" type="integer" max="360" units="deg"/>
+          <inkml:channel name="OE" type="integer" max="90" units="deg"/>
+        </inkml:traceFormat>
+        <inkml:channelProperties>
+          <inkml:channelProperty channel="X" name="resolution" value="1000" units="1/cm"/>
+          <inkml:channelProperty channel="Y" name="resolution" value="1000" units="1/cm"/>
+          <inkml:channelProperty channel="F" name="resolution" value="0" units="1/dev"/>
+          <inkml:channelProperty channel="OA" name="resolution" value="1000" units="1/deg"/>
+          <inkml:channelProperty channel="OE" name="resolution" value="1000" units="1/deg"/>
+        </inkml:channelProperties>
+      </inkml:inkSource>
+      <inkml:timestamp xml:id="ts0" timeString="2024-05-01T17:48:20.735"/>
+    </inkml:context>
+    <inkml:brush xml:id="br0">
+      <inkml:brushProperty name="width" value="0.05" units="cm"/>
+      <inkml:brushProperty name="height" value="0.05" units="cm"/>
+      <inkml:brushProperty name="color" value="#004F8B"/>
+    </inkml:brush>
+  </inkml:definitions>
+  <inkml:trace contextRef="#ctx0" brushRef="#br0">267 0 2879 0 0,'-1'2'214'0'0,"-15"13"1943"0"0,2 1-1 0 0,0 1 1 0 0,1 0 0 0 0,-19 34 0 0 0,-11 15 2123 0 0,8-20 348 0 0,-53 57 1 0 0,87-103-4599 0 0,0-1 0 0 0,1 1 0 0 0,-1 0 1 0 0,0-1-1 0 0,1 1 0 0 0,-1-1 0 0 0,1 1 1 0 0,-1-1-1 0 0,0 0 0 0 0,1 1 0 0 0,-1-1 1 0 0,1 1-1 0 0,0-1 0 0 0,-1 0 0 0 0,1 1 1 0 0,0-1-1 0 0,-1 0 0 0 0,1-1 0 0 0,-1-1-27 0 0,1 0 0 0 0,0 0 0 0 0,1 0 0 0 0,-1 0 0 0 0,0-1 0 0 0,1 1-1 0 0,0 0 1 0 0,0 0 0 0 0,0 0 0 0 0,0 0 0 0 0,0 0 0 0 0,0 0 0 0 0,3-3-1 0 0,1-3-99 0 0,1 0-1 0 0,13-15 0 0 0,-7 12 17 0 0,2 0 1 0 0,0 0-1 0 0,0 2 0 0 0,1-1 1 0 0,0 2-1 0 0,1 0 0 0 0,0 1 1 0 0,0 0-1 0 0,1 1 0 0 0,0 1 1 0 0,30-6-1 0 0,139-15 2746 0 0,-163 25-2019 0 0,-21 1-368 0 0,17-6 462 0 0,-13 5-1100 0 0,-1-1 0 0 0,1 0 0 0 0,-1 0-1 0 0,0 0 1 0 0,0 0 0 0 0,0-1 0 0 0,8-7-1 0 0,9-7-8490 0 0,-5 7 479 0 0</inkml:trace>
+</inkml:ink>
+</file>
+
+<file path=ppt/ink/ink25.xml><?xml version="1.0" encoding="utf-8"?>
+<inkml:ink xmlns:inkml="http://www.w3.org/2003/InkML">
+  <inkml:definitions>
+    <inkml:context xml:id="ctx0">
+      <inkml:inkSource xml:id="inkSrc0">
+        <inkml:traceFormat>
+          <inkml:channel name="X" type="integer" min="-2.14748E9" max="2.14748E9" units="cm"/>
+          <inkml:channel name="Y" type="integer" min="-2.14748E9" max="2.14748E9" units="cm"/>
+          <inkml:channel name="F" type="integer" max="32767" units="dev"/>
+          <inkml:channel name="OA" type="integer" max="360" units="deg"/>
+          <inkml:channel name="OE" type="integer" max="90" units="deg"/>
+        </inkml:traceFormat>
+        <inkml:channelProperties>
+          <inkml:channelProperty channel="X" name="resolution" value="1000" units="1/cm"/>
+          <inkml:channelProperty channel="Y" name="resolution" value="1000" units="1/cm"/>
+          <inkml:channelProperty channel="F" name="resolution" value="0" units="1/dev"/>
+          <inkml:channelProperty channel="OA" name="resolution" value="1000" units="1/deg"/>
+          <inkml:channelProperty channel="OE" name="resolution" value="1000" units="1/deg"/>
+        </inkml:channelProperties>
+      </inkml:inkSource>
+      <inkml:timestamp xml:id="ts0" timeString="2024-05-01T17:48:21.103"/>
+    </inkml:context>
+    <inkml:brush xml:id="br0">
+      <inkml:brushProperty name="width" value="0.05" units="cm"/>
+      <inkml:brushProperty name="height" value="0.05" units="cm"/>
+      <inkml:brushProperty name="color" value="#004F8B"/>
+    </inkml:brush>
+  </inkml:definitions>
+  <inkml:trace contextRef="#ctx0" brushRef="#br0">0 85 5119 0 0,'0'0'396'0'0,"16"-11"1395"0"0,2 2 2529 0 0,1 1 0 0 0,25-7 0 0 0,-25 8-2902 0 0,-1 0 0 0 0,24-11 0 0 0,-41 17-1066 0 0,18-4 453 0 0,-13 2-550 0 0,-4 3 235 0 0,0 0-273 0 0,20 8 1327 0 0,-20-7-1284 0 0,1 0-32 0 0,6 2 252 0 0,0-1 0 0 0,0 0 0 0 0,12 1 0 0 0,-19-3-257 0 0,1 0-40 0 0,2-1-798 0 0</inkml:trace>
+</inkml:ink>
+</file>
+
+<file path=ppt/ink/ink26.xml><?xml version="1.0" encoding="utf-8"?>
+<inkml:ink xmlns:inkml="http://www.w3.org/2003/InkML">
+  <inkml:definitions>
+    <inkml:context xml:id="ctx0">
+      <inkml:inkSource xml:id="inkSrc0">
+        <inkml:traceFormat>
+          <inkml:channel name="X" type="integer" min="-2.14748E9" max="2.14748E9" units="cm"/>
+          <inkml:channel name="Y" type="integer" min="-2.14748E9" max="2.14748E9" units="cm"/>
+          <inkml:channel name="F" type="integer" max="32767" units="dev"/>
+          <inkml:channel name="OA" type="integer" max="360" units="deg"/>
+          <inkml:channel name="OE" type="integer" max="90" units="deg"/>
+        </inkml:traceFormat>
+        <inkml:channelProperties>
+          <inkml:channelProperty channel="X" name="resolution" value="1000" units="1/cm"/>
+          <inkml:channelProperty channel="Y" name="resolution" value="1000" units="1/cm"/>
+          <inkml:channelProperty channel="F" name="resolution" value="0" units="1/dev"/>
+          <inkml:channelProperty channel="OA" name="resolution" value="1000" units="1/deg"/>
+          <inkml:channelProperty channel="OE" name="resolution" value="1000" units="1/deg"/>
+        </inkml:channelProperties>
+      </inkml:inkSource>
+      <inkml:timestamp xml:id="ts0" timeString="2024-05-01T17:48:21.493"/>
+    </inkml:context>
+    <inkml:brush xml:id="br0">
+      <inkml:brushProperty name="width" value="0.05" units="cm"/>
+      <inkml:brushProperty name="height" value="0.05" units="cm"/>
+      <inkml:brushProperty name="color" value="#004F8B"/>
+    </inkml:brush>
+  </inkml:definitions>
+  <inkml:trace contextRef="#ctx0" brushRef="#br0">1 1 6767 0 0,'15'38'977'0'0,"10"45"-1"0"0,-5-1 3816 0 0,-15-62-3061 0 0,18 134 7340 0 0,-19-118-7010 0 0,-2-21-1443 0 0,1 6 450 0 0,-1 1-1 0 0,0 0 1 0 0,-3 27-1 0 0,0-40-762 0 0,0-1 1 0 0,1 1-1 0 0,1 12 0 0 0,-1-19-81 0 0,-2-14-1978 0 0,-35-155-17918 0 0,28 137 14725 0 0</inkml:trace>
+</inkml:ink>
+</file>
+
+<file path=ppt/ink/ink27.xml><?xml version="1.0" encoding="utf-8"?>
+<inkml:ink xmlns:inkml="http://www.w3.org/2003/InkML">
+  <inkml:definitions>
+    <inkml:context xml:id="ctx0">
+      <inkml:inkSource xml:id="inkSrc0">
+        <inkml:traceFormat>
+          <inkml:channel name="X" type="integer" min="-2.14748E9" max="2.14748E9" units="cm"/>
+          <inkml:channel name="Y" type="integer" min="-2.14748E9" max="2.14748E9" units="cm"/>
+          <inkml:channel name="F" type="integer" max="32767" units="dev"/>
+          <inkml:channel name="OA" type="integer" max="360" units="deg"/>
+          <inkml:channel name="OE" type="integer" max="90" units="deg"/>
+        </inkml:traceFormat>
+        <inkml:channelProperties>
+          <inkml:channelProperty channel="X" name="resolution" value="1000" units="1/cm"/>
+          <inkml:channelProperty channel="Y" name="resolution" value="1000" units="1/cm"/>
+          <inkml:channelProperty channel="F" name="resolution" value="0" units="1/dev"/>
+          <inkml:channelProperty channel="OA" name="resolution" value="1000" units="1/deg"/>
+          <inkml:channelProperty channel="OE" name="resolution" value="1000" units="1/deg"/>
+        </inkml:channelProperties>
+      </inkml:inkSource>
+      <inkml:timestamp xml:id="ts0" timeString="2024-05-01T17:48:21.846"/>
+    </inkml:context>
+    <inkml:brush xml:id="br0">
+      <inkml:brushProperty name="width" value="0.05" units="cm"/>
+      <inkml:brushProperty name="height" value="0.05" units="cm"/>
+      <inkml:brushProperty name="color" value="#004F8B"/>
+    </inkml:brush>
+  </inkml:definitions>
+  <inkml:trace contextRef="#ctx0" brushRef="#br0">96 253 6335 0 0,'-1'2'486'0'0,"-13"32"-133"0"0,-4 22 4704 0 0,-1 6 33 0 0,5-18-2315 0 0,9-27-824 0 0,-11 27 0 0 0,10-30-296 0 0,4-9 484 0 0,5-15-1757 0 0,4-7-1046 0 0,0 1 1 0 0,2-1 0 0 0,15-23 0 0 0,-19 33 420 0 0,-2 3 99 0 0,8-14-1343 0 0,21-25 1 0 0,-29 39 1319 0 0,1 0 1 0 0,0 0-1 0 0,0 0 0 0 0,1 0 1 0 0,-1 1-1 0 0,1 0 1 0 0,0 0-1 0 0,0 0 1 0 0,0 0-1 0 0,9-3 1 0 0,22-3-78 0 0,-21 9 349 0 0,-9 1-28 0 0,-4 0 57 0 0,0 0 0 0 0,0-1-1 0 0,0 1 1 0 0,-1 1 0 0 0,1-1-1 0 0,0 0 1 0 0,-1 0 0 0 0,1 1 0 0 0,-1-1-1 0 0,1 1 1 0 0,-1-1 0 0 0,2 3-1 0 0,-1-2 142 0 0,0 0-25 0 0,-1 0 0 0 0,0 0 0 0 0,1 1 0 0 0,-1-1 0 0 0,0 0 0 0 0,0 0 0 0 0,0 1 0 0 0,0-1-1 0 0,0 0 1 0 0,-1 1 0 0 0,1-1 0 0 0,-1 1 0 0 0,1 4 0 0 0,-1 2 369 0 0,0-1 1 0 0,-3 14 0 0 0,2-14-310 0 0,1-6 100 0 0,-2 7 1023 0 0,6-17-2056 0 0,-1 1 0 0 0,0-1 0 0 0,0-1 0 0 0,0 1-1 0 0,0-9 1 0 0,7-46-5453 0 0,-7 43 3738 0 0,-3 4 925 0 0,0-1 0 0 0,0 1 0 0 0,-2-1 0 0 0,0 1 0 0 0,0-1 0 0 0,-9-25 0 0 0,0-5 2477 0 0,11 46-434 0 0,0-1-242 0 0,0 1 0 0 0,0 0 0 0 0,1 0 0 0 0,-1 0 0 0 0,1 0 0 0 0,-1-1 0 0 0,1 1 0 0 0,0 0 0 0 0,-1 0 0 0 0,1 0 0 0 0,0 0 0 0 0,0 0 0 0 0,0 1 0 0 0,-1-1 1 0 0,1 0-1 0 0,0 0 0 0 0,0 0 0 0 0,0 1 0 0 0,0-1 0 0 0,0 1 0 0 0,3-2 0 0 0,29-11 3258 0 0,-25 10-2948 0 0,16-7 1058 0 0,23-7 1109 0 0,-34 13-2073 0 0,22-11 1 0 0,-24 10-627 0 0,-10 4-14 0 0,1 0 0 0 0,0 0 0 0 0,0 0 0 0 0,0 1 0 0 0,0-1 0 0 0,0 1 0 0 0,4-1 0 0 0,-5 1-106 0 0,-1 0 0 0 0,1 0-1 0 0,0 0 1 0 0,-1 0 0 0 0,1 1-1 0 0,-1-1 1 0 0,1 0 0 0 0,0 0-1 0 0,-1 1 1 0 0,1-1 0 0 0,-1 0-1 0 0,1 1 1 0 0,-1-1-1 0 0,1 1 1 0 0,-1-1 0 0 0,1 1-1 0 0,-1-1 1 0 0,1 1 0 0 0,-1-1-1 0 0,0 1 1 0 0,1-1 0 0 0,-1 1-1 0 0,0-1 1 0 0,1 1 0 0 0,-1 0-1 0 0,0 0 1 0 0,2 3 51 0 0,-1 0-1 0 0,0 0 1 0 0,0 0 0 0 0,0 1-1 0 0,-1-1 1 0 0,1 0 0 0 0,-1 0-1 0 0,0 8 1 0 0,-7 36 353 0 0,2-18-237 0 0,-18 78-126 0 0,6-39-83 0 0,11-47-4 0 0,-15 40 0 0 0,4-15 0 0 0,9-25 0 0 0,-22 40 0 0 0,22-49-117 0 0,7-12-61 0 0,-1 0 0 0 0,0 1 0 0 0,1-1 0 0 0,-1 0 0 0 0,0 0 0 0 0,0 1 0 0 0,-3 0 0 0 0,4-2-682 0 0,0-2-326 0 0,0-5-393 0 0,-1 1 0 0 0,1-1 0 0 0,0 1 0 0 0,1-9 0 0 0,-2-10-5276 0 0,-1 6 544 0 0</inkml:trace>
+</inkml:ink>
+</file>
+
+<file path=ppt/ink/ink28.xml><?xml version="1.0" encoding="utf-8"?>
+<inkml:ink xmlns:inkml="http://www.w3.org/2003/InkML">
+  <inkml:definitions>
+    <inkml:context xml:id="ctx0">
+      <inkml:inkSource xml:id="inkSrc0">
+        <inkml:traceFormat>
+          <inkml:channel name="X" type="integer" min="-2.14748E9" max="2.14748E9" units="cm"/>
+          <inkml:channel name="Y" type="integer" min="-2.14748E9" max="2.14748E9" units="cm"/>
+          <inkml:channel name="F" type="integer" max="32767" units="dev"/>
+          <inkml:channel name="OA" type="integer" max="360" units="deg"/>
+          <inkml:channel name="OE" type="integer" max="90" units="deg"/>
+        </inkml:traceFormat>
+        <inkml:channelProperties>
+          <inkml:channelProperty channel="X" name="resolution" value="1000" units="1/cm"/>
+          <inkml:channelProperty channel="Y" name="resolution" value="1000" units="1/cm"/>
+          <inkml:channelProperty channel="F" name="resolution" value="0" units="1/dev"/>
+          <inkml:channelProperty channel="OA" name="resolution" value="1000" units="1/deg"/>
+          <inkml:channelProperty channel="OE" name="resolution" value="1000" units="1/deg"/>
+        </inkml:channelProperties>
+      </inkml:inkSource>
+      <inkml:timestamp xml:id="ts0" timeString="2024-05-01T17:48:22.222"/>
+    </inkml:context>
+    <inkml:brush xml:id="br0">
+      <inkml:brushProperty name="width" value="0.05" units="cm"/>
+      <inkml:brushProperty name="height" value="0.05" units="cm"/>
+      <inkml:brushProperty name="color" value="#004F8B"/>
+    </inkml:brush>
+  </inkml:definitions>
+  <inkml:trace contextRef="#ctx0" brushRef="#br0">0 426 6991 0 0,'1'3'542'0'0,"20"25"-419"0"0,15 16 4429 0 0,-4-6 1062 0 0,43 51 3896 0 0,-56-62-7800 0 0,-14-21-1230 0 0,-1 1 1 0 0,1-1-1 0 0,6 6 0 0 0,11 10 1108 0 0,-21-20-1417 0 0,0-2-131 0 0,0 1-42 0 0,0-1 0 0 0,0 1 1 0 0,0-1-1 0 0,-1 1 0 0 0,1-1 1 0 0,0 0-1 0 0,0 1 0 0 0,0-1 0 0 0,0 0 1 0 0,0 0-1 0 0,0 0 0 0 0,0 0 1 0 0,0 0-1 0 0,0 0 0 0 0,0 0 1 0 0,0 0-1 0 0,0 0 0 0 0,0 0 0 0 0,-1 0 1 0 0,1-1-1 0 0,0 1 0 0 0,0 0 1 0 0,0-1-1 0 0,0 1 0 0 0,1-1 1 0 0,-1 0-86 0 0,1 0-62 0 0,-1 0 0 0 0,1 0 0 0 0,-1 0 1 0 0,1 0-1 0 0,-1 0 0 0 0,0 0 0 0 0,0-1 0 0 0,0 1 0 0 0,1 0 0 0 0,-1-1 0 0 0,-1 1 1 0 0,1-1-1 0 0,0 1 0 0 0,0-1 0 0 0,0 1 0 0 0,-1-1 0 0 0,1 0 0 0 0,-1 1 0 0 0,1-3 1 0 0,2-5-787 0 0,0 1-277 0 0,0 0-1 0 0,-1 0 1 0 0,0 0-1 0 0,-1-1 1 0 0,0 1-1 0 0,0-10 1 0 0,2-10-4018 0 0,1-3-1309 0 0</inkml:trace>
+  <inkml:trace contextRef="#ctx0" brushRef="#br0" timeOffset="1">219 157 7687 0 0,'0'0'590'0'0,"2"-1"-386"0"0,1-2 434 0 0,1 0 0 0 0,0 0 0 0 0,0 1 0 0 0,1-1 0 0 0,-1 1 1 0 0,0 0-1 0 0,6-2 0 0 0,40-12 8511 0 0,-20 7-6502 0 0,-6 2-807 0 0,-1-2 0 0 0,0 0 1 0 0,26-16-1 0 0,-40 19-1819 0 0,-2-3-18 0 0,2-3-204 0 0,-9 12 150 0 0,1 0 0 0 0,-1 0 1 0 0,0-1-1 0 0,1 1 0 0 0,-1 0 0 0 0,0 0 0 0 0,1-1 0 0 0,-1 1 0 0 0,0 0 1 0 0,0-1-1 0 0,1 1 0 0 0,-1-1 0 0 0,0 1 0 0 0,0 0 0 0 0,0-1 0 0 0,0 1 0 0 0,1-1 1 0 0,-1 1-1 0 0,0 0 0 0 0,0-1 0 0 0,0 1 0 0 0,0-1 0 0 0,0 1 0 0 0,0-1 1 0 0,0 1-1 0 0,0-1 0 0 0,-1-2-160 0 0,1 1-687 0 0,-4-2-2224 0 0,3 3 2538 0 0,-1 0-1 0 0,0 0 0 0 0,1 0 0 0 0,-1 0 0 0 0,1 0 0 0 0,-1 0 0 0 0,-3-1 0 0 0,-4-1-5144 0 0</inkml:trace>
+</inkml:ink>
+</file>
+
+<file path=ppt/ink/ink29.xml><?xml version="1.0" encoding="utf-8"?>
+<inkml:ink xmlns:inkml="http://www.w3.org/2003/InkML">
+  <inkml:definitions>
+    <inkml:context xml:id="ctx0">
+      <inkml:inkSource xml:id="inkSrc0">
+        <inkml:traceFormat>
+          <inkml:channel name="X" type="integer" min="-2.14748E9" max="2.14748E9" units="cm"/>
+          <inkml:channel name="Y" type="integer" min="-2.14748E9" max="2.14748E9" units="cm"/>
+          <inkml:channel name="F" type="integer" max="32767" units="dev"/>
+          <inkml:channel name="OA" type="integer" max="360" units="deg"/>
+          <inkml:channel name="OE" type="integer" max="90" units="deg"/>
+        </inkml:traceFormat>
+        <inkml:channelProperties>
+          <inkml:channelProperty channel="X" name="resolution" value="1000" units="1/cm"/>
+          <inkml:channelProperty channel="Y" name="resolution" value="1000" units="1/cm"/>
+          <inkml:channelProperty channel="F" name="resolution" value="0" units="1/dev"/>
+          <inkml:channelProperty channel="OA" name="resolution" value="1000" units="1/deg"/>
+          <inkml:channelProperty channel="OE" name="resolution" value="1000" units="1/deg"/>
+        </inkml:channelProperties>
+      </inkml:inkSource>
+      <inkml:timestamp xml:id="ts0" timeString="2024-05-01T17:48:22.581"/>
+    </inkml:context>
+    <inkml:brush xml:id="br0">
+      <inkml:brushProperty name="width" value="0.05" units="cm"/>
+      <inkml:brushProperty name="height" value="0.05" units="cm"/>
+      <inkml:brushProperty name="color" value="#004F8B"/>
+    </inkml:brush>
+  </inkml:definitions>
+  <inkml:trace contextRef="#ctx0" brushRef="#br0">1 1 6767 0 0,'0'0'520'0'0,"1"2"-340"0"0,105 169 14807 0 0,-88-138-13217 0 0,-2 1-1 0 0,-2 0 1 0 0,15 52-1 0 0,-6-5-690 0 0,-5 1-1 0 0,12 107 0 0 0,-29-178-1078 0 0,0-6 0 0 0,0 0 0 0 0,-1 0 0 0 0,1 0 0 0 0,-1 0 0 0 0,-1 7 0 0 0,1-11 0 0 0,0-1 0 0 0,0 0 0 0 0,0 1 0 0 0,0-1 0 0 0,0 1 0 0 0,0-1 0 0 0,-1 1 0 0 0,1-1 0 0 0,0 1 0 0 0,0-1 0 0 0,0 0 0 0 0,0 1 0 0 0,-1-1 0 0 0,1 1 0 0 0,0-1 0 0 0,0 1 0 0 0,0-1 0 0 0,-1 0 0 0 0,1 1 0 0 0,0-1 0 0 0,-1 0 0 0 0,0 1 0 0 0,0-1 0 0 0,-1 0 0 0 0,1 1 0 0 0,-1-1 0 0 0,0 0 0 0 0,1 0 0 0 0,-1 0 0 0 0,1-1 0 0 0,-1 1 0 0 0,1 0 0 0 0,-1-1 0 0 0,0 1 0 0 0,1-1 0 0 0,-1 1 0 0 0,1-1 0 0 0,0 0 0 0 0,-1 1 0 0 0,1-1 0 0 0,0 0 0 0 0,-1 0 0 0 0,-1-2 0 0 0,-3-2 0 0 0,-1 0 0 0 0,-10-12 0 0 0,7 4 0 0 0,0 0 0 0 0,1 0 0 0 0,0-1 0 0 0,1 0 0 0 0,0 0 0 0 0,1-1 0 0 0,1 0 0 0 0,1 0 0 0 0,0-1 0 0 0,1 1 0 0 0,-4-25 0 0 0,8 35 0 0 0,-1 4 0 0 0,1 0 0 0 0,0-1 0 0 0,0 1 0 0 0,0 0 0 0 0,0-1 0 0 0,0 1 0 0 0,0 0 0 0 0,0-1 0 0 0,1 1 0 0 0,-1 0 0 0 0,1-2 0 0 0,1-1 0 0 0,1 0 0 0 0,-1 0 0 0 0,1 0 0 0 0,6-7 0 0 0,56-54 0 0 0,-58 59 0 0 0,-2 2 0 0 0,14-20 0 0 0,-7 10-3869 0 0</inkml:trace>
+</inkml:ink>
+</file>
+
+<file path=ppt/ink/ink3.xml><?xml version="1.0" encoding="utf-8"?>
+<inkml:ink xmlns:inkml="http://www.w3.org/2003/InkML">
+  <inkml:definitions>
+    <inkml:context xml:id="ctx0">
+      <inkml:inkSource xml:id="inkSrc0">
+        <inkml:traceFormat>
+          <inkml:channel name="X" type="integer" min="-2.14748E9" max="2.14748E9" units="cm"/>
+          <inkml:channel name="Y" type="integer" min="-2.14748E9" max="2.14748E9" units="cm"/>
+          <inkml:channel name="F" type="integer" max="32767" units="dev"/>
+          <inkml:channel name="OA" type="integer" max="360" units="deg"/>
+          <inkml:channel name="OE" type="integer" max="90" units="deg"/>
+        </inkml:traceFormat>
+        <inkml:channelProperties>
+          <inkml:channelProperty channel="X" name="resolution" value="1000" units="1/cm"/>
+          <inkml:channelProperty channel="Y" name="resolution" value="1000" units="1/cm"/>
+          <inkml:channelProperty channel="F" name="resolution" value="0" units="1/dev"/>
+          <inkml:channelProperty channel="OA" name="resolution" value="1000" units="1/deg"/>
+          <inkml:channelProperty channel="OE" name="resolution" value="1000" units="1/deg"/>
+        </inkml:channelProperties>
+      </inkml:inkSource>
+      <inkml:timestamp xml:id="ts0" timeString="2024-05-01T17:28:23.706"/>
+    </inkml:context>
+    <inkml:brush xml:id="br0">
+      <inkml:brushProperty name="width" value="0.05" units="cm"/>
+      <inkml:brushProperty name="height" value="0.05" units="cm"/>
+      <inkml:brushProperty name="color" value="#004F8B"/>
+    </inkml:brush>
+  </inkml:definitions>
+  <inkml:trace contextRef="#ctx0" brushRef="#br0">1 1 2879 0 0,'3'2'214'0'0,"9"6"256"0"0,-1 0 1 0 0,-1 1-1 0 0,0 0 1 0 0,0 0-1 0 0,13 17 1 0 0,-6-3 2121 0 0,27 44-1 0 0,-28-32-134 0 0,0 0-1 0 0,18 68 0 0 0,-21-64-1415 0 0,31 131 3024 0 0,-25-87-2561 0 0,11 81 882 0 0,-21-103-1507 0 0,21 71 0 0 0,-29-128-726 0 0,-1-4-151 0 0,0 1 0 0 0,0-1-1 0 0,0 0 1 0 0,0 0 0 0 0,0 0 0 0 0,1 0 0 0 0,-1 1 0 0 0,0-1-1 0 0,0 0 1 0 0,0 0 0 0 0,0 0 0 0 0,0 0 0 0 0,0 0-1 0 0,0 0 1 0 0,0 1 0 0 0,0-1 0 0 0,0 0 0 0 0,0 0-1 0 0,0 0 1 0 0,1 0 0 0 0,-1 0 0 0 0,0 0 0 0 0,0 0 0 0 0,0 1-1 0 0,0-1 1 0 0,0 0 0 0 0,0 0 0 0 0,1 0 0 0 0,-1 0-1 0 0,0 0 1 0 0,0 0 0 0 0,0 0 0 0 0,0 0 0 0 0,0 0-1 0 0,1 0 1 0 0,-1 0 0 0 0,0 0 0 0 0,0 0 0 0 0,0 0 0 0 0,0 0-1 0 0,0 0 1 0 0,1 0 0 0 0,-1 0 0 0 0,0 0 0 0 0,0 0-1 0 0,0 0 1 0 0,0 0 0 0 0,0 0 0 0 0,1 0 0 0 0,-1 0-1 0 0,0 0 1 0 0,0-1 0 0 0,0 1 0 0 0,0 0 0 0 0,0 0 0 0 0,0 0-1 0 0,0 0 1 0 0,1 0 0 0 0,-1 0 0 0 0,1-8-57 0 0,-1 7 56 0 0,3-21-929 0 0,-2-1-1 0 0,0 0 1 0 0,-5-36 0 0 0,-19-68-6135 0 0,-1 31-664 0 0,10 43 2927 0 0</inkml:trace>
+</inkml:ink>
+</file>
+
+<file path=ppt/ink/ink30.xml><?xml version="1.0" encoding="utf-8"?>
+<inkml:ink xmlns:inkml="http://www.w3.org/2003/InkML">
+  <inkml:definitions>
+    <inkml:context xml:id="ctx0">
+      <inkml:inkSource xml:id="inkSrc0">
+        <inkml:traceFormat>
+          <inkml:channel name="X" type="integer" min="-2.14748E9" max="2.14748E9" units="cm"/>
+          <inkml:channel name="Y" type="integer" min="-2.14748E9" max="2.14748E9" units="cm"/>
+          <inkml:channel name="F" type="integer" max="32767" units="dev"/>
+          <inkml:channel name="OA" type="integer" max="360" units="deg"/>
+          <inkml:channel name="OE" type="integer" max="90" units="deg"/>
+        </inkml:traceFormat>
+        <inkml:channelProperties>
+          <inkml:channelProperty channel="X" name="resolution" value="1000" units="1/cm"/>
+          <inkml:channelProperty channel="Y" name="resolution" value="1000" units="1/cm"/>
+          <inkml:channelProperty channel="F" name="resolution" value="0" units="1/dev"/>
+          <inkml:channelProperty channel="OA" name="resolution" value="1000" units="1/deg"/>
+          <inkml:channelProperty channel="OE" name="resolution" value="1000" units="1/deg"/>
+        </inkml:channelProperties>
+      </inkml:inkSource>
+      <inkml:timestamp xml:id="ts0" timeString="2024-05-01T17:49:05.964"/>
+    </inkml:context>
+    <inkml:brush xml:id="br0">
+      <inkml:brushProperty name="width" value="0.05" units="cm"/>
+      <inkml:brushProperty name="height" value="0.05" units="cm"/>
+      <inkml:brushProperty name="color" value="#004F8B"/>
+    </inkml:brush>
+  </inkml:definitions>
+  <inkml:trace contextRef="#ctx0" brushRef="#br0">224 0 3079 0 0,'-3'77'255'0'0,"-8"90"1182"0"0,-13 72 1535 0 0,23-96-843 0 0,2-123-1310 0 0,2 0 0 0 0,0 0 1 0 0,1 0-1 0 0,0-1 0 0 0,9 21 0 0 0,-11-34-363 0 0,1-1 0 0 0,-1 1 0 0 0,1-1 0 0 0,0 0 0 0 0,1 0 0 0 0,-1 0 0 0 0,1-1 0 0 0,0 1 0 0 0,6 5-1 0 0,-9-9-356 0 0,1 0 0 0 0,-1 0 0 0 0,1 0 0 0 0,-1 0 0 0 0,1 0 0 0 0,-1-1 0 0 0,1 1-1 0 0,0 0 1 0 0,-1-1 0 0 0,1 1 0 0 0,0-1 0 0 0,-1 0 0 0 0,1 0 0 0 0,0 1 0 0 0,0-1-1 0 0,-1 0 1 0 0,1-1 0 0 0,0 1 0 0 0,0 0 0 0 0,-1 0 0 0 0,1-1 0 0 0,0 1 0 0 0,-1-1-1 0 0,1 1 1 0 0,0-1 0 0 0,-1 0 0 0 0,1 0 0 0 0,-1 0 0 0 0,1 1 0 0 0,-1-2 0 0 0,1 1 0 0 0,-1 0-1 0 0,0 0 1 0 0,2-2 0 0 0,7-8 279 0 0,-1-1 0 0 0,0 0 0 0 0,-1 0-1 0 0,-1 0 1 0 0,0-1 0 0 0,0 0 0 0 0,7-24 0 0 0,-7 15 2 0 0,6-36 1 0 0,-12 52-354 0 0,-1 0-1 0 0,1-1 1 0 0,-1 1-1 0 0,-1-1 1 0 0,1 1-1 0 0,-1 0 1 0 0,0-1-1 0 0,0 1 1 0 0,-1 0-1 0 0,0 0 0 0 0,0 0 1 0 0,-4-8-1 0 0,4 10-117 0 0,-1-1-1 0 0,1 1 1 0 0,-1-1-1 0 0,0 1 0 0 0,0 0 1 0 0,-1 0-1 0 0,1 0 1 0 0,-1 0-1 0 0,0 1 0 0 0,0 0 1 0 0,0-1-1 0 0,0 1 1 0 0,0 1-1 0 0,-1-1 0 0 0,-6-2 1 0 0,0 1-572 0 0,-1 1 0 0 0,1 0 1 0 0,-1 0-1 0 0,0 1 0 0 0,0 1 1 0 0,1 0-1 0 0,-1 1 1 0 0,0 0-1 0 0,0 1 0 0 0,0 0 1 0 0,0 1-1 0 0,0 0 0 0 0,1 1 1 0 0,-1 0-1 0 0,1 1 0 0 0,0 0 1 0 0,0 1-1 0 0,0 0 0 0 0,1 1 1 0 0,-18 12-1 0 0,25-15 723 0 0,-1-1 0 0 0,1 1 0 0 0,-1 0 0 0 0,0-1 0 0 0,0 0-1 0 0,0 0 1 0 0,0 0 0 0 0,0-1 0 0 0,0 1 0 0 0,0-1 0 0 0,-1 0 0 0 0,1 0 0 0 0,-9 0 2073 0 0,31-10 252 0 0,45-17 446 0 0,-2-3-668 0 0,-42 21-1306 0 0,0-1-1 0 0,28-18 1 0 0,-18 8-453 0 0,-22 15-415 0 0,0 0 0 0 0,0-1 0 0 0,0 1 0 0 0,-1-1 0 0 0,1-1 0 0 0,-1 1 0 0 0,-1-1 0 0 0,1 0 0 0 0,7-11-1 0 0,-5 6-333 0 0,0-1-1954 0 0,-4 3-2564 0 0,-1-4-2547 0 0</inkml:trace>
+</inkml:ink>
+</file>
+
+<file path=ppt/ink/ink31.xml><?xml version="1.0" encoding="utf-8"?>
+<inkml:ink xmlns:inkml="http://www.w3.org/2003/InkML">
+  <inkml:definitions>
+    <inkml:context xml:id="ctx0">
+      <inkml:inkSource xml:id="inkSrc0">
+        <inkml:traceFormat>
+          <inkml:channel name="X" type="integer" min="-2.14748E9" max="2.14748E9" units="cm"/>
+          <inkml:channel name="Y" type="integer" min="-2.14748E9" max="2.14748E9" units="cm"/>
+          <inkml:channel name="F" type="integer" max="32767" units="dev"/>
+          <inkml:channel name="OA" type="integer" max="360" units="deg"/>
+          <inkml:channel name="OE" type="integer" max="90" units="deg"/>
+        </inkml:traceFormat>
+        <inkml:channelProperties>
+          <inkml:channelProperty channel="X" name="resolution" value="1000" units="1/cm"/>
+          <inkml:channelProperty channel="Y" name="resolution" value="1000" units="1/cm"/>
+          <inkml:channelProperty channel="F" name="resolution" value="0" units="1/dev"/>
+          <inkml:channelProperty channel="OA" name="resolution" value="1000" units="1/deg"/>
+          <inkml:channelProperty channel="OE" name="resolution" value="1000" units="1/deg"/>
+        </inkml:channelProperties>
+      </inkml:inkSource>
+      <inkml:timestamp xml:id="ts0" timeString="2024-05-01T17:49:06.877"/>
+    </inkml:context>
+    <inkml:brush xml:id="br0">
+      <inkml:brushProperty name="width" value="0.05" units="cm"/>
+      <inkml:brushProperty name="height" value="0.05" units="cm"/>
+      <inkml:brushProperty name="color" value="#004F8B"/>
+    </inkml:brush>
+  </inkml:definitions>
+  <inkml:trace contextRef="#ctx0" brushRef="#br0">19 108 3311 0 0,'-12'118'1245'0'0,"5"-62"2145"0"0,7-26-1017 0 0,1-10 2229 0 0,-1-19-4507 0 0,0-1 1 0 0,0 0-1 0 0,0 1 1 0 0,0-1-1 0 0,0 0 1 0 0,1 1-1 0 0,-1-1 1 0 0,0 1-1 0 0,0-1 1 0 0,0 0-1 0 0,0 1 1 0 0,0-1-1 0 0,0 0 1 0 0,0 1-1 0 0,1-1 1 0 0,-1 0-1 0 0,0 0 1 0 0,0 1-1 0 0,1-1 1 0 0,-1 0-1 0 0,0 1 1 0 0,0-1-1 0 0,1 0 1 0 0,-1 0-1 0 0,0 0 1 0 0,1 1-1 0 0,-1-1 1 0 0,0 0-1 0 0,0 0 1 0 0,1 0-1 0 0,-1 0 1 0 0,1 0-1 0 0,-1 1 1 0 0,0-1-1 0 0,1 0 1 0 0,-1 0 0 0 0,0 0-1 0 0,1 0 1 0 0,-1 0-1 0 0,0 0 1 0 0,1 0-1 0 0,-1 0 1 0 0,0 0-1 0 0,1-1 1 0 0,-1 1-1 0 0,1 0 1 0 0,-1 0-1 0 0,0 0 1 0 0,1 0-1 0 0,-1 0 1 0 0,0-1-1 0 0,1 1 1 0 0,17-11 1636 0 0,2-10-703 0 0,-1 0 0 0 0,27-41 0 0 0,-26 33-703 0 0,28-29 1 0 0,-11 16 148 0 0,-37 41-474 0 0,1 1 1 0 0,-1 0-1 0 0,0 0 1 0 0,0 0-1 0 0,1-1 1 0 0,-1 1 0 0 0,0 0-1 0 0,1 0 1 0 0,-1 0-1 0 0,0 0 1 0 0,1 0-1 0 0,-1-1 1 0 0,0 1-1 0 0,1 0 1 0 0,-1 0-1 0 0,0 0 1 0 0,1 0-1 0 0,-1 0 1 0 0,0 0 0 0 0,1 0-1 0 0,-1 0 1 0 0,0 0-1 0 0,1 0 1 0 0,-1 1-1 0 0,0-1 1 0 0,0 0-1 0 0,1 0 1 0 0,-1 0-1 0 0,0 0 1 0 0,1 0-1 0 0,-1 1 1 0 0,0-1 0 0 0,1 0-1 0 0,-1 0 1 0 0,0 0-1 0 0,0 1 1 0 0,1-1-1 0 0,-1 0 1 0 0,0 0-1 0 0,0 1 1 0 0,0-1-1 0 0,0 0 1 0 0,1 1-1 0 0,-1-1 1 0 0,0 1 0 0 0,8 15 98 0 0,-8-14-71 0 0,5 6 3 0 0,-4-6 57 0 0,1-1 2 0 0,19 9 167 0 0,-19-9-155 0 0,1 0 1 0 0,3-1-63 0 0,1 1 0 0 0,-1-1 0 0 0,1 0 0 0 0,-1 0 0 0 0,12-3 0 0 0,-15 3-19 0 0,-1-1 0 0 0,0 0 0 0 0,0 1 0 0 0,0-1 0 0 0,0 0 0 0 0,0 0 0 0 0,0 0 0 0 0,0 0 0 0 0,0-1 0 0 0,0 1 0 0 0,-1 0 0 0 0,1-1 0 0 0,0 1 0 0 0,-1-1 0 0 0,1 0 0 0 0,-1 1 0 0 0,1-1 0 0 0,-1 0 0 0 0,0 0 0 0 0,0 0 0 0 0,0 0 0 0 0,1-4 0 0 0,11-27 183 0 0,-13 31-194 0 0,1 1 0 0 0,-1-1-1 0 0,0 1 1 0 0,1 0 0 0 0,-1-1-1 0 0,0 1 1 0 0,0-1 0 0 0,0 1-1 0 0,0-1 1 0 0,0 1 0 0 0,0-1-1 0 0,0 1 1 0 0,-1-1 0 0 0,1 1-1 0 0,-1-1 1 0 0,1 1 0 0 0,-1-2-1 0 0,-1-2 33 0 0,1 3-26 0 0,0 0 0 0 0,1 0 0 0 0,-1 0 0 0 0,0 0 0 0 0,0 0 0 0 0,0 0 0 0 0,0 1 0 0 0,-1-1 0 0 0,1 0 0 0 0,0 1 0 0 0,-1-1 0 0 0,1 1 0 0 0,-1-1 0 0 0,1 1-1 0 0,-1 0 1 0 0,0 0 0 0 0,-3-2 0 0 0,2 2 4 0 0,0 0-1 0 0,0 0 0 0 0,0 0 0 0 0,0 0 0 0 0,-1 1 1 0 0,1 0-1 0 0,0-1 0 0 0,0 1 0 0 0,-1 0 1 0 0,-4 1-1 0 0,-3 1 10 0 0,-1 1 1 0 0,0 0 0 0 0,1 1 0 0 0,-1 0-1 0 0,-10 7 1 0 0,17-8-31 0 0,0 0 0 0 0,0 0 0 0 0,0 1 0 0 0,0 0 0 0 0,1 0 0 0 0,-1 0 0 0 0,1 1 0 0 0,0-1 0 0 0,-6 11 0 0 0,2-3 0 0 0,1 1 0 0 0,1 0 0 0 0,-6 13 0 0 0,9-17 11 0 0,1 0 1 0 0,0 0-1 0 0,0 0 0 0 0,1 0 0 0 0,0 0 0 0 0,1 1 1 0 0,0-1-1 0 0,0 0 0 0 0,1 0 0 0 0,0 0 1 0 0,1 0-1 0 0,0 0 0 0 0,0 0 0 0 0,1 0 1 0 0,0-1-1 0 0,1 1 0 0 0,0-1 0 0 0,0 0 1 0 0,0 0-1 0 0,9 11 0 0 0,-11-17 28 0 0,0 0-1 0 0,0 0 1 0 0,0-1 0 0 0,0 1-1 0 0,1 0 1 0 0,-1-1 0 0 0,0 1-1 0 0,1-1 1 0 0,-1 0 0 0 0,1 0-1 0 0,0 0 1 0 0,-1 0 0 0 0,1 0-1 0 0,0-1 1 0 0,0 1 0 0 0,-1-1-1 0 0,1 0 1 0 0,0 0 0 0 0,0 0-1 0 0,0 0 1 0 0,-1 0 0 0 0,1 0-1 0 0,0-1 1 0 0,0 0 0 0 0,-1 1-1 0 0,1-1 1 0 0,0 0 0 0 0,-1 0-1 0 0,1 0 1 0 0,-1-1 0 0 0,1 1-1 0 0,-1-1 1 0 0,1 1 0 0 0,-1-1-1 0 0,0 0 1 0 0,0 0 0 0 0,0 0-1 0 0,3-4 1 0 0,5-5 70 0 0,-7 8-93 0 0,0-1 1 0 0,0 1-1 0 0,-1 0 1 0 0,0-1 0 0 0,1 1-1 0 0,-1-1 1 0 0,2-6-1 0 0,6-11 58 0 0,-7 15-36 0 0,0 0 1 0 0,-1 0 0 0 0,3-9-1 0 0,-2 5-74 0 0,0 1 0 0 0,6-13-1 0 0,-7 18-62 0 0,-2 2-17 0 0,12 12 24 0 0,0-4 103 0 0,-9-4-11 0 0,18-3 0 0 0,-18 0 0 0 0,-1 1 0 0 0,1-1 0 0 0,0 0 0 0 0,0 1 0 0 0,0-1 1 0 0,0-1-1 0 0,-1 1 0 0 0,1 0 0 0 0,0-1 0 0 0,-1 1 0 0 0,1-1 0 0 0,-1 0 0 0 0,4-3 0 0 0,13-9 15 0 0,-15 11 7 0 0,-1 1-1 0 0,0-1 1 0 0,0 0 0 0 0,0 0-1 0 0,-1 0 1 0 0,1 0-1 0 0,-1-1 1 0 0,0 1 0 0 0,0-1-1 0 0,0 1 1 0 0,0-1 0 0 0,0 0-1 0 0,-1 0 1 0 0,0 0-1 0 0,1 0 1 0 0,-2 0 0 0 0,2-5-1 0 0,5-15-10 0 0,-6 20-11 0 0,0 1 0 0 0,0 1 0 0 0,-1-1 0 0 0,1 1 0 0 0,-1-1 0 0 0,0 0 0 0 0,0 1 0 0 0,0-1 0 0 0,0 0 0 0 0,0 1 0 0 0,0-1 0 0 0,-1 0 0 0 0,1 1 0 0 0,-1-1 0 0 0,0 1 0 0 0,0-1 0 0 0,0 1 0 0 0,0-1 0 0 0,0 1 0 0 0,-2-3 0 0 0,-2-3 0 0 0,-4 4 16 0 0,6 3-9 0 0,0 0 0 0 0,0 1-1 0 0,0-1 1 0 0,0 1 0 0 0,0 0 0 0 0,0 0-1 0 0,0 0 1 0 0,0 0 0 0 0,-1 1 0 0 0,1-1-1 0 0,0 1 1 0 0,0-1 0 0 0,0 1 0 0 0,0 0 0 0 0,1 1-1 0 0,-1-1 1 0 0,0 0 0 0 0,0 1 0 0 0,1 0-1 0 0,-1-1 1 0 0,0 1 0 0 0,1 0 0 0 0,0 0-1 0 0,0 1 1 0 0,-4 2 0 0 0,-1 4-14 0 0,-1 0-1 0 0,2 0 1 0 0,-1 1 0 0 0,1 0-1 0 0,0 0 1 0 0,1 0 0 0 0,-5 15-1 0 0,7-16 6 0 0,0 0 0 0 0,1-1 0 0 0,0 1 0 0 0,1 0 0 0 0,0 1 0 0 0,0-1-1 0 0,1 0 1 0 0,0 0 0 0 0,2 17 0 0 0,0-16 14 0 0,-1-2 20 0 0,1 0 0 0 0,-1 0 0 0 0,1 0 0 0 0,1 0 0 0 0,0-1 0 0 0,0 1 0 0 0,5 8 0 0 0,-3-8 83 0 0,0-1 0 0 0,1 1 0 0 0,-1-1 0 0 0,2 0 0 0 0,12 11 0 0 0,-16-16-69 0 0,1 1-1 0 0,0 0 1 0 0,0-1 0 0 0,0 0-1 0 0,0 0 1 0 0,1 0 0 0 0,-1-1-1 0 0,0 1 1 0 0,1-1 0 0 0,-1 0-1 0 0,1 0 1 0 0,-1-1 0 0 0,9 1-1 0 0,-4-1-37 0 0,1-1 0 0 0,0 0-1 0 0,-1-1 1 0 0,1 1 0 0 0,-1-2 0 0 0,1 1-1 0 0,-1-2 1 0 0,17-7 0 0 0,-9 1 5 0 0,0 0 0 0 0,-2-1 1 0 0,23-18-1 0 0,-14 9-60 0 0,-15 13-69 0 0,0 0 0 0 0,0-1 0 0 0,-1 0 0 0 0,12-13 0 0 0,14-23-2378 0 0,-15 20-4995 0 0,-3 2-2053 0 0</inkml:trace>
+</inkml:ink>
+</file>
+
+<file path=ppt/ink/ink32.xml><?xml version="1.0" encoding="utf-8"?>
+<inkml:ink xmlns:inkml="http://www.w3.org/2003/InkML">
+  <inkml:definitions>
+    <inkml:context xml:id="ctx0">
+      <inkml:inkSource xml:id="inkSrc0">
+        <inkml:traceFormat>
+          <inkml:channel name="X" type="integer" min="-2.14748E9" max="2.14748E9" units="cm"/>
+          <inkml:channel name="Y" type="integer" min="-2.14748E9" max="2.14748E9" units="cm"/>
+          <inkml:channel name="F" type="integer" max="32767" units="dev"/>
+          <inkml:channel name="OA" type="integer" max="360" units="deg"/>
+          <inkml:channel name="OE" type="integer" max="90" units="deg"/>
+        </inkml:traceFormat>
+        <inkml:channelProperties>
+          <inkml:channelProperty channel="X" name="resolution" value="1000" units="1/cm"/>
+          <inkml:channelProperty channel="Y" name="resolution" value="1000" units="1/cm"/>
+          <inkml:channelProperty channel="F" name="resolution" value="0" units="1/dev"/>
+          <inkml:channelProperty channel="OA" name="resolution" value="1000" units="1/deg"/>
+          <inkml:channelProperty channel="OE" name="resolution" value="1000" units="1/deg"/>
+        </inkml:channelProperties>
+      </inkml:inkSource>
+      <inkml:timestamp xml:id="ts0" timeString="2024-05-01T17:49:07.923"/>
+    </inkml:context>
+    <inkml:brush xml:id="br0">
+      <inkml:brushProperty name="width" value="0.05" units="cm"/>
+      <inkml:brushProperty name="height" value="0.05" units="cm"/>
+      <inkml:brushProperty name="color" value="#004F8B"/>
+    </inkml:brush>
+  </inkml:definitions>
+  <inkml:trace contextRef="#ctx0" brushRef="#br0">50 1 2303 0 0,'-4'95'1821'0'0,"-21"119"0"0"0,13-99 2620 0 0,4-22-189 0 0,9-83-3207 0 0</inkml:trace>
+</inkml:ink>
+</file>
+
+<file path=ppt/ink/ink33.xml><?xml version="1.0" encoding="utf-8"?>
+<inkml:ink xmlns:inkml="http://www.w3.org/2003/InkML">
+  <inkml:definitions>
+    <inkml:context xml:id="ctx0">
+      <inkml:inkSource xml:id="inkSrc0">
+        <inkml:traceFormat>
+          <inkml:channel name="X" type="integer" min="-2.14748E9" max="2.14748E9" units="cm"/>
+          <inkml:channel name="Y" type="integer" min="-2.14748E9" max="2.14748E9" units="cm"/>
+          <inkml:channel name="F" type="integer" max="32767" units="dev"/>
+          <inkml:channel name="OA" type="integer" max="360" units="deg"/>
+          <inkml:channel name="OE" type="integer" max="90" units="deg"/>
+        </inkml:traceFormat>
+        <inkml:channelProperties>
+          <inkml:channelProperty channel="X" name="resolution" value="1000" units="1/cm"/>
+          <inkml:channelProperty channel="Y" name="resolution" value="1000" units="1/cm"/>
+          <inkml:channelProperty channel="F" name="resolution" value="0" units="1/dev"/>
+          <inkml:channelProperty channel="OA" name="resolution" value="1000" units="1/deg"/>
+          <inkml:channelProperty channel="OE" name="resolution" value="1000" units="1/deg"/>
+        </inkml:channelProperties>
+      </inkml:inkSource>
+      <inkml:timestamp xml:id="ts0" timeString="2024-05-01T17:49:09.544"/>
+    </inkml:context>
+    <inkml:brush xml:id="br0">
+      <inkml:brushProperty name="width" value="0.05" units="cm"/>
+      <inkml:brushProperty name="height" value="0.05" units="cm"/>
+      <inkml:brushProperty name="color" value="#004F8B"/>
+    </inkml:brush>
+  </inkml:definitions>
+  <inkml:trace contextRef="#ctx0" brushRef="#br0">1 730 4055 0 0,'59'-31'427'0'0,"28"-14"3013"0"0,-62 34-1188 0 0,2 0 0 0 0,0 2 0 0 0,34-7 0 0 0,2 4 265 0 0,-61 12-2191 0 0,1-1-94 0 0,50-9 634 0 0,-52 10-847 0 0,0 0 0 0 0,0 0 0 0 0,0-1 0 0 0,1 1 0 0 0,-1 0 0 0 0,0-1 1 0 0,0 1-1 0 0,0-1 0 0 0,0 1 0 0 0,0-1 0 0 0,0 1 0 0 0,0-1 0 0 0,0 0 0 0 0,1-1 0 0 0,2 0 6 0 0,-1-1 0 0 0,1 1-1 0 0,0-1 1 0 0,-1 1 0 0 0,7-2 0 0 0,-8 3-260 0 0,3 0-262 0 0,-4 1 467 0 0,-1 0 0 0 0,1 0 0 0 0,-1 0 0 0 0,1 0 0 0 0,-1-1 0 0 0,1 1 0 0 0,-1 0 0 0 0,1 0 1 0 0,-1 0-1 0 0,1 0 0 0 0,-1 0 0 0 0,1 0 0 0 0,-1 0 0 0 0,1 0 0 0 0,-1 1 0 0 0,1-1 0 0 0,-1 0 0 0 0,1 0 0 0 0,-1 0 1 0 0,1 0-1 0 0,-1 1 0 0 0,0-1 0 0 0,1 0 0 0 0,-1 1 0 0 0,1-1 0 0 0,-1 0 0 0 0,0 1 0 0 0,1-1 0 0 0,-1 0 0 0 0,1 1 1 0 0,-1-1-1 0 0,0 0 0 0 0,0 1 0 0 0,1-1 0 0 0,-1 1 0 0 0,0-1 0 0 0,0 1 0 0 0,0-1 0 0 0,1 1 0 0 0,-1-1 0 0 0,0 1 1 0 0,0-1-1 0 0,0 1 0 0 0,0-1 0 0 0,0 1 0 0 0,0 15-5 0 0,0 0 0 0 0,-3 17 0 0 0,-1 10 37 0 0,3-28 2 0 0,-1 0 0 0 0,-8 28 0 0 0,5-23 63 0 0,-1-1-177 0 0,2-3 1216 0 0,15-32-302 0 0,-2 0-621 0 0,2 0 1 0 0,20-23 0 0 0,6-8 194 0 0,-33 42-325 0 0,0 0-1 0 0,0 1 0 0 0,1-1 0 0 0,0 1 1 0 0,0 0-1 0 0,0 0 0 0 0,11-7 1 0 0,-15 11-50 0 0,0-1 0 0 0,0 0 1 0 0,1 0-1 0 0,-1 1 0 0 0,0-1 1 0 0,0 1-1 0 0,0-1 0 0 0,1 1 1 0 0,-1-1-1 0 0,0 1 0 0 0,1 0 0 0 0,-1 0 1 0 0,0 0-1 0 0,1 0 0 0 0,2 0 1 0 0,-1 0 11 0 0,-1 0 146 0 0,0 0-73 0 0,4 0-51 0 0,-2 1-22 0 0,-1-1 0 0 0,1 1 1 0 0,0 0-1 0 0,-1 0 0 0 0,1 0 1 0 0,-1 1-1 0 0,1-1 0 0 0,-1 1 1 0 0,0 0-1 0 0,5 3 1 0 0,12 7-32 0 0,-13-7 182 0 0,-1-1-1 0 0,2 0 1 0 0,-1 0-1 0 0,12 4 0 0 0,-17-8 50 0 0,30 4 438 0 0,-28-4-561 0 0,0-1-1 0 0,0 0 1 0 0,0 0-1 0 0,0 0 1 0 0,0-1 0 0 0,0 1-1 0 0,-1-1 1 0 0,1 0-1 0 0,0 0 1 0 0,-1 0-1 0 0,1 0 1 0 0,-1-1-1 0 0,0 0 1 0 0,0 1-1 0 0,0-1 1 0 0,0 0-1 0 0,-1 0 1 0 0,1-1-1 0 0,3-5 1 0 0,-3 3-9 0 0,0 1 0 0 0,-1 0 1 0 0,1-1-1 0 0,-1 1 1 0 0,-1-1-1 0 0,1 0 1 0 0,-1 1-1 0 0,0-1 0 0 0,0 0 1 0 0,-1 0-1 0 0,1 0 1 0 0,-2-12-1 0 0,1 17-73 0 0,0-1-1 0 0,-1 0 1 0 0,1 1-1 0 0,0-1 1 0 0,-1 0-1 0 0,1 1 1 0 0,0-1 0 0 0,-1 0-1 0 0,0 1 1 0 0,1-1-1 0 0,-1 1 1 0 0,0-1-1 0 0,0 1 1 0 0,0-1-1 0 0,0 1 1 0 0,0 0 0 0 0,0 0-1 0 0,-1-1 1 0 0,1 1-1 0 0,0 0 1 0 0,-1 0-1 0 0,1 0 1 0 0,0 0 0 0 0,-1 0-1 0 0,1 1 1 0 0,-1-1-1 0 0,0 0 1 0 0,1 1-1 0 0,-1-1 1 0 0,1 1-1 0 0,-1-1 1 0 0,0 1 0 0 0,1 0-1 0 0,-1 0 1 0 0,0 0-1 0 0,0 0 1 0 0,1 0-1 0 0,-1 0 1 0 0,0 0-1 0 0,-2 1 1 0 0,-2 0 21 0 0,1 1-1 0 0,-1 0 1 0 0,1 0 0 0 0,0 0-1 0 0,0 0 1 0 0,0 1 0 0 0,0 0-1 0 0,1 0 1 0 0,-1 0 0 0 0,1 0-1 0 0,-7 7 1 0 0,4-2-31 0 0,1 1 0 0 0,0 0 0 0 0,1 0 0 0 0,0 0 0 0 0,0 0 0 0 0,1 1 0 0 0,0 0 0 0 0,1 0 0 0 0,0 0 0 0 0,1 0 0 0 0,0 1 0 0 0,-1 12 0 0 0,3-7 0 0 0,9 15 11 0 0,-4-19 31 0 0,-4-10-31 0 0,0-1 0 0 0,0 1-1 0 0,0-1 1 0 0,0 0 0 0 0,0 0-1 0 0,0 1 1 0 0,0-1-1 0 0,0 0 1 0 0,0 0 0 0 0,0 0-1 0 0,1 0 1 0 0,-1 0 0 0 0,0-1-1 0 0,1 1 1 0 0,-1 0 0 0 0,1-1-1 0 0,-1 1 1 0 0,1 0-1 0 0,-1-1 1 0 0,1 0 0 0 0,-1 1-1 0 0,1-1 1 0 0,-1 0 0 0 0,1 0-1 0 0,0 0 1 0 0,-1 0-1 0 0,2 0 1 0 0,1-1 39 0 0,0 0-1 0 0,-1-1 1 0 0,1 1-1 0 0,0-1 1 0 0,-1 0-1 0 0,0 0 1 0 0,1 0-1 0 0,-1 0 1 0 0,0 0 0 0 0,4-5-1 0 0,3-2 78 0 0,-6 7-99 0 0,-1-1-1 0 0,0 0 1 0 0,0 0 0 0 0,0 0-1 0 0,-1 0 1 0 0,1 0 0 0 0,-1-1-1 0 0,4-6 1 0 0,-4 5-23 0 0,0 1 47 0 0,0 0 0 0 0,1-1 0 0 0,-1 1 0 0 0,0 0 0 0 0,1 1-1 0 0,0-1 1 0 0,0 0 0 0 0,0 1 0 0 0,1 0 0 0 0,3-4 0 0 0,-3 4-63 0 0,-3 2 15 0 0,0 0 0 0 0,0 0 0 0 0,1 0 1 0 0,-1 0-1 0 0,1 0 0 0 0,-1 0 0 0 0,1 0 0 0 0,2 0 0 0 0,-1 0 0 0 0,-1 1 0 0 0,1-1 0 0 0,0 1-1 0 0,0 0 1 0 0,-1 0 0 0 0,1 0 0 0 0,0 0-1 0 0,0 1 1 0 0,3 0 0 0 0,19 3-4 0 0,-3-4 0 0 0,-8 0 0 0 0,-12 1 0 0 0,0-1 0 0 0,0 0 0 0 0,-1 0 0 0 0,1 1 1 0 0,0-1-1 0 0,0-1 0 0 0,0 1 0 0 0,-1 0 0 0 0,1 0 0 0 0,0-1 0 0 0,0 1 0 0 0,-1-1 0 0 0,1 1 1 0 0,0-1-1 0 0,-1 0 0 0 0,4-2 0 0 0,0 1 13 0 0,-3 1-3 0 0,0 0 1 0 0,1-1 0 0 0,-1 1 0 0 0,0 0-1 0 0,0-1 1 0 0,0 1 0 0 0,0-1-1 0 0,0 0 1 0 0,0 0 0 0 0,-1 0 0 0 0,1 1-1 0 0,-1-2 1 0 0,2-1 0 0 0,13-30 193 0 0,-9 17-165 0 0,-4 12-39 0 0,-2 1 0 0 0,1 0 0 0 0,0-1 0 0 0,-1 1 0 0 0,0 0 0 0 0,0 0 0 0 0,0-9 0 0 0,0 12 2 0 0,-1 0 1 0 0,0 1-1 0 0,0-1 0 0 0,1 0 0 0 0,-1 0 1 0 0,0 0-1 0 0,0 1 0 0 0,0-1 0 0 0,0 0 1 0 0,0 0-1 0 0,0 0 0 0 0,0 1 1 0 0,0-1-1 0 0,0 0 0 0 0,-1 0 0 0 0,1 1 1 0 0,0-1-1 0 0,0 0 0 0 0,-1 0 0 0 0,1 1 1 0 0,0-1-1 0 0,-1 0 0 0 0,0-1 0 0 0,-1 0 24 0 0,2 1-18 0 0,-1-1 0 0 0,1 0-1 0 0,-1 1 1 0 0,0-1 0 0 0,0 1 0 0 0,1 0 0 0 0,-1-1 0 0 0,0 1-1 0 0,0 0 1 0 0,0-1 0 0 0,-1 1 0 0 0,1 0 0 0 0,0 0-1 0 0,0 0 1 0 0,-1 0 0 0 0,1 0 0 0 0,-2-1 0 0 0,1 2 2 0 0,0-1 1 0 0,1 1 0 0 0,-1 0 0 0 0,0 0 0 0 0,1 0 0 0 0,-1 0 0 0 0,0 0 0 0 0,1 0-1 0 0,-1 1 1 0 0,0-1 0 0 0,1 1 0 0 0,-1-1 0 0 0,0 1 0 0 0,1-1 0 0 0,-1 1-1 0 0,-2 1 1 0 0,-14 7-1 0 0,13-7-10 0 0,0 0 0 0 0,0 0 0 0 0,0 1 0 0 0,1-1 0 0 0,-1 1 0 0 0,1 0 0 0 0,0 0 1 0 0,0 1-1 0 0,0-1 0 0 0,0 1 0 0 0,1 0 0 0 0,-6 7 0 0 0,7-7 0 0 0,-4 4 0 0 0,0 1 0 0 0,-5 14 0 0 0,10-20 0 0 0,-1 1 0 0 0,1-1 0 0 0,0 1 0 0 0,1-1 0 0 0,-1 1 0 0 0,1 0 0 0 0,-1-1 0 0 0,1 1 0 0 0,0-1 0 0 0,1 8 0 0 0,0-8 9 0 0,0 0 1 0 0,0 0-1 0 0,0 0 1 0 0,0 0-1 0 0,0 0 1 0 0,0 0-1 0 0,1 0 0 0 0,0 0 1 0 0,-1 0-1 0 0,1 0 1 0 0,0-1-1 0 0,1 1 0 0 0,-1-1 1 0 0,0 0-1 0 0,1 1 1 0 0,3 2-1 0 0,-2-3 46 0 0,0-1 0 0 0,0 1 0 0 0,0-1 0 0 0,0 1 1 0 0,0-1-1 0 0,0-1 0 0 0,0 1 0 0 0,0 0 0 0 0,1-1 0 0 0,-1 0 0 0 0,0 0 0 0 0,6-1 0 0 0,-9 1-50 0 0,11-1 47 0 0,0 0 0 0 0,0-1 0 0 0,-1-1 0 0 0,1 0 0 0 0,-1 0-1 0 0,1-1 1 0 0,-1-1 0 0 0,0 0 0 0 0,13-8 0 0 0,-10 4 9 0 0,-1 0 1 0 0,0-1 0 0 0,-1 0 0 0 0,0-1-1 0 0,0-1 1 0 0,14-17 0 0 0,4-10-186 0 0,44-58-881 0 0,-61 76 680 0 0,0 0-1 0 0,19-43 1 0 0,28-66-2426 0 0,-50 108 2088 0 0,20-32 0 0 0,-18 33 410 0 0,15-34 0 0 0,-22 43 253 0 0,2 5 11 0 0,-6 6 313 0 0,-2 8-187 0 0,0 0 0 0 0,-1 0 0 0 0,1 0 1 0 0,-2 0-1 0 0,-4 12 0 0 0,4-12-14 0 0,-18 40 505 0 0,-3-1-1 0 0,-41 62 1 0 0,-4 5 163 0 0,47-80-348 0 0,17-26-284 0 0,0-1 0 0 0,1 1 0 0 0,-4 7-1 0 0,2-2 118 0 0,3-4 152 0 0,10-15-232 0 0,11-15-94 0 0,-1-2 0 0 0,0 1 0 0 0,21-46 0 0 0,16-22-47 0 0,4-1-32 0 0,-42 72 69 0 0,-13 17-78 0 0,7-5-3 0 0,1 6-26 0 0,1 7-43 0 0,0 4 43 0 0,-4 3 15 0 0,-1 1 0 0 0,9 20 0 0 0,-9-20 0 0 0,14 37 35 0 0,-2 0-1 0 0,-1 1 1 0 0,10 59 0 0 0,-25-92-2 0 0,-1 0 0 0 0,0 35 0 0 0,-2-44-31 0 0,0-3-2 0 0,-1 5 0 0 0,-11 11 0 0 0,11-20 0 0 0,-1 1 0 0 0,0-1 0 0 0,1 0 0 0 0,-1 0 0 0 0,0 0 0 0 0,-3 2 0 0 0,-7 1 0 0 0,10-5 0 0 0,-1 1 0 0 0,0-2 0 0 0,0 1 0 0 0,1 0 0 0 0,-1-1 0 0 0,0 1 0 0 0,0-1 0 0 0,1 0 0 0 0,-1 0 0 0 0,1 0 0 0 0,-1 0 0 0 0,1 0 0 0 0,-1 0 0 0 0,1-1 0 0 0,0 1 0 0 0,-1-1 0 0 0,1 0 0 0 0,0 0 0 0 0,-2-2 0 0 0,-3-3 0 0 0,1 0 0 0 0,-1-1 0 0 0,1 0 0 0 0,-5-9 0 0 0,7 11 0 0 0,-2-5 0 0 0,5 8 0 0 0,1-1 0 0 0,0 0 0 0 0,0 0 0 0 0,0 1 0 0 0,1-6 0 0 0,0 4 0 0 0,0 0 0 0 0,0-1 0 0 0,1 1 0 0 0,3-9 0 0 0,-4 12 0 0 0,-1 0 0 0 0,2 0 0 0 0,-1 0 0 0 0,0 0 0 0 0,0 0 0 0 0,1 0 0 0 0,-1 0 0 0 0,1 1 0 0 0,-1-1 0 0 0,1 0 0 0 0,0 1 0 0 0,0-1 0 0 0,2-1 0 0 0,6-2 0 0 0,0 1 0 0 0,0-1 0 0 0,13-2 0 0 0,-5 1 0 0 0,7-1 0 0 0,-14 8 0 0 0,-6 0 0 0 0,6 2 0 0 0,0 5-2111 0 0,-2 0-4806 0 0</inkml:trace>
+</inkml:ink>
+</file>
+
+<file path=ppt/ink/ink34.xml><?xml version="1.0" encoding="utf-8"?>
+<inkml:ink xmlns:inkml="http://www.w3.org/2003/InkML">
+  <inkml:definitions>
+    <inkml:context xml:id="ctx0">
+      <inkml:inkSource xml:id="inkSrc0">
+        <inkml:traceFormat>
+          <inkml:channel name="X" type="integer" min="-2.14748E9" max="2.14748E9" units="cm"/>
+          <inkml:channel name="Y" type="integer" min="-2.14748E9" max="2.14748E9" units="cm"/>
+          <inkml:channel name="F" type="integer" max="32767" units="dev"/>
+          <inkml:channel name="OA" type="integer" max="360" units="deg"/>
+          <inkml:channel name="OE" type="integer" max="90" units="deg"/>
+        </inkml:traceFormat>
+        <inkml:channelProperties>
+          <inkml:channelProperty channel="X" name="resolution" value="1000" units="1/cm"/>
+          <inkml:channelProperty channel="Y" name="resolution" value="1000" units="1/cm"/>
+          <inkml:channelProperty channel="F" name="resolution" value="0" units="1/dev"/>
+          <inkml:channelProperty channel="OA" name="resolution" value="1000" units="1/deg"/>
+          <inkml:channelProperty channel="OE" name="resolution" value="1000" units="1/deg"/>
+        </inkml:channelProperties>
+      </inkml:inkSource>
+      <inkml:timestamp xml:id="ts0" timeString="2024-05-01T17:49:12.668"/>
+    </inkml:context>
+    <inkml:brush xml:id="br0">
+      <inkml:brushProperty name="width" value="0.05" units="cm"/>
+      <inkml:brushProperty name="height" value="0.05" units="cm"/>
+      <inkml:brushProperty name="color" value="#004F8B"/>
+    </inkml:brush>
+  </inkml:definitions>
+  <inkml:trace contextRef="#ctx0" brushRef="#br0">83 236 2759 0 0,'-3'1'21'0'0,"0"0"0"0"0,0 1-1 0 0,1-1 1 0 0,-1 1 0 0 0,0-1-1 0 0,1 1 1 0 0,-1 0 0 0 0,-3 4-1 0 0,5-4-15 0 0,0-1-1 0 0,0 1 0 0 0,0 0 0 0 0,1 0 0 0 0,-1 0 0 0 0,0 0 0 0 0,1 0 1 0 0,-1 0-1 0 0,1 0 0 0 0,0 0 0 0 0,0 0 0 0 0,0 0 0 0 0,0 0 0 0 0,0 3 0 0 0,3 179 3294 0 0,-1-114-165 0 0,1-31-554 0 0,-3-34-2057 0 0,1 0 0 0 0,0-1 0 0 0,0 1 0 0 0,0 0 0 0 0,1 0 1 0 0,0-1-1 0 0,4 9 0 0 0,-5-12-67 0 0,-1-1-426 0 0,0 0-1 0 0,0 0 1 0 0,0 0 0 0 0,0 0 0 0 0,0 0 0 0 0,0 0 0 0 0,0 0 0 0 0,0 0 0 0 0,0 0 0 0 0,0 0 0 0 0,0 0 0 0 0,0 0 0 0 0,0 0 0 0 0,0 0 0 0 0,0 0 0 0 0,0-1 0 0 0,0 1 0 0 0,0 0 0 0 0,0 0 0 0 0,0 0-1 0 0,0 0 1 0 0,1 0 0 0 0,-1 0 0 0 0,0 0 0 0 0,0 0 0 0 0,0 0 0 0 0,0 0 0 0 0,0 0 0 0 0,0 0 0 0 0,0 0 0 0 0,0 0 0 0 0,0 0 0 0 0,0 0 0 0 0,0 0 0 0 0,0 0 0 0 0,0 0 0 0 0,0 0 0 0 0,0 1-1 0 0,1-1 1 0 0,-1 0 0 0 0,0 0 0 0 0,0 0 0 0 0,0 0 0 0 0,0 0 0 0 0,0 0 0 0 0,2-12 390 0 0,-2 4-286 0 0,-1 0-1 0 0,0 0 1 0 0,0 1-1 0 0,0-1 1 0 0,-1 0 0 0 0,-5-12-1 0 0,-25-67 404 0 0,27 71-482 0 0,1-1 1 0 0,1 1-1 0 0,-2-32 0 0 0,5 43-36 0 0,-1-4 5 0 0,2-1 1 0 0,-1 0 0 0 0,1 1-1 0 0,1-1 1 0 0,0 1 0 0 0,0-1-1 0 0,1 1 1 0 0,5-12-1 0 0,1-1 8 0 0,1 1-1 0 0,18-26 1 0 0,-22 37 42 0 0,1 1 0 0 0,1 0-1 0 0,0 1 1 0 0,0-1 0 0 0,12-8 0 0 0,49-33 498 0 0,-60 45-510 0 0,4-4 146 0 0,1 1-1 0 0,1 0 1 0 0,26-10-1 0 0,-35 16-64 0 0,1 0 1 0 0,0 0-1 0 0,0 1 0 0 0,0-1 1 0 0,0 1-1 0 0,-1 1 0 0 0,1-1 0 0 0,0 1 1 0 0,0 1-1 0 0,0-1 0 0 0,8 3 0 0 0,-13-2-89 0 0,1 0-1 0 0,-1 0 0 0 0,0 1 0 0 0,1-1 0 0 0,-1 1 1 0 0,0 0-1 0 0,0-1 0 0 0,0 1 0 0 0,0 0 0 0 0,-1 0 1 0 0,1 0-1 0 0,0 1 0 0 0,1 3 0 0 0,-2-4 2 0 0,0 0 0 0 0,-1 0 0 0 0,0 0 1 0 0,1 0-1 0 0,-1 0 0 0 0,0 0 0 0 0,0 0 0 0 0,0 0 0 0 0,0 0 0 0 0,0 0 0 0 0,-1 4 0 0 0,0-1 73 0 0,0 3-17 0 0,-1-1 1 0 0,1 1-1 0 0,-1 0 0 0 0,-1-1 1 0 0,0 0-1 0 0,0 1 0 0 0,0-1 1 0 0,-1 0-1 0 0,-6 9 0 0 0,-5 5 461 0 0,-29 29-1 0 0,8-10 258 0 0,-49 61 916 0 0,77-88-1571 0 0,8-13-171 0 0,-1 1 0 0 0,1-1 0 0 0,0 1 0 0 0,-1 0 0 0 0,1-1 0 0 0,0 1 0 0 0,0 0 0 0 0,0-1 0 0 0,0 1 0 0 0,0 0 0 0 0,-1-1-1 0 0,1 1 1 0 0,0 0 0 0 0,0-1 0 0 0,1 1 0 0 0,-1 0 0 0 0,0 0 0 0 0,1 0-2 0 0,-1 0 0 0 0,1 1 0 0 0,0-1 0 0 0,0 0 0 0 0,0 0 0 0 0,0 0 0 0 0,-1 0 0 0 0,2-1 0 0 0,-1 1 0 0 0,1 1 0 0 0,13 6 0 0 0,-7-5 7 0 0,1-1 0 0 0,0 1 0 0 0,0-2-1 0 0,-1 1 1 0 0,1-2 0 0 0,14 1 0 0 0,-9-1 29 0 0,1-1 0 0 0,-1-1 0 0 0,21-4 0 0 0,7-6 106 0 0,-23 6-66 0 0,0 0 0 0 0,0 2 0 0 0,1 0 1 0 0,30-1-1 0 0,-36 9 113 0 0,-14-4-184 0 0,1 0-1 0 0,-1 0 1 0 0,1 1-1 0 0,-1-1 1 0 0,1 0 0 0 0,0 1-1 0 0,-1-1 1 0 0,1 0-1 0 0,-1 1 1 0 0,1-1-1 0 0,-1 1 1 0 0,0-1 0 0 0,1 1-1 0 0,-1-1 1 0 0,1 2-1 0 0,0 0 0 0 0,-1 0 0 0 0,0 1 0 0 0,1-1 0 0 0,-1 0 0 0 0,0 1 0 0 0,0-1-1 0 0,0 0 1 0 0,-1 1 0 0 0,1-1 0 0 0,0 0 0 0 0,-1 1 0 0 0,0-1 0 0 0,1 0 0 0 0,-1 0-1 0 0,0 0 1 0 0,0 1 0 0 0,0-1 0 0 0,-3 2 0 0 0,-1 6 137 0 0,-1-2 0 0 0,-12 15 1 0 0,5-10-26 0 0,0 1 1 0 0,-1-2 0 0 0,0 0-1 0 0,-1-1 1 0 0,-32 19 0 0 0,2-3-80 0 0,22-12-27 0 0,-25 11 0 0 0,9-10-10 0 0,0-2 0 0 0,-1-2 0 0 0,-1-1 0 0 0,-62 7 0 0 0,73-12-99 0 0,28-5-1417 0 0</inkml:trace>
+</inkml:ink>
+</file>
+
+<file path=ppt/ink/ink35.xml><?xml version="1.0" encoding="utf-8"?>
+<inkml:ink xmlns:inkml="http://www.w3.org/2003/InkML">
+  <inkml:definitions>
+    <inkml:context xml:id="ctx0">
+      <inkml:inkSource xml:id="inkSrc0">
+        <inkml:traceFormat>
+          <inkml:channel name="X" type="integer" min="-2.14748E9" max="2.14748E9" units="cm"/>
+          <inkml:channel name="Y" type="integer" min="-2.14748E9" max="2.14748E9" units="cm"/>
+          <inkml:channel name="F" type="integer" max="32767" units="dev"/>
+          <inkml:channel name="OA" type="integer" max="360" units="deg"/>
+          <inkml:channel name="OE" type="integer" max="90" units="deg"/>
+        </inkml:traceFormat>
+        <inkml:channelProperties>
+          <inkml:channelProperty channel="X" name="resolution" value="1000" units="1/cm"/>
+          <inkml:channelProperty channel="Y" name="resolution" value="1000" units="1/cm"/>
+          <inkml:channelProperty channel="F" name="resolution" value="0" units="1/dev"/>
+          <inkml:channelProperty channel="OA" name="resolution" value="1000" units="1/deg"/>
+          <inkml:channelProperty channel="OE" name="resolution" value="1000" units="1/deg"/>
+        </inkml:channelProperties>
+      </inkml:inkSource>
+      <inkml:timestamp xml:id="ts0" timeString="2024-05-01T17:49:14.201"/>
+    </inkml:context>
+    <inkml:brush xml:id="br0">
+      <inkml:brushProperty name="width" value="0.05" units="cm"/>
+      <inkml:brushProperty name="height" value="0.05" units="cm"/>
+      <inkml:brushProperty name="color" value="#004F8B"/>
+    </inkml:brush>
+  </inkml:definitions>
+  <inkml:trace contextRef="#ctx0" brushRef="#br0">352 0 6767 0 0,'4'238'2466'0'0,"-5"-186"320"0"0,8 178 8418 0 0,2-145-8272 0 0,-7-62-2256 0 0,-1-21-228 0 0,-2-4-396 0 0,1-1-86 0 0,0 0 0 0 0,-1 0-1 0 0,0 1 1 0 0,0-1 0 0 0,0 0 0 0 0,0 1 0 0 0,0-1-1 0 0,0 1 1 0 0,-1-1 0 0 0,1 1 0 0 0,-1 0-1 0 0,0-1 1 0 0,1 1 0 0 0,-1 0 0 0 0,-3-2 0 0 0,0 0-144 0 0,0 0 1 0 0,0 1-1 0 0,0 0 1 0 0,0 0-1 0 0,0 1 1 0 0,-12-4 0 0 0,-3 0-585 0 0,-1 1 0 0 0,1 2 1 0 0,-25-2-1 0 0,-34 4-552 0 0,53 1 763 0 0,-41-3 0 0 0,62 3 551 0 0,-13-6 0 0 0,17 6 3 0 0,1 0-1 0 0,0 0 1 0 0,0 0 0 0 0,0 0-1 0 0,0-1 1 0 0,0 1 0 0 0,-1 0-1 0 0,1 0 1 0 0,0 0 0 0 0,0 0-1 0 0,0 0 1 0 0,0-1 0 0 0,0 1-1 0 0,0 0 1 0 0,0 0 0 0 0,0 0-1 0 0,0 0 1 0 0,0-1-1 0 0,0 1 1 0 0,-1 0 0 0 0,1 0-1 0 0,0 0 1 0 0,0 0 0 0 0,0-1-1 0 0,0 1 1 0 0,0 0 0 0 0,0 0-1 0 0,1 0 1 0 0,-1-1 0 0 0,0 1-1 0 0,0 0 1 0 0,0 0-1 0 0,0 0 1 0 0,0 0 0 0 0,0-1-1 0 0,0 1 1 0 0,0 0 0 0 0,0 0-1 0 0,0 0 1 0 0,0 0 0 0 0,1 0-1 0 0,-1-1 1 0 0,0 1 0 0 0,10-11 270 0 0,15-10 291 0 0,-12 12-203 0 0,1 0 0 0 0,0 1 0 0 0,0 1 0 0 0,20-8 0 0 0,65-17 1752 0 0,-64 23-1230 0 0,-1-2 0 0 0,36-18-1 0 0,-59 24-673 0 0,-1 0 1 0 0,0-1-1 0 0,-1-1 0 0 0,1 0 1 0 0,9-9-1 0 0,4-2 145 0 0,-17 14-279 0 0,0 0 1 0 0,0-1-1 0 0,4-5 1 0 0,-5 5-34 0 0,0 1 0 0 0,-1-1 0 0 0,0 0 1 0 0,0-1-1 0 0,0 1 0 0 0,-1-1 0 0 0,0 0 0 0 0,0 0 0 0 0,0 0 0 0 0,-1 0 1 0 0,0 0-1 0 0,0 0 0 0 0,0-1 0 0 0,1-12 0 0 0,5-52-5458 0 0,-14 166 961 0 0,-4 46 5414 0 0,-1-16 1705 0 0,11-124-2571 0 0,0-1 1 0 0,0 0-1 0 0,0 1 1 0 0,-1-1-1 0 0,1 0 0 0 0,0 1 1 0 0,0-1-1 0 0,0 0 0 0 0,0 1 1 0 0,0-1-1 0 0,0 1 0 0 0,0-1 1 0 0,1 0-1 0 0,-1 1 1 0 0,0-1-1 0 0,0 0 0 0 0,0 1 1 0 0,0-1-1 0 0,0 0 0 0 0,0 1 1 0 0,1-1-1 0 0,-1 0 0 0 0,0 1 1 0 0,0-1-1 0 0,0 0 1 0 0,1 0-1 0 0,-1 1 0 0 0,0-1 1 0 0,1 0-1 0 0,-1 0 0 0 0,0 0 1 0 0,0 1-1 0 0,1-1 0 0 0,-1 0 1 0 0,0 0-1 0 0,1 0 1 0 0,-1 0-1 0 0,1 1 0 0 0,1-1-16 0 0,-1 0 0 0 0,1-1 0 0 0,-1 1 0 0 0,1 0 0 0 0,-1 0-1 0 0,1-1 1 0 0,-1 1 0 0 0,1-1 0 0 0,2-1 0 0 0,3-1-57 0 0,-1-1 1 0 0,1 0 0 0 0,8-7-1 0 0,17-18 293 0 0,31-35 1 0 0,-62 63-297 0 0,0 0 1 0 0,0 0 0 0 0,1-1-1 0 0,-1 1 1 0 0,1 0 0 0 0,-1 0-1 0 0,1 1 1 0 0,-1-1-1 0 0,1 0 1 0 0,1 0 0 0 0,-1 0-15 0 0,-1 1 0 0 0,0-1 0 0 0,0 1 0 0 0,0-1 0 0 0,0 1 1 0 0,0-1-1 0 0,0 0 0 0 0,1 1 0 0 0,-2-1 0 0 0,1 0 0 0 0,0 0 1 0 0,0 0-1 0 0,0 0 0 0 0,1-1 0 0 0,6-9 24 0 0,-6 9-7 0 0,0 2-3 0 0,0-1 47 0 0,10-2 64 0 0,-11 3-126 0 0,-1 0 1 0 0,1 0-1 0 0,0 0 0 0 0,0 0 1 0 0,-1 0-1 0 0,1 0 0 0 0,0-1 1 0 0,0 1-1 0 0,-1 0 0 0 0,1 0 1 0 0,0-1-1 0 0,-1 1 0 0 0,1 0 1 0 0,0-1-1 0 0,-1 1 0 0 0,1-1 1 0 0,0 1-1 0 0,-1-1 0 0 0,2 0 0 0 0,1-1 12 0 0,12-1-10 0 0,10 2-4 0 0,-15-1 0 0 0,3-4 0 0 0,28-17 11 0 0,-37 21 11 0 0,-3 1-14 0 0,0 0-1 0 0,1 0 0 0 0,-1 0 1 0 0,0 0-1 0 0,0 0 1 0 0,0 0-1 0 0,0 0 0 0 0,0 0 1 0 0,0-1-1 0 0,0 1 0 0 0,0 0 1 0 0,0-1-1 0 0,-1 1 1 0 0,2-3-1 0 0,-2 3-3 0 0,1 0 1 0 0,0 1-1 0 0,0-1 1 0 0,-1 0-1 0 0,1 0 1 0 0,0-1-1 0 0,-1 1 1 0 0,1 0-1 0 0,-1 0 0 0 0,0 0 1 0 0,1 0-1 0 0,-1 0 1 0 0,0-1-1 0 0,0 1 1 0 0,1-2-1 0 0,-1-1 21 0 0,0-1 23 0 0,1 0 0 0 0,-1-1 0 0 0,1 1 0 0 0,-2-9 0 0 0,1 13-48 0 0,0 0 0 0 0,0 0 1 0 0,0 1-1 0 0,0-1 0 0 0,-1 0 0 0 0,1 0 0 0 0,0 0 0 0 0,0 0 0 0 0,-1 1 1 0 0,1-1-1 0 0,-1 0 0 0 0,1 0 0 0 0,0 1 0 0 0,-1-1 0 0 0,0 0 1 0 0,1 1-1 0 0,-1-1 0 0 0,1 0 0 0 0,-1 1 0 0 0,0-1 0 0 0,1 1 1 0 0,-1-1-1 0 0,0 1 0 0 0,1-1 0 0 0,-1 1 0 0 0,0 0 0 0 0,0-1 0 0 0,0 1 1 0 0,-1 0-1 0 0,1-1 7 0 0,-1 0 4 0 0,-1 1-1 0 0,0-1 1 0 0,1 0-1 0 0,-1 1 1 0 0,1 0 0 0 0,-1-1-1 0 0,0 1 1 0 0,1 0-1 0 0,-1 0 1 0 0,0 1 0 0 0,1-1-1 0 0,-1 0 1 0 0,-2 2-1 0 0,0-1 10 0 0,-1 1-1 0 0,1 0 0 0 0,0 0 0 0 0,-9 4 0 0 0,5 1-7 0 0,0 0-1 0 0,0 0 1 0 0,0 1-1 0 0,1 0 1 0 0,1 0-1 0 0,-1 1 1 0 0,1 0-1 0 0,1 0 1 0 0,0 1 0 0 0,0 0-1 0 0,1 0 1 0 0,0 0-1 0 0,0 1 1 0 0,1-1-1 0 0,1 1 1 0 0,0 0-1 0 0,-2 14 1 0 0,4-9-12 0 0,2-11 16 0 0,1-1-1 0 0,-1 1 1 0 0,1 0 0 0 0,-1 0 0 0 0,2-1-1 0 0,-1 1 1 0 0,0-1 0 0 0,1 0-1 0 0,0 0 1 0 0,0 0 0 0 0,0 0-1 0 0,0 0 1 0 0,1 0 0 0 0,-1-1 0 0 0,1 0-1 0 0,0 1 1 0 0,7 3 0 0 0,-4-4 52 0 0,-1 0 0 0 0,1-1 1 0 0,0 1-1 0 0,1-1 0 0 0,-1-1 1 0 0,0 1-1 0 0,14 0 1 0 0,-20-2-36 0 0,3 0 19 0 0,0 0-1 0 0,0 0 1 0 0,0 0 0 0 0,0 0 0 0 0,-1 0 0 0 0,1-1 0 0 0,0 0 0 0 0,0 0 0 0 0,-1 0 0 0 0,1 0-1 0 0,0-1 1 0 0,-1 1 0 0 0,5-4 0 0 0,27-10 316 0 0,-32 14-355 0 0,0-1 0 0 0,-1 1 0 0 0,1 0 0 0 0,-1-1 0 0 0,1 1 0 0 0,-1-1 0 0 0,0 0 0 0 0,0 0-1 0 0,0 0 1 0 0,3-3 0 0 0,18-31 127 0 0,-16 22-131 0 0,-3 6-9 0 0,-2 5 0 0 0,-1-1 0 0 0,1 1 0 0 0,0 0 0 0 0,1 0 0 0 0,-1 0 0 0 0,0 0 0 0 0,4-3 0 0 0,6-5 0 0 0,-10 10 0 0 0,0-1 0 0 0,0 1 0 0 0,-1-1 0 0 0,1 1 0 0 0,-1-1 0 0 0,1 0 0 0 0,1-3 0 0 0,-2 4 0 0 0,0-1 0 0 0,0 1 0 0 0,-1-1 0 0 0,1 1 0 0 0,0 0 0 0 0,0-1 0 0 0,0 1 0 0 0,1 0 0 0 0,1-2 0 0 0,-3 3 0 0 0,1 0 0 0 0,0-1 0 0 0,0 1 0 0 0,-1 0 0 0 0,1 0 0 0 0,0 0 0 0 0,0-1 0 0 0,0 1 0 0 0,0 0 0 0 0,-1 0 0 0 0,1 1 0 0 0,0-1 0 0 0,1 0 0 0 0,15 0 0 0 0,-7-3 0 0 0,-3-1 0 0 0,-4 2 0 0 0,-1-1 0 0 0,1 1 0 0 0,0 0 0 0 0,0 0 0 0 0,0 0 0 0 0,0 0 0 0 0,0 0 0 0 0,5-1 0 0 0,-4 2 0 0 0,11-11 0 0 0,-14 11 0 0 0,1 0 0 0 0,-1 0 0 0 0,0 0 0 0 0,0 0 0 0 0,0 0 0 0 0,0 0 0 0 0,0 0 0 0 0,0 0 0 0 0,0 0 0 0 0,0-1 0 0 0,0 1 0 0 0,0 0 0 0 0,-1-1 0 0 0,2-2 0 0 0,-1-1 0 0 0,7-10 0 0 0,-7 14 0 0 0,0-1 0 0 0,0 1 0 0 0,-1-1 0 0 0,1 1 0 0 0,0-1 0 0 0,-1 0 0 0 0,0 1 0 0 0,1-1 0 0 0,-1-2 0 0 0,3-14 0 0 0,-2 15 0 0 0,-1 0 0 0 0,1 0 0 0 0,-1 0 0 0 0,0 0 0 0 0,-1-1 0 0 0,1 1 0 0 0,0 0 0 0 0,-1 0 0 0 0,0 0 0 0 0,1 0 0 0 0,-1 0 0 0 0,0 0 0 0 0,-1 0 0 0 0,1 0 0 0 0,-1 0 0 0 0,1 0 0 0 0,-1 1 0 0 0,0-1 0 0 0,0 1 0 0 0,0-1 0 0 0,0 1 0 0 0,-4-4 0 0 0,5 3 0 0 0,-2 0 0 0 0,-14-4 0 0 0,11 5 0 0 0,1 0 0 0 0,-1 0 0 0 0,0 1 0 0 0,0 0 0 0 0,-8-1 0 0 0,-4 2 0 0 0,13 3 0 0 0,2-1 0 0 0,-1 0 0 0 0,0 0 0 0 0,0 1 0 0 0,0-1 0 0 0,0 1 0 0 0,1 0 0 0 0,-1 0 0 0 0,1 0 0 0 0,-1 1 0 0 0,1-1 0 0 0,0 1 0 0 0,0 0 0 0 0,1 0 0 0 0,-1 0 0 0 0,1 0 0 0 0,0 0 0 0 0,0 0 0 0 0,0 1 0 0 0,1-1 0 0 0,-2 8 0 0 0,0 5 0 0 0,2-13 0 0 0,0 1 0 0 0,0-1 0 0 0,1 1 0 0 0,-1 0 0 0 0,1-1 0 0 0,1 1 0 0 0,-1 0 0 0 0,1 4 0 0 0,0-2 0 0 0,1 1 0 0 0,0-1 0 0 0,0 0 0 0 0,1 0 0 0 0,0 0 0 0 0,6 11 0 0 0,7 8 0 0 0,-4-11 0 0 0,-6-11 0 0 0,-1-2 0 0 0,9 6 0 0 0,0-2 0 0 0,-5-4 0 0 0,-1-1 0 0 0,0 0 0 0 0,0-1 0 0 0,1 1 0 0 0,-1-2 0 0 0,1 1 0 0 0,-1-1 0 0 0,0 0 0 0 0,0-1 0 0 0,13-4 0 0 0,-5 0 0 0 0,29-13 0 0 0,-39 16 0 0 0,0-1 0 0 0,-1 0 0 0 0,9-8 0 0 0,2-1-542 0 0,1 1-1 0 0,20-11 1 0 0,-21 13-345 0 0,-1 0 0 0 0,0 0 0 0 0,21-20 0 0 0,17-24-9112 0 0,-23 23 2349 0 0</inkml:trace>
+</inkml:ink>
+</file>
+
+<file path=ppt/ink/ink36.xml><?xml version="1.0" encoding="utf-8"?>
+<inkml:ink xmlns:inkml="http://www.w3.org/2003/InkML">
+  <inkml:definitions>
+    <inkml:context xml:id="ctx0">
+      <inkml:inkSource xml:id="inkSrc0">
+        <inkml:traceFormat>
+          <inkml:channel name="X" type="integer" min="-2.14748E9" max="2.14748E9" units="cm"/>
+          <inkml:channel name="Y" type="integer" min="-2.14748E9" max="2.14748E9" units="cm"/>
+          <inkml:channel name="F" type="integer" max="32767" units="dev"/>
+          <inkml:channel name="OA" type="integer" max="360" units="deg"/>
+          <inkml:channel name="OE" type="integer" max="90" units="deg"/>
+        </inkml:traceFormat>
+        <inkml:channelProperties>
+          <inkml:channelProperty channel="X" name="resolution" value="1000" units="1/cm"/>
+          <inkml:channelProperty channel="Y" name="resolution" value="1000" units="1/cm"/>
+          <inkml:channelProperty channel="F" name="resolution" value="0" units="1/dev"/>
+          <inkml:channelProperty channel="OA" name="resolution" value="1000" units="1/deg"/>
+          <inkml:channelProperty channel="OE" name="resolution" value="1000" units="1/deg"/>
+        </inkml:channelProperties>
+      </inkml:inkSource>
+      <inkml:timestamp xml:id="ts0" timeString="2024-05-01T17:49:14.561"/>
+    </inkml:context>
+    <inkml:brush xml:id="br0">
+      <inkml:brushProperty name="width" value="0.05" units="cm"/>
+      <inkml:brushProperty name="height" value="0.05" units="cm"/>
+      <inkml:brushProperty name="color" value="#004F8B"/>
+    </inkml:brush>
+  </inkml:definitions>
+  <inkml:trace contextRef="#ctx0" brushRef="#br0">177 0 4831 0 0,'-61'103'1674'0'0,"44"-70"1164"0"0,1 1-1 0 0,-21 63 1 0 0,34-87-2349 0 0,-8 27 1754 0 0,1 1 1 0 0,1 0-1 0 0,-3 43 0 0 0,12-68-1564 0 0,0 0 0 0 0,0 0 1 0 0,1 0-1 0 0,0-1 0 0 0,6 21 0 0 0,-5-24-347 0 0,1-1 1 0 0,0 0 0 0 0,1 0-1 0 0,0-1 1 0 0,0 1-1 0 0,0-1 1 0 0,1 0-1 0 0,0 0 1 0 0,9 9-1 0 0,-12-13-309 0 0,1 0 0 0 0,0-1 0 0 0,1 1 0 0 0,-1-1 1 0 0,0 0-1 0 0,1 0 0 0 0,-1 0 0 0 0,1 0 0 0 0,-1 0 0 0 0,1-1 0 0 0,0 0 0 0 0,7 2 0 0 0,-5-2 13 0 0,0-1-1 0 0,1 0 1 0 0,-1 0 0 0 0,1 0 0 0 0,-1 0 0 0 0,1-1 0 0 0,7-2 0 0 0,5-3 24 0 0,-1 0 0 0 0,0-1 0 0 0,0-1 0 0 0,21-13 0 0 0,-15 8-60 0 0,0-2 0 0 0,-1 0 0 0 0,0-2 0 0 0,38-38 0 0 0,-48 42 0 0 0,4-3 0 0 0,-1-2 0 0 0,0 0 0 0 0,-1 0 0 0 0,-1-2 0 0 0,18-32 0 0 0,-27 38 0 0 0,-3 7-1367 0 0</inkml:trace>
+</inkml:ink>
+</file>
+
+<file path=ppt/ink/ink37.xml><?xml version="1.0" encoding="utf-8"?>
+<inkml:ink xmlns:inkml="http://www.w3.org/2003/InkML">
+  <inkml:definitions>
+    <inkml:context xml:id="ctx0">
+      <inkml:inkSource xml:id="inkSrc0">
+        <inkml:traceFormat>
+          <inkml:channel name="X" type="integer" min="-2.14748E9" max="2.14748E9" units="cm"/>
+          <inkml:channel name="Y" type="integer" min="-2.14748E9" max="2.14748E9" units="cm"/>
+          <inkml:channel name="F" type="integer" max="32767" units="dev"/>
+          <inkml:channel name="OA" type="integer" max="360" units="deg"/>
+          <inkml:channel name="OE" type="integer" max="90" units="deg"/>
+        </inkml:traceFormat>
+        <inkml:channelProperties>
+          <inkml:channelProperty channel="X" name="resolution" value="1000" units="1/cm"/>
+          <inkml:channelProperty channel="Y" name="resolution" value="1000" units="1/cm"/>
+          <inkml:channelProperty channel="F" name="resolution" value="0" units="1/dev"/>
+          <inkml:channelProperty channel="OA" name="resolution" value="1000" units="1/deg"/>
+          <inkml:channelProperty channel="OE" name="resolution" value="1000" units="1/deg"/>
+        </inkml:channelProperties>
+      </inkml:inkSource>
+      <inkml:timestamp xml:id="ts0" timeString="2024-05-01T17:49:33.970"/>
+    </inkml:context>
+    <inkml:brush xml:id="br0">
+      <inkml:brushProperty name="width" value="0.05" units="cm"/>
+      <inkml:brushProperty name="height" value="0.05" units="cm"/>
+      <inkml:brushProperty name="color" value="#004F8B"/>
+    </inkml:brush>
+  </inkml:definitions>
+  <inkml:trace contextRef="#ctx0" brushRef="#br0">17 167 2015 0 0,'-3'-5'363'0'0,"-10"-13"784"0"0,13 17-1101 0 0,0 1-1 0 0,-1 0 1 0 0,1 0 0 0 0,0 0 0 0 0,0 0 0 0 0,0 0 0 0 0,0-1 0 0 0,0 1-1 0 0,0 0 1 0 0,0 0 0 0 0,0 0 0 0 0,0 0 0 0 0,0-1 0 0 0,0 1-1 0 0,0 0 1 0 0,0 0 0 0 0,0 0 0 0 0,0 0 0 0 0,0 0 0 0 0,0-1-1 0 0,1 1 1 0 0,-1 0 0 0 0,0 0 0 0 0,0 0 0 0 0,0 0 0 0 0,0 0 0 0 0,0-1-1 0 0,0 1 1 0 0,0 0 0 0 0,0 0 0 0 0,1 0 0 0 0,-1 0 0 0 0,0 0-1 0 0,0 0 1 0 0,0 0 0 0 0,0 0 0 0 0,0 0 0 0 0,0-1 0 0 0,1 1-1 0 0,-1 0 1 0 0,0 0 0 0 0,0 0 0 0 0,0 0 0 0 0,0 0 0 0 0,0 0 0 0 0,1 0-1 0 0,-1 0 1 0 0,0 0 0 0 0,0 0 0 0 0,1 0 0 0 0,8-1 398 0 0,-8 1-176 0 0,16-3 2287 0 0,0 0-1 0 0,0-2 0 0 0,32-12 0 0 0,45-28 4076 0 0,-29 13-3846 0 0,15 1 521 0 0,-79 30-3062 0 0,-4 15-54 0 0,-1-5-132 0 0,1 0-1 0 0,-1 0 1 0 0,-1-1-1 0 0,0 0 1 0 0,0 0 0 0 0,-7 9-1 0 0,-9 13 135 0 0,9-13-148 0 0,-22 26 0 0 0,22-29-43 0 0,1 0-1 0 0,-15 24 1 0 0,20-25 0 0 0,6-12 0 0 0,0 0 0 0 0,-1 0 0 0 0,1 0 0 0 0,0 0 0 0 0,0 0 0 0 0,0 0 0 0 0,-1 0 0 0 0,1 0 0 0 0,0 0 0 0 0,1 0 0 0 0,-1 2 0 0 0,0-2-3 0 0,1 0 0 0 0,0 0 0 0 0,-1 0 0 0 0,1 0 0 0 0,0 0 0 0 0,0 0 0 0 0,-1 0 0 0 0,1 0 0 0 0,0 0 0 0 0,0 0 0 0 0,0-1 0 0 0,0 1 0 0 0,0 0 0 0 0,0-1 0 0 0,0 1 0 0 0,0-1 0 0 0,1 1 0 0 0,-1-1 0 0 0,0 0 0 0 0,0 1 0 0 0,0-1 0 0 0,0 0 0 0 0,1 0 0 0 0,1 0 0 0 0,2 1-37 0 0,-1-1 0 0 0,1 0 0 0 0,0-1 0 0 0,-1 1 0 0 0,7-2 0 0 0,-2 0 2 0 0,0 0 0 0 0,-1-1 0 0 0,1 0-1 0 0,-1 0 1 0 0,1-1 0 0 0,12-8-1 0 0,-20 11-42 0 0,0 4-59 0 0,-1 5 150 0 0,0-1 1 0 0,0 1-1 0 0,0 0 0 0 0,-1-1 0 0 0,0 1 1 0 0,-1 0-1 0 0,0-1 0 0 0,0 0 1 0 0,-1 1-1 0 0,-4 9 0 0 0,-1-2 23 0 0,0-1 0 0 0,-2 0-1 0 0,-19 24 1 0 0,-20 13 55 0 0,18-20-32 0 0,29-30 16 0 0,5-5-79 0 0,0-1-1 0 0,0 1 1 0 0,0 0-1 0 0,1 1 1 0 0,-1-1-1 0 0,1 0 1 0 0,5-3-1 0 0,10-11-36 0 0,26-27 17 0 0,-30 32 12 0 0,-1-1 0 0 0,18-23 0 0 0,-26 30 15 0 0,0-1 0 0 0,1 1 0 0 0,0 0 0 0 0,0 0 0 0 0,12-8 0 0 0,-22 21 1 0 0,-1 0-1 0 0,1 1 1 0 0,0-1-1 0 0,-4 12 1 0 0,-6 12 49 0 0,1-9 11 0 0,-1 0 0 0 0,-21 24-1 0 0,15-18 6 0 0,8-14-34 0 0,-1-1-1 0 0,0 0 0 0 0,-1 0 0 0 0,-15 10 0 0 0,-4 4-16 0 0,-58 44-15 0 0,71-55 66 0 0,17-12-35 0 0,1-2 287 0 0,6-1-243 0 0,0-1 0 0 0,0 0-1 0 0,0 0 1 0 0,9-3 0 0 0,-6 1-8 0 0,6-3 9 0 0,-1 0 1 0 0,0 0-1 0 0,-1-1 1 0 0,1-1-1 0 0,-1 0 0 0 0,13-12 1 0 0,14-10 116 0 0,4-2 12 0 0,-3-1 1 0 0,43-45-1 0 0,19-34-285 0 0,-101 110-336 0 0,-13 12-5104 0 0,7-4 4697 0 0,0-1 0 0 0,0 1 1 0 0,1 0-1 0 0,0 1 0 0 0,0-1 0 0 0,-6 12 0 0 0,2 2-987 0 0,-6 22 0 0 0,12-34 1639 0 0,0-1-1 0 0,1 0 0 0 0,0 0 1 0 0,1 0-1 0 0,0 1 1 0 0,0-1-1 0 0,1 11 0 0 0,14 53 867 0 0,-6-32-273 0 0,10 46 1144 0 0,8 40 3752 0 0,-25-111-4431 0 0,-1 0 0 0 0,0 0 0 0 0,-1 0 0 0 0,0 0-1 0 0,-1 0 1 0 0,-5 25 0 0 0,6-37-436 0 0,-7 8 394 0 0,7-10-801 0 0,0 1-1 0 0,0-1 1 0 0,-1 0-1 0 0,1 1 1 0 0,0-1-1 0 0,-1 0 1 0 0,1 0-1 0 0,-1 1 1 0 0,1-1-1 0 0,0 0 1 0 0,-1 0-1 0 0,1 0 1 0 0,-1 1-1 0 0,1-1 1 0 0,0 0-1 0 0,-1 0 1 0 0,1 0-1 0 0,-1 0 1 0 0,1 0-1 0 0,-1 0 1 0 0,1 0-1 0 0,0 0 1 0 0,-1 0-1 0 0,1 0 1 0 0,-1 0-1 0 0,0 0 1 0 0,-13-8 153 0 0,11 6-214 0 0,0-1-1 0 0,1 1 1 0 0,-1-1 0 0 0,1 0-1 0 0,0 0 1 0 0,-1 0 0 0 0,-1-4-1 0 0,-2-7-136 0 0,-10-18-285 0 0,5 16-1163 0 0,1-2 1 0 0,1 1-1 0 0,-13-35 0 0 0,-1-21-9837 0 0,15 49 5213 0 0</inkml:trace>
+</inkml:ink>
+</file>
+
+<file path=ppt/ink/ink38.xml><?xml version="1.0" encoding="utf-8"?>
+<inkml:ink xmlns:inkml="http://www.w3.org/2003/InkML">
+  <inkml:definitions>
+    <inkml:context xml:id="ctx0">
+      <inkml:inkSource xml:id="inkSrc0">
+        <inkml:traceFormat>
+          <inkml:channel name="X" type="integer" min="-2.14748E9" max="2.14748E9" units="cm"/>
+          <inkml:channel name="Y" type="integer" min="-2.14748E9" max="2.14748E9" units="cm"/>
+          <inkml:channel name="F" type="integer" max="32767" units="dev"/>
+          <inkml:channel name="OA" type="integer" max="360" units="deg"/>
+          <inkml:channel name="OE" type="integer" max="90" units="deg"/>
+        </inkml:traceFormat>
+        <inkml:channelProperties>
+          <inkml:channelProperty channel="X" name="resolution" value="1000" units="1/cm"/>
+          <inkml:channelProperty channel="Y" name="resolution" value="1000" units="1/cm"/>
+          <inkml:channelProperty channel="F" name="resolution" value="0" units="1/dev"/>
+          <inkml:channelProperty channel="OA" name="resolution" value="1000" units="1/deg"/>
+          <inkml:channelProperty channel="OE" name="resolution" value="1000" units="1/deg"/>
+        </inkml:channelProperties>
+      </inkml:inkSource>
+      <inkml:timestamp xml:id="ts0" timeString="2024-05-01T17:49:34.499"/>
+    </inkml:context>
+    <inkml:brush xml:id="br0">
+      <inkml:brushProperty name="width" value="0.05" units="cm"/>
+      <inkml:brushProperty name="height" value="0.05" units="cm"/>
+      <inkml:brushProperty name="color" value="#004F8B"/>
+    </inkml:brush>
+  </inkml:definitions>
+  <inkml:trace contextRef="#ctx0" brushRef="#br0">1 23 4519 0 0,'0'-4'10950'0'0,"2"4"-9966"0"0,14 3 214 0 0,0 1 0 0 0,-1 1 0 0 0,1 0 0 0 0,-1 1-1 0 0,27 15 1 0 0,-37-17-901 0 0,0 0-1 0 0,-1 0 0 0 0,0 1 1 0 0,0 0-1 0 0,0 0 0 0 0,0 0 1 0 0,-1 0-1 0 0,0 1 0 0 0,0-1 1 0 0,0 1-1 0 0,2 9 0 0 0,1 2-22 0 0,-2 2 0 0 0,0-1 0 0 0,0 1 0 0 0,-2-1-1 0 0,0 30 1 0 0,-4 26 373 0 0,-1 58 361 0 0,0-73-446 0 0,3-57 356 0 0,2-14-629 0 0,6-86-92 0 0,-3 60-178 0 0,18-96 151 0 0,-16 106-131 0 0,1 0 1 0 0,19-46-1 0 0,-25 69-39 0 0,0 0 0 0 0,1 0 0 0 0,0 0 0 0 0,-1 1 0 0 0,2-1 0 0 0,4-5 0 0 0,-1 3 0 0 0,1 1 0 0 0,0 0 0 0 0,0 1 0 0 0,17-9 0 0 0,-9 6 0 0 0,30-9 0 0 0,-20 7 0 0 0,-12 7 0 0 0,-1-1 0 0 0,1 2 0 0 0,0 0 0 0 0,-1 0 0 0 0,25 2 0 0 0,-32-1 0 0 0,-4 1 0 0 0,0 1 0 0 0,-1-1 0 0 0,1 0 0 0 0,0 1 0 0 0,-1-1 0 0 0,1 0 0 0 0,0 1 0 0 0,-1 0 0 0 0,1 0 0 0 0,-1-1 0 0 0,1 1 0 0 0,1 2 0 0 0,4 0 0 0 0,-4-2 0 0 0,1 1 0 0 0,-1 0 0 0 0,1 0 0 0 0,-1 1 0 0 0,0-1 0 0 0,1 1 0 0 0,-1 0 0 0 0,0 0 0 0 0,-1 0 0 0 0,1 0 0 0 0,-1 0 0 0 0,1 0 0 0 0,-1 1 0 0 0,0 0 0 0 0,0-1 0 0 0,2 8 0 0 0,-2 0 0 0 0,0 14 0 0 0,-1-5 0 0 0,-12 11 0 0 0,8-25-548 0 0,0 0 0 0 0,0 0 0 0 0,0-1-1 0 0,-6 8 1 0 0,-1-1-2661 0 0,0-2 0 0 0,-14 13 0 0 0,10-11-5607 0 0</inkml:trace>
+</inkml:ink>
+</file>
+
+<file path=ppt/ink/ink39.xml><?xml version="1.0" encoding="utf-8"?>
+<inkml:ink xmlns:inkml="http://www.w3.org/2003/InkML">
+  <inkml:definitions>
+    <inkml:context xml:id="ctx0">
+      <inkml:inkSource xml:id="inkSrc0">
+        <inkml:traceFormat>
+          <inkml:channel name="X" type="integer" min="-2.14748E9" max="2.14748E9" units="cm"/>
+          <inkml:channel name="Y" type="integer" min="-2.14748E9" max="2.14748E9" units="cm"/>
+          <inkml:channel name="F" type="integer" max="32767" units="dev"/>
+          <inkml:channel name="OA" type="integer" max="360" units="deg"/>
+          <inkml:channel name="OE" type="integer" max="90" units="deg"/>
+        </inkml:traceFormat>
+        <inkml:channelProperties>
+          <inkml:channelProperty channel="X" name="resolution" value="1000" units="1/cm"/>
+          <inkml:channelProperty channel="Y" name="resolution" value="1000" units="1/cm"/>
+          <inkml:channelProperty channel="F" name="resolution" value="0" units="1/dev"/>
+          <inkml:channelProperty channel="OA" name="resolution" value="1000" units="1/deg"/>
+          <inkml:channelProperty channel="OE" name="resolution" value="1000" units="1/deg"/>
+        </inkml:channelProperties>
+      </inkml:inkSource>
+      <inkml:timestamp xml:id="ts0" timeString="2024-05-01T17:49:34.890"/>
+    </inkml:context>
+    <inkml:brush xml:id="br0">
+      <inkml:brushProperty name="width" value="0.05" units="cm"/>
+      <inkml:brushProperty name="height" value="0.05" units="cm"/>
+      <inkml:brushProperty name="color" value="#004F8B"/>
+    </inkml:brush>
+  </inkml:definitions>
+  <inkml:trace contextRef="#ctx0" brushRef="#br0">44 1 2591 0 0,'2'2'187'0'0,"6"5"60"0"0,-3-2 378 0 0,0 0 0 0 0,-1 0 1 0 0,1 1-1 0 0,-1 0 0 0 0,-1-1 1 0 0,1 1-1 0 0,-1 1 0 0 0,3 6 1 0 0,-2-3 669 0 0,-1 0 1 0 0,0 1 0 0 0,0-1-1 0 0,-1 1 1 0 0,1 20 0 0 0,-4 54 3596 0 0,0-66-4229 0 0,-2 14 935 0 0,-9 39 0 0 0,5-35-538 0 0,-1 2 377 0 0,-20 53 0 0 0,23-76-1303 0 0,4-10-145 0 0,-1 0 0 0 0,1 0 0 0 0,-2 0 0 0 0,1-1 0 0 0,-1 1 0 0 0,0 0 0 0 0,0-1 0 0 0,-5 7 0 0 0,7-11-329 0 0,-3-3-3268 0 0,3 1 3356 0 0,0 1-1 0 0,1-1 1 0 0,-1 0 0 0 0,1 1 0 0 0,-1-1-1 0 0,1 1 1 0 0,-1-1 0 0 0,1 0 0 0 0,-1 1-1 0 0,1-1 1 0 0,-1 0 0 0 0,1 0 0 0 0,0 1-1 0 0,-1-2 1 0 0,-5-17-3368 0 0,6 16 3026 0 0,0 0-1 0 0,0 0 1 0 0,0 0-1 0 0,0 0 1 0 0,1 0-1 0 0,-1 0 0 0 0,1 0 1 0 0,0 1-1 0 0,0-1 1 0 0,0 0-1 0 0,0 0 1 0 0,1 0-1 0 0,-1 1 1 0 0,1-1-1 0 0,-1 1 1 0 0,5-6-1 0 0,-2 3 296 0 0,1 0 1 0 0,-1 1-1 0 0,1-1 1 0 0,0 1-1 0 0,1 0 1 0 0,10-7-1 0 0,-8 7 449 0 0,0 1 1 0 0,1-1-1 0 0,0 1 1 0 0,-1 1-1 0 0,12-2 0 0 0,47-5 2564 0 0,-48 7-1599 0 0,167-3 10744 0 0,-131 6-8681 0 0,-21-1-282 0 0,44 5 1 0 0,-32 7-1410 0 0,-44-11-1390 0 0,10 0-73 0 0,-5-1-24 0 0,-6-9-144 0 0,-3 5-318 0 0,1-1 1 0 0,-1 1-1 0 0,0 0 1 0 0,0 0-1 0 0,-3-5 1 0 0,-6-12-7907 0 0,2 1-895 0 0</inkml:trace>
+</inkml:ink>
+</file>
+
+<file path=ppt/ink/ink4.xml><?xml version="1.0" encoding="utf-8"?>
+<inkml:ink xmlns:inkml="http://www.w3.org/2003/InkML">
+  <inkml:definitions>
+    <inkml:context xml:id="ctx0">
+      <inkml:inkSource xml:id="inkSrc0">
+        <inkml:traceFormat>
+          <inkml:channel name="X" type="integer" min="-2.14748E9" max="2.14748E9" units="cm"/>
+          <inkml:channel name="Y" type="integer" min="-2.14748E9" max="2.14748E9" units="cm"/>
+          <inkml:channel name="F" type="integer" max="32767" units="dev"/>
+          <inkml:channel name="OA" type="integer" max="360" units="deg"/>
+          <inkml:channel name="OE" type="integer" max="90" units="deg"/>
+        </inkml:traceFormat>
+        <inkml:channelProperties>
+          <inkml:channelProperty channel="X" name="resolution" value="1000" units="1/cm"/>
+          <inkml:channelProperty channel="Y" name="resolution" value="1000" units="1/cm"/>
+          <inkml:channelProperty channel="F" name="resolution" value="0" units="1/dev"/>
+          <inkml:channelProperty channel="OA" name="resolution" value="1000" units="1/deg"/>
+          <inkml:channelProperty channel="OE" name="resolution" value="1000" units="1/deg"/>
+        </inkml:channelProperties>
+      </inkml:inkSource>
+      <inkml:timestamp xml:id="ts0" timeString="2024-05-01T17:28:24.675"/>
+    </inkml:context>
+    <inkml:brush xml:id="br0">
+      <inkml:brushProperty name="width" value="0.05" units="cm"/>
+      <inkml:brushProperty name="height" value="0.05" units="cm"/>
+      <inkml:brushProperty name="color" value="#004F8B"/>
+    </inkml:brush>
+  </inkml:definitions>
+  <inkml:trace contextRef="#ctx0" brushRef="#br0">0 523 5727 0 0,'0'0'443'0'0,"2"0"-294"0"0,42-8 3873 0 0,0 2-1 0 0,63-1 0 0 0,-26 2-1286 0 0,-14 2-158 0 0,-58 3-2204 0 0,-1 1 0 0 0,1 0 0 0 0,-1 0 1 0 0,1 1-1 0 0,10 3 0 0 0,-17-4-286 0 0,1 0 0 0 0,-1 0 0 0 0,0 0 0 0 0,0 0 0 0 0,0 0 0 0 0,0 1 1 0 0,-1-1-1 0 0,1 1 0 0 0,0-1 0 0 0,-1 1 0 0 0,1 0 0 0 0,-1 0 0 0 0,1-1 0 0 0,-1 1 0 0 0,0 0 1 0 0,1 0-1 0 0,-1 1 0 0 0,0-1 0 0 0,-1 0 0 0 0,1 0 0 0 0,0 3 0 0 0,1 3 97 0 0,-1 1-1 0 0,0-1 1 0 0,0 1-1 0 0,-2 11 1 0 0,1-1 39 0 0,-1 65 536 0 0,-15 99 1 0 0,-40 96-119 0 0,47-242-521 0 0,-29 128-352 0 0,35-140-489 0 0,3-23 167 0 0,6-5-2232 0 0,-2 1 2718 0 0,-1 0-1 0 0,0-1 0 0 0,1 1 0 0 0,-1-1 1 0 0,0 0-1 0 0,0 0 0 0 0,-1 0 1 0 0,4-4-1 0 0,21-36-577 0 0,-18 29 579 0 0,2-4 89 0 0,82-149 1521 0 0,-83 145-1339 0 0,-1 0-1 0 0,-1 0 1 0 0,-1-1 0 0 0,-1 0 0 0 0,-1 0 0 0 0,2-25 0 0 0,-4 10 185 0 0,-1 0 1 0 0,-2 0-1 0 0,-4-38 0 0 0,2 67-259 0 0,0 0 0 0 0,-1 0 0 0 0,-6-14-1 0 0,4 11 83 0 0,2 9-20 0 0,0 2-161 0 0,-1 1 0 0 0,1-1 0 0 0,0 1 0 0 0,-1 0 0 0 0,1 0 0 0 0,0 0 0 0 0,-1 0 0 0 0,1 1 0 0 0,0 0 0 0 0,-1-1 0 0 0,1 1 0 0 0,0 0 0 0 0,0 1 0 0 0,0-1 0 0 0,0 0 0 0 0,0 1 0 0 0,0 0 0 0 0,0-1 0 0 0,0 1 0 0 0,0 1 0 0 0,1-1 0 0 0,-1 0 0 0 0,-2 4 0 0 0,0-1-42 0 0,1 1 1 0 0,-1 0-1 0 0,1 1 1 0 0,1-1-1 0 0,-1 0 1 0 0,1 1-1 0 0,0 0 1 0 0,0 0-1 0 0,-2 14 0 0 0,2-10-84 0 0,2 0-1 0 0,0 0 0 0 0,0 0 0 0 0,1 0 1 0 0,0 0-1 0 0,2 13 0 0 0,7 97-368 0 0,-6-103 464 0 0,1 10 0 0 0,10 39 0 0 0,-9-51-5 0 0,-1 0-22 0 0,1-1-1 0 0,0-1 1 0 0,1 1 0 0 0,1-1-1 0 0,12 22 1 0 0,-15-32 19 0 0,0 0 0 0 0,0 0 0 0 0,0 0 0 0 0,1 0 0 0 0,-1-1 1 0 0,1 0-1 0 0,0 0 0 0 0,10 5 0 0 0,-4-6 20 0 0,-8-3-4 0 0,0 1 1 0 0,0-1-1 0 0,0 0 0 0 0,0 0 0 0 0,-1-1 1 0 0,1 1-1 0 0,0-1 0 0 0,-1 1 0 0 0,1-1 1 0 0,-1 0-1 0 0,0 0 0 0 0,0 0 1 0 0,1 0-1 0 0,-1 0 0 0 0,0 0 0 0 0,-1-1 1 0 0,1 1-1 0 0,0-1 0 0 0,1-3 0 0 0,4-7 25 0 0,0-1 0 0 0,7-23 0 0 0,-10 23 3 0 0,7-19 23 0 0,-2 0 0 0 0,-1-1 1 0 0,6-61-1 0 0,-5-106 87 0 0,-8 164-113 0 0,-1-47 37 0 0,-3 0 1 0 0,-4 1-1 0 0,-3 0 1 0 0,-29-109-1 0 0,37 181-57 0 0,-12-41 166 0 0,-24-65 0 0 0,30 103-166 0 0,8 14-13 0 0,0 0 0 0 0,-1-1 0 0 0,1 1 0 0 0,0 0 0 0 0,-1-1 0 0 0,1 1 0 0 0,-1 0 0 0 0,1 0 0 0 0,-1-1 0 0 0,1 1 0 0 0,-1 0 0 0 0,1 0 0 0 0,-1 0 0 0 0,1 0 0 0 0,-1 0 0 0 0,1 0 0 0 0,-1 0 0 0 0,1 0 0 0 0,-1 0 0 0 0,0 0 0 0 0,0 0 0 0 0,-1 1 0 0 0,1-1 0 0 0,0 1 0 0 0,0 0 0 0 0,0-1 0 0 0,0 1 0 0 0,0 0 0 0 0,0 0 0 0 0,0-1 0 0 0,1 1 0 0 0,-1 0 0 0 0,0 0 0 0 0,0 0 0 0 0,1 0 0 0 0,-1 0 0 0 0,0 0 0 0 0,1 0 0 0 0,-1 1 0 0 0,0 1 0 0 0,-7 25 0 0 0,7-13-1 0 0,-1 0 0 0 0,2 0 0 0 0,0 0 0 0 0,1-1 0 0 0,1 1 0 0 0,0 0 0 0 0,1 0 0 0 0,0-1 0 0 0,2 1 0 0 0,-1-1 0 0 0,2 0-1 0 0,0-1 1 0 0,13 24 0 0 0,123 164 19 0 0,-108-152 193 0 0,52 96 0 0 0,-72-116-109 0 0,-2 0-1 0 0,10 36 1 0 0,-6-15-60 0 0,26 102 102 0 0,-29-58-140 0 0,-11-74-4 0 0,-2-14-39 0 0,1 0 0 0 0,-1 0 0 0 0,0 0 0 0 0,-1 0 0 0 0,1 0 0 0 0,-1-1 0 0 0,0 1 0 0 0,-1 0 0 0 0,1 0 0 0 0,-1 0 0 0 0,0-1 0 0 0,-1 1 0 0 0,1-1 0 0 0,-1 0 0 0 0,-6 10 0 0 0,7-14-106 0 0,1 0 0 0 0,-1 0 0 0 0,0 0 0 0 0,1 0 0 0 0,-1-1 0 0 0,0 1 0 0 0,1 0 0 0 0,-1-1 0 0 0,0 1 0 0 0,0-1 0 0 0,0 0 0 0 0,1 1 0 0 0,-1-1 0 0 0,0 0 0 0 0,-2 0 0 0 0,0 0-238 0 0,-2 0-158 0 0,0 0 0 0 0,-1 0 0 0 0,1-1 0 0 0,0 0 0 0 0,0 0-1 0 0,0 0 1 0 0,-9-4 0 0 0,-41-20-4268 0 0,22 10 2461 0 0,2 1 807 0 0,-50-22-2165 0 0,72 30 3567 0 0,-1 0-1 0 0,2 0 0 0 0,-1-1 0 0 0,1 0 0 0 0,-13-12 1 0 0,20 17 235 0 0,0-1-1 0 0,0 0 1 0 0,0 1 0 0 0,1-1 0 0 0,-1 0 0 0 0,1 0 0 0 0,-1 0 0 0 0,1 0 0 0 0,0 0 0 0 0,0 0 0 0 0,0 0 0 0 0,1 0 0 0 0,-1-1 0 0 0,1 1-1 0 0,-1 0 1 0 0,1 0 0 0 0,0-1 0 0 0,1 1 0 0 0,-1 0 0 0 0,0 0 0 0 0,2-6 0 0 0,2-4 1170 0 0,0 1 0 0 0,1-1 1 0 0,13-22-1 0 0,-8 15 552 0 0,4-6-562 0 0,0 2-1 0 0,2 0 1 0 0,0 1 0 0 0,2 0 0 0 0,0 2 0 0 0,2 0 0 0 0,33-28-1 0 0,-10 15-267 0 0,10-8-835 0 0,-46 35-1435 0 0,-1 0-1 0 0,11-13 1 0 0,-7 6-5795 0 0,2-3-2041 0 0</inkml:trace>
+</inkml:ink>
+</file>
+
+<file path=ppt/ink/ink40.xml><?xml version="1.0" encoding="utf-8"?>
+<inkml:ink xmlns:inkml="http://www.w3.org/2003/InkML">
+  <inkml:definitions>
+    <inkml:context xml:id="ctx0">
+      <inkml:inkSource xml:id="inkSrc0">
+        <inkml:traceFormat>
+          <inkml:channel name="X" type="integer" min="-2.14748E9" max="2.14748E9" units="cm"/>
+          <inkml:channel name="Y" type="integer" min="-2.14748E9" max="2.14748E9" units="cm"/>
+          <inkml:channel name="F" type="integer" max="32767" units="dev"/>
+          <inkml:channel name="OA" type="integer" max="360" units="deg"/>
+          <inkml:channel name="OE" type="integer" max="90" units="deg"/>
+        </inkml:traceFormat>
+        <inkml:channelProperties>
+          <inkml:channelProperty channel="X" name="resolution" value="1000" units="1/cm"/>
+          <inkml:channelProperty channel="Y" name="resolution" value="1000" units="1/cm"/>
+          <inkml:channelProperty channel="F" name="resolution" value="0" units="1/dev"/>
+          <inkml:channelProperty channel="OA" name="resolution" value="1000" units="1/deg"/>
+          <inkml:channelProperty channel="OE" name="resolution" value="1000" units="1/deg"/>
+        </inkml:channelProperties>
+      </inkml:inkSource>
+      <inkml:timestamp xml:id="ts0" timeString="2024-05-01T17:49:35.246"/>
+    </inkml:context>
+    <inkml:brush xml:id="br0">
+      <inkml:brushProperty name="width" value="0.05" units="cm"/>
+      <inkml:brushProperty name="height" value="0.05" units="cm"/>
+      <inkml:brushProperty name="color" value="#004F8B"/>
+    </inkml:brush>
+  </inkml:definitions>
+  <inkml:trace contextRef="#ctx0" brushRef="#br0">1 68 7223 0 0,'1'18'722'0'0,"-1"-13"-334"0"0,1 1 1 0 0,-1-1-1 0 0,0 0 1 0 0,-2 8-1 0 0,2-12-198 0 0,0-1 0 0 0,0 1-1 0 0,1 0 1 0 0,-1-1 0 0 0,0 1-1 0 0,0-1 1 0 0,0 1-1 0 0,0 0 1 0 0,1-1 0 0 0,-1 1-1 0 0,0-1 1 0 0,1 1 0 0 0,-1-1-1 0 0,0 1 1 0 0,1-1-1 0 0,-1 1 1 0 0,1-1 0 0 0,-1 1-1 0 0,1 0 1 0 0,1 0 388 0 0,-1 0 10 0 0,0 1 1 0 0,1-1-1 0 0,-1 1 1 0 0,1-1-1 0 0,0 0 0 0 0,-1 0 1 0 0,1 1-1 0 0,0-1 1 0 0,0 0-1 0 0,0-1 0 0 0,0 1 1 0 0,3 1-1 0 0,-1-1 60 0 0,1 0 0 0 0,0 0 0 0 0,0-1 1 0 0,10 1-1 0 0,-2-2 344 0 0,1 0 0 0 0,24-6 0 0 0,-29 4-660 0 0,0 0-1 0 0,0-1 0 0 0,-1 0 0 0 0,11-6 0 0 0,23-10 559 0 0,-34 17-911 0 0,0-1 1 0 0,-1-1-1 0 0,1 1 1 0 0,-1-1 0 0 0,0 0-1 0 0,-1-1 1 0 0,1 0-1 0 0,-1 0 1 0 0,0 0 0 0 0,0-1-1 0 0,-1 1 1 0 0,8-15-1 0 0,-3 6-7842 0 0</inkml:trace>
+</inkml:ink>
+</file>
+
+<file path=ppt/ink/ink41.xml><?xml version="1.0" encoding="utf-8"?>
+<inkml:ink xmlns:inkml="http://www.w3.org/2003/InkML">
+  <inkml:definitions>
+    <inkml:context xml:id="ctx0">
+      <inkml:inkSource xml:id="inkSrc0">
+        <inkml:traceFormat>
+          <inkml:channel name="X" type="integer" min="-2.14748E9" max="2.14748E9" units="cm"/>
+          <inkml:channel name="Y" type="integer" min="-2.14748E9" max="2.14748E9" units="cm"/>
+          <inkml:channel name="F" type="integer" max="32767" units="dev"/>
+          <inkml:channel name="OA" type="integer" max="360" units="deg"/>
+          <inkml:channel name="OE" type="integer" max="90" units="deg"/>
+        </inkml:traceFormat>
+        <inkml:channelProperties>
+          <inkml:channelProperty channel="X" name="resolution" value="1000" units="1/cm"/>
+          <inkml:channelProperty channel="Y" name="resolution" value="1000" units="1/cm"/>
+          <inkml:channelProperty channel="F" name="resolution" value="0" units="1/dev"/>
+          <inkml:channelProperty channel="OA" name="resolution" value="1000" units="1/deg"/>
+          <inkml:channelProperty channel="OE" name="resolution" value="1000" units="1/deg"/>
+        </inkml:channelProperties>
+      </inkml:inkSource>
+      <inkml:timestamp xml:id="ts0" timeString="2024-05-01T17:49:35.806"/>
+    </inkml:context>
+    <inkml:brush xml:id="br0">
+      <inkml:brushProperty name="width" value="0.05" units="cm"/>
+      <inkml:brushProperty name="height" value="0.05" units="cm"/>
+      <inkml:brushProperty name="color" value="#004F8B"/>
+    </inkml:brush>
+  </inkml:definitions>
+  <inkml:trace contextRef="#ctx0" brushRef="#br0">235 0 4055 0 0,'0'0'312'0'0,"1"2"-204"0"0,5 5 708 0 0,-1 0-1 0 0,0 0 0 0 0,-1 1 0 0 0,1-1 1 0 0,-1 1-1 0 0,-1 0 0 0 0,0 0 0 0 0,0 1 1 0 0,0-1-1 0 0,-1 1 0 0 0,-1-1 0 0 0,1 1 1 0 0,-1 0-1 0 0,-1-1 0 0 0,1 1 0 0 0,-2 0 1 0 0,0 10-1 0 0,0-12-372 0 0,-1 6 183 0 0,0-1 1 0 0,0 1-1 0 0,-2-1 0 0 0,1 0 1 0 0,-11 23-1 0 0,3-13-164 0 0,-2 0-1 0 0,0-2 1 0 0,-1 0 0 0 0,-22 25-1 0 0,16-23-209 0 0,-116 114 956 0 0,135-135-1088 0 0,-9 9 1680 0 0,39-23-1243 0 0,-1 0 1 0 0,-1-2-1 0 0,41-28 0 0 0,-18 11 153 0 0,-5-1-287 0 0,-30 21-255 0 0,20-12-1 0 0,-11 7-179 0 0,-11 8-169 0 0,-1 4-530 0 0,2-1-1504 0 0,-4 5-3134 0 0,-10 4 5056 0 0,-8 18 388 0 0,-1 0 0 0 0,-20 36-1 0 0,19-37 49 0 0,-88 143 1206 0 0,74-130-1201 0 0,-1-1-1 0 0,-2-1 1 0 0,-1-2-1 0 0,-50 42 0 0 0,78-71-278 0 0,0 1 0 0 0,-1-1-1 0 0,1 0 1 0 0,-1 1 0 0 0,1-1-1 0 0,-1 1 1 0 0,0-1 0 0 0,1 0-1 0 0,-1 0 1 0 0,1 1 0 0 0,-1-1-1 0 0,0 0 1 0 0,1 0 0 0 0,-1 1-1 0 0,1-1 1 0 0,-2 0 0 0 0,2-1-106 0 0,0 1 1 0 0,0-1 0 0 0,0 1-1 0 0,1-1 1 0 0,-1 1-1 0 0,0-1 1 0 0,0 1 0 0 0,1-1-1 0 0,-1 1 1 0 0,1 0 0 0 0,-1-1-1 0 0,0 1 1 0 0,1-1 0 0 0,-1 1-1 0 0,1 0 1 0 0,-1 0-1 0 0,0-1 1 0 0,1 1 0 0 0,-1 0-1 0 0,1-1 1 0 0,-1 1 0 0 0,2 0-1 0 0,14-10-2994 0 0,23-10 1 0 0,23-4 709 0 0,68-14 2927 0 0,-105 31-320 0 0,11 0 1906 0 0,0 1 0 0 0,59-3 1 0 0,-44 6 74 0 0,138-17 5114 0 0,-142 12-5588 0 0,-1-1 1 0 0,46-16 0 0 0,-88 23-1500 0 0,0 1 0 0 0,0-1 1 0 0,0 0-1 0 0,-1 0 0 0 0,1 0 0 0 0,0 0 0 0 0,-1 0 0 0 0,1-1 0 0 0,-1 0 1 0 0,0 0-1 0 0,0 0 0 0 0,4-4 0 0 0,-6 5-212 0 0,1-1 0 0 0,-1 1 0 0 0,0 0 0 0 0,0-1 0 0 0,0 1 0 0 0,0-1 0 0 0,0 1 0 0 0,-1-1 0 0 0,1 0 0 0 0,-1 1 0 0 0,0-1 0 0 0,1 0 0 0 0,-1 1 0 0 0,0-1 0 0 0,-1 1 0 0 0,1-1 0 0 0,0 0-1 0 0,-1 1 1 0 0,1-1 0 0 0,-2-3 0 0 0,-3-10-7034 0 0,2-3-2289 0 0</inkml:trace>
+</inkml:ink>
+</file>
+
+<file path=ppt/ink/ink42.xml><?xml version="1.0" encoding="utf-8"?>
+<inkml:ink xmlns:inkml="http://www.w3.org/2003/InkML">
+  <inkml:definitions>
+    <inkml:context xml:id="ctx0">
+      <inkml:inkSource xml:id="inkSrc0">
+        <inkml:traceFormat>
+          <inkml:channel name="X" type="integer" min="-2.14748E9" max="2.14748E9" units="cm"/>
+          <inkml:channel name="Y" type="integer" min="-2.14748E9" max="2.14748E9" units="cm"/>
+          <inkml:channel name="F" type="integer" max="32767" units="dev"/>
+          <inkml:channel name="OA" type="integer" max="360" units="deg"/>
+          <inkml:channel name="OE" type="integer" max="90" units="deg"/>
+        </inkml:traceFormat>
+        <inkml:channelProperties>
+          <inkml:channelProperty channel="X" name="resolution" value="1000" units="1/cm"/>
+          <inkml:channelProperty channel="Y" name="resolution" value="1000" units="1/cm"/>
+          <inkml:channelProperty channel="F" name="resolution" value="0" units="1/dev"/>
+          <inkml:channelProperty channel="OA" name="resolution" value="1000" units="1/deg"/>
+          <inkml:channelProperty channel="OE" name="resolution" value="1000" units="1/deg"/>
+        </inkml:channelProperties>
+      </inkml:inkSource>
+      <inkml:timestamp xml:id="ts0" timeString="2024-05-01T17:49:36.194"/>
+    </inkml:context>
+    <inkml:brush xml:id="br0">
+      <inkml:brushProperty name="width" value="0.05" units="cm"/>
+      <inkml:brushProperty name="height" value="0.05" units="cm"/>
+      <inkml:brushProperty name="color" value="#004F8B"/>
+    </inkml:brush>
+  </inkml:definitions>
+  <inkml:trace contextRef="#ctx0" brushRef="#br0">5 0 9759 0 0,'0'0'1040'0'0,"12"2"7288"0"0,-7 12-7912 0 0,-5-2 224 0 0,-6 2-456 0 0,-2-1-8 0 0,0-2-5632 0 0</inkml:trace>
+</inkml:ink>
+</file>
+
+<file path=ppt/ink/ink43.xml><?xml version="1.0" encoding="utf-8"?>
+<inkml:ink xmlns:inkml="http://www.w3.org/2003/InkML">
+  <inkml:definitions>
+    <inkml:context xml:id="ctx0">
+      <inkml:inkSource xml:id="inkSrc0">
+        <inkml:traceFormat>
+          <inkml:channel name="X" type="integer" min="-2.14748E9" max="2.14748E9" units="cm"/>
+          <inkml:channel name="Y" type="integer" min="-2.14748E9" max="2.14748E9" units="cm"/>
+          <inkml:channel name="F" type="integer" max="32767" units="dev"/>
+          <inkml:channel name="OA" type="integer" max="360" units="deg"/>
+          <inkml:channel name="OE" type="integer" max="90" units="deg"/>
+        </inkml:traceFormat>
+        <inkml:channelProperties>
+          <inkml:channelProperty channel="X" name="resolution" value="1000" units="1/cm"/>
+          <inkml:channelProperty channel="Y" name="resolution" value="1000" units="1/cm"/>
+          <inkml:channelProperty channel="F" name="resolution" value="0" units="1/dev"/>
+          <inkml:channelProperty channel="OA" name="resolution" value="1000" units="1/deg"/>
+          <inkml:channelProperty channel="OE" name="resolution" value="1000" units="1/deg"/>
+        </inkml:channelProperties>
+      </inkml:inkSource>
+      <inkml:timestamp xml:id="ts0" timeString="2024-05-01T17:49:36.537"/>
+    </inkml:context>
+    <inkml:brush xml:id="br0">
+      <inkml:brushProperty name="width" value="0.05" units="cm"/>
+      <inkml:brushProperty name="height" value="0.05" units="cm"/>
+      <inkml:brushProperty name="color" value="#004F8B"/>
+    </inkml:brush>
+  </inkml:definitions>
+  <inkml:trace contextRef="#ctx0" brushRef="#br0">0 92 4863 0 0,'2'2'375'0'0,"65"53"2690"0"0,-28-25 1994 0 0,43 40 3685 0 0,-75-64-8308 0 0,-4-2-126 0 0,1-1 1 0 0,0 0-1 0 0,0-1 0 0 0,0 1 0 0 0,9 4 0 0 0,-12-7-367 0 0,0 0 8 0 0,0 0 0 0 0,-1 0 0 0 0,1 0 0 0 0,-1 0 0 0 0,1 0-1 0 0,-1 0 1 0 0,1 0 0 0 0,0 0 0 0 0,-1-1 0 0 0,1 1 0 0 0,-1 0 0 0 0,1 0 0 0 0,-1-1 0 0 0,1 1 0 0 0,-1 0 0 0 0,0-1 0 0 0,1 1 0 0 0,-1-1 0 0 0,1 1 0 0 0,-1 0 0 0 0,0-1-1 0 0,1 1 1 0 0,-1-1 0 0 0,1 0 0 0 0,8-10-799 0 0,-4 2 258 0 0,1-1-1 0 0,-2 0 1 0 0,1 0-1 0 0,-1 0 1 0 0,3-13-1 0 0,-4 11 241 0 0,1 1 1 0 0,1-1-1 0 0,6-13 0 0 0,-8 21 345 0 0,-1 1 0 0 0,1-1 0 0 0,0 0 0 0 0,0 1-1 0 0,0 0 1 0 0,0-1 0 0 0,1 1 0 0 0,-1 0 0 0 0,1 1 0 0 0,0-1 0 0 0,0 1 0 0 0,6-4 0 0 0,17-4 694 0 0,39-10 1 0 0,-31 10 905 0 0,-32 10-977 0 0,1-2-387 0 0,1 1-1 0 0,-1-1 0 0 0,1 1 0 0 0,-1-1 1 0 0,8-5-1 0 0,-2 1 175 0 0,25-12 861 0 0,-28 14 1904 0 0,-8 5-2849 0 0,-1 1-12 0 0,-45 48 603 0 0,-44 52 378 0 0,55-59-869 0 0,20-24-83 0 0,-18 27 0 0 0,30-35 14 0 0,3-8-259 0 0,0-1 1069 0 0,3-1-1097 0 0,1 0-62 0 0,0 0 0 0 0,0 0-1 0 0,0-1 1 0 0,0 1 0 0 0,0 0 0 0 0,0-1-1 0 0,0 0 1 0 0,0 0 0 0 0,0 0 0 0 0,0 0-1 0 0,0 0 1 0 0,0-1 0 0 0,0 1 0 0 0,0-1 0 0 0,0 0-1 0 0,0 0 1 0 0,0 0 0 0 0,4-3 0 0 0,6-3 8 0 0,0 0-1 0 0,20-16 1 0 0,-16 11-8 0 0,-10 8-3 0 0,-3 1 0 0 0,0 0 0 0 0,-1 1 0 0 0,1-2 0 0 0,-1 1 0 0 0,6-7 0 0 0,12-13 0 0 0,-18 20 9 0 0,7-11-71 0 0,-6 6 248 0 0,-36 27-26439 0 0</inkml:trace>
+</inkml:ink>
+</file>
+
+<file path=ppt/ink/ink44.xml><?xml version="1.0" encoding="utf-8"?>
+<inkml:ink xmlns:inkml="http://www.w3.org/2003/InkML">
+  <inkml:definitions>
+    <inkml:context xml:id="ctx0">
+      <inkml:inkSource xml:id="inkSrc0">
+        <inkml:traceFormat>
+          <inkml:channel name="X" type="integer" min="-2.14748E9" max="2.14748E9" units="cm"/>
+          <inkml:channel name="Y" type="integer" min="-2.14748E9" max="2.14748E9" units="cm"/>
+          <inkml:channel name="F" type="integer" max="32767" units="dev"/>
+          <inkml:channel name="OA" type="integer" max="360" units="deg"/>
+          <inkml:channel name="OE" type="integer" max="90" units="deg"/>
+        </inkml:traceFormat>
+        <inkml:channelProperties>
+          <inkml:channelProperty channel="X" name="resolution" value="1000" units="1/cm"/>
+          <inkml:channelProperty channel="Y" name="resolution" value="1000" units="1/cm"/>
+          <inkml:channelProperty channel="F" name="resolution" value="0" units="1/dev"/>
+          <inkml:channelProperty channel="OA" name="resolution" value="1000" units="1/deg"/>
+          <inkml:channelProperty channel="OE" name="resolution" value="1000" units="1/deg"/>
+        </inkml:channelProperties>
+      </inkml:inkSource>
+      <inkml:timestamp xml:id="ts0" timeString="2024-05-01T17:49:36.959"/>
+    </inkml:context>
+    <inkml:brush xml:id="br0">
+      <inkml:brushProperty name="width" value="0.05" units="cm"/>
+      <inkml:brushProperty name="height" value="0.05" units="cm"/>
+      <inkml:brushProperty name="color" value="#004F8B"/>
+    </inkml:brush>
+  </inkml:definitions>
+  <inkml:trace contextRef="#ctx0" brushRef="#br0">322 0 2383 0 0,'-1'1'40'0'0,"0"1"-1"0"0,0-1 0 0 0,1 0 0 0 0,-1 0 0 0 0,0 1 0 0 0,1-1 1 0 0,-1 0-1 0 0,1 1 0 0 0,-1-1 0 0 0,1 1 0 0 0,0-1 0 0 0,-1 0 0 0 0,1 1 1 0 0,0-1-1 0 0,0 1 0 0 0,0-1 0 0 0,0 3 0 0 0,1 0 144 0 0,-2 3 307 0 0,1 0 0 0 0,1 1 0 0 0,-1-1 0 0 0,1 0 0 0 0,0 0 0 0 0,4 13 0 0 0,1 5 1391 0 0,21 89 12607 0 0,-26-113-14194 0 0,-1 1 0 0 0,1-1 0 0 0,0 1 0 0 0,0-1 0 0 0,0 0 1 0 0,0 1-1 0 0,0-1 0 0 0,0 0 0 0 0,0 1 0 0 0,0-1 0 0 0,0 0 0 0 0,1 0 1 0 0,-1 0-1 0 0,0 0 0 0 0,1 0 0 0 0,-1 0 0 0 0,1-1 0 0 0,-1 1 0 0 0,2 0 0 0 0,-1 0 420 0 0,1-2-118 0 0,1 0-408 0 0,0 0 1 0 0,1-1 0 0 0,-1 1-1 0 0,0-1 1 0 0,0 0 0 0 0,0-1-1 0 0,6-3 1 0 0,28-26 472 0 0,-27 22-511 0 0,10-8 31 0 0,-17 12-177 0 0,-8 6-4 0 0,-27 15 0 0 0,-51 33 0 0 0,-17 8 0 0 0,-160 58 0 0 0,245-107 0 0 0,13-7 0 0 0,1 1 0 0 0,-1-1 0 0 0,1 0 0 0 0,-1 1 0 0 0,1-1 0 0 0,-1 0 0 0 0,1 1 0 0 0,0-1 0 0 0,-1 0 0 0 0,1 1 0 0 0,0-1 0 0 0,-1 1 0 0 0,1-1 0 0 0,0 0 0 0 0,-1 1 0 0 0,1-1 0 0 0,0 1 0 0 0,0 0 0 0 0,0 0 0 0 0,0 0 0 0 0,0 0 0 0 0,0 0 0 0 0,0-1 0 0 0,1 1 0 0 0,-1 0 0 0 0,0 0 0 0 0,0-1 0 0 0,1 1 0 0 0,-1 0 0 0 0,1-1 0 0 0,-1 1 0 0 0,1 0 0 0 0,-1-1 0 0 0,1 1 0 0 0,-1 0 0 0 0,1-1 0 0 0,-1 1 0 0 0,1-1 0 0 0,0 1 0 0 0,-1-1 0 0 0,1 1 0 0 0,0-1 0 0 0,0 0 0 0 0,0 1 0 0 0,23 9 0 0 0,-24-10 0 0 0,44 12 0 0 0,2-1 0 0 0,-1-3 0 0 0,56 4 0 0 0,-49-9 0 0 0,1-2 0 0 0,-1-2 0 0 0,0-3 0 0 0,79-15 0 0 0,-111 14 0 0 0,0 0 0 0 0,-1-1 0 0 0,1-1 0 0 0,22-11 0 0 0,-33 13 0 0 0,1-1 0 0 0,-1 1 0 0 0,0-2 0 0 0,-1 1 0 0 0,0-1 0 0 0,0 0 0 0 0,0-1 0 0 0,-1 0 0 0 0,12-16 0 0 0,-12 12-714 0 0,0 0-1 0 0,0-1 1 0 0,7-21 0 0 0,-10 23-773 0 0,-1 0 0 0 0,-1 0 1 0 0,0 0-1 0 0,2-22 0 0 0,-4 10-8182 0 0</inkml:trace>
+</inkml:ink>
+</file>
+
+<file path=ppt/ink/ink45.xml><?xml version="1.0" encoding="utf-8"?>
+<inkml:ink xmlns:inkml="http://www.w3.org/2003/InkML">
+  <inkml:definitions>
+    <inkml:context xml:id="ctx0">
+      <inkml:inkSource xml:id="inkSrc0">
+        <inkml:traceFormat>
+          <inkml:channel name="X" type="integer" min="-2.14748E9" max="2.14748E9" units="cm"/>
+          <inkml:channel name="Y" type="integer" min="-2.14748E9" max="2.14748E9" units="cm"/>
+          <inkml:channel name="F" type="integer" max="32767" units="dev"/>
+          <inkml:channel name="OA" type="integer" max="360" units="deg"/>
+          <inkml:channel name="OE" type="integer" max="90" units="deg"/>
+        </inkml:traceFormat>
+        <inkml:channelProperties>
+          <inkml:channelProperty channel="X" name="resolution" value="1000" units="1/cm"/>
+          <inkml:channelProperty channel="Y" name="resolution" value="1000" units="1/cm"/>
+          <inkml:channelProperty channel="F" name="resolution" value="0" units="1/dev"/>
+          <inkml:channelProperty channel="OA" name="resolution" value="1000" units="1/deg"/>
+          <inkml:channelProperty channel="OE" name="resolution" value="1000" units="1/deg"/>
+        </inkml:channelProperties>
+      </inkml:inkSource>
+      <inkml:timestamp xml:id="ts0" timeString="2024-05-01T17:49:37.304"/>
+    </inkml:context>
+    <inkml:brush xml:id="br0">
+      <inkml:brushProperty name="width" value="0.05" units="cm"/>
+      <inkml:brushProperty name="height" value="0.05" units="cm"/>
+      <inkml:brushProperty name="color" value="#004F8B"/>
+    </inkml:brush>
+  </inkml:definitions>
+  <inkml:trace contextRef="#ctx0" brushRef="#br0">1 287 9503 0 0,'70'64'1147'0'0,"-36"-32"3397"0"0,57 41 0 0 0,-55-49-590 0 0,45 21 1 0 0,-41-26-1755 0 0,44 14 0 0 0,167 43-1486 0 0,-233-71-708 0 0,-16-4-6 0 0,0-1 0 0 0,-1 1 0 0 0,1-1 0 0 0,0 0 0 0 0,0 1 0 0 0,-1-1 0 0 0,1 0 0 0 0,0 0 0 0 0,0 0 0 0 0,0 0 0 0 0,-1 0 0 0 0,1-1 0 0 0,0 1 0 0 0,0 0 0 0 0,2-2 0 0 0,1-4 0 0 0,-5 4-12 0 0,0 1 0 0 0,0-1 0 0 0,0 0 0 0 0,0 0 0 0 0,0 0 0 0 0,0 0 0 0 0,0 1 0 0 0,-1-1 1 0 0,1 0-1 0 0,-1 0 0 0 0,1 0 0 0 0,-1 1 0 0 0,-1-3 0 0 0,-15-25-526 0 0,9 16 103 0 0,-1-1-1977 0 0,-1 0 0 0 0,-18-19 0 0 0,18 21-1126 0 0,-18-19-5460 0 0</inkml:trace>
+  <inkml:trace contextRef="#ctx0" brushRef="#br0" timeOffset="1">222 0 2359 0 0,'-10'5'208'0'0,"2"0"-208"0"0,-6 3 1264 0 0,7-2 3256 0 0,0 3-3432 0 0,6-3 888 0 0,12-1-1000 0 0,-5 1-784 0 0,14-1-192 0 0,2 0-3328 0 0</inkml:trace>
+</inkml:ink>
+</file>
+
+<file path=ppt/ink/ink46.xml><?xml version="1.0" encoding="utf-8"?>
+<inkml:ink xmlns:inkml="http://www.w3.org/2003/InkML">
+  <inkml:definitions>
+    <inkml:context xml:id="ctx0">
+      <inkml:inkSource xml:id="inkSrc0">
+        <inkml:traceFormat>
+          <inkml:channel name="X" type="integer" min="-2.14748E9" max="2.14748E9" units="cm"/>
+          <inkml:channel name="Y" type="integer" min="-2.14748E9" max="2.14748E9" units="cm"/>
+          <inkml:channel name="F" type="integer" max="32767" units="dev"/>
+          <inkml:channel name="OA" type="integer" max="360" units="deg"/>
+          <inkml:channel name="OE" type="integer" max="90" units="deg"/>
+        </inkml:traceFormat>
+        <inkml:channelProperties>
+          <inkml:channelProperty channel="X" name="resolution" value="1000" units="1/cm"/>
+          <inkml:channelProperty channel="Y" name="resolution" value="1000" units="1/cm"/>
+          <inkml:channelProperty channel="F" name="resolution" value="0" units="1/dev"/>
+          <inkml:channelProperty channel="OA" name="resolution" value="1000" units="1/deg"/>
+          <inkml:channelProperty channel="OE" name="resolution" value="1000" units="1/deg"/>
+        </inkml:channelProperties>
+      </inkml:inkSource>
+      <inkml:timestamp xml:id="ts0" timeString="2024-05-01T17:49:37.678"/>
+    </inkml:context>
+    <inkml:brush xml:id="br0">
+      <inkml:brushProperty name="width" value="0.05" units="cm"/>
+      <inkml:brushProperty name="height" value="0.05" units="cm"/>
+      <inkml:brushProperty name="color" value="#004F8B"/>
+    </inkml:brush>
+  </inkml:definitions>
+  <inkml:trace contextRef="#ctx0" brushRef="#br0">458 0 6415 0 0,'0'8'151'0'0,"0"0"-1"0"0,0 1 1 0 0,-1-1-1 0 0,0 0 1 0 0,-1 0-1 0 0,-3 12 1 0 0,-20 48 4770 0 0,23-63-4093 0 0,-11 25 2357 0 0,-2 0 0 0 0,-1-1 0 0 0,-26 36 1 0 0,-69 73 2134 0 0,73-91-4576 0 0,-64 99 0 0 0,77-110-744 0 0,19-29 0 0 0,0 0 0 0 0,1 1 0 0 0,1 0 0 0 0,-1-1 0 0 0,-6 17 0 0 0,11-23-3 0 0,0 1-1 0 0,-1-1 1 0 0,0 0-1 0 0,1 0 1 0 0,-1 0 0 0 0,0 0-1 0 0,0 0 1 0 0,1 0 0 0 0,-1 0-1 0 0,0 0 1 0 0,0 0-1 0 0,0 0 1 0 0,0 0 0 0 0,0 0-1 0 0,-1 0 1 0 0,1-1 0 0 0,0 1-1 0 0,-2 0 1 0 0,3-1 0 0 0,-4 4 647 0 0,6-5-2081 0 0</inkml:trace>
+</inkml:ink>
+</file>
+
+<file path=ppt/ink/ink47.xml><?xml version="1.0" encoding="utf-8"?>
+<inkml:ink xmlns:inkml="http://www.w3.org/2003/InkML">
+  <inkml:definitions>
+    <inkml:context xml:id="ctx0">
+      <inkml:inkSource xml:id="inkSrc0">
+        <inkml:traceFormat>
+          <inkml:channel name="X" type="integer" min="-2.14748E9" max="2.14748E9" units="cm"/>
+          <inkml:channel name="Y" type="integer" min="-2.14748E9" max="2.14748E9" units="cm"/>
+          <inkml:channel name="F" type="integer" max="32767" units="dev"/>
+          <inkml:channel name="OA" type="integer" max="360" units="deg"/>
+          <inkml:channel name="OE" type="integer" max="90" units="deg"/>
+        </inkml:traceFormat>
+        <inkml:channelProperties>
+          <inkml:channelProperty channel="X" name="resolution" value="1000" units="1/cm"/>
+          <inkml:channelProperty channel="Y" name="resolution" value="1000" units="1/cm"/>
+          <inkml:channelProperty channel="F" name="resolution" value="0" units="1/dev"/>
+          <inkml:channelProperty channel="OA" name="resolution" value="1000" units="1/deg"/>
+          <inkml:channelProperty channel="OE" name="resolution" value="1000" units="1/deg"/>
+        </inkml:channelProperties>
+      </inkml:inkSource>
+      <inkml:timestamp xml:id="ts0" timeString="2024-05-01T17:49:41.325"/>
+    </inkml:context>
+    <inkml:brush xml:id="br0">
+      <inkml:brushProperty name="width" value="0.05" units="cm"/>
+      <inkml:brushProperty name="height" value="0.05" units="cm"/>
+      <inkml:brushProperty name="color" value="#004F8B"/>
+    </inkml:brush>
+  </inkml:definitions>
+  <inkml:trace contextRef="#ctx0" brushRef="#br0">0 234 7199 0 0,'99'-64'2383'0'0,"-19"10"5350"0"0,88-34 3040 0 0,-132 70-9709 0 0,-34 17-737 0 0,-2 1-348 0 0,1-1 0 0 0,0 1 0 0 0,0 0 0 0 0,0-1-1 0 0,-1 1 1 0 0,1-1 0 0 0,0 1 0 0 0,0-1 0 0 0,-1 1 0 0 0,1-1 0 0 0,-1 1 0 0 0,1-1 0 0 0,0 0-1 0 0,-1 1 1 0 0,1-2 0 0 0</inkml:trace>
+</inkml:ink>
+</file>
+
+<file path=ppt/ink/ink48.xml><?xml version="1.0" encoding="utf-8"?>
+<inkml:ink xmlns:inkml="http://www.w3.org/2003/InkML">
+  <inkml:definitions>
+    <inkml:context xml:id="ctx0">
+      <inkml:inkSource xml:id="inkSrc0">
+        <inkml:traceFormat>
+          <inkml:channel name="X" type="integer" min="-2.14748E9" max="2.14748E9" units="cm"/>
+          <inkml:channel name="Y" type="integer" min="-2.14748E9" max="2.14748E9" units="cm"/>
+          <inkml:channel name="F" type="integer" max="32767" units="dev"/>
+          <inkml:channel name="OA" type="integer" max="360" units="deg"/>
+          <inkml:channel name="OE" type="integer" max="90" units="deg"/>
+        </inkml:traceFormat>
+        <inkml:channelProperties>
+          <inkml:channelProperty channel="X" name="resolution" value="1000" units="1/cm"/>
+          <inkml:channelProperty channel="Y" name="resolution" value="1000" units="1/cm"/>
+          <inkml:channelProperty channel="F" name="resolution" value="0" units="1/dev"/>
+          <inkml:channelProperty channel="OA" name="resolution" value="1000" units="1/deg"/>
+          <inkml:channelProperty channel="OE" name="resolution" value="1000" units="1/deg"/>
+        </inkml:channelProperties>
+      </inkml:inkSource>
+      <inkml:timestamp xml:id="ts0" timeString="2024-05-01T17:49:42.814"/>
+    </inkml:context>
+    <inkml:brush xml:id="br0">
+      <inkml:brushProperty name="width" value="0.05" units="cm"/>
+      <inkml:brushProperty name="height" value="0.05" units="cm"/>
+      <inkml:brushProperty name="color" value="#004F8B"/>
+    </inkml:brush>
+  </inkml:definitions>
+  <inkml:trace contextRef="#ctx0" brushRef="#br0">106 52 3887 0 0,'-19'130'1786'0'0,"13"-109"-86"0"0,-13 36 0 0 0,-3 9 1561 0 0,-13 59 5162 0 0,30-112-3630 0 0,8-13-4228 0 0,11-3-361 0 0,-9 0-188 0 0,0 0-1 0 0,0-1 0 0 0,0 1 1 0 0,5-7-1 0 0,4-1-4 0 0,7-10-11 0 0,4-3 0 0 0,-6 9 0 0 0,-18 15 0 0 0,-1 0 0 0 0,0 0 0 0 0,0-1 0 0 0,1 1 0 0 0,-1 0 0 0 0,1 0 0 0 0,-1 0 0 0 0,0 0 0 0 0,1 0 0 0 0,-1-1 0 0 0,0 1 0 0 0,1 0 0 0 0,-1 0 0 0 0,0 0 0 0 0,1 0 0 0 0,-1 0 0 0 0,1 0 0 0 0,-1 0 0 0 0,0 0 0 0 0,1 0 0 0 0,-1 1 0 0 0,1-1 0 0 0,0 1 0 0 0,0 0 0 0 0,0 0 0 0 0,0 0 0 0 0,-1 0 0 0 0,1 0 0 0 0,0 0 0 0 0,-1 1 0 0 0,1-1 0 0 0,-1 0 0 0 0,1 0 0 0 0,-1 1 0 0 0,0-1 0 0 0,1 0 0 0 0,-1 0 0 0 0,0 1 0 0 0,0-1 0 0 0,0 0 0 0 0,0 1 0 0 0,0 1 0 0 0,-3 30 0 0 0,2-30 0 0 0,-3 18 131 0 0,-2-1 1 0 0,-13 35-1 0 0,3-9 52 0 0,-19 55 736 0 0,34-99 1 0 0,5-15-553 0 0,1 2-363 0 0,0 0 0 0 0,0 1 0 0 0,1 0 0 0 0,1 0 1 0 0,0 0-1 0 0,0 1 0 0 0,16-16 0 0 0,-13 20-4 0 0,-9 5 0 0 0,0 0 0 0 0,1 0 0 0 0,-1 0 0 0 0,0 0 0 0 0,1 0 0 0 0,-1 0 0 0 0,0 0 0 0 0,0 1 0 0 0,1-1 0 0 0,-1 1 0 0 0,0-1 0 0 0,0 1 0 0 0,1-1 0 0 0,-1 1 0 0 0,0-1 0 0 0,0 1 0 0 0,0 0 0 0 0,0 0 0 0 0,0 0 0 0 0,0-1 0 0 0,0 1 0 0 0,0 0 0 0 0,-1 0 0 0 0,1 0 0 0 0,0 0 0 0 0,0 1 0 0 0,-1-1 0 0 0,1 0 0 0 0,-1 0 0 0 0,1 2 0 0 0,2 3 0 0 0,-1 0 0 0 0,0 0 0 0 0,0 0 0 0 0,1 13 0 0 0,1 32 247 0 0,-3 84 1 0 0,-3-58 69 0 0,1 48 1655 0 0,-2-99-1526 0 0,2-19-226 0 0,2-17-126 0 0,19-255-547 0 0,-26 84-2488 0 0,2 126-306 0 0,5-106 0 0 0,0 152 2974 0 0,1 1 1 0 0,0 0-1 0 0,4-11 0 0 0,1-6 196 0 0,-6 11 91 0 0,-1 13-2 0 0,0 1 0 0 0,0-1 0 0 0,0 0 1 0 0,0 0-1 0 0,0 0 0 0 0,0 0 1 0 0,0 0-1 0 0,0 1 0 0 0,0-1 1 0 0,0 0-1 0 0,0 0 0 0 0,1 0 0 0 0,-1 0 1 0 0,0 1-1 0 0,1-3 0 0 0,0 3 1 0 0,-1 0 0 0 0,1 0 0 0 0,-1 0 0 0 0,1 0 0 0 0,-1-1 0 0 0,1 1 0 0 0,-1 0-1 0 0,0 0 1 0 0,1 0 0 0 0,-1 0 0 0 0,1 0 0 0 0,-1 0 0 0 0,1 0 0 0 0,-1 0 0 0 0,1 1 0 0 0,-1-1-1 0 0,1 0 1 0 0,-1 0 0 0 0,1 0 0 0 0,-1 0 0 0 0,1 1 0 0 0,-1-1 0 0 0,0 0 0 0 0,1 0 0 0 0,-1 1-1 0 0,1-1 1 0 0,-1 0 0 0 0,0 1 0 0 0,1-1 0 0 0,-1 0 0 0 0,1 2 0 0 0,1 0 213 0 0,0 0 0 0 0,0 0 0 0 0,0 1 1 0 0,0-1-1 0 0,0 1 0 0 0,0 0 0 0 0,-1 0 0 0 0,1-1 1 0 0,-1 1-1 0 0,0 0 0 0 0,2 6 0 0 0,5 38 1559 0 0,-3-15-1003 0 0,6 17 300 0 0,-3 1-1 0 0,-2 1 1 0 0,-1 58 0 0 0,-2-9-326 0 0,-1-90-695 0 0,1-11-55 0 0,0-7-56 0 0,-3 7 49 0 0,7-23-769 0 0,-2 0 0 0 0,0 0 0 0 0,-2-1 0 0 0,-1 0 0 0 0,-1-43 0 0 0,-5 33-1040 0 0,-1 1 1 0 0,-13-45-1 0 0,7 31 368 0 0,5 28 700 0 0,-11-28-1 0 0,12 37 699 0 0,0-1 0 0 0,1 1 0 0 0,1-1 0 0 0,0 0 0 0 0,0 0 0 0 0,1 0 0 0 0,1 0 0 0 0,-1-16 0 0 0,3 24 274 0 0,0 0 0 0 0,0 0 1 0 0,0 0-1 0 0,0 0 0 0 0,1 0 0 0 0,0 0 0 0 0,-1 0 1 0 0,1 1-1 0 0,1-1 0 0 0,-1 1 0 0 0,0-1 0 0 0,4-3 1 0 0,7-6 861 0 0,21-19 1 0 0,-17 16-510 0 0,1-1-160 0 0,23-21-114 0 0,-39 37-298 0 0,0 0 0 0 0,-1 0 0 0 0,1 0 0 0 0,0 0-1 0 0,1 0 1 0 0,-1 1 0 0 0,0-1 0 0 0,0 1 0 0 0,0 0 0 0 0,0-1 0 0 0,0 1-1 0 0,3 0 1 0 0,-1 0 35 0 0,-1 0 43 0 0,0 2-1 0 0,2 1-21 0 0,-1 0 0 0 0,0 1-1 0 0,1-1 1 0 0,-1 1 0 0 0,-1 0 0 0 0,1 0 0 0 0,0 0-1 0 0,-1 1 1 0 0,0-1 0 0 0,0 1 0 0 0,2 5-1 0 0,7 19 597 0 0,-2 0-1 0 0,10 41 1 0 0,-10-30-183 0 0,54 183 1883 0 0,6 0-1427 0 0,-65-200-936 0 0,-4-18 0 0 0,0 1 0 0 0,0-1 0 0 0,1 1 0 0 0,0-1 0 0 0,0 1 0 0 0,0-1 0 0 0,5 8 0 0 0,-2-6 0 0 0,-3-9 0 0 0,0-4 0 0 0,-2-1-238 0 0,0 1 1 0 0,1 0-1 0 0,-2 0 0 0 0,1 0 1 0 0,-1 0-1 0 0,0 0 0 0 0,0 0 1 0 0,-1 0-1 0 0,1 0 0 0 0,-1 0 1 0 0,-1 1-1 0 0,1-1 0 0 0,-1 1 1 0 0,0-1-1 0 0,-5-6 0 0 0,1 3-389 0 0,0 1 0 0 0,0 0 0 0 0,0 1-1 0 0,-1 0 1 0 0,-18-12 0 0 0,-46-23-2365 0 0,38 24 1718 0 0,15 9 612 0 0,0 1-1 0 0,-36-12 1 0 0,-41-16 511 0 0,96 36 176 0 0,-1 0 0 0 0,1 0 0 0 0,0 0 1 0 0,-1 0-1 0 0,1 0 0 0 0,0 0 0 0 0,-1 0 1 0 0,1 0-1 0 0,0-1 0 0 0,-1 1 1 0 0,1 0-1 0 0,0 0 0 0 0,-1 0 0 0 0,1-1 1 0 0,0 1-1 0 0,0 0 0 0 0,-1 0 0 0 0,1-1 1 0 0,0 1-1 0 0,0 0 0 0 0,0 0 1 0 0,0-1-1 0 0,-1 1 0 0 0,1 0 0 0 0,0-1 1 0 0,0 1-1 0 0,0 0 0 0 0,0-1 0 0 0,0 1 1 0 0,0 0-1 0 0,0-1 0 0 0,0 1 0 0 0,0 0 1 0 0,0-1-1 0 0,0 1 0 0 0,0 0 1 0 0,0-1-1 0 0,0 1 0 0 0,0 0 0 0 0,0-1 1 0 0,0 1-1 0 0,0 0 0 0 0,0-1 0 0 0,1 1 1 0 0,-1 0-1 0 0,0-1 0 0 0,0 1 1 0 0,0 0-1 0 0,0-1 0 0 0,1 1 0 0 0,-1 0 1 0 0,2-2 158 0 0,0 0 0 0 0,0 1 0 0 0,0-1 0 0 0,0 1 0 0 0,0 0 0 0 0,4-2 0 0 0,1 0 89 0 0,0 0-1 0 0,0 0 1 0 0,0 1 0 0 0,1 0-1 0 0,-1 1 1 0 0,1-1-1 0 0,-1 1 1 0 0,1 1 0 0 0,0 0-1 0 0,14 1 1 0 0,-20-1 85 0 0,10 8 317 0 0,-11-7-638 0 0,0 0 0 0 0,1 0 1 0 0,-1 1-1 0 0,0-1 0 0 0,0 0 0 0 0,0 1 0 0 0,0-1 1 0 0,-1 0-1 0 0,1 1 0 0 0,0-1 0 0 0,-1 1 0 0 0,1-1 1 0 0,-1 1-1 0 0,1 0 0 0 0,-1-1 0 0 0,0 1 0 0 0,1-1 0 0 0,-1 1 1 0 0,0 0-1 0 0,0-1 0 0 0,0 1 0 0 0,-1 0 0 0 0,1-1 1 0 0,-1 4-1 0 0,-1 3 104 0 0,0-1 1 0 0,-1 1-1 0 0,-7 13 1 0 0,3-6 114 0 0,4-10-127 0 0,0 0 0 0 0,0 0 0 0 0,-1 0 1 0 0,1 0-1 0 0,-1-1 0 0 0,-7 6 0 0 0,-3 6 219 0 0,12-15-160 0 0,1 0-115 0 0,38-9-58 0 0,-17-1-15 0 0,-13 7 0 0 0,16-3 0 0 0,-3 2 0 0 0,-19 3 1 0 0,0 0 0 0 0,0 0 0 0 0,0-1 0 0 0,0 1 0 0 0,0 0 0 0 0,0 0 0 0 0,0 0 0 0 0,0 0 0 0 0,0 1 0 0 0,0-1 0 0 0,0 0 0 0 0,1 1 0 0 0,-2-1 3 0 0,1 1-1 0 0,-1 0 1 0 0,0 0-1 0 0,1-1 1 0 0,-1 1-1 0 0,0 0 1 0 0,1 0-1 0 0,-1 0 0 0 0,0 0 1 0 0,0 0-1 0 0,0-1 1 0 0,0 1-1 0 0,0 0 1 0 0,0 0-1 0 0,0 0 1 0 0,0 0-1 0 0,0 0 0 0 0,0-1 1 0 0,0 1-1 0 0,-1 1 1 0 0,-5 19 70 0 0,1-10-21 0 0,0 0-1 0 0,-1-1 1 0 0,-1 1-1 0 0,0-2 1 0 0,-11 14-1 0 0,3-4 16 0 0,-140 176 333 0 0,145-183-296 0 0,-18 17 0 0 0,19-20 71 0 0,1 0 0 0 0,-1 0 0 0 0,-10 16 1 0 0,16-16 910 0 0,12-5-468 0 0,0-4-561 0 0,1 0 1 0 0,0 0-1 0 0,0-1 0 0 0,0 0 0 0 0,-1-1 0 0 0,1 0 0 0 0,12-4 0 0 0,-8 3-36 0 0,44-14-21 0 0,0-3 0 0 0,-2-2-1 0 0,0-2 1 0 0,72-44 0 0 0,-110 57-32 0 0,-1 0-1 0 0,0-2 1 0 0,15-14-1 0 0,-23 19-26 0 0,-1-1-1 0 0,0 0 0 0 0,0 0 0 0 0,-1-1 0 0 0,0 0 0 0 0,8-16 1 0 0,-9 15-967 0 0,13-19 0 0 0,-1 3-6780 0 0,-7 5-1827 0 0</inkml:trace>
+</inkml:ink>
+</file>
+
+<file path=ppt/ink/ink49.xml><?xml version="1.0" encoding="utf-8"?>
+<inkml:ink xmlns:inkml="http://www.w3.org/2003/InkML">
+  <inkml:definitions>
+    <inkml:context xml:id="ctx0">
+      <inkml:inkSource xml:id="inkSrc0">
+        <inkml:traceFormat>
+          <inkml:channel name="X" type="integer" min="-2.14748E9" max="2.14748E9" units="cm"/>
+          <inkml:channel name="Y" type="integer" min="-2.14748E9" max="2.14748E9" units="cm"/>
+          <inkml:channel name="F" type="integer" max="32767" units="dev"/>
+          <inkml:channel name="OA" type="integer" max="360" units="deg"/>
+          <inkml:channel name="OE" type="integer" max="90" units="deg"/>
+        </inkml:traceFormat>
+        <inkml:channelProperties>
+          <inkml:channelProperty channel="X" name="resolution" value="1000" units="1/cm"/>
+          <inkml:channelProperty channel="Y" name="resolution" value="1000" units="1/cm"/>
+          <inkml:channelProperty channel="F" name="resolution" value="0" units="1/dev"/>
+          <inkml:channelProperty channel="OA" name="resolution" value="1000" units="1/deg"/>
+          <inkml:channelProperty channel="OE" name="resolution" value="1000" units="1/deg"/>
+        </inkml:channelProperties>
+      </inkml:inkSource>
+      <inkml:timestamp xml:id="ts0" timeString="2024-05-01T17:49:43.172"/>
+    </inkml:context>
+    <inkml:brush xml:id="br0">
+      <inkml:brushProperty name="width" value="0.05" units="cm"/>
+      <inkml:brushProperty name="height" value="0.05" units="cm"/>
+      <inkml:brushProperty name="color" value="#004F8B"/>
+    </inkml:brush>
+  </inkml:definitions>
+  <inkml:trace contextRef="#ctx0" brushRef="#br0">1 81 6991 0 0,'0'0'542'0'0,"2"0"-353"0"0,26-5-2 0 0,-11 3 2399 0 0,-1-1 0 0 0,1-1 0 0 0,20-7 0 0 0,1-3 543 0 0,37-17 2271 0 0,-46 21-4426 0 0,-27 9-224 0 0,-1 20-253 0 0,-1-13-375 0 0,0 1 0 0 0,0-1 0 0 0,0 0 0 0 0,-2 8-1 0 0,-2 2 159 0 0,-1 0-1 0 0,0 0 1 0 0,-1-1-1 0 0,-15 24 1 0 0,-7 22 228 0 0,21-42-364 0 0,-2 4 63 0 0,-1 0 0 0 0,-15 27 0 0 0,-15 30 124 0 0,8-14-185 0 0,11-22-126 0 0,18-34-108 0 0,-1-1 0 0 0,-1 0 1 0 0,1 0-1 0 0,-2 0 0 0 0,-5 8 1 0 0,9-15-200 0 0,-1-7-1600 0 0,2 5 1802 0 0,1-1 0 0 0,0 1 0 0 0,-1 0 0 0 0,1 0 0 0 0,0-1 1 0 0,-1 1-1 0 0,1 0 0 0 0,0-1 0 0 0,0 1 0 0 0,-1-1 0 0 0,1 1 0 0 0,0 0 0 0 0,0-1 0 0 0,0 1 0 0 0,0-1 0 0 0,-1 1 1 0 0,1 0-1 0 0,0-1 0 0 0,0 1 0 0 0,0-1 0 0 0,0 1 0 0 0,0-1 0 0 0,12-29-9283 0 0,-7 9 1248 0 0</inkml:trace>
+</inkml:ink>
+</file>
+
+<file path=ppt/ink/ink5.xml><?xml version="1.0" encoding="utf-8"?>
+<inkml:ink xmlns:inkml="http://www.w3.org/2003/InkML">
+  <inkml:definitions>
+    <inkml:context xml:id="ctx0">
+      <inkml:inkSource xml:id="inkSrc0">
+        <inkml:traceFormat>
+          <inkml:channel name="X" type="integer" min="-2.14748E9" max="2.14748E9" units="cm"/>
+          <inkml:channel name="Y" type="integer" min="-2.14748E9" max="2.14748E9" units="cm"/>
+          <inkml:channel name="F" type="integer" max="32767" units="dev"/>
+          <inkml:channel name="OA" type="integer" max="360" units="deg"/>
+          <inkml:channel name="OE" type="integer" max="90" units="deg"/>
+        </inkml:traceFormat>
+        <inkml:channelProperties>
+          <inkml:channelProperty channel="X" name="resolution" value="1000" units="1/cm"/>
+          <inkml:channelProperty channel="Y" name="resolution" value="1000" units="1/cm"/>
+          <inkml:channelProperty channel="F" name="resolution" value="0" units="1/dev"/>
+          <inkml:channelProperty channel="OA" name="resolution" value="1000" units="1/deg"/>
+          <inkml:channelProperty channel="OE" name="resolution" value="1000" units="1/deg"/>
+        </inkml:channelProperties>
+      </inkml:inkSource>
+      <inkml:timestamp xml:id="ts0" timeString="2024-05-01T17:28:25.028"/>
+    </inkml:context>
+    <inkml:brush xml:id="br0">
+      <inkml:brushProperty name="width" value="0.05" units="cm"/>
+      <inkml:brushProperty name="height" value="0.05" units="cm"/>
+      <inkml:brushProperty name="color" value="#004F8B"/>
+    </inkml:brush>
+  </inkml:definitions>
+  <inkml:trace contextRef="#ctx0" brushRef="#br0">0 1 4863 0 0,'6'7'137'0'0,"-1"1"0"0"0,0 0 0 0 0,-1 1-1 0 0,0-1 1 0 0,0 1 0 0 0,4 12 0 0 0,10 60 3062 0 0,-5-25-86 0 0,7 46 1312 0 0,-19-93-4211 0 0,1 1 0 0 0,-1-1 0 0 0,0 15 0 0 0,0 6 11 0 0,-1-29-202 0 0,0 0 0 0 0,0 0 0 0 0,0 0 0 0 0,0 0 0 0 0,0 0 0 0 0,0 0 1 0 0,0 0-1 0 0,-1 0 0 0 0,1 0 0 0 0,0 0 0 0 0,-1 0 0 0 0,0 2 0 0 0,-2 5-5203 0 0</inkml:trace>
+</inkml:ink>
+</file>
+
+<file path=ppt/ink/ink50.xml><?xml version="1.0" encoding="utf-8"?>
+<inkml:ink xmlns:inkml="http://www.w3.org/2003/InkML">
+  <inkml:definitions>
+    <inkml:context xml:id="ctx0">
+      <inkml:inkSource xml:id="inkSrc0">
+        <inkml:traceFormat>
+          <inkml:channel name="X" type="integer" min="-2.14748E9" max="2.14748E9" units="cm"/>
+          <inkml:channel name="Y" type="integer" min="-2.14748E9" max="2.14748E9" units="cm"/>
+          <inkml:channel name="F" type="integer" max="32767" units="dev"/>
+          <inkml:channel name="OA" type="integer" max="360" units="deg"/>
+          <inkml:channel name="OE" type="integer" max="90" units="deg"/>
+        </inkml:traceFormat>
+        <inkml:channelProperties>
+          <inkml:channelProperty channel="X" name="resolution" value="1000" units="1/cm"/>
+          <inkml:channelProperty channel="Y" name="resolution" value="1000" units="1/cm"/>
+          <inkml:channelProperty channel="F" name="resolution" value="0" units="1/dev"/>
+          <inkml:channelProperty channel="OA" name="resolution" value="1000" units="1/deg"/>
+          <inkml:channelProperty channel="OE" name="resolution" value="1000" units="1/deg"/>
+        </inkml:channelProperties>
+      </inkml:inkSource>
+      <inkml:timestamp xml:id="ts0" timeString="2024-05-01T17:49:43.792"/>
+    </inkml:context>
+    <inkml:brush xml:id="br0">
+      <inkml:brushProperty name="width" value="0.05" units="cm"/>
+      <inkml:brushProperty name="height" value="0.05" units="cm"/>
+      <inkml:brushProperty name="color" value="#004F8B"/>
+    </inkml:brush>
+  </inkml:definitions>
+  <inkml:trace contextRef="#ctx0" brushRef="#br0">0 549 1951 0 0,'1'-2'147'0'0,"1"-6"193"0"0,-2 6 1271 0 0,13-2 2813 0 0,-11 3-3671 0 0,1 1 0 0 0,0 0 0 0 0,0 1-1 0 0,-1-1 1 0 0,1 0 0 0 0,0 1 0 0 0,-1-1 0 0 0,1 1 0 0 0,0 0 0 0 0,-1 0 0 0 0,1 0 0 0 0,-1 0 0 0 0,1 1 0 0 0,-1-1 0 0 0,4 4 0 0 0,2 0 540 0 0,-1 1 1 0 0,0 0-1 0 0,8 10 1 0 0,9 10 1289 0 0,-9-10-1152 0 0,-1 0 1 0 0,25 36-1 0 0,-1 5-1235 0 0,-32-50-297 0 0,-5-5-425 0 0,9-12-920 0 0,-8 8 946 0 0,-1-1 1 0 0,1 0 0 0 0,-1 1 0 0 0,0-1-1 0 0,0 0 1 0 0,0 0 0 0 0,0 0 0 0 0,0 0-1 0 0,-1 0 1 0 0,1-5 0 0 0,0 0-1323 0 0,-1 0 0 0 0,-1-14 1 0 0,-8-46-4976 0 0,-2-20 3177 0 0,10 65 3794 0 0,1-42 1 0 0,0 62-6 0 0,1-1-1 0 0,-1 1 1 0 0,1-1 0 0 0,0 1 0 0 0,0 0 0 0 0,0-1-1 0 0,1 1 1 0 0,-1 0 0 0 0,1 0 0 0 0,0 0 0 0 0,0 0 0 0 0,0 0-1 0 0,0 0 1 0 0,0 1 0 0 0,1-1 0 0 0,-1 1 0 0 0,5-4 0 0 0,3-1 1684 0 0,0 1 1 0 0,0 0 0 0 0,20-8-1 0 0,-16 7 32 0 0,83-31 6330 0 0,-89 35-8000 0 0,-1-1 0 0 0,0 0 0 0 0,0 0 0 0 0,0-1 0 0 0,0 0 1 0 0,0 0-1 0 0,-1-1 0 0 0,9-10 0 0 0,-11 11-754 0 0,0 0-1 0 0,0 0 1 0 0,-1-1 0 0 0,1 1-1 0 0,-1-1 1 0 0,-1 0-1 0 0,3-8 1 0 0,-4 11-264 0 0,0-1 0 0 0,-1 0 0 0 0,1 0-1 0 0,-1 0 1 0 0,0 1 0 0 0,0-1 0 0 0,-1 0 0 0 0,1 0-1 0 0,-1 0 1 0 0,1 0 0 0 0,-1 1 0 0 0,-1-1 0 0 0,1 0-1 0 0,0 1 1 0 0,-1-1 0 0 0,0 1 0 0 0,0-1 0 0 0,0 1-1 0 0,-3-4 1 0 0,2 4 246 0 0,0 0-1 0 0,0 1 0 0 0,0-1 1 0 0,0 1-1 0 0,-1 0 0 0 0,-5-3 1 0 0,-12-9-301 0 0,3 1 1208 0 0,-1-1 1 0 0,0 2-1 0 0,-1 1 1 0 0,-35-15-1 0 0,48 27 6389 0 0,9 10-5737 0 0,1 0 0 0 0,0 0 0 0 0,0-1 0 0 0,1 0 0 0 0,7 12 0 0 0,3 11 531 0 0,77 243 3976 0 0,-77-227-4857 0 0,2 5 423 0 0,2-1-1 0 0,41 84 1 0 0,2 0-765 0 0,-44-97-292 0 0,-10-22-18 0 0,-2 0 0 0 0,4 19 0 0 0,-5-18 0 0 0,-3-18 0 0 0,-1 0 0 0 0,0-1 0 0 0,0 1 0 0 0,0 0 0 0 0,1 0 0 0 0,-1 0 0 0 0,0-1 0 0 0,0 1 0 0 0,0 0 0 0 0,0 0 0 0 0,0 0 0 0 0,-1 0 0 0 0,1 0 0 0 0,0 1 0 0 0,-2-1 0 0 0,1 0 0 0 0,0 0 0 0 0,0 0 0 0 0,0 0 0 0 0,-1 0 0 0 0,1 0 0 0 0,0 0 0 0 0,-1 0 0 0 0,1-1 0 0 0,-1 1 0 0 0,1-1 0 0 0,-1 1 0 0 0,1-1 0 0 0,-1 1 0 0 0,0-1 0 0 0,1 0 0 0 0,-1 0 0 0 0,1 0 0 0 0,-1 0 0 0 0,0 0 0 0 0,1 0 0 0 0,-1 0 0 0 0,0 0 0 0 0,1-1 0 0 0,-2 0 0 0 0,-3 0 0 0 0,0 0 0 0 0,0-1 0 0 0,1 1 0 0 0,-1-1 0 0 0,-9-6 0 0 0,4 1 0 0 0,0-1 0 0 0,1 0 0 0 0,0-1 0 0 0,1 0 0 0 0,0 0 0 0 0,0-1 0 0 0,1 0 0 0 0,1-1 0 0 0,-1 0 0 0 0,2 0 0 0 0,-11-22 0 0 0,13 22 0 0 0,0-1 0 0 0,1 0 0 0 0,-4-21 0 0 0,5 21 0 0 0,1 5-35 0 0,0 1 0 0 0,1-1 0 0 0,-1 1 1 0 0,1-1-1 0 0,1 1 0 0 0,-1-1 0 0 0,1 1 0 0 0,1-1 0 0 0,-1 1 0 0 0,1 0 0 0 0,0 0 1 0 0,3-8-1 0 0,9-18-1294 0 0,-6 8-233 0 0,17-35-4753 0 0,-23 54 5276 0 0,-1 0-1 0 0,1 0 1 0 0,1-11-1 0 0,2-6-4449 0 0,3 3-365 0 0</inkml:trace>
+</inkml:ink>
+</file>
+
+<file path=ppt/ink/ink51.xml><?xml version="1.0" encoding="utf-8"?>
+<inkml:ink xmlns:inkml="http://www.w3.org/2003/InkML">
+  <inkml:definitions>
+    <inkml:context xml:id="ctx0">
+      <inkml:inkSource xml:id="inkSrc0">
+        <inkml:traceFormat>
+          <inkml:channel name="X" type="integer" min="-2.14748E9" max="2.14748E9" units="cm"/>
+          <inkml:channel name="Y" type="integer" min="-2.14748E9" max="2.14748E9" units="cm"/>
+          <inkml:channel name="F" type="integer" max="32767" units="dev"/>
+          <inkml:channel name="OA" type="integer" max="360" units="deg"/>
+          <inkml:channel name="OE" type="integer" max="90" units="deg"/>
+        </inkml:traceFormat>
+        <inkml:channelProperties>
+          <inkml:channelProperty channel="X" name="resolution" value="1000" units="1/cm"/>
+          <inkml:channelProperty channel="Y" name="resolution" value="1000" units="1/cm"/>
+          <inkml:channelProperty channel="F" name="resolution" value="0" units="1/dev"/>
+          <inkml:channelProperty channel="OA" name="resolution" value="1000" units="1/deg"/>
+          <inkml:channelProperty channel="OE" name="resolution" value="1000" units="1/deg"/>
+        </inkml:channelProperties>
+      </inkml:inkSource>
+      <inkml:timestamp xml:id="ts0" timeString="2024-05-01T17:49:44.164"/>
+    </inkml:context>
+    <inkml:brush xml:id="br0">
+      <inkml:brushProperty name="width" value="0.05" units="cm"/>
+      <inkml:brushProperty name="height" value="0.05" units="cm"/>
+      <inkml:brushProperty name="color" value="#004F8B"/>
+    </inkml:brush>
+  </inkml:definitions>
+  <inkml:trace contextRef="#ctx0" brushRef="#br0">1 49 9615 0 0,'56'-25'2669'0'0,"-31"15"4806"0"0,1-3-1004 0 0,-24 13-6533 0 0</inkml:trace>
+</inkml:ink>
+</file>
+
+<file path=ppt/ink/ink52.xml><?xml version="1.0" encoding="utf-8"?>
+<inkml:ink xmlns:inkml="http://www.w3.org/2003/InkML">
+  <inkml:definitions>
+    <inkml:context xml:id="ctx0">
+      <inkml:inkSource xml:id="inkSrc0">
+        <inkml:traceFormat>
+          <inkml:channel name="X" type="integer" min="-2.14748E9" max="2.14748E9" units="cm"/>
+          <inkml:channel name="Y" type="integer" min="-2.14748E9" max="2.14748E9" units="cm"/>
+          <inkml:channel name="F" type="integer" max="32767" units="dev"/>
+          <inkml:channel name="OA" type="integer" max="360" units="deg"/>
+          <inkml:channel name="OE" type="integer" max="90" units="deg"/>
+        </inkml:traceFormat>
+        <inkml:channelProperties>
+          <inkml:channelProperty channel="X" name="resolution" value="1000" units="1/cm"/>
+          <inkml:channelProperty channel="Y" name="resolution" value="1000" units="1/cm"/>
+          <inkml:channelProperty channel="F" name="resolution" value="0" units="1/dev"/>
+          <inkml:channelProperty channel="OA" name="resolution" value="1000" units="1/deg"/>
+          <inkml:channelProperty channel="OE" name="resolution" value="1000" units="1/deg"/>
+        </inkml:channelProperties>
+      </inkml:inkSource>
+      <inkml:timestamp xml:id="ts0" timeString="2024-05-01T17:49:45.203"/>
+    </inkml:context>
+    <inkml:brush xml:id="br0">
+      <inkml:brushProperty name="width" value="0.05" units="cm"/>
+      <inkml:brushProperty name="height" value="0.05" units="cm"/>
+      <inkml:brushProperty name="color" value="#004F8B"/>
+    </inkml:brush>
+  </inkml:definitions>
+  <inkml:trace contextRef="#ctx0" brushRef="#br0">0 100 2039 0 0,'4'3'80'0'0,"0"1"0"0"0,-1-1 0 0 0,0 1 0 0 0,0 0 0 0 0,0 0 0 0 0,0 1 0 0 0,0-1 0 0 0,-1 0 0 0 0,0 1-1 0 0,2 7 1 0 0,1-3 839 0 0,0 4 800 0 0,-1 0 0 0 0,5 20 0 0 0,-2-6 1034 0 0,-1 9 1217 0 0,-5-29-2760 0 0,0 0-1 0 0,0 1 1 0 0,1-1 0 0 0,0 0-1 0 0,4 10 1 0 0,-6-17-1141 0 0,0 1 0 0 0,0-1 0 0 0,0 0-1 0 0,0 1 1 0 0,0-1 0 0 0,0 0 0 0 0,1 0 0 0 0,-1 1 0 0 0,0-1-1 0 0,0 0 1 0 0,0 0 0 0 0,0 1 0 0 0,1-1 0 0 0,-1 0 0 0 0,0 0-1 0 0,0 0 1 0 0,0 1 0 0 0,1-1 0 0 0,-1 0 0 0 0,0 0 0 0 0,0 0-1 0 0,1 0 1 0 0,-1 1 0 0 0,0-1 0 0 0,0 0 0 0 0,1 0 0 0 0,-1 0-1 0 0,0 0 1 0 0,1 0 0 0 0,-1 0 0 0 0,0 0 0 0 0,0 0 0 0 0,1 0-1 0 0,5-9 456 0 0,3-25-1810 0 0,-8 27 1025 0 0,1-6-1190 0 0,1-23 0 0 0,0 2-313 0 0,-2 26 1361 0 0,0 0 0 0 0,-1 0 0 0 0,0 0-1 0 0,-1 0 1 0 0,1 0 0 0 0,-1 0 0 0 0,-1 0 0 0 0,-3-10 0 0 0,5 15 397 0 0,0 1-1 0 0,0 0 1 0 0,0-1-1 0 0,0 1 1 0 0,0 0-1 0 0,0-1 1 0 0,1 1 0 0 0,-1 0-1 0 0,1 0 1 0 0,0-1-1 0 0,-1 1 1 0 0,1 0 0 0 0,0 0-1 0 0,0 0 1 0 0,3-4-1 0 0,22-29 18 0 0,-25 33-14 0 0,2-1 72 0 0,1 0 0 0 0,0-1-1 0 0,0 2 1 0 0,0-1 0 0 0,0 0 0 0 0,0 1-1 0 0,7-3 1 0 0,15-10 3160 0 0,-22 12-3573 0 0,5-3 3329 0 0,-8 6-2931 0 0,-1 0 1 0 0,0 0-1 0 0,0 0 1 0 0,0 0 0 0 0,1 0-1 0 0,-1 0 1 0 0,0 0-1 0 0,0 0 1 0 0,0 0-1 0 0,1 1 1 0 0,-1-1-1 0 0,0 0 1 0 0,0 0 0 0 0,0 0-1 0 0,0 0 1 0 0,1 0-1 0 0,-1 0 1 0 0,0 1-1 0 0,0-1 1 0 0,0 0-1 0 0,0 0 1 0 0,0 0 0 0 0,0 0-1 0 0,1 1 1 0 0,-1-1-1 0 0,0 0 1 0 0,0 0-1 0 0,0 0 1 0 0,0 1-1 0 0,0-1 1 0 0,0 0 0 0 0,0 0-1 0 0,0 0 1 0 0,0 1-1 0 0,0-1 1 0 0,0 0-1 0 0,0 0 1 0 0,0 0-1 0 0,0 1 1 0 0,0-1 0 0 0,0 0-1 0 0,0 0 1 0 0,0 0-1 0 0,-1 1 1 0 0,1 4 157 0 0,-1-1 0 0 0,0 1 0 0 0,0 0 1 0 0,0-1-1 0 0,-1 1 0 0 0,1-1 0 0 0,-1 0 0 0 0,-5 8 1 0 0,-3 8 330 0 0,5-9-312 0 0,-1 0-1 0 0,-1-1 0 0 0,1 0 1 0 0,-2 0-1 0 0,-15 16 1 0 0,13-14 321 0 0,-18 24 1 0 0,27-35-500 0 0,0 0-1 0 0,0 0 1 0 0,0 0 0 0 0,0 0-1 0 0,0 0 1 0 0,0 0-1 0 0,-1 0 1 0 0,1 0 0 0 0,0 0-1 0 0,-1-1 1 0 0,-1 2 0 0 0,-3 1 130 0 0,5-2 26 0 0,-6 3-53 0 0,22-14-104 0 0,-3-1-52 0 0,-5 5 0 0 0,-1 0 0 0 0,1 1 0 0 0,9-6 0 0 0,-13 10 0 0 0,1-1-1 0 0,-1 1 1 0 0,1-1 0 0 0,-1 0-1 0 0,0 0 1 0 0,6-5-1 0 0,-7 5 3 0 0,1 0 0 0 0,-1 0 0 0 0,1 0 0 0 0,0 0 0 0 0,0 1 0 0 0,4-3 0 0 0,21-6 62 0 0,-35 33 1 0 0,4-14-47 0 0,0-1 0 0 0,-1 1 1 0 0,0-1-1 0 0,-7 9 0 0 0,-7 15 23 0 0,14-24-17 0 0,0-1-1 0 0,-1 1 1 0 0,-11 11 0 0 0,10-11 24 0 0,-1 0 1 0 0,-7 14-1 0 0,-2 1 11 0 0,14-21-57 0 0,-1 1-1 0 0,1 0 1 0 0,0 0-1 0 0,0 0 1 0 0,0 0-1 0 0,1 0 1 0 0,-1 0 0 0 0,1 1-1 0 0,-2 5 1 0 0,3-8 6 0 0,-1 0 0 0 0,1 0 0 0 0,-1 0 1 0 0,1 0-1 0 0,-1-1 0 0 0,1 1 1 0 0,-1 0-1 0 0,1 0 0 0 0,-1 0 0 0 0,0-1 1 0 0,1 1-1 0 0,-1 0 0 0 0,0-1 0 0 0,0 1 1 0 0,-1 0-1 0 0,-1 1 41 0 0,3-1 15 0 0,-1-1-11 0 0,1-1-52 0 0,0 1-1 0 0,0 0 0 0 0,-1 0 1 0 0,1 0-1 0 0,0 0 0 0 0,0-1 1 0 0,0 1-1 0 0,0 0 0 0 0,0 0 1 0 0,0 0-1 0 0,0 0 0 0 0,0-1 1 0 0,0 1-1 0 0,0 0 0 0 0,0 0 1 0 0,0 0-1 0 0,0-1 0 0 0,0 1 1 0 0,0 0-1 0 0,0 0 0 0 0,0 0 1 0 0,0-1-1 0 0,0 1 0 0 0,0 0 1 0 0,0 0-1 0 0,1 0 0 0 0,-1 0 1 0 0,0-1-1 0 0,0 1 0 0 0,0 0 1 0 0,0 0-1 0 0,0 0 0 0 0,0 0 1 0 0,1 0-1 0 0,-1 0 0 0 0,0-1 1 0 0,0 1-1 0 0,0 0 0 0 0,1 0 1 0 0,5-5-4 0 0,-6 4 3 0 0,10-9 0 0 0,3-7 0 0 0,-6 13 0 0 0,-1 2 0 0 0,28-16-13 0 0,-7 6-56 0 0,-23 11 62 0 0,20-5-52 0 0,-11 4 84 0 0,-1 0 0 0 0,1 1 0 0 0,18 1 0 0 0,-11 2-25 0 0,-11 0 44 0 0,-1 0 0 0 0,1 0 0 0 0,-1 1 0 0 0,0 1 0 0 0,0-1 0 0 0,0 1 0 0 0,-1 1 0 0 0,1-1 0 0 0,-1 1 0 0 0,9 8 0 0 0,-11-8-12 0 0,0 0 1 0 0,0 0-1 0 0,-1 0 0 0 0,0 0 0 0 0,0 1 1 0 0,0-1-1 0 0,-1 1 0 0 0,0 0 0 0 0,0 0 1 0 0,-1 0-1 0 0,1 1 0 0 0,-1-1 0 0 0,0 1 1 0 0,0 6-1 0 0,0-4-32 0 0,0-1 0 0 0,6 16 0 0 0,-6-19 0 0 0,0 1 0 0 0,0-1 0 0 0,-1 1 0 0 0,1-1 0 0 0,-1 1 0 0 0,-1 0 0 0 0,1 0 0 0 0,-1 0 0 0 0,0 10 0 0 0,-16 57 0 0 0,16-72 0 0 0,0 0 0 0 0,0 0 0 0 0,0 0 0 0 0,0 0 0 0 0,-1 0 0 0 0,1 0 0 0 0,0 0 0 0 0,-1 0 0 0 0,1 0 0 0 0,0 0 0 0 0,-1 0 0 0 0,0 0 0 0 0,1 0 0 0 0,-1 0 0 0 0,1 0 0 0 0,-1 0 0 0 0,-1 0 0 0 0,-1 2 0 0 0,-3 7 0 0 0,-2-2 0 0 0,-5-2 0 0 0,-2-4 0 0 0,11-2 0 0 0,0 0 0 0 0,0-1 0 0 0,0 0 0 0 0,-1 0 0 0 0,1 0 0 0 0,0 0 0 0 0,1-1 0 0 0,-1 1 0 0 0,0-1 0 0 0,-5-4 0 0 0,2 2 0 0 0,0-1 0 0 0,0 0 0 0 0,1 0 0 0 0,-10-10 0 0 0,11 8-78 0 0,0 1-1 0 0,1 0 1 0 0,-1-1 0 0 0,1 0-1 0 0,1 0 1 0 0,-1 0-1 0 0,-3-12 1 0 0,6 14 10 0 0,0 0-1 0 0,-1 0 1 0 0,1 0-1 0 0,1 0 1 0 0,-1 0 0 0 0,1-1-1 0 0,0 1 1 0 0,0 0 0 0 0,1 0-1 0 0,-1 0 1 0 0,1-1-1 0 0,3-6 1 0 0,-3 6-290 0 0,0 0 0 0 0,1 0-1 0 0,-2 1 1 0 0,1-10 0 0 0,1-4-554 0 0,-2 18 851 0 0,0 0 0 0 0,0 0 0 0 0,0 0 0 0 0,0 1 0 0 0,0-1-1 0 0,0 0 1 0 0,0 0 0 0 0,0 0 0 0 0,0 0 0 0 0,-1 0 0 0 0,1 0-1 0 0,-1-1 1 0 0,1 2 43 0 0,0-1-1 0 0,0 1 0 0 0,-1 0 1 0 0,1 0-1 0 0,0-1 0 0 0,0 1 1 0 0,-1 0-1 0 0,1 0 0 0 0,0-1 1 0 0,0 1-1 0 0,-1 0 0 0 0,1 0 1 0 0,0 0-1 0 0,-1 0 1 0 0,1 0-1 0 0,0-1 0 0 0,-1 1 1 0 0,1 0-1 0 0,0 0 0 0 0,0 0 1 0 0,-1 0-1 0 0,1 0 0 0 0,0 0 1 0 0,-1 0-1 0 0,1 0 0 0 0,0 0 1 0 0,-1 0-1 0 0,1 0 0 0 0,-1 1 1 0 0,0-1 103 0 0,-1 3-50 0 0,0-1-1 0 0,1 1 0 0 0,-1-1 1 0 0,-1 1-1 0 0,1-1 1 0 0,-3 3-1 0 0,2-3-1 0 0,0 1 0 0 0,1 0 1 0 0,-1 0-1 0 0,1 0 0 0 0,-4 6 0 0 0,-1 3 172 0 0,0 0-1 0 0,-1-1 0 0 0,-1 0 1 0 0,0 0-1 0 0,-19 17 1 0 0,-6 5 831 0 0,25-27-869 0 0,18-12 76 0 0,15-11 76 0 0,8 2-487 0 0,-29 13 149 0 0,9-6-69 0 0,-12 8 87 0 0,1 0-1 0 0,-1 0 0 0 0,0 0 0 0 0,1 0 0 0 0,-1 0 0 0 0,0 0 0 0 0,1-1 0 0 0,-1 1 0 0 0,1 0 0 0 0,-1 0 0 0 0,0 1 0 0 0,1-1 0 0 0,-1 0 0 0 0,0 0 0 0 0,1 0 0 0 0,-1 0 0 0 0,0 0 0 0 0,1 0 0 0 0,-1 0 0 0 0,0 0 0 0 0,1 1 0 0 0,-1-1 0 0 0,0 0 0 0 0,0 0 0 0 0,1 0 0 0 0,-1 1 0 0 0,0-1 0 0 0,0 0 0 0 0,1 0 0 0 0,-1 1 0 0 0,0-1 0 0 0,0 0 0 0 0,0 1 0 0 0,1-1 0 0 0,-1 1 0 0 0,0-1-1 0 0,0 0 1 0 0,0 0 0 0 0,1 0-1 0 0,-1 1 1 0 0,0-1 0 0 0,0 0-1 0 0,0 0 1 0 0,0 0 0 0 0,1 0-1 0 0,-1 0 1 0 0,0 0 0 0 0,0 1-1 0 0,0-1 1 0 0,1 0 0 0 0,-1 0-1 0 0,0 0 1 0 0,0 0 0 0 0,0 0-1 0 0,1 0 1 0 0,-1 0 0 0 0,0 0-1 0 0,0 0 1 0 0,1 0 0 0 0,-1 0-1 0 0,0 0 1 0 0,0 0 0 0 0,0 0-1 0 0,1 0 1 0 0,-1 0 0 0 0,0 0-1 0 0,0 0 1 0 0,1 0 0 0 0,-1 0-1 0 0,0 0 1 0 0,0-1 0 0 0,0 1-1 0 0,0 0 1 0 0,1 0 0 0 0,-1 0-1 0 0,0 0 1 0 0,0 0 0 0 0,0-1-1 0 0,1 1 1 0 0,3-2 12 0 0,-1 9 70 0 0,-3-2-33 0 0,0 1-1 0 0,1-1 0 0 0,-2 0 0 0 0,1 0 1 0 0,-1 1-1 0 0,0-1 0 0 0,0 0 0 0 0,0 0 1 0 0,-4 9-1 0 0,4-11 82 0 0,-1-2 15 0 0,-4 7 41 0 0,4-6-77 0 0,1 0 1 0 0,-1 0 0 0 0,0 0 0 0 0,1 0 0 0 0,-1-1 0 0 0,0 1 0 0 0,-4 2-1 0 0,6-6-62 0 0,0 0-1 0 0,-1 0 0 0 0,1 0 1 0 0,0 0-1 0 0,0 0 0 0 0,0 0 1 0 0,0-3-1 0 0,0 3-52 0 0,3-10-496 0 0,0 0 0 0 0,7-19-1 0 0,-6 19-405 0 0,4-5-1267 0 0,0 1 0 0 0,1-1 0 0 0,1 1 0 0 0,23-28 0 0 0,-4 5-2509 0 0,-23 31 3912 0 0,0 0 0 0 0,0 1 0 0 0,1 0 0 0 0,0 0 0 0 0,0 1 0 0 0,1 0 0 0 0,0 0 0 0 0,9-5 0 0 0,-14 10 806 0 0,-1 0-1 0 0,1 0 1 0 0,0 0-1 0 0,0 1 1 0 0,0-1-1 0 0,0 1 1 0 0,0 0-1 0 0,0-1 1 0 0,0 1-1 0 0,-1 1 1 0 0,1-1-1 0 0,0 0 1 0 0,0 1-1 0 0,0-1 1 0 0,0 1-1 0 0,0 0 1 0 0,0 0-1 0 0,-1 0 1 0 0,1 0-1 0 0,3 3 1 0 0,6 2 2415 0 0,0 1 0 0 0,20 17 0 0 0,-18-12 84 0 0,-9-8-1653 0 0,-1 0 0 0 0,1-1 0 0 0,0 1 0 0 0,0-1 0 0 0,0 0 0 0 0,8 4 0 0 0,11 2 1287 0 0,-8-3-175 0 0,26 7 1 0 0,-37-12-1766 0 0,0 0 1 0 0,0 0-1 0 0,0-1 1 0 0,0 0 0 0 0,1 0-1 0 0,-1 0 1 0 0,0 0-1 0 0,0-1 1 0 0,7-2-1 0 0,-10 3-93 0 0,0-1-130 0 0,0 1-1 0 0,0-1 1 0 0,0 1-1 0 0,0-1 1 0 0,0 0-1 0 0,0 0 1 0 0,0 0-1 0 0,0 0 1 0 0,-1 0-1 0 0,1 0 1 0 0,0 0-1 0 0,-1 0 1 0 0,1-1-1 0 0,-1 1 1 0 0,1-1-1 0 0,-1 1 1 0 0,0-1-1 0 0,1 0 1 0 0,-1 1-1 0 0,0-1 1 0 0,0 0 0 0 0,1-3-1 0 0,-1 3-1 0 0,0 0 0 0 0,0 0 0 0 0,0 0 0 0 0,0 0 0 0 0,0 0 0 0 0,0 1 0 0 0,0-1 0 0 0,1 0 0 0 0,-1 1 0 0 0,1-1 0 0 0,-1 1 0 0 0,1 0 0 0 0,2-2 0 0 0,-2 2 0 0 0,-1-1 0 0 0,1 1 0 0 0,0-1 0 0 0,0 1 0 0 0,-1-1 0 0 0,1 0 0 0 0,-1 0 0 0 0,1 0 0 0 0,-1 1 0 0 0,0-1 0 0 0,0-1 0 0 0,1-1 0 0 0,1-1-84 0 0,-1-1-1 0 0,1 1 1 0 0,0 0 0 0 0,0 1 0 0 0,5-7-1 0 0,9-14-972 0 0,-16 23 714 0 0,13-26-3479 0 0,-8 8-3440 0 0,-4 2-1292 0 0</inkml:trace>
+</inkml:ink>
+</file>
+
+<file path=ppt/ink/ink53.xml><?xml version="1.0" encoding="utf-8"?>
+<inkml:ink xmlns:inkml="http://www.w3.org/2003/InkML">
+  <inkml:definitions>
+    <inkml:context xml:id="ctx0">
+      <inkml:inkSource xml:id="inkSrc0">
+        <inkml:traceFormat>
+          <inkml:channel name="X" type="integer" min="-2.14748E9" max="2.14748E9" units="cm"/>
+          <inkml:channel name="Y" type="integer" min="-2.14748E9" max="2.14748E9" units="cm"/>
+          <inkml:channel name="F" type="integer" max="32767" units="dev"/>
+          <inkml:channel name="OA" type="integer" max="360" units="deg"/>
+          <inkml:channel name="OE" type="integer" max="90" units="deg"/>
+        </inkml:traceFormat>
+        <inkml:channelProperties>
+          <inkml:channelProperty channel="X" name="resolution" value="1000" units="1/cm"/>
+          <inkml:channelProperty channel="Y" name="resolution" value="1000" units="1/cm"/>
+          <inkml:channelProperty channel="F" name="resolution" value="0" units="1/dev"/>
+          <inkml:channelProperty channel="OA" name="resolution" value="1000" units="1/deg"/>
+          <inkml:channelProperty channel="OE" name="resolution" value="1000" units="1/deg"/>
+        </inkml:channelProperties>
+      </inkml:inkSource>
+      <inkml:timestamp xml:id="ts0" timeString="2024-05-01T17:49:45.791"/>
+    </inkml:context>
+    <inkml:brush xml:id="br0">
+      <inkml:brushProperty name="width" value="0.05" units="cm"/>
+      <inkml:brushProperty name="height" value="0.05" units="cm"/>
+      <inkml:brushProperty name="color" value="#004F8B"/>
+    </inkml:brush>
+  </inkml:definitions>
+  <inkml:trace contextRef="#ctx0" brushRef="#br0">0 335 2039 0 0,'11'-14'2278'0'0,"-9"12"-1418"0"0,0-1 1 0 0,1 1 0 0 0,-1-1 0 0 0,1 1-1 0 0,-1 0 1 0 0,1 0 0 0 0,0 0 0 0 0,0 0-1 0 0,0 1 1 0 0,4-3 0 0 0,37-12 6612 0 0,-23 9-4947 0 0,0-1-397 0 0,66-20 3829 0 0,-85 27-5889 0 0,1 0 0 0 0,-1 0 0 0 0,1-1 0 0 0,-1 1-1 0 0,1 0 1 0 0,-1-1 0 0 0,0 0 0 0 0,0 1 0 0 0,4-5 0 0 0,5-3 81 0 0,-6 7-104 0 0,-1-1-34 0 0,7-9-26 0 0,-5 5-314 0 0,-5 5-226 0 0,0 0 0 0 0,0 1 0 0 0,0-1 0 0 0,0 0 1 0 0,0 0-1 0 0,0 0 0 0 0,0 0 0 0 0,-1 0 0 0 0,1 0 1 0 0,-1-1-1 0 0,0 1 0 0 0,0 0 0 0 0,1 0 0 0 0,-1 0 1 0 0,-1 0-1 0 0,1 0 0 0 0,0-1 0 0 0,0 1 0 0 0,-1 0 1 0 0,1 0-1 0 0,-1 0 0 0 0,0 0 0 0 0,0 0 0 0 0,1 0 1 0 0,-1 0-1 0 0,-1 0 0 0 0,1 1 0 0 0,-1-3 0 0 0,-2-1-1520 0 0,-1-1-1 0 0,1 1 0 0 0,-1 1 1 0 0,-6-6-1 0 0,-11-7-1472 0 0,2 1 5080 0 0,-5-7-1659 0 0,-20-16 5276 0 0,46 41-3951 0 0,34 61 4335 0 0,-26-47-4303 0 0,0 1 0 0 0,9 25 0 0 0,0-1 420 0 0,19 39 2965 0 0,41 138 0 0 0,-35-95-2763 0 0,-22-66-1539 0 0,35 83-25 0 0,-46-121-289 0 0,-8-18 0 0 0,-2-1 0 0 0,0 0 0 0 0,0 0 0 0 0,0 0 0 0 0,0 0 0 0 0,0 0 0 0 0,0 0 0 0 0,0 0 0 0 0,1 0 0 0 0,-1 0 0 0 0,0 0 0 0 0,0 0 0 0 0,0-1 0 0 0,0 1 0 0 0,0 0 0 0 0,0 0 0 0 0,0 0 0 0 0,0 0 0 0 0,0 0 0 0 0,0 0 0 0 0,0 0 0 0 0,1 0 0 0 0,-1 0 0 0 0,0 0 0 0 0,0 0 0 0 0,0 0 0 0 0,0 0 0 0 0,0 0 0 0 0,0 0 0 0 0,0 0 0 0 0,0 0 0 0 0,0 0 0 0 0,0-1 0 0 0,0 1 0 0 0,0 0 0 0 0,0 0 0 0 0,0 0 0 0 0,0 0 0 0 0,0 0 0 0 0,0 0 0 0 0,0 0 0 0 0,0 0 0 0 0,0 0 0 0 0,0 0 0 0 0,0 0 0 0 0,0-1 0 0 0,0 1 0 0 0,0 0 0 0 0,0 0 0 0 0,0 0 0 0 0,0 0 0 0 0,0 0 0 0 0,0 0 0 0 0,0 0 0 0 0,0 0 0 0 0,0 0 0 0 0,0 0 0 0 0,0 0 0 0 0,0 0 0 0 0,0-1 0 0 0,0 1 0 0 0,0 0 0 0 0,-1 0 0 0 0,1 0 0 0 0,-1-6 0 0 0,-39-102-2591 0 0,-19-47-2562 0 0,32 91 2885 0 0,-21-41-1474 0 0,47 103 3618 0 0,-8 1 213 0 0,6 2 66 0 0,0-1-1 0 0,0 1 1 0 0,0 0 0 0 0,1 0-1 0 0,-1 0 1 0 0,0 0 0 0 0,1 1 0 0 0,-1-1-1 0 0,1 1 1 0 0,0 0 0 0 0,-1 0-1 0 0,1-1 1 0 0,0 1 0 0 0,0 1-1 0 0,0-1 1 0 0,-3 4 0 0 0,-2 5 896 0 0,-1 1 0 0 0,-6 15 0 0 0,7-15-642 0 0,-2 7 665 0 0,-9 27 0 0 0,-2 4 91 0 0,-1 5-205 0 0,16-40-425 0 0,0-1 0 0 0,-1 0 0 0 0,-9 16 0 0 0,11-22-305 0 0,2-6 198 0 0,6-6-204 0 0,-4 3-227 0 0,2-1-161 0 0,-1-1 0 0 0,0 1 0 0 0,1-1 0 0 0,-1 0 0 0 0,0 0 0 0 0,1-5 0 0 0,1-3-208 0 0,11-31-1395 0 0,5-11-2094 0 0,-7 25-2566 0 0,-2-1-1733 0 0</inkml:trace>
+</inkml:ink>
+</file>
+
+<file path=ppt/ink/ink54.xml><?xml version="1.0" encoding="utf-8"?>
+<inkml:ink xmlns:inkml="http://www.w3.org/2003/InkML">
+  <inkml:definitions>
+    <inkml:context xml:id="ctx0">
+      <inkml:inkSource xml:id="inkSrc0">
+        <inkml:traceFormat>
+          <inkml:channel name="X" type="integer" min="-2.14748E9" max="2.14748E9" units="cm"/>
+          <inkml:channel name="Y" type="integer" min="-2.14748E9" max="2.14748E9" units="cm"/>
+          <inkml:channel name="F" type="integer" max="32767" units="dev"/>
+          <inkml:channel name="OA" type="integer" max="360" units="deg"/>
+          <inkml:channel name="OE" type="integer" max="90" units="deg"/>
+        </inkml:traceFormat>
+        <inkml:channelProperties>
+          <inkml:channelProperty channel="X" name="resolution" value="1000" units="1/cm"/>
+          <inkml:channelProperty channel="Y" name="resolution" value="1000" units="1/cm"/>
+          <inkml:channelProperty channel="F" name="resolution" value="0" units="1/dev"/>
+          <inkml:channelProperty channel="OA" name="resolution" value="1000" units="1/deg"/>
+          <inkml:channelProperty channel="OE" name="resolution" value="1000" units="1/deg"/>
+        </inkml:channelProperties>
+      </inkml:inkSource>
+      <inkml:timestamp xml:id="ts0" timeString="2024-05-01T17:49:46.182"/>
+    </inkml:context>
+    <inkml:brush xml:id="br0">
+      <inkml:brushProperty name="width" value="0.05" units="cm"/>
+      <inkml:brushProperty name="height" value="0.05" units="cm"/>
+      <inkml:brushProperty name="color" value="#004F8B"/>
+    </inkml:brush>
+  </inkml:definitions>
+  <inkml:trace contextRef="#ctx0" brushRef="#br0">71 1 7631 0 0,'5'0'330'0'0,"0"1"0"0"0,0 1 0 0 0,0-1 0 0 0,0 1 0 0 0,5 2 0 0 0,2 4 3193 0 0,-10-2-100 0 0,-1 2-2480 0 0,-1-5-200 0 0,1 8 305 0 0,-1-1 0 0 0,0 1-1 0 0,0-1 1 0 0,-1 1 0 0 0,0-1 0 0 0,-1 1-1 0 0,0-1 1 0 0,-5 14 0 0 0,0-4-329 0 0,-1 0 0 0 0,-1 0 0 0 0,-12 19 1 0 0,15-27-455 0 0,-3 3-196 0 0,0 0 0 0 0,-18 22 0 0 0,19-31 79 0 0,3-4-1959 0 0</inkml:trace>
+</inkml:ink>
+</file>
+
+<file path=ppt/ink/ink55.xml><?xml version="1.0" encoding="utf-8"?>
+<inkml:ink xmlns:inkml="http://www.w3.org/2003/InkML">
+  <inkml:definitions>
+    <inkml:context xml:id="ctx0">
+      <inkml:inkSource xml:id="inkSrc0">
+        <inkml:traceFormat>
+          <inkml:channel name="X" type="integer" min="-2.14748E9" max="2.14748E9" units="cm"/>
+          <inkml:channel name="Y" type="integer" min="-2.14748E9" max="2.14748E9" units="cm"/>
+          <inkml:channel name="F" type="integer" max="32767" units="dev"/>
+          <inkml:channel name="OA" type="integer" max="360" units="deg"/>
+          <inkml:channel name="OE" type="integer" max="90" units="deg"/>
+        </inkml:traceFormat>
+        <inkml:channelProperties>
+          <inkml:channelProperty channel="X" name="resolution" value="1000" units="1/cm"/>
+          <inkml:channelProperty channel="Y" name="resolution" value="1000" units="1/cm"/>
+          <inkml:channelProperty channel="F" name="resolution" value="0" units="1/dev"/>
+          <inkml:channelProperty channel="OA" name="resolution" value="1000" units="1/deg"/>
+          <inkml:channelProperty channel="OE" name="resolution" value="1000" units="1/deg"/>
+        </inkml:channelProperties>
+      </inkml:inkSource>
+      <inkml:timestamp xml:id="ts0" timeString="2024-05-01T17:49:46.529"/>
+    </inkml:context>
+    <inkml:brush xml:id="br0">
+      <inkml:brushProperty name="width" value="0.05" units="cm"/>
+      <inkml:brushProperty name="height" value="0.05" units="cm"/>
+      <inkml:brushProperty name="color" value="#004F8B"/>
+    </inkml:brush>
+  </inkml:definitions>
+  <inkml:trace contextRef="#ctx0" brushRef="#br0">57 1 7199 0 0,'6'5'555'0'0,"-5"-5"-540"0"0,0 0 0 0 0,0 1 0 0 0,-1-1 0 0 0,1 1 0 0 0,0-1 0 0 0,-1 1 0 0 0,1-1 0 0 0,0 1 1 0 0,-1 0-1 0 0,1-1 0 0 0,-1 1 0 0 0,1 0 0 0 0,-1-1 0 0 0,1 1 0 0 0,-1 0 0 0 0,1 0 0 0 0,-1-1 0 0 0,0 1 0 0 0,0 0 0 0 0,1 0 0 0 0,-1 0 0 0 0,0-1 0 0 0,0 2 0 0 0,1 2 224 0 0,2 6 1698 0 0,0-1 0 0 0,-1 1 1 0 0,0 0-1 0 0,2 20 0 0 0,-4-15-149 0 0,0 0 1 0 0,-5 26-1 0 0,-3-1 560 0 0,-20 58 1 0 0,26-92-2157 0 0,1-2-289 0 0,0 0 1 0 0,-1 0-1 0 0,1 0 1 0 0,-1 0 0 0 0,0 0-1 0 0,0 0 1 0 0,-1-1-1 0 0,1 1 1 0 0,-1-1-1 0 0,1 0 1 0 0,-1 1-1 0 0,0-1 1 0 0,-1 0 0 0 0,-6 4-1 0 0,10-7-11 0 0,0 0-1 0 0,0 0 1 0 0,0 1-1 0 0,0-1 1 0 0,-1 0-1 0 0,1 0 0 0 0,0 0 1 0 0,0 0-1 0 0,0-1 1 0 0,0 1-1 0 0,0 0 1 0 0,-1 0-1 0 0,1 0 1 0 0,0 0-1 0 0,0 0 1 0 0,0 0-1 0 0,0 0 1 0 0,-2-4-3039 0 0,1-10 2025 0 0,3-15 1019 0 0,-1 25 227 0 0,1-1 0 0 0,0 0 0 0 0,1 1 0 0 0,-1 0 0 0 0,1-1 0 0 0,0 1 0 0 0,0 0 0 0 0,0 1 0 0 0,1-1 0 0 0,-1 0-1 0 0,1 1 1 0 0,0 0 0 0 0,0 0 0 0 0,0 0 0 0 0,6-3 0 0 0,-2 1 687 0 0,1 1 0 0 0,0 1-1 0 0,-1 0 1 0 0,2 0 0 0 0,-1 0 0 0 0,0 1-1 0 0,14-1 1 0 0,-8 1-70 0 0,-1-1 1 0 0,0 0-1 0 0,0-1 0 0 0,15-7 1 0 0,-27 11-697 0 0,0-1-24 0 0,3-2-1016 0 0,-7 1 1934 0 0,-4 0-3857 0 0</inkml:trace>
+</inkml:ink>
+</file>
+
+<file path=ppt/ink/ink56.xml><?xml version="1.0" encoding="utf-8"?>
+<inkml:ink xmlns:inkml="http://www.w3.org/2003/InkML">
+  <inkml:definitions>
+    <inkml:context xml:id="ctx0">
+      <inkml:inkSource xml:id="inkSrc0">
+        <inkml:traceFormat>
+          <inkml:channel name="X" type="integer" min="-2.14748E9" max="2.14748E9" units="cm"/>
+          <inkml:channel name="Y" type="integer" min="-2.14748E9" max="2.14748E9" units="cm"/>
+          <inkml:channel name="F" type="integer" max="32767" units="dev"/>
+          <inkml:channel name="OA" type="integer" max="360" units="deg"/>
+          <inkml:channel name="OE" type="integer" max="90" units="deg"/>
+        </inkml:traceFormat>
+        <inkml:channelProperties>
+          <inkml:channelProperty channel="X" name="resolution" value="1000" units="1/cm"/>
+          <inkml:channelProperty channel="Y" name="resolution" value="1000" units="1/cm"/>
+          <inkml:channelProperty channel="F" name="resolution" value="0" units="1/dev"/>
+          <inkml:channelProperty channel="OA" name="resolution" value="1000" units="1/deg"/>
+          <inkml:channelProperty channel="OE" name="resolution" value="1000" units="1/deg"/>
+        </inkml:channelProperties>
+      </inkml:inkSource>
+      <inkml:timestamp xml:id="ts0" timeString="2024-05-01T17:49:46.883"/>
+    </inkml:context>
+    <inkml:brush xml:id="br0">
+      <inkml:brushProperty name="width" value="0.05" units="cm"/>
+      <inkml:brushProperty name="height" value="0.05" units="cm"/>
+      <inkml:brushProperty name="color" value="#004F8B"/>
+    </inkml:brush>
+  </inkml:definitions>
+  <inkml:trace contextRef="#ctx0" brushRef="#br0">0 151 4519 0 0,'0'0'700'0'0,"3"0"524"0"0,5-2 2 0 0,0 0-1 0 0,-1-1 1 0 0,1 0-1 0 0,-1 0 1 0 0,1-1-1 0 0,-1 0 1 0 0,0 0-1 0 0,9-7 1 0 0,13-7 1926 0 0,-17 9-1964 0 0,0 1 1 0 0,-1-1 0 0 0,0-1 0 0 0,0 0 0 0 0,9-13 0 0 0,7-5-1973 0 0</inkml:trace>
+</inkml:ink>
+</file>
+
+<file path=ppt/ink/ink57.xml><?xml version="1.0" encoding="utf-8"?>
+<inkml:ink xmlns:inkml="http://www.w3.org/2003/InkML">
+  <inkml:definitions>
+    <inkml:context xml:id="ctx0">
+      <inkml:inkSource xml:id="inkSrc0">
+        <inkml:traceFormat>
+          <inkml:channel name="X" type="integer" min="-2.14748E9" max="2.14748E9" units="cm"/>
+          <inkml:channel name="Y" type="integer" min="-2.14748E9" max="2.14748E9" units="cm"/>
+          <inkml:channel name="F" type="integer" max="32767" units="dev"/>
+          <inkml:channel name="OA" type="integer" max="360" units="deg"/>
+          <inkml:channel name="OE" type="integer" max="90" units="deg"/>
+        </inkml:traceFormat>
+        <inkml:channelProperties>
+          <inkml:channelProperty channel="X" name="resolution" value="1000" units="1/cm"/>
+          <inkml:channelProperty channel="Y" name="resolution" value="1000" units="1/cm"/>
+          <inkml:channelProperty channel="F" name="resolution" value="0" units="1/dev"/>
+          <inkml:channelProperty channel="OA" name="resolution" value="1000" units="1/deg"/>
+          <inkml:channelProperty channel="OE" name="resolution" value="1000" units="1/deg"/>
+        </inkml:channelProperties>
+      </inkml:inkSource>
+      <inkml:timestamp xml:id="ts0" timeString="2024-05-01T17:49:47.272"/>
+    </inkml:context>
+    <inkml:brush xml:id="br0">
+      <inkml:brushProperty name="width" value="0.05" units="cm"/>
+      <inkml:brushProperty name="height" value="0.05" units="cm"/>
+      <inkml:brushProperty name="color" value="#004F8B"/>
+    </inkml:brush>
+  </inkml:definitions>
+  <inkml:trace contextRef="#ctx0" brushRef="#br0">87 226 5439 0 0,'0'0'416'0'0,"2"1"-272"0"0,2 3 805 0 0,0 1-1 0 0,0-1 0 0 0,0-1 1 0 0,1 1-1 0 0,0-1 0 0 0,0 0 0 0 0,0 0 1 0 0,7 3-1 0 0,-11-5 604 0 0,2-1-1219 0 0,-1 0 0 0 0,0 0 0 0 0,1 0 1 0 0,-1 0-1 0 0,0 0 0 0 0,1 0 0 0 0,-1-1 0 0 0,0 1 1 0 0,0-1-1 0 0,1 0 0 0 0,-1 0 0 0 0,0 0 0 0 0,0 0 1 0 0,0 0-1 0 0,0 0 0 0 0,0 0 0 0 0,0-1 0 0 0,2-1 0 0 0,4-5 46 0 0,-1 0 0 0 0,0 0 0 0 0,11-16 0 0 0,4-7 111 0 0,-12 18-455 0 0,-6 10-38 0 0,8-4 15 0 0,-10 6 377 0 0,-1 2-375 0 0,-1 0-1 0 0,1 0 1 0 0,-1 0 0 0 0,1-1-1 0 0,-1 1 1 0 0,0 0 0 0 0,1 0-1 0 0,-1 0 1 0 0,0 0 0 0 0,0 0-1 0 0,1 1 1 0 0,-5 13 53 0 0,1 0 0 0 0,-2-1 1 0 0,0 1-1 0 0,-1-1 0 0 0,0 0 0 0 0,-1-1 0 0 0,-13 20 0 0 0,6-14 128 0 0,-31 32-1 0 0,17-20-19 0 0,10-11 317 0 0,0-1 0 0 0,-1 0-1 0 0,-40 29 1 0 0,39-32 3195 0 0,41-29-3301 0 0,43-22 0 0 0,-13 9-165 0 0,146-79-221 0 0,44-24 0 0 0,-171 91 0 0 0,-39 22 0 0 0,-1-1 0 0 0,34-24 0 0 0,-46 26 0 0 0,-17 12 0 0 0,5-6 0 0 0,-6-2-135 0 0,0 7-185 0 0,-1 1 0 0 0,0 0 0 0 0,0-1 1 0 0,0 1-1 0 0,-1 0 0 0 0,-2-5 0 0 0,-7-9-8448 0 0,2 6-554 0 0</inkml:trace>
+</inkml:ink>
+</file>
+
+<file path=ppt/ink/ink58.xml><?xml version="1.0" encoding="utf-8"?>
+<inkml:ink xmlns:inkml="http://www.w3.org/2003/InkML">
+  <inkml:definitions>
+    <inkml:context xml:id="ctx0">
+      <inkml:inkSource xml:id="inkSrc0">
+        <inkml:traceFormat>
+          <inkml:channel name="X" type="integer" min="-2.14748E9" max="2.14748E9" units="cm"/>
+          <inkml:channel name="Y" type="integer" min="-2.14748E9" max="2.14748E9" units="cm"/>
+          <inkml:channel name="F" type="integer" max="32767" units="dev"/>
+          <inkml:channel name="OA" type="integer" max="360" units="deg"/>
+          <inkml:channel name="OE" type="integer" max="90" units="deg"/>
+        </inkml:traceFormat>
+        <inkml:channelProperties>
+          <inkml:channelProperty channel="X" name="resolution" value="1000" units="1/cm"/>
+          <inkml:channelProperty channel="Y" name="resolution" value="1000" units="1/cm"/>
+          <inkml:channelProperty channel="F" name="resolution" value="0" units="1/dev"/>
+          <inkml:channelProperty channel="OA" name="resolution" value="1000" units="1/deg"/>
+          <inkml:channelProperty channel="OE" name="resolution" value="1000" units="1/deg"/>
+        </inkml:channelProperties>
+      </inkml:inkSource>
+      <inkml:timestamp xml:id="ts0" timeString="2024-05-01T17:49:47.829"/>
+    </inkml:context>
+    <inkml:brush xml:id="br0">
+      <inkml:brushProperty name="width" value="0.05" units="cm"/>
+      <inkml:brushProperty name="height" value="0.05" units="cm"/>
+      <inkml:brushProperty name="color" value="#004F8B"/>
+    </inkml:brush>
+  </inkml:definitions>
+  <inkml:trace contextRef="#ctx0" brushRef="#br0">9 247 6991 0 0,'7'13'160'0'0,"-1"0"0"0"0,9 26 0 0 0,-9-18 1793 0 0,-1 0 0 0 0,-1-1 0 0 0,2 25 1 0 0,-4 7 5103 0 0,-5 75 1 0 0,1-111-5906 0 0,2-23-2204 0 0,1-28-2523 0 0,-1 2-2251 0 0,-5-58 0 0 0,-14-32-48 0 0,8 71 4904 0 0,5 26 717 0 0,1 0 1 0 0,1-1 0 0 0,1 0 0 0 0,1-47 0 0 0,6 36 996 0 0,-3 36 98 0 0,0 0 224 0 0,3-3 715 0 0,0 0 0 0 0,0 0 0 0 0,1 1 1 0 0,9-8-1 0 0,-12 11-483 0 0,10-3 973 0 0,3-1-906 0 0,-11 3-964 0 0,1 1 0 0 0,-1-1 0 0 0,0 1 0 0 0,0 0 0 0 0,1 0 0 0 0,-1 1 0 0 0,1-1 0 0 0,-1 1 0 0 0,1 0 0 0 0,5 1 0 0 0,-5-1-47 0 0,0 1 0 0 0,0 0 0 0 0,0 0 0 0 0,0 1 0 0 0,0 0 0 0 0,0 0 0 0 0,6 3 0 0 0,-9-4-224 0 0,0 1 0 0 0,0 0 0 0 0,0-1 0 0 0,0 1-1 0 0,0 0 1 0 0,-1 0 0 0 0,1 0 0 0 0,0 0 0 0 0,-1 0 0 0 0,0 1 0 0 0,1-1 0 0 0,-1 0 0 0 0,0 1 0 0 0,0-1 0 0 0,0 1 0 0 0,0 4 0 0 0,4 16 33 0 0,-2 1 0 0 0,-1 0 0 0 0,-1 35 0 0 0,-1-51-159 0 0,1 143-4 0 0,-1-150-105 0 0,0 0 0 0 0,0 0 0 0 0,0 1 0 0 0,0-1 0 0 0,-1 0 0 0 0,1 0 0 0 0,0 0 0 0 0,0 0 0 0 0,-1 0 1 0 0,1 0-1 0 0,-1 0 0 0 0,1 0 0 0 0,-1 2 0 0 0,0-3-53 0 0,1 0 1 0 0,0 0 0 0 0,0 1-1 0 0,-1-1 1 0 0,1 0 0 0 0,0 0-1 0 0,-1 1 1 0 0,1-1 0 0 0,0 0-1 0 0,-1 0 1 0 0,1 0 0 0 0,-1 0-1 0 0,1 0 1 0 0,0 1 0 0 0,-1-1-1 0 0,1 0 1 0 0,-1 0 0 0 0,1 0-1 0 0,0 0 1 0 0,-1 0 0 0 0,1 0-1 0 0,-1 0 1 0 0,-1-1-838 0 0,0 1 0 0 0,1-1 0 0 0,-1 0 1 0 0,1 1-1 0 0,-1-1 0 0 0,1 0 0 0 0,-1 0 0 0 0,-1-2 0 0 0</inkml:trace>
+</inkml:ink>
+</file>
+
+<file path=ppt/ink/ink59.xml><?xml version="1.0" encoding="utf-8"?>
+<inkml:ink xmlns:inkml="http://www.w3.org/2003/InkML">
+  <inkml:definitions>
+    <inkml:context xml:id="ctx0">
+      <inkml:inkSource xml:id="inkSrc0">
+        <inkml:traceFormat>
+          <inkml:channel name="X" type="integer" min="-2.14748E9" max="2.14748E9" units="cm"/>
+          <inkml:channel name="Y" type="integer" min="-2.14748E9" max="2.14748E9" units="cm"/>
+          <inkml:channel name="F" type="integer" max="32767" units="dev"/>
+          <inkml:channel name="OA" type="integer" max="360" units="deg"/>
+          <inkml:channel name="OE" type="integer" max="90" units="deg"/>
+        </inkml:traceFormat>
+        <inkml:channelProperties>
+          <inkml:channelProperty channel="X" name="resolution" value="1000" units="1/cm"/>
+          <inkml:channelProperty channel="Y" name="resolution" value="1000" units="1/cm"/>
+          <inkml:channelProperty channel="F" name="resolution" value="0" units="1/dev"/>
+          <inkml:channelProperty channel="OA" name="resolution" value="1000" units="1/deg"/>
+          <inkml:channelProperty channel="OE" name="resolution" value="1000" units="1/deg"/>
+        </inkml:channelProperties>
+      </inkml:inkSource>
+      <inkml:timestamp xml:id="ts0" timeString="2024-05-01T17:49:48.555"/>
+    </inkml:context>
+    <inkml:brush xml:id="br0">
+      <inkml:brushProperty name="width" value="0.05" units="cm"/>
+      <inkml:brushProperty name="height" value="0.05" units="cm"/>
+      <inkml:brushProperty name="color" value="#004F8B"/>
+    </inkml:brush>
+  </inkml:definitions>
+  <inkml:trace contextRef="#ctx0" brushRef="#br0">16 424 4055 0 0,'2'11'265'0'0,"0"1"-1"0"0,-1 0 0 0 0,-1-1 0 0 0,0 1 0 0 0,-1 12 0 0 0,0-5 1087 0 0,1-12-935 0 0,-1 24 3044 0 0,-1 1 0 0 0,-1 0 0 0 0,-9 35 0 0 0,11-63-2871 0 0,2-5 348 0 0,5-10 1459 0 0,8-20 786 0 0,-3-6-3498 0 0,10-52-1 0 0,5-19-234 0 0,-15 80 352 0 0,-10 26 110 0 0,0 1 1 0 0,3-2 36 0 0,-3 3 63 0 0,-1 1 0 0 0,1-1 0 0 0,-1 0 0 0 0,1 1 0 0 0,-1-1 0 0 0,1 0-1 0 0,0 1 1 0 0,-1-1 0 0 0,0 0 0 0 0,1 1 0 0 0,-1-1 0 0 0,1 1 0 0 0,-1-1 0 0 0,1 1 0 0 0,-1 0 0 0 0,1 0 1 0 0,2 3 97 0 0,-1 1 1 0 0,1 1-1 0 0,-1-1 1 0 0,0 0-1 0 0,0 1 1 0 0,0-1-1 0 0,-1 1 1 0 0,0-1-1 0 0,1 10 1 0 0,3 11 364 0 0,11 36 941 0 0,-15-60-1078 0 0,-1-1-292 0 0,0-1 1 0 0,0 1-1 0 0,1 0 0 0 0,-1 0 1 0 0,0 0-1 0 0,0-1 0 0 0,1 1 1 0 0,-1 0-1 0 0,1 0 0 0 0,-1-1 1 0 0,1 1-1 0 0,-1 0 0 0 0,1 0 1 0 0,5 9 447 0 0,4-23-357 0 0,-6 5-204 0 0,0 0 0 0 0,-1-1 0 0 0,1 1-1 0 0,2-17 1 0 0,5-38-466 0 0,-10 57 497 0 0,7-39-616 0 0,-3 14-184 0 0,0 0-1 0 0,-2-1 1 0 0,-1 0-1 0 0,-3-32 1 0 0,-1 51 508 0 0,-1-19 493 0 0,3 92 2170 0 0,11 81 1 0 0,-7-103-1858 0 0,-3-23-160 0 0,5 23 0 0 0,-6-36 28 0 0,1-3-281 0 0,1-2-88 0 0,0 1 0 0 0,-1-1 0 0 0,0 0 0 0 0,1 0 1 0 0,-1 0-1 0 0,0 0 0 0 0,0 0 0 0 0,-1 0 0 0 0,1-5 0 0 0,3-32-412 0 0,-4 29 319 0 0,3-25-1072 0 0,-3 0 0 0 0,-1 0 0 0 0,-1 0 1 0 0,-2 1-1 0 0,-17-70 0 0 0,2 36 93 0 0,18 67 1821 0 0,1 5-392 0 0,0 3 167 0 0,0 1-1 0 0,0 0 0 0 0,1 0 0 0 0,-1 0 1 0 0,2-1-1 0 0,3 13 0 0 0,18 42 1788 0 0,1-1-1265 0 0,86 333 1110 0 0,-44-197-2118 0 0,5 24-17 0 0,-61-174 3 0 0,-9-28 0 0 0,-4-15 0 0 0,2-2 0 0 0,1-1 0 0 0,0 0 0 0 0,0 0 0 0 0,0 0 0 0 0,-1 1 0 0 0,1-1 0 0 0,0 0 0 0 0,0 0 0 0 0,0 0 0 0 0,-1 0 0 0 0,1 0 0 0 0,0 0 0 0 0,0 0 0 0 0,0 1 0 0 0,-1-1 0 0 0,1 0 0 0 0,0 0 0 0 0,0 0 0 0 0,0 0 0 0 0,-1 0 0 0 0,1 0 0 0 0,0 0 0 0 0,0 0 0 0 0,0 0 0 0 0,-1 0 0 0 0,1 0 0 0 0,0 0 0 0 0,0 0 0 0 0,-1 0 0 0 0,1 0 0 0 0,0-1 0 0 0,-3 0 3 0 0,1-1 1 0 0,-1 0-1 0 0,1 0 1 0 0,0 0-1 0 0,0 0 1 0 0,0 0-1 0 0,0 0 1 0 0,0-1-1 0 0,0 1 0 0 0,1 0 1 0 0,-1-1-1 0 0,1 0 1 0 0,-2-4-1 0 0,-14-42-160 0 0,14 41 69 0 0,-21-72-2284 0 0,11 38-618 0 0,0 0-3568 0 0,-1-7-2357 0 0</inkml:trace>
+</inkml:ink>
+</file>
+
+<file path=ppt/ink/ink6.xml><?xml version="1.0" encoding="utf-8"?>
+<inkml:ink xmlns:inkml="http://www.w3.org/2003/InkML">
+  <inkml:definitions>
+    <inkml:context xml:id="ctx0">
+      <inkml:inkSource xml:id="inkSrc0">
+        <inkml:traceFormat>
+          <inkml:channel name="X" type="integer" min="-2.14748E9" max="2.14748E9" units="cm"/>
+          <inkml:channel name="Y" type="integer" min="-2.14748E9" max="2.14748E9" units="cm"/>
+          <inkml:channel name="F" type="integer" max="32767" units="dev"/>
+          <inkml:channel name="OA" type="integer" max="360" units="deg"/>
+          <inkml:channel name="OE" type="integer" max="90" units="deg"/>
+        </inkml:traceFormat>
+        <inkml:channelProperties>
+          <inkml:channelProperty channel="X" name="resolution" value="1000" units="1/cm"/>
+          <inkml:channelProperty channel="Y" name="resolution" value="1000" units="1/cm"/>
+          <inkml:channelProperty channel="F" name="resolution" value="0" units="1/dev"/>
+          <inkml:channelProperty channel="OA" name="resolution" value="1000" units="1/deg"/>
+          <inkml:channelProperty channel="OE" name="resolution" value="1000" units="1/deg"/>
+        </inkml:channelProperties>
+      </inkml:inkSource>
+      <inkml:timestamp xml:id="ts0" timeString="2024-05-01T17:28:25.651"/>
+    </inkml:context>
+    <inkml:brush xml:id="br0">
+      <inkml:brushProperty name="width" value="0.05" units="cm"/>
+      <inkml:brushProperty name="height" value="0.05" units="cm"/>
+      <inkml:brushProperty name="color" value="#004F8B"/>
+    </inkml:brush>
+  </inkml:definitions>
+  <inkml:trace contextRef="#ctx0" brushRef="#br0">1 287 4631 0 0,'0'0'3283'0'0,"2"1"-2604"0"0,32-2 2440 0 0,-11 0-2072 0 0,-19 1-888 0 0,0 0 0 0 0,-1 1 0 0 0,1-1 0 0 0,0 1-1 0 0,0 0 1 0 0,0 0 0 0 0,-1 0 0 0 0,1 1 0 0 0,-1-1-1 0 0,1 1 1 0 0,-1 0 0 0 0,0 0 0 0 0,0 0 0 0 0,1 1-1 0 0,-1-1 1 0 0,-1 1 0 0 0,1-1 0 0 0,0 1 0 0 0,-1 0 0 0 0,1 0-1 0 0,-1 0 1 0 0,0 0 0 0 0,0 1 0 0 0,0-1 0 0 0,0 1-1 0 0,1 4 1 0 0,4 8 569 0 0,-1 1 0 0 0,9 32 0 0 0,-4-8 332 0 0,3 10 192 0 0,2 41 3275 0 0,-15-93-4398 0 0,3-20-94 0 0,0 1-1 0 0,1-41 1 0 0,3-19-11 0 0,1 20 8 0 0,-5 32 14 0 0,11-47 0 0 0,-8 59-34 0 0,0 4-12 0 0,-6 11 5 0 0,0 1 0 0 0,0-1 0 0 0,-1 0 0 0 0,1 0 0 0 0,0 0 0 0 0,0 1 0 0 0,0-1 0 0 0,0 0-1 0 0,0 1 1 0 0,0-1 0 0 0,0 1 0 0 0,0 0 0 0 0,0-1 0 0 0,0 1 0 0 0,0-1 0 0 0,0 1 0 0 0,0 0 0 0 0,0 0 0 0 0,1 0 0 0 0,1 0 0 0 0,-1 0 17 0 0,0 1 1 0 0,0-1-1 0 0,0 1 1 0 0,0-1-1 0 0,0 1 1 0 0,-1 0 0 0 0,1 0-1 0 0,0 0 1 0 0,0 0-1 0 0,2 2 1 0 0,4 4 116 0 0,0 0 1 0 0,-1 1 0 0 0,10 14-1 0 0,-11-15-65 0 0,15 19 418 0 0,-6-5 107 0 0,1-1 0 0 0,2-1 0 0 0,31 28 0 0 0,-45-44-495 0 0,0 0 0 0 0,0-1 0 0 0,0 1-1 0 0,0-1 1 0 0,1 0 0 0 0,-1 0 0 0 0,1-1 0 0 0,0 1 0 0 0,-1-1-1 0 0,1 0 1 0 0,0 0 0 0 0,8 0 0 0 0,-11-1-65 0 0,0 0-1 0 0,1 0 1 0 0,-1-1 0 0 0,1 1-1 0 0,-1 0 1 0 0,0-1 0 0 0,0 0-1 0 0,1 1 1 0 0,-1-1-1 0 0,0 0 1 0 0,0 0 0 0 0,0 0-1 0 0,0-1 1 0 0,0 1 0 0 0,0 0-1 0 0,0-1 1 0 0,0 1 0 0 0,0-1-1 0 0,-1 0 1 0 0,1 0-1 0 0,-1 1 1 0 0,1-1 0 0 0,-1 0-1 0 0,0 0 1 0 0,0-1 0 0 0,0 1-1 0 0,2-4 1 0 0,0-4-39 0 0,1-1 0 0 0,-2-1 0 0 0,0 1 0 0 0,0 0 0 0 0,-1 0 0 0 0,0-22 0 0 0,-1 6 0 0 0,1 14 0 0 0,-2 0 0 0 0,-1-15 0 0 0,-1 9 0 0 0,-13-64 0 0 0,13 71 0 0 0,-1 0 0 0 0,0 1 0 0 0,0 0 0 0 0,-11-20 0 0 0,12 27 0 0 0,0 0 0 0 0,0 1 0 0 0,0-1 0 0 0,-1 1 0 0 0,1 0 0 0 0,-1 0 0 0 0,1 0 0 0 0,-1 0 0 0 0,0 0 0 0 0,0 1 0 0 0,-1 0 0 0 0,1 0 0 0 0,0 0 0 0 0,-1 1 0 0 0,1-1 0 0 0,-1 1 0 0 0,1 0 0 0 0,-1 0 0 0 0,0 0 0 0 0,0 1 0 0 0,1 0 0 0 0,-9 0 0 0 0,9 1 0 0 0,0 0 0 0 0,0 0 0 0 0,0 1 0 0 0,0-1 0 0 0,1 1 0 0 0,-1 0 0 0 0,1 0 0 0 0,-1 0 0 0 0,1 0 0 0 0,0 1 0 0 0,0-1 0 0 0,-5 5 0 0 0,2 1 0 0 0,1 0 0 0 0,0 0 0 0 0,0 0 0 0 0,-5 11 0 0 0,4-4 0 0 0,0 0 0 0 0,1 0 0 0 0,0 0 0 0 0,2 1 0 0 0,-1-1 0 0 0,2 1 0 0 0,-1 26 0 0 0,3-8 0 0 0,1 0 0 0 0,9 52 0 0 0,-8-74 0 0 0,1-1 0 0 0,0 1 0 0 0,1-1 0 0 0,0 1 0 0 0,1-1 0 0 0,0-1 0 0 0,0 1 0 0 0,13 16 0 0 0,-15-22 0 0 0,1-1 0 0 0,-1 1 0 0 0,1-1 0 0 0,0 0 0 0 0,0 0 0 0 0,0-1 0 0 0,1 1 0 0 0,-1-1 0 0 0,1 0 0 0 0,0 0 0 0 0,0-1 0 0 0,0 1 0 0 0,0-1 0 0 0,0 0 0 0 0,1-1 0 0 0,-1 1 0 0 0,1-1 0 0 0,-1 0 0 0 0,1 0 0 0 0,8 0 0 0 0,-5-2 0 0 0,1 0 0 0 0,-1-1 0 0 0,1 0 0 0 0,-1 0 0 0 0,0-1 0 0 0,0 0 0 0 0,16-8 0 0 0,2-4 0 0 0,27-19 0 0 0,-44 27 0 0 0,6-6-35 0 0,-1 0 1 0 0,0-1-1 0 0,-1-1 1 0 0,0 0-1 0 0,22-34 0 0 0,-12 17-86 0 0,4-10-1146 0 0,-3-3-5807 0 0,-15 26 2182 0 0,6-10-2034 0 0</inkml:trace>
+</inkml:ink>
+</file>
+
+<file path=ppt/ink/ink60.xml><?xml version="1.0" encoding="utf-8"?>
+<inkml:ink xmlns:inkml="http://www.w3.org/2003/InkML">
+  <inkml:definitions>
+    <inkml:context xml:id="ctx0">
+      <inkml:inkSource xml:id="inkSrc0">
+        <inkml:traceFormat>
+          <inkml:channel name="X" type="integer" min="-2.14748E9" max="2.14748E9" units="cm"/>
+          <inkml:channel name="Y" type="integer" min="-2.14748E9" max="2.14748E9" units="cm"/>
+          <inkml:channel name="F" type="integer" max="32767" units="dev"/>
+          <inkml:channel name="OA" type="integer" max="360" units="deg"/>
+          <inkml:channel name="OE" type="integer" max="90" units="deg"/>
+        </inkml:traceFormat>
+        <inkml:channelProperties>
+          <inkml:channelProperty channel="X" name="resolution" value="1000" units="1/cm"/>
+          <inkml:channelProperty channel="Y" name="resolution" value="1000" units="1/cm"/>
+          <inkml:channelProperty channel="F" name="resolution" value="0" units="1/dev"/>
+          <inkml:channelProperty channel="OA" name="resolution" value="1000" units="1/deg"/>
+          <inkml:channelProperty channel="OE" name="resolution" value="1000" units="1/deg"/>
+        </inkml:channelProperties>
+      </inkml:inkSource>
+      <inkml:timestamp xml:id="ts0" timeString="2024-05-01T17:49:49.147"/>
+    </inkml:context>
+    <inkml:brush xml:id="br0">
+      <inkml:brushProperty name="width" value="0.05" units="cm"/>
+      <inkml:brushProperty name="height" value="0.05" units="cm"/>
+      <inkml:brushProperty name="color" value="#004F8B"/>
+    </inkml:brush>
+  </inkml:definitions>
+  <inkml:trace contextRef="#ctx0" brushRef="#br0">200 52 4055 0 0,'0'0'312'0'0,"1"2"48"0"0,-1-1-131 0 0,4 15 1404 0 0,-3-3 7411 0 0,9-23-8486 0 0,-9 8-463 0 0,51-62 257 0 0,-46 60-485 0 0,-5 4 132 0 0,-1 0 0 0 0,1 0 1 0 0,0 0-1 0 0,0 0 0 0 0,0 0 1 0 0,-1 0-1 0 0,1 0 0 0 0,0 0 0 0 0,0 0 1 0 0,-1-1-1 0 0,1 1 0 0 0,0 0 1 0 0,0-1-1 0 0,-1 1 0 0 0,1 0 0 0 0,1-2 1 0 0,5 12 162 0 0,-6-8-103 0 0,0-1 0 0 0,0 1 0 0 0,0 0 0 0 0,0 0 0 0 0,-1 0 0 0 0,1 0 0 0 0,0 0 0 0 0,-1 0 0 0 0,0 0 0 0 0,0 0 0 0 0,1 0 0 0 0,-1 0 0 0 0,0 0 0 0 0,-1 4 0 0 0,1 3 427 0 0,0-8-9 0 0,-1 2 199 0 0,1-2-563 0 0,0 0 0 0 0,0-1 0 0 0,0 1 0 0 0,-1-1 0 0 0,1 1 0 0 0,0 0 0 0 0,0-1-1 0 0,0 1 1 0 0,0-1 0 0 0,0 1 0 0 0,0 0 0 0 0,0-1 0 0 0,0 1 0 0 0,1-1 0 0 0,-1 1 0 0 0,0 0 0 0 0,0-1 0 0 0,1 1 0 0 0,12 7-20 0 0,-12-6-40 0 0,1 6 17 0 0,-2-6-60 0 0,0-1 1 0 0,0 1-1 0 0,0 0 1 0 0,-1 0-1 0 0,1 0 1 0 0,0-1-1 0 0,-1 1 1 0 0,0 0-1 0 0,1 0 1 0 0,-1-1-1 0 0,0 1 1 0 0,-1 2-1 0 0,0-2 18 0 0,-5 10 19 0 0,0-1 1 0 0,-1 0-1 0 0,0-1 1 0 0,-1 0-1 0 0,-14 13 1 0 0,3-3 145 0 0,-31 31 149 0 0,-28 31 355 0 0,67-68-461 0 0,-9 10 544 0 0,2 1 1 0 0,-17 28-1 0 0,35-51-908 0 0,-8 16 2300 0 0,10-12-325 0 0,0-5-1779 0 0,-1-1-1 0 0,1 0 1 0 0,-1 0 0 0 0,1 0 0 0 0,-1 0 0 0 0,1 0 0 0 0,-1 0 0 0 0,1 0 0 0 0,-1 0 0 0 0,1 0 0 0 0,-1 0 0 0 0,1 0 0 0 0,-1 0 0 0 0,1 0 0 0 0,-1 0 0 0 0,1-1-1 0 0,-1 1 1 0 0,2 0 0 0 0,13-7 422 0 0,-1-1 0 0 0,25-16-1 0 0,-14 8-358 0 0,80-45 56 0 0,-65 41-187 0 0,-32 15 16 0 0,-8 5-18 0 0,1-1 1 0 0,-1 1-1 0 0,1 0 0 0 0,-1 0 0 0 0,1-1 1 0 0,-1 1-1 0 0,0 0 0 0 0,1-1 0 0 0,-1 1 1 0 0,1 0-1 0 0,-1-1 0 0 0,0 1 0 0 0,1-1 0 0 0,-1 1 1 0 0,0-1-1 0 0,0 1 0 0 0,1-1 0 0 0,-1 1 1 0 0,0-2-1 0 0,4-6-134 0 0,-3 7-666 0 0,-6-23-18881 0 0</inkml:trace>
+</inkml:ink>
+</file>
+
+<file path=ppt/ink/ink61.xml><?xml version="1.0" encoding="utf-8"?>
+<inkml:ink xmlns:inkml="http://www.w3.org/2003/InkML">
+  <inkml:definitions>
+    <inkml:context xml:id="ctx0">
+      <inkml:inkSource xml:id="inkSrc0">
+        <inkml:traceFormat>
+          <inkml:channel name="X" type="integer" min="-2.14748E9" max="2.14748E9" units="cm"/>
+          <inkml:channel name="Y" type="integer" min="-2.14748E9" max="2.14748E9" units="cm"/>
+          <inkml:channel name="F" type="integer" max="32767" units="dev"/>
+          <inkml:channel name="OA" type="integer" max="360" units="deg"/>
+          <inkml:channel name="OE" type="integer" max="90" units="deg"/>
+        </inkml:traceFormat>
+        <inkml:channelProperties>
+          <inkml:channelProperty channel="X" name="resolution" value="1000" units="1/cm"/>
+          <inkml:channelProperty channel="Y" name="resolution" value="1000" units="1/cm"/>
+          <inkml:channelProperty channel="F" name="resolution" value="0" units="1/dev"/>
+          <inkml:channelProperty channel="OA" name="resolution" value="1000" units="1/deg"/>
+          <inkml:channelProperty channel="OE" name="resolution" value="1000" units="1/deg"/>
+        </inkml:channelProperties>
+      </inkml:inkSource>
+      <inkml:timestamp xml:id="ts0" timeString="2024-05-01T17:49:49.520"/>
+    </inkml:context>
+    <inkml:brush xml:id="br0">
+      <inkml:brushProperty name="width" value="0.05" units="cm"/>
+      <inkml:brushProperty name="height" value="0.05" units="cm"/>
+      <inkml:brushProperty name="color" value="#004F8B"/>
+    </inkml:brush>
+  </inkml:definitions>
+  <inkml:trace contextRef="#ctx0" brushRef="#br0">174 0 2383 0 0,'-1'3'180'0'0,"-12"52"907"0"0,-19 29 4789 0 0,-37 49 3919 0 0,45-97-7792 0 0,23-34-1840 0 0,-1 1 1 0 0,0-1-1 0 0,0 1 1 0 0,-1-1-1 0 0,1 0 1 0 0,0 0-1 0 0,-1 0 0 0 0,1 0 1 0 0,-1 0-1 0 0,-4 2 1 0 0,5-3 97 0 0,0-13-428 0 0,1 9-77 0 0,1-1 0 0 0,0 0 0 0 0,0 0 0 0 0,0 0 0 0 0,1 0 0 0 0,-1 1 0 0 0,1-1 0 0 0,0 0 0 0 0,0 1 0 0 0,1-1 0 0 0,-1 0 0 0 0,1 1 0 0 0,-1-1 0 0 0,1 1 0 0 0,4-5 0 0 0,0-1-1334 0 0,0 1 0 0 0,1 0-1 0 0,0 0 1 0 0,13-10 0 0 0,-12 12 943 0 0,0 1 0 0 0,0-1 0 0 0,1 2 0 0 0,-1-1 0 0 0,1 1 0 0 0,13-4 0 0 0,-15 6 568 0 0,1 0 0 0 0,0 0 1 0 0,0 0-1 0 0,0 1 0 0 0,0 1 1 0 0,0-1-1 0 0,16 2 0 0 0,88 14 6844 0 0,-74-7-3089 0 0,12 1 4134 0 0,55 18 0 0 0,-104-27-7651 0 0,0 0-131 0 0,-1 0-49 0 0,0-1 38 0 0,-16-8-193 0 0,-12-4-1032 0 0,12 6-1328 0 0,1 0-4968 0 0,1 0-1739 0 0</inkml:trace>
+</inkml:ink>
+</file>
+
+<file path=ppt/ink/ink62.xml><?xml version="1.0" encoding="utf-8"?>
+<inkml:ink xmlns:inkml="http://www.w3.org/2003/InkML">
+  <inkml:definitions>
+    <inkml:context xml:id="ctx0">
+      <inkml:inkSource xml:id="inkSrc0">
+        <inkml:traceFormat>
+          <inkml:channel name="X" type="integer" min="-2.14748E9" max="2.14748E9" units="cm"/>
+          <inkml:channel name="Y" type="integer" min="-2.14748E9" max="2.14748E9" units="cm"/>
+          <inkml:channel name="F" type="integer" max="32767" units="dev"/>
+          <inkml:channel name="OA" type="integer" max="360" units="deg"/>
+          <inkml:channel name="OE" type="integer" max="90" units="deg"/>
+        </inkml:traceFormat>
+        <inkml:channelProperties>
+          <inkml:channelProperty channel="X" name="resolution" value="1000" units="1/cm"/>
+          <inkml:channelProperty channel="Y" name="resolution" value="1000" units="1/cm"/>
+          <inkml:channelProperty channel="F" name="resolution" value="0" units="1/dev"/>
+          <inkml:channelProperty channel="OA" name="resolution" value="1000" units="1/deg"/>
+          <inkml:channelProperty channel="OE" name="resolution" value="1000" units="1/deg"/>
+        </inkml:channelProperties>
+      </inkml:inkSource>
+      <inkml:timestamp xml:id="ts0" timeString="2024-05-01T17:49:50.296"/>
+    </inkml:context>
+    <inkml:brush xml:id="br0">
+      <inkml:brushProperty name="width" value="0.05" units="cm"/>
+      <inkml:brushProperty name="height" value="0.05" units="cm"/>
+      <inkml:brushProperty name="color" value="#004F8B"/>
+    </inkml:brush>
+  </inkml:definitions>
+  <inkml:trace contextRef="#ctx0" brushRef="#br0">1 95 7199 0 0,'31'56'2300'0'0,"-23"-40"786"0"0,-1 0-1 0 0,-1 1 1 0 0,5 22 0 0 0,0 7 5091 0 0,-10-47-7918 0 0,2-2-71 0 0,-2 2-198 0 0,0 0 1 0 0,-1 0 0 0 0,1 0-1 0 0,-1 0 1 0 0,1 0 0 0 0,-1 0 0 0 0,1 0-1 0 0,-1 0 1 0 0,0 0 0 0 0,1 0-1 0 0,-1 0 1 0 0,0 0 0 0 0,0-2-1 0 0,1-2-22 0 0,4-16-519 0 0,-1 0-1 0 0,0 0 1 0 0,-1-31 0 0 0,-2 31 1 0 0,1 0 0 0 0,1 0 0 0 0,8-31 0 0 0,-11 50 558 0 0,1 1 0 0 0,-1-1-1 0 0,1 0 1 0 0,0 1 0 0 0,-1 0 0 0 0,1-1 0 0 0,0 1 0 0 0,0-1 0 0 0,0 1-1 0 0,0 0 1 0 0,0-1 0 0 0,0 1 0 0 0,0 0 0 0 0,0 0 0 0 0,1 0 0 0 0,-1 0 0 0 0,0 0-1 0 0,1 0 1 0 0,-1 1 0 0 0,0-1 0 0 0,1 0 0 0 0,-1 1 0 0 0,1-1 0 0 0,-1 0-1 0 0,1 1 1 0 0,0 0 0 0 0,-1-1 0 0 0,1 1 0 0 0,1 0 0 0 0,-2 0 625 0 0,1 2-382 0 0,1 0 8 0 0,0 1 0 0 0,0 0 0 0 0,0 0 0 0 0,-1 0 0 0 0,1 0 0 0 0,-1 1 0 0 0,0-1 1 0 0,0 1-1 0 0,0-1 0 0 0,-1 1 0 0 0,1 0 0 0 0,-1 0 0 0 0,2 7 0 0 0,-2-4-48 0 0,0 0 0 0 0,-1-1 0 0 0,0 1 0 0 0,0 0 0 0 0,-1 0-1 0 0,0-1 1 0 0,0 1 0 0 0,-3 9 0 0 0,-15 34 13 0 0,16-40-224 0 0,2-6 0 0 0,-1 0 0 0 0,1 0 0 0 0,-1 0 0 0 0,0 0 0 0 0,0-1 0 0 0,-3 5 0 0 0,18-46-2372 0 0,-1-1-173 0 0,-11 38 2452 0 0,22-52-3462 0 0,-20 48 3206 0 0,0 0 0 0 0,0 1 1 0 0,1-1-1 0 0,-1 1 0 0 0,1 0 0 0 0,0-1 1 0 0,0 2-1 0 0,5-5 0 0 0,2 3-297 0 0,-9 5 667 0 0,-1 0 0 0 0,1 0 0 0 0,0-1 0 0 0,-1 1 0 0 0,1 0 0 0 0,0 1 0 0 0,-1-1 0 0 0,1 0 0 0 0,0 0 0 0 0,-1 1 1 0 0,1-1-1 0 0,-1 1 0 0 0,1-1 0 0 0,-1 1 0 0 0,1 0 0 0 0,2 1 0 0 0,-1 0 89 0 0,-1 1 1 0 0,1-1-1 0 0,-1 0 0 0 0,0 1 0 0 0,1 0 1 0 0,-1-1-1 0 0,3 6 0 0 0,1 4 761 0 0,0 0 0 0 0,-1 0 0 0 0,4 16 0 0 0,-8-24-522 0 0,2 5 348 0 0,-1 0 1 0 0,0 0-1 0 0,0 0 1 0 0,-1 1-1 0 0,0-1 1 0 0,-1 0-1 0 0,0 1 1 0 0,-1 11-1 0 0,0-20 268 0 0,3-2-934 0 0,3-12-30 0 0,0 1 0 0 0,-1-1-1 0 0,0 0 1 0 0,0 0 0 0 0,2-27 0 0 0,-3 19-2 0 0,9-28 1 0 0,-6 37 0 0 0,4 3 0 0 0,-1 6 0 0 0,3 5 0 0 0,-3 4 0 0 0,-7-3 0 0 0,-1 0 0 0 0,1 0 0 0 0,-1 0 0 0 0,1 0 0 0 0,-1 0 0 0 0,0 0 0 0 0,0 0 0 0 0,0 1 0 0 0,0-1 0 0 0,-1 0 0 0 0,0 1 0 0 0,1-1 0 0 0,-1 4 0 0 0,0-4 0 0 0,0 0 0 0 0,0 0 0 0 0,0 1 0 0 0,0-1 0 0 0,-1 0 0 0 0,1 0 0 0 0,-1 0 0 0 0,0 0 0 0 0,0-1 0 0 0,0 1 0 0 0,-1 3 0 0 0,-2 4 0 0 0,-6 15 0 0 0,-1 0 0 0 0,-21 37 0 0 0,19-40 0 0 0,1 1 0 0 0,-18 48 0 0 0,26-57 0 0 0,4-14 0 0 0,-1 0 0 0 0,1 0 0 0 0,0 0 0 0 0,0 1 0 0 0,0-1 0 0 0,0 0 0 0 0,-1 0 0 0 0,1 0 0 0 0,0 1 0 0 0,0-1 0 0 0,0 0 0 0 0,0 0 0 0 0,0 0 0 0 0,0 1 0 0 0,0-1 0 0 0,0 0 0 0 0,0 0 0 0 0,0 1 0 0 0,0-1 0 0 0,0 0 0 0 0,0 0 0 0 0,0 1 0 0 0,0-1 0 0 0,0 0 0 0 0,0 0 0 0 0,0 1 0 0 0,0-1 0 0 0,0 0 0 0 0,0 0 0 0 0,0 1 0 0 0,0-1 0 0 0,0 0 0 0 0,1 0 0 0 0,-1 0 0 0 0,0 1 0 0 0,0-1 0 0 0,0 0 0 0 0,0 0 0 0 0,1 0 0 0 0,-1 1 0 0 0,0-1 0 0 0,0 0 0 0 0,0 0 0 0 0,1 0 0 0 0,-1 0 0 0 0,0 0 0 0 0,0 0 0 0 0,1 0 0 0 0,-1 1 0 0 0,0-1 0 0 0,0 0 0 0 0,0 0 0 0 0,1 0 0 0 0,8-3 0 0 0,-9 3 0 0 0,8-2 0 0 0,0-1 0 0 0,0-1 0 0 0,-1 1 0 0 0,1-2 0 0 0,-1 1 0 0 0,0-1 0 0 0,8-7 0 0 0,41-42 0 0 0,-52 51 0 0 0,0-1 1 0 0,-1 1-1 0 0,1-1 0 0 0,-1 0 1 0 0,0 0-1 0 0,0-1 0 0 0,2-4 1 0 0,0-1-45 0 0,-4 9-170 0 0,-3-7-246 0 0</inkml:trace>
+</inkml:ink>
+</file>
+
+<file path=ppt/ink/ink63.xml><?xml version="1.0" encoding="utf-8"?>
+<inkml:ink xmlns:inkml="http://www.w3.org/2003/InkML">
+  <inkml:definitions>
+    <inkml:context xml:id="ctx0">
+      <inkml:inkSource xml:id="inkSrc0">
+        <inkml:traceFormat>
+          <inkml:channel name="X" type="integer" min="-2.14748E9" max="2.14748E9" units="cm"/>
+          <inkml:channel name="Y" type="integer" min="-2.14748E9" max="2.14748E9" units="cm"/>
+          <inkml:channel name="F" type="integer" max="32767" units="dev"/>
+          <inkml:channel name="OA" type="integer" max="360" units="deg"/>
+          <inkml:channel name="OE" type="integer" max="90" units="deg"/>
+        </inkml:traceFormat>
+        <inkml:channelProperties>
+          <inkml:channelProperty channel="X" name="resolution" value="1000" units="1/cm"/>
+          <inkml:channelProperty channel="Y" name="resolution" value="1000" units="1/cm"/>
+          <inkml:channelProperty channel="F" name="resolution" value="0" units="1/dev"/>
+          <inkml:channelProperty channel="OA" name="resolution" value="1000" units="1/deg"/>
+          <inkml:channelProperty channel="OE" name="resolution" value="1000" units="1/deg"/>
+        </inkml:channelProperties>
+      </inkml:inkSource>
+      <inkml:timestamp xml:id="ts0" timeString="2024-05-01T17:49:51.339"/>
+    </inkml:context>
+    <inkml:brush xml:id="br0">
+      <inkml:brushProperty name="width" value="0.05" units="cm"/>
+      <inkml:brushProperty name="height" value="0.05" units="cm"/>
+      <inkml:brushProperty name="color" value="#004F8B"/>
+    </inkml:brush>
+  </inkml:definitions>
+  <inkml:trace contextRef="#ctx0" brushRef="#br0">0 206 4543 0 0,'3'34'103'0'0,"5"63"2325"0"0,2-33 3653 0 0,5 67 2602 0 0,-12-86-5703 0 0,12 58 0 0 0,-10-80-2266 0 0,-4-14-234 0 0,1 0 0 0 0,5 16 0 0 0,-6-23-469 0 0,7-7-376 0 0,-6 1-44 0 0,1 1 0 0 0,0-1 0 0 0,-1 1 0 0 0,0-1 0 0 0,0 0 0 0 0,0 0 0 0 0,1-4 0 0 0,6-11-1753 0 0,42-82-11220 0 0,-48 96 12617 0 0,3-1 6 0 0,11-6-372 0 0,-13 10 1252 0 0,-1 0-1 0 0,1 0 0 0 0,0 0 1 0 0,0 1-1 0 0,0 0 0 0 0,0 0 0 0 0,7-1 1 0 0,3-1 984 0 0,12-6 1023 0 0,-24 9-849 0 0,1-1 86 0 0,0 1-1038 0 0,0-1-1 0 0,0 0 1 0 0,0 0 0 0 0,1 0-1 0 0,-1 0 1 0 0,0-1-1 0 0,-1 1 1 0 0,1-1-1 0 0,0 0 1 0 0,0 0 0 0 0,-1 0-1 0 0,1 0 1 0 0,1-3-1 0 0,5-5 220 0 0,0 0 0 0 0,-1 0-1 0 0,-1-1 1 0 0,0 0 0 0 0,0-1-1 0 0,-1 0 1 0 0,0 0 0 0 0,-1 0-1 0 0,-1 0 1 0 0,4-17 0 0 0,-5 21-402 0 0,3-17 389 0 0,6-39 0 0 0,-11 57-473 0 0,-1 1 0 0 0,0 0 0 0 0,0-1 0 0 0,0 1 0 0 0,-1-1 0 0 0,1 1 0 0 0,-2-1 0 0 0,1 1-1 0 0,-1 0 1 0 0,0 0 0 0 0,-4-10 0 0 0,5 15-32 0 0,0 0 0 0 0,0-1 0 0 0,0 1-1 0 0,0 0 1 0 0,-1 0 0 0 0,1 0 0 0 0,0 0 0 0 0,-1 0-1 0 0,1 0 1 0 0,0 0 0 0 0,-1 1 0 0 0,1-1 0 0 0,-1 0-1 0 0,0 1 1 0 0,1-1 0 0 0,-1 1 0 0 0,1-1 0 0 0,-1 1-1 0 0,0 0 1 0 0,-3 0 0 0 0,2 1 6 0 0,-1-1 0 0 0,0 1-1 0 0,0 1 1 0 0,1-1 0 0 0,-1 0 0 0 0,1 1-1 0 0,-6 3 1 0 0,5-3 24 0 0,0 0-29 0 0,2 0 1 0 0,-1 0-1 0 0,0 1 0 0 0,0-1 1 0 0,1 0-1 0 0,-1 1 0 0 0,1 0 1 0 0,0-1-1 0 0,-1 1 0 0 0,-1 3 1 0 0,-1 2 31 0 0,-1 1 62 0 0,0 0-1 0 0,1 0 1 0 0,0 1-1 0 0,1 0 1 0 0,0 0-1 0 0,0 0 1 0 0,1 1-1 0 0,0-1 1 0 0,1 1-1 0 0,0-1 1 0 0,1 1-1 0 0,0 0 1 0 0,1 0-1 0 0,0-1 1 0 0,1 1-1 0 0,0 0 1 0 0,0 0-1 0 0,1-1 1 0 0,1 1-1 0 0,0-1 1 0 0,0 1-1 0 0,1-1 1 0 0,0 0-1 0 0,1 0 1 0 0,11 17-1 0 0,-13-23-92 0 0,1 1 0 0 0,0-1 0 0 0,0 0-1 0 0,1 0 1 0 0,-1 0 0 0 0,1-1 0 0 0,0 1 0 0 0,0-1-1 0 0,0 0 1 0 0,0-1 0 0 0,0 1 0 0 0,1-1-1 0 0,-1 0 1 0 0,1 0 0 0 0,8 1 0 0 0,-9-2-12 0 0,0-1 1 0 0,0 1 0 0 0,0-1 0 0 0,0 0 0 0 0,0 0-1 0 0,0-1 1 0 0,0 1 0 0 0,0-1 0 0 0,0-1 0 0 0,0 1-1 0 0,0 0 1 0 0,-1-1 0 0 0,1 0 0 0 0,0 0 0 0 0,-1-1-1 0 0,0 1 1 0 0,8-7 0 0 0,1 0-19 0 0,-1-1 0 0 0,-1-1 0 0 0,1 0 0 0 0,-2-1 0 0 0,0 0 0 0 0,0-1 0 0 0,-1 0 0 0 0,0 0 0 0 0,9-22 0 0 0,45-130 0 0 0,-56 142 0 0 0,-2 0 0 0 0,0 0 0 0 0,-1 0 0 0 0,-2 0 0 0 0,0-36 0 0 0,-2 54 0 0 0,0 0 0 0 0,-1 1 0 0 0,0-1 0 0 0,0 0 0 0 0,-1 1 0 0 0,1-1 0 0 0,-1 0 0 0 0,-3-4 0 0 0,-2-2 0 0 0,-5 5 0 0 0,-2 6 0 0 0,11 2 0 0 0,-1-1 0 0 0,1 1 0 0 0,0 0 0 0 0,0 0 0 0 0,0 1 0 0 0,0-1 0 0 0,0 1 0 0 0,0-1 0 0 0,1 1 0 0 0,-1 0 0 0 0,1 0 0 0 0,0 0 0 0 0,0 0 0 0 0,0 0 0 0 0,0 1 0 0 0,0-1 0 0 0,1 1 0 0 0,-1-1 0 0 0,0 7 0 0 0,-1-1 0 0 0,1 0 0 0 0,0 0 0 0 0,0 1 0 0 0,1-1 0 0 0,1 0 0 0 0,0 19 0 0 0,5 5 0 0 0,2 0 0 0 0,13 39 0 0 0,-4-14 0 0 0,7 21 0 0 0,10 43 0 0 0,0 88 0 0 0,-27-146 0 0 0,-2 85 0 0 0,-4-136 0 0 0,-1 1 0 0 0,-1-1 0 0 0,-4 19 0 0 0,5-27 0 0 0,-1-1 0 0 0,1 1 0 0 0,-1 0 0 0 0,0-1 0 0 0,0 0 0 0 0,0 1 0 0 0,-1-1 0 0 0,0 0 0 0 0,1 0 0 0 0,-2 0 0 0 0,1-1 0 0 0,0 1 0 0 0,-4 2 0 0 0,5-5 0 0 0,1 0 0 0 0,0 0 0 0 0,-1 0 0 0 0,1-1 0 0 0,0 1 0 0 0,-1 0 0 0 0,1-1 0 0 0,-1 0 0 0 0,1 1 0 0 0,-1-1 0 0 0,1 0 0 0 0,-1 1 0 0 0,0-1 0 0 0,1 0 0 0 0,-1 0 0 0 0,1 0 0 0 0,-1-1 0 0 0,-1 1 0 0 0,0-1 0 0 0,0 0 0 0 0,0 0 0 0 0,0 0 0 0 0,0-1 0 0 0,0 1 0 0 0,0-1 0 0 0,1 0 0 0 0,-5-2 0 0 0,2-1 0 0 0,0 0 0 0 0,0 0 0 0 0,0 0 0 0 0,0 0 0 0 0,1-1 0 0 0,0 0 0 0 0,-5-9 0 0 0,3 3 0 0 0,2-1 0 0 0,0 1 0 0 0,0-1 0 0 0,1 0 0 0 0,0 0 0 0 0,2 0 0 0 0,-2-15 0 0 0,3 7 0 0 0,1 0 0 0 0,0 0 0 0 0,8-37 0 0 0,-1 29 0 0 0,2 1 0 0 0,0-1 0 0 0,2 2 0 0 0,2 0 0 0 0,31-50 0 0 0,-37 66 0 0 0,0 1 0 0 0,16-15 0 0 0,1-2 0 0 0,-17 19 0 0 0,-6 7 0 0 0,-1 0 0 0 0,1-1 0 0 0,-1 1 0 0 0,0 0 0 0 0,1-1 0 0 0,-1 1 0 0 0,0 0 0 0 0,0-1 0 0 0,1 1 0 0 0,-1-1 0 0 0,1-3 0 0 0,8-14 0 0 0,-3 9-2111 0 0</inkml:trace>
+</inkml:ink>
+</file>
+
+<file path=ppt/ink/ink64.xml><?xml version="1.0" encoding="utf-8"?>
+<inkml:ink xmlns:inkml="http://www.w3.org/2003/InkML">
+  <inkml:definitions>
+    <inkml:context xml:id="ctx0">
+      <inkml:inkSource xml:id="inkSrc0">
+        <inkml:traceFormat>
+          <inkml:channel name="X" type="integer" min="-2.14748E9" max="2.14748E9" units="cm"/>
+          <inkml:channel name="Y" type="integer" min="-2.14748E9" max="2.14748E9" units="cm"/>
+          <inkml:channel name="F" type="integer" max="32767" units="dev"/>
+          <inkml:channel name="OA" type="integer" max="360" units="deg"/>
+          <inkml:channel name="OE" type="integer" max="90" units="deg"/>
+        </inkml:traceFormat>
+        <inkml:channelProperties>
+          <inkml:channelProperty channel="X" name="resolution" value="1000" units="1/cm"/>
+          <inkml:channelProperty channel="Y" name="resolution" value="1000" units="1/cm"/>
+          <inkml:channelProperty channel="F" name="resolution" value="0" units="1/dev"/>
+          <inkml:channelProperty channel="OA" name="resolution" value="1000" units="1/deg"/>
+          <inkml:channelProperty channel="OE" name="resolution" value="1000" units="1/deg"/>
+        </inkml:channelProperties>
+      </inkml:inkSource>
+      <inkml:timestamp xml:id="ts0" timeString="2024-05-01T17:49:51.724"/>
+    </inkml:context>
+    <inkml:brush xml:id="br0">
+      <inkml:brushProperty name="width" value="0.05" units="cm"/>
+      <inkml:brushProperty name="height" value="0.05" units="cm"/>
+      <inkml:brushProperty name="color" value="#004F8B"/>
+    </inkml:brush>
+  </inkml:definitions>
+  <inkml:trace contextRef="#ctx0" brushRef="#br0">1 1 6335 0 0,'0'0'4904'0'0</inkml:trace>
+</inkml:ink>
+</file>
+
+<file path=ppt/ink/ink65.xml><?xml version="1.0" encoding="utf-8"?>
+<inkml:ink xmlns:inkml="http://www.w3.org/2003/InkML">
+  <inkml:definitions>
+    <inkml:context xml:id="ctx0">
+      <inkml:inkSource xml:id="inkSrc0">
+        <inkml:traceFormat>
+          <inkml:channel name="X" type="integer" min="-2.14748E9" max="2.14748E9" units="cm"/>
+          <inkml:channel name="Y" type="integer" min="-2.14748E9" max="2.14748E9" units="cm"/>
+          <inkml:channel name="F" type="integer" max="32767" units="dev"/>
+          <inkml:channel name="OA" type="integer" max="360" units="deg"/>
+          <inkml:channel name="OE" type="integer" max="90" units="deg"/>
+        </inkml:traceFormat>
+        <inkml:channelProperties>
+          <inkml:channelProperty channel="X" name="resolution" value="1000" units="1/cm"/>
+          <inkml:channelProperty channel="Y" name="resolution" value="1000" units="1/cm"/>
+          <inkml:channelProperty channel="F" name="resolution" value="0" units="1/dev"/>
+          <inkml:channelProperty channel="OA" name="resolution" value="1000" units="1/deg"/>
+          <inkml:channelProperty channel="OE" name="resolution" value="1000" units="1/deg"/>
+        </inkml:channelProperties>
+      </inkml:inkSource>
+      <inkml:timestamp xml:id="ts0" timeString="2024-05-01T17:49:52.078"/>
+    </inkml:context>
+    <inkml:brush xml:id="br0">
+      <inkml:brushProperty name="width" value="0.05" units="cm"/>
+      <inkml:brushProperty name="height" value="0.05" units="cm"/>
+      <inkml:brushProperty name="color" value="#004F8B"/>
+    </inkml:brush>
+  </inkml:definitions>
+  <inkml:trace contextRef="#ctx0" brushRef="#br0">25 1 8207 0 0,'-3'59'228'0'0,"-6"30"6486"0"0,-3 58 4136 0 0,12-121-9542 0 0,1 36 1369 0 0,0-56-2372 0 0,0 0 1 0 0,0 1 0 0 0,0-1-1 0 0,1 0 1 0 0,0 0-1 0 0,0 0 1 0 0,5 8-1 0 0,-6-13-298 0 0,-1 0 0 0 0,1 0 1 0 0,0 0-1 0 0,0 0 0 0 0,-1 0 0 0 0,1 0 0 0 0,0-1 0 0 0,0 1 0 0 0,0 0 0 0 0,0-1 0 0 0,0 1 0 0 0,0-1 0 0 0,0 1 0 0 0,0-1 0 0 0,0 1 1 0 0,0-1-1 0 0,1 0 0 0 0,-1 1 0 0 0,0-1 0 0 0,0 0 0 0 0,0 0 0 0 0,0 0 0 0 0,0 0 0 0 0,1 0 0 0 0,-1 0 0 0 0,0 0 0 0 0,0 0 0 0 0,0 0 1 0 0,0-1-1 0 0,2 0 0 0 0,0 1 3 0 0,-1-1 0 0 0,1 0 0 0 0,0-1-1 0 0,-1 1 1 0 0,1 0 0 0 0,-1-1 0 0 0,0 1 0 0 0,1-1 0 0 0,-1 0 0 0 0,0 0 0 0 0,3-2 0 0 0,-3 1-10 0 0,16-19 0 0 0,-1 0 0 0 0,-1-2 0 0 0,19-37 0 0 0,-26 43 0 0 0,-8 13 0 0 0,-1 0 0 0 0,0 3-177 0 0,1-1 0 0 0,-1 0 0 0 0,0 1 0 0 0,1-1-1 0 0,-1 0 1 0 0,0 0 0 0 0,-1 1 0 0 0,1-1 0 0 0,0 0 0 0 0,-1 0 0 0 0,0 1 0 0 0,1-1 0 0 0,-1 1 0 0 0,0-1-1 0 0,0 1 1 0 0,-1-1 0 0 0,1 1 0 0 0,0-1 0 0 0,-1 1 0 0 0,-3-4 0 0 0,-4-7-1347 0 0,8 11 1089 0 0,0 1 0 0 0,0-1-1 0 0,0 1 1 0 0,0-1 0 0 0,0 1-1 0 0,0 0 1 0 0,-1 0-1 0 0,1 0 1 0 0,0 0 0 0 0,-3-2-1 0 0,-10-3-6382 0 0,5 2-108 0 0</inkml:trace>
+</inkml:ink>
+</file>
+
+<file path=ppt/ink/ink66.xml><?xml version="1.0" encoding="utf-8"?>
+<inkml:ink xmlns:inkml="http://www.w3.org/2003/InkML">
+  <inkml:definitions>
+    <inkml:context xml:id="ctx0">
+      <inkml:inkSource xml:id="inkSrc0">
+        <inkml:traceFormat>
+          <inkml:channel name="X" type="integer" min="-2.14748E9" max="2.14748E9" units="cm"/>
+          <inkml:channel name="Y" type="integer" min="-2.14748E9" max="2.14748E9" units="cm"/>
+          <inkml:channel name="F" type="integer" max="32767" units="dev"/>
+          <inkml:channel name="OA" type="integer" max="360" units="deg"/>
+          <inkml:channel name="OE" type="integer" max="90" units="deg"/>
+        </inkml:traceFormat>
+        <inkml:channelProperties>
+          <inkml:channelProperty channel="X" name="resolution" value="1000" units="1/cm"/>
+          <inkml:channelProperty channel="Y" name="resolution" value="1000" units="1/cm"/>
+          <inkml:channelProperty channel="F" name="resolution" value="0" units="1/dev"/>
+          <inkml:channelProperty channel="OA" name="resolution" value="1000" units="1/deg"/>
+          <inkml:channelProperty channel="OE" name="resolution" value="1000" units="1/deg"/>
+        </inkml:channelProperties>
+      </inkml:inkSource>
+      <inkml:timestamp xml:id="ts0" timeString="2024-05-01T17:49:52.451"/>
+    </inkml:context>
+    <inkml:brush xml:id="br0">
+      <inkml:brushProperty name="width" value="0.05" units="cm"/>
+      <inkml:brushProperty name="height" value="0.05" units="cm"/>
+      <inkml:brushProperty name="color" value="#004F8B"/>
+    </inkml:brush>
+  </inkml:definitions>
+  <inkml:trace contextRef="#ctx0" brushRef="#br0">13 158 4255 0 0,'-3'2'126'0'0,"-7"12"1820"0"0,11-14-1688 0 0,-1 1 0 0 0,0-1 0 0 0,1 1 0 0 0,0-1 0 0 0,-1 1 1 0 0,1-1-1 0 0,-1 1 0 0 0,1-1 0 0 0,-1 1 0 0 0,1-1 0 0 0,0 0 0 0 0,-1 1 0 0 0,1-1 0 0 0,0 0 0 0 0,0 0 0 0 0,-1 1 0 0 0,1-1 0 0 0,0 0 0 0 0,-1 0 0 0 0,1 0 0 0 0,0 0 0 0 0,0 0 0 0 0,-1 0 0 0 0,1 0 0 0 0,0 0 0 0 0,0 0 0 0 0,-1 0 0 0 0,2-1 0 0 0,70-35 6158 0 0,35-16-190 0 0,-59 31-4091 0 0,-25 11-807 0 0,27-10 1 0 0,-22 12-749 0 0,-11 4-108 0 0,22-10-1 0 0,-34 12-471 0 0,9-3 0 0 0,7 0 0 0 0,-8 3 0 0 0,-12 2 0 0 0,1 1 0 0 0,0-1 0 0 0,-1 1 0 0 0,1-1 0 0 0,-1 1 0 0 0,1 0 0 0 0,-1 0 0 0 0,1-1 0 0 0,-1 1 0 0 0,0 0 0 0 0,1 0 0 0 0,-1 1 0 0 0,0-1 0 0 0,0 0 0 0 0,0 0 0 0 0,0 0 0 0 0,0 1 0 0 0,0-1 0 0 0,0 1 0 0 0,0-1 0 0 0,0 1 0 0 0,0 2 0 0 0,2 5 0 0 0,0-1 0 0 0,-1 1 0 0 0,2 10 0 0 0,-1 0 0 0 0,9 17 0 0 0,1 0 0 0 0,29 56 0 0 0,-15-35 0 0 0,54 107 0 0 0,-62-132 0 0 0,0-1 0 0 0,3-1 0 0 0,24 27 0 0 0,-43-54 0 0 0,-1 0 0 0 0,0 0 0 0 0,-1 0 0 0 0,1 1 0 0 0,-1-1 0 0 0,3 6 0 0 0,-4-6 0 0 0,1-3-1 0 0,-1 0 1 0 0,0 1-1 0 0,0-1 1 0 0,0 1-1 0 0,0 0 1 0 0,1-1-1 0 0,-1 1 1 0 0,0-1-1 0 0,0 1 1 0 0,0-1-1 0 0,0 1 1 0 0,0-1-1 0 0,0 1 1 0 0,-1-1-1 0 0,1 1 1 0 0,0-1-1 0 0,0 1 1 0 0,0-1-1 0 0,0 1 1 0 0,-1-1-1 0 0,1 1 1 0 0,0-1-1 0 0,0 1 1 0 0,-1-1-1 0 0,1 1 1 0 0,0-1-1 0 0,-1 0 1 0 0,1 1-1 0 0,0-1 1 0 0,-1 0-1 0 0,1 1 1 0 0,-1-1-1 0 0,1 0 1 0 0,-1 1-1 0 0,1-1 1 0 0,-1 0-1 0 0,1 0 0 0 0,-1 1 1 0 0,0-1-103 0 0,-2 0-174 0 0,-4 0-357 0 0,-1-1 1 0 0,1-1-1 0 0,0 1 1 0 0,-13-5-1 0 0,10 2-693 0 0,-1 2 1 0 0,-11-3-1 0 0,-55-9-4350 0 0,51 8 4234 0 0,-1 1 1 0 0,-33-1-1 0 0,25 5 922 0 0,-138-9 843 0 0,134 10 226 0 0,37 0-385 0 0,0-3 65 0 0,2 2-183 0 0,0 1-1 0 0,0 0 1 0 0,0 0 0 0 0,0 0 0 0 0,-1 0 0 0 0,1-1 0 0 0,0 1-1 0 0,0 0 1 0 0,0 0 0 0 0,0 0 0 0 0,0-1 0 0 0,0 1 0 0 0,-1 0 0 0 0,1 0-1 0 0,0-1 1 0 0,0 1 0 0 0,0 0 0 0 0,0 0 0 0 0,0 0 0 0 0,0-1-1 0 0,0 1 1 0 0,0 0 0 0 0,0 0 0 0 0,0-1 0 0 0,0 1 0 0 0,0 0 0 0 0,0 0-1 0 0,0-1 1 0 0,0 1 0 0 0,1 0 0 0 0,-1 0 0 0 0,0-1 0 0 0,0 1 0 0 0,0 0-1 0 0,0 0 1 0 0,0 0 0 0 0,1-1 0 0 0,11-10 923 0 0,1 0-1 0 0,0 1 1 0 0,1 0-1 0 0,26-13 1 0 0,67-26 2926 0 0,-71 33-2558 0 0,65-28 2585 0 0,-48 18-2801 0 0,-45 21-1120 0 0,2-6 0 0 0,-10 7 0 0 0,-1 3 0 0 0,2-4-958 0 0,-1 0 1 0 0,0 1-1 0 0,0-1 1 0 0,-1-8-1 0 0,0 4-3282 0 0,-1-7-5956 0 0</inkml:trace>
+</inkml:ink>
+</file>
+
+<file path=ppt/ink/ink67.xml><?xml version="1.0" encoding="utf-8"?>
+<inkml:ink xmlns:inkml="http://www.w3.org/2003/InkML">
+  <inkml:definitions>
+    <inkml:context xml:id="ctx0">
+      <inkml:inkSource xml:id="inkSrc0">
+        <inkml:traceFormat>
+          <inkml:channel name="X" type="integer" min="-2.14748E9" max="2.14748E9" units="cm"/>
+          <inkml:channel name="Y" type="integer" min="-2.14748E9" max="2.14748E9" units="cm"/>
+          <inkml:channel name="F" type="integer" max="32767" units="dev"/>
+          <inkml:channel name="OA" type="integer" max="360" units="deg"/>
+          <inkml:channel name="OE" type="integer" max="90" units="deg"/>
+        </inkml:traceFormat>
+        <inkml:channelProperties>
+          <inkml:channelProperty channel="X" name="resolution" value="1000" units="1/cm"/>
+          <inkml:channelProperty channel="Y" name="resolution" value="1000" units="1/cm"/>
+          <inkml:channelProperty channel="F" name="resolution" value="0" units="1/dev"/>
+          <inkml:channelProperty channel="OA" name="resolution" value="1000" units="1/deg"/>
+          <inkml:channelProperty channel="OE" name="resolution" value="1000" units="1/deg"/>
+        </inkml:channelProperties>
+      </inkml:inkSource>
+      <inkml:timestamp xml:id="ts0" timeString="2024-05-01T17:49:57.267"/>
+    </inkml:context>
+    <inkml:brush xml:id="br0">
+      <inkml:brushProperty name="width" value="0.05" units="cm"/>
+      <inkml:brushProperty name="height" value="0.05" units="cm"/>
+      <inkml:brushProperty name="color" value="#004F8B"/>
+    </inkml:brush>
+  </inkml:definitions>
+  <inkml:trace contextRef="#ctx0" brushRef="#br0">1 186 4175 0 0,'0'0'319'0'0,"3"-2"-210"0"0,32-14-280 0 0,1-2 3603 0 0,74-34 9037 0 0,-94 45-11105 0 0,14-7 2486 0 0,-25 5-3318 0 0,1-5-480 0 0,-7 10-64 0 0,0 2 9 0 0,1 0-822 0 0,0-1-1 0 0,-1 1 0 0 0,1-1 1 0 0,-1 1-1 0 0,0-1 1 0 0,0 1-1 0 0,-1-4 0 0 0,-3-6-4518 0 0,2 0-816 0 0</inkml:trace>
+</inkml:ink>
+</file>
+
+<file path=ppt/ink/ink68.xml><?xml version="1.0" encoding="utf-8"?>
+<inkml:ink xmlns:inkml="http://www.w3.org/2003/InkML">
+  <inkml:definitions>
+    <inkml:context xml:id="ctx0">
+      <inkml:inkSource xml:id="inkSrc0">
+        <inkml:traceFormat>
+          <inkml:channel name="X" type="integer" min="-2.14748E9" max="2.14748E9" units="cm"/>
+          <inkml:channel name="Y" type="integer" min="-2.14748E9" max="2.14748E9" units="cm"/>
+          <inkml:channel name="F" type="integer" max="32767" units="dev"/>
+          <inkml:channel name="OA" type="integer" max="360" units="deg"/>
+          <inkml:channel name="OE" type="integer" max="90" units="deg"/>
+        </inkml:traceFormat>
+        <inkml:channelProperties>
+          <inkml:channelProperty channel="X" name="resolution" value="1000" units="1/cm"/>
+          <inkml:channelProperty channel="Y" name="resolution" value="1000" units="1/cm"/>
+          <inkml:channelProperty channel="F" name="resolution" value="0" units="1/dev"/>
+          <inkml:channelProperty channel="OA" name="resolution" value="1000" units="1/deg"/>
+          <inkml:channelProperty channel="OE" name="resolution" value="1000" units="1/deg"/>
+        </inkml:channelProperties>
+      </inkml:inkSource>
+      <inkml:timestamp xml:id="ts0" timeString="2024-05-01T17:49:57.707"/>
+    </inkml:context>
+    <inkml:brush xml:id="br0">
+      <inkml:brushProperty name="width" value="0.05" units="cm"/>
+      <inkml:brushProperty name="height" value="0.05" units="cm"/>
+      <inkml:brushProperty name="color" value="#004F8B"/>
+    </inkml:brush>
+  </inkml:definitions>
+  <inkml:trace contextRef="#ctx0" brushRef="#br0">0 1 4055 0 0,'0'0'312'0'0,"1"2"2"0"0,4 14 3265 0 0,14 27 1 0 0,-1-3-589 0 0,12 48 1929 0 0,25 120 0 0 0,-13-59-1712 0 0,-2-9-240 0 0,-23-91-1820 0 0,-8-23-493 0 0,-8-25-562 0 0,-1-5-306 0 0,0-1 37 0 0,0 0 0 0 0,0 1 0 0 0,0-1 0 0 0,-1 1 0 0 0,1-1 0 0 0,-1 1 1 0 0,-3-7-1 0 0,0-6-680 0 0,-14-132-6907 0 0,12 89 4994 0 0,5 58 2513 0 0,1 1 144 0 0,-1 1 130 0 0,1 0 1 0 0,-1-1-1 0 0,0 1 0 0 0,0 0 1 0 0,1-1-1 0 0,-1 1 0 0 0,0 0 1 0 0,1 0-1 0 0,-1 0 0 0 0,0 0 1 0 0,0 0-1 0 0,1 0 0 0 0,-1 0 1 0 0,0 0-1 0 0,0 0 0 0 0,1 0 1 0 0,-1 0-1 0 0,0 0 0 0 0,1 0 1 0 0,-1 0-1 0 0,0 1 0 0 0,0-1 1 0 0,1 0-1 0 0,-1 1 1 0 0,1-1-1 0 0,-1 0 0 0 0,-1 2 1 0 0,-2 3 154 0 0,-1 1 1 0 0,1 0-1 0 0,1 0 1 0 0,-1 0 0 0 0,-2 8-1 0 0,-3 4 198 0 0,0-1 10 0 0,-26 52 1453 0 0,31-60-1366 0 0,-1 0 0 0 0,-9 15-1 0 0,13-23-372 0 0,2-15-129 0 0,13-80-4605 0 0,-10 69-337 0 0,2-2-1662 0 0</inkml:trace>
+</inkml:ink>
+</file>
+
+<file path=ppt/ink/ink69.xml><?xml version="1.0" encoding="utf-8"?>
+<inkml:ink xmlns:inkml="http://www.w3.org/2003/InkML">
+  <inkml:definitions>
+    <inkml:context xml:id="ctx0">
+      <inkml:inkSource xml:id="inkSrc0">
+        <inkml:traceFormat>
+          <inkml:channel name="X" type="integer" min="-2.14748E9" max="2.14748E9" units="cm"/>
+          <inkml:channel name="Y" type="integer" min="-2.14748E9" max="2.14748E9" units="cm"/>
+          <inkml:channel name="F" type="integer" max="32767" units="dev"/>
+          <inkml:channel name="OA" type="integer" max="360" units="deg"/>
+          <inkml:channel name="OE" type="integer" max="90" units="deg"/>
+        </inkml:traceFormat>
+        <inkml:channelProperties>
+          <inkml:channelProperty channel="X" name="resolution" value="1000" units="1/cm"/>
+          <inkml:channelProperty channel="Y" name="resolution" value="1000" units="1/cm"/>
+          <inkml:channelProperty channel="F" name="resolution" value="0" units="1/dev"/>
+          <inkml:channelProperty channel="OA" name="resolution" value="1000" units="1/deg"/>
+          <inkml:channelProperty channel="OE" name="resolution" value="1000" units="1/deg"/>
+        </inkml:channelProperties>
+      </inkml:inkSource>
+      <inkml:timestamp xml:id="ts0" timeString="2024-05-01T17:49:58.050"/>
+    </inkml:context>
+    <inkml:brush xml:id="br0">
+      <inkml:brushProperty name="width" value="0.05" units="cm"/>
+      <inkml:brushProperty name="height" value="0.05" units="cm"/>
+      <inkml:brushProperty name="color" value="#004F8B"/>
+    </inkml:brush>
+  </inkml:definitions>
+  <inkml:trace contextRef="#ctx0" brushRef="#br0">78 1 4055 0 0,'0'0'312'0'0,"2"2"-204"0"0,2 6 669 0 0,-1 0 0 0 0,0 0 0 0 0,0 0 0 0 0,-1 0 0 0 0,0 1 0 0 0,-1-1-1 0 0,1 0 1 0 0,-2 1 0 0 0,1-1 0 0 0,-1 1 0 0 0,-1 9 0 0 0,-3 19 3148 0 0,-9 43 1 0 0,13-79-3882 0 0,-36 151 5858 0 0,31-137-5147 0 0,-10 27-1 0 0,14-41-784 0 0,0 0 0 0 0,0 1-1 0 0,0-1 1 0 0,0 1 0 0 0,0-1-1 0 0,0 0 1 0 0,0 0-1 0 0,0 0 1 0 0,0 0 0 0 0,-1 0-1 0 0,1 0 1 0 0,-2 1-1 0 0,1 0-47 0 0,1-2 20 0 0,1 0 0 0 0,0 0 1 0 0,0-1-1 0 0,-1 1 0 0 0,1 0 0 0 0,0 0 0 0 0,-1 0 0 0 0,1 0 0 0 0,0 0 1 0 0,0-1-1 0 0,-1 1 0 0 0,1 0 0 0 0,0 0 0 0 0,0-1 0 0 0,-1 1 1 0 0,1 0-1 0 0,0 0 0 0 0,0-1 0 0 0,0 1 0 0 0,0 0 0 0 0,-1 0 0 0 0,1-1 1 0 0,0 1-1 0 0,0 0 0 0 0,0-1 0 0 0,0 1 0 0 0,0 0 0 0 0,0-1 1 0 0,0 1-1 0 0,0-1-43 0 0,-1-2-425 0 0,0-1-1 0 0,1 0 0 0 0,0 1 1 0 0,0-1-1 0 0,0 0 1 0 0,0 0-1 0 0,0 1 1 0 0,2-7-1 0 0,9-32-3939 0 0,-7 28 2285 0 0,2-6-397 0 0,0 0 0 0 0,2 0 0 0 0,10-19 1 0 0,-15 32 2464 0 0,1 1 1 0 0,0 0 0 0 0,0 0-1 0 0,0 0 1 0 0,1 0-1 0 0,-1 1 1 0 0,2 0 0 0 0,-1 0-1 0 0,0 0 1 0 0,1 0 0 0 0,0 1-1 0 0,8-5 1 0 0,-10 7 379 0 0,-1 1 0 0 0,0 0 0 0 0,0 0 0 0 0,1 0 0 0 0,-1 0 0 0 0,0 1 0 0 0,7-1 0 0 0,4 1 3495 0 0,-13 0-3394 0 0,0 1-1 0 0,0-1 1 0 0,0 0-1 0 0,0 1 1 0 0,0 0-1 0 0,0-1 1 0 0,-1 1 0 0 0,1-1-1 0 0,0 1 1 0 0,0 0-1 0 0,0 1 1 0 0,2 1 472 0 0,27 22 7792 0 0,-30-25-8561 0 0,0 0-1 0 0,0 0 1 0 0,0 1 0 0 0,0-1 0 0 0,0 0 0 0 0,0 0-1 0 0,0 1 1 0 0,0-1 0 0 0,1 0 0 0 0,-1 0 0 0 0,0 1-1 0 0,0-1 1 0 0,0 0 0 0 0,0 0 0 0 0,0 0 0 0 0,1 1-1 0 0,-1-1 1 0 0,0 0 0 0 0,0 0 0 0 0,0 0 0 0 0,1 0-1 0 0,-1 1 1 0 0,0-1 0 0 0,0 0 0 0 0,1 0 0 0 0,1 2-1080 0 0</inkml:trace>
+</inkml:ink>
+</file>
+
+<file path=ppt/ink/ink7.xml><?xml version="1.0" encoding="utf-8"?>
+<inkml:ink xmlns:inkml="http://www.w3.org/2003/InkML">
+  <inkml:definitions>
+    <inkml:context xml:id="ctx0">
+      <inkml:inkSource xml:id="inkSrc0">
+        <inkml:traceFormat>
+          <inkml:channel name="X" type="integer" min="-2.14748E9" max="2.14748E9" units="cm"/>
+          <inkml:channel name="Y" type="integer" min="-2.14748E9" max="2.14748E9" units="cm"/>
+          <inkml:channel name="F" type="integer" max="32767" units="dev"/>
+          <inkml:channel name="OA" type="integer" max="360" units="deg"/>
+          <inkml:channel name="OE" type="integer" max="90" units="deg"/>
+        </inkml:traceFormat>
+        <inkml:channelProperties>
+          <inkml:channelProperty channel="X" name="resolution" value="1000" units="1/cm"/>
+          <inkml:channelProperty channel="Y" name="resolution" value="1000" units="1/cm"/>
+          <inkml:channelProperty channel="F" name="resolution" value="0" units="1/dev"/>
+          <inkml:channelProperty channel="OA" name="resolution" value="1000" units="1/deg"/>
+          <inkml:channelProperty channel="OE" name="resolution" value="1000" units="1/deg"/>
+        </inkml:channelProperties>
+      </inkml:inkSource>
+      <inkml:timestamp xml:id="ts0" timeString="2024-05-01T17:28:28.155"/>
+    </inkml:context>
+    <inkml:brush xml:id="br0">
+      <inkml:brushProperty name="width" value="0.05" units="cm"/>
+      <inkml:brushProperty name="height" value="0.05" units="cm"/>
+      <inkml:brushProperty name="color" value="#004F8B"/>
+    </inkml:brush>
+  </inkml:definitions>
+  <inkml:trace contextRef="#ctx0" brushRef="#br0">1 209 6679 0 0,'0'0'514'0'0,"2"0"32"0"0,16 0 5500 0 0,24-4 0 0 0,19-8-251 0 0,59-23-589 0 0,-47 7-4242 0 0,97-52-1 0 0,-159 75-955 0 0,41-17-8 0 0,-40 14 0 0 0,-10 4 0 0 0,-6 1 0 0 0,4 2 0 0 0,0 1 0 0 0,0 0 0 0 0,-1-1 0 0 0,1 1 0 0 0,0-1 0 0 0,0 1 0 0 0,-1 0 0 0 0,1-1 0 0 0,0 1 0 0 0,-1 0 0 0 0,1-1 0 0 0,0 1 0 0 0,-1 0 0 0 0,1-1 0 0 0,0 1 0 0 0,-1 0 0 0 0,1 0 0 0 0,-1 0 0 0 0,1-1 0 0 0,-1 1 0 0 0,1 0 0 0 0,0 0 0 0 0,-1 0 0 0 0,1 0 0 0 0,-1 0 0 0 0,1 0 0 0 0,-1 0 0 0 0,1 0 0 0 0,-1 0 0 0 0,1 0 0 0 0,-1 0 0 0 0,0 0 0 0 0,0 1 0 0 0,-6-1-1456 0 0</inkml:trace>
+</inkml:ink>
+</file>
+
+<file path=ppt/ink/ink70.xml><?xml version="1.0" encoding="utf-8"?>
+<inkml:ink xmlns:inkml="http://www.w3.org/2003/InkML">
+  <inkml:definitions>
+    <inkml:context xml:id="ctx0">
+      <inkml:inkSource xml:id="inkSrc0">
+        <inkml:traceFormat>
+          <inkml:channel name="X" type="integer" min="-2.14748E9" max="2.14748E9" units="cm"/>
+          <inkml:channel name="Y" type="integer" min="-2.14748E9" max="2.14748E9" units="cm"/>
+          <inkml:channel name="F" type="integer" max="32767" units="dev"/>
+          <inkml:channel name="OA" type="integer" max="360" units="deg"/>
+          <inkml:channel name="OE" type="integer" max="90" units="deg"/>
+        </inkml:traceFormat>
+        <inkml:channelProperties>
+          <inkml:channelProperty channel="X" name="resolution" value="1000" units="1/cm"/>
+          <inkml:channelProperty channel="Y" name="resolution" value="1000" units="1/cm"/>
+          <inkml:channelProperty channel="F" name="resolution" value="0" units="1/dev"/>
+          <inkml:channelProperty channel="OA" name="resolution" value="1000" units="1/deg"/>
+          <inkml:channelProperty channel="OE" name="resolution" value="1000" units="1/deg"/>
+        </inkml:channelProperties>
+      </inkml:inkSource>
+      <inkml:timestamp xml:id="ts0" timeString="2024-05-01T17:49:58.421"/>
+    </inkml:context>
+    <inkml:brush xml:id="br0">
+      <inkml:brushProperty name="width" value="0.05" units="cm"/>
+      <inkml:brushProperty name="height" value="0.05" units="cm"/>
+      <inkml:brushProperty name="color" value="#004F8B"/>
+    </inkml:brush>
+  </inkml:definitions>
+  <inkml:trace contextRef="#ctx0" brushRef="#br0">1 53 3567 0 0,'0'0'3192'0'0,"2"0"-1629"0"0,5 0-73 0 0,0-1 0 0 0,0 0 0 0 0,0 0 0 0 0,0-1 1 0 0,0 0-1 0 0,8-3 0 0 0,39-20 4957 0 0,-46 21-5813 0 0,-6 3-10 0 0,-2 0-451 0 0,1 0 1 0 0,0 0-1 0 0,-1 0 1 0 0,1 0-1 0 0,0 0 1 0 0,0 0-1 0 0,-1 1 1 0 0,1-1-1 0 0,0 0 1 0 0,1 0-1 0 0,-7 4-2115 0 0</inkml:trace>
+</inkml:ink>
+</file>
+
+<file path=ppt/ink/ink71.xml><?xml version="1.0" encoding="utf-8"?>
+<inkml:ink xmlns:inkml="http://www.w3.org/2003/InkML">
+  <inkml:definitions>
+    <inkml:context xml:id="ctx0">
+      <inkml:inkSource xml:id="inkSrc0">
+        <inkml:traceFormat>
+          <inkml:channel name="X" type="integer" min="-2.14748E9" max="2.14748E9" units="cm"/>
+          <inkml:channel name="Y" type="integer" min="-2.14748E9" max="2.14748E9" units="cm"/>
+          <inkml:channel name="F" type="integer" max="32767" units="dev"/>
+          <inkml:channel name="OA" type="integer" max="360" units="deg"/>
+          <inkml:channel name="OE" type="integer" max="90" units="deg"/>
+        </inkml:traceFormat>
+        <inkml:channelProperties>
+          <inkml:channelProperty channel="X" name="resolution" value="1000" units="1/cm"/>
+          <inkml:channelProperty channel="Y" name="resolution" value="1000" units="1/cm"/>
+          <inkml:channelProperty channel="F" name="resolution" value="0" units="1/dev"/>
+          <inkml:channelProperty channel="OA" name="resolution" value="1000" units="1/deg"/>
+          <inkml:channelProperty channel="OE" name="resolution" value="1000" units="1/deg"/>
+        </inkml:channelProperties>
+      </inkml:inkSource>
+      <inkml:timestamp xml:id="ts0" timeString="2024-05-01T17:49:58.825"/>
+    </inkml:context>
+    <inkml:brush xml:id="br0">
+      <inkml:brushProperty name="width" value="0.05" units="cm"/>
+      <inkml:brushProperty name="height" value="0.05" units="cm"/>
+      <inkml:brushProperty name="color" value="#004F8B"/>
+    </inkml:brush>
+  </inkml:definitions>
+  <inkml:trace contextRef="#ctx0" brushRef="#br0">112 125 4031 0 0,'0'0'1547'0'0,"3"1"-279"0"0,0-1-675 0 0,1 0 0 0 0,-1 0 0 0 0,1 0-1 0 0,-1 0 1 0 0,1-1 0 0 0,-1 0 0 0 0,1 1 0 0 0,-1-1 0 0 0,0 0-1 0 0,0-1 1 0 0,1 1 0 0 0,3-3 0 0 0,-4 3-651 0 0,-1 0 982 0 0,26-12 1372 0 0,-26 12-1873 0 0,10-5 142 0 0,-11 6-536 0 0,-1 0 0 0 0,0 0 0 0 0,1-1 1 0 0,-1 1-1 0 0,0 0 0 0 0,1 0 0 0 0,-1 0 0 0 0,0 0 0 0 0,1 0 0 0 0,-1 0 0 0 0,1 0 0 0 0,-1 0 0 0 0,0 0 0 0 0,1 0 1 0 0,-1 0-1 0 0,0 0 0 0 0,1 0 0 0 0,-1 0 0 0 0,1 0 0 0 0,-1 0 0 0 0,0 0 0 0 0,1 0 0 0 0,-1 0 0 0 0,0 1 0 0 0,1-1 0 0 0,-1 0 1 0 0,0 0-1 0 0,1 0 0 0 0,-1 1 0 0 0,0-1 0 0 0,1 0 0 0 0,-1 1 0 0 0,1 0 0 0 0,-1 0 1 0 0,0 0-1 0 0,1 0 0 0 0,-1 0 1 0 0,0 0-1 0 0,0 0 0 0 0,0 0 1 0 0,0 0-1 0 0,1 0 0 0 0,-1 0 1 0 0,-1 0-1 0 0,1 1 0 0 0,-8 36 146 0 0,7-33-75 0 0,-4 5 33 0 0,1 1 0 0 0,-2-1 0 0 0,1 1 1 0 0,-1-2-1 0 0,-12 16 0 0 0,6-8 106 0 0,-128 157 4958 0 0,121-150-1041 0 0,23-25-3971 0 0,-1 0-1 0 0,0 1 1 0 0,-1-1 0 0 0,1 0 0 0 0,0 0 0 0 0,5-3-1 0 0,1 0-31 0 0,34-15 95 0 0,35-12 115 0 0,-32 17-363 0 0,211-76 0 0 0,-238 82 0 0 0,0-2 0 0 0,-1 0 0 0 0,0-1 0 0 0,26-21 0 0 0,-38 27 0 0 0,-1 0 0 0 0,1-1 0 0 0,-1 0 0 0 0,0 1 0 0 0,0-2 0 0 0,0 1 0 0 0,-1 0 0 0 0,0-1 0 0 0,-1 0 0 0 0,1 0 0 0 0,-1 0 0 0 0,0 0 0 0 0,-1-1 0 0 0,0 1 0 0 0,2-12 0 0 0,-1-10-3230 0 0,-1-14-7069 0 0,-2 26 1964 0 0</inkml:trace>
+</inkml:ink>
+</file>
+
+<file path=ppt/ink/ink72.xml><?xml version="1.0" encoding="utf-8"?>
+<inkml:ink xmlns:inkml="http://www.w3.org/2003/InkML">
+  <inkml:definitions>
+    <inkml:context xml:id="ctx0">
+      <inkml:inkSource xml:id="inkSrc0">
+        <inkml:traceFormat>
+          <inkml:channel name="X" type="integer" min="-2.14748E9" max="2.14748E9" units="cm"/>
+          <inkml:channel name="Y" type="integer" min="-2.14748E9" max="2.14748E9" units="cm"/>
+          <inkml:channel name="F" type="integer" max="32767" units="dev"/>
+          <inkml:channel name="OA" type="integer" max="360" units="deg"/>
+          <inkml:channel name="OE" type="integer" max="90" units="deg"/>
+        </inkml:traceFormat>
+        <inkml:channelProperties>
+          <inkml:channelProperty channel="X" name="resolution" value="1000" units="1/cm"/>
+          <inkml:channelProperty channel="Y" name="resolution" value="1000" units="1/cm"/>
+          <inkml:channelProperty channel="F" name="resolution" value="0" units="1/dev"/>
+          <inkml:channelProperty channel="OA" name="resolution" value="1000" units="1/deg"/>
+          <inkml:channelProperty channel="OE" name="resolution" value="1000" units="1/deg"/>
+        </inkml:channelProperties>
+      </inkml:inkSource>
+      <inkml:timestamp xml:id="ts0" timeString="2024-05-01T17:49:59.809"/>
+    </inkml:context>
+    <inkml:brush xml:id="br0">
+      <inkml:brushProperty name="width" value="0.05" units="cm"/>
+      <inkml:brushProperty name="height" value="0.05" units="cm"/>
+      <inkml:brushProperty name="color" value="#004F8B"/>
+    </inkml:brush>
+  </inkml:definitions>
+  <inkml:trace contextRef="#ctx0" brushRef="#br0">1 131 4831 0 0,'6'10'280'0'0,"0"0"-1"0"0,-1 0 1 0 0,-1 0-1 0 0,1 1 0 0 0,-1 0 1 0 0,-1-1-1 0 0,0 1 0 0 0,2 16 1 0 0,2 8 2981 0 0,26 128 7897 0 0,-1 3-2657 0 0,-21-124-7252 0 0,11 42-2 0 0,-18-77-1552 0 0,-2-8 77 0 0,0-8-237 0 0,-2 9 387 0 0,1-17-1295 0 0,0 0 1 0 0,-1 0 0 0 0,-3-28-1 0 0,-14-52-2564 0 0,4 21 2031 0 0,-4-89 640 0 0,17 161 1337 0 0,0 1 1 0 0,0 0-1 0 0,0-1 0 0 0,1 1 0 0 0,-1 0 0 0 0,1 0 0 0 0,0 0 0 0 0,0 0 1 0 0,0-1-1 0 0,2-3 0 0 0,-2 5 250 0 0,1-1-1 0 0,0 1 1 0 0,0-1-1 0 0,0 1 1 0 0,0 0 0 0 0,1 0-1 0 0,-1 0 1 0 0,0 0-1 0 0,1 0 1 0 0,0 0 0 0 0,-1 1-1 0 0,1-1 1 0 0,0 1 0 0 0,0 0-1 0 0,0-1 1 0 0,3 1-1 0 0,96-27 6538 0 0,-99 27-6582 0 0,4 2-205 0 0,-6-1-57 0 0,1 0 0 0 0,-1 0 1 0 0,1 0-1 0 0,-1 0 0 0 0,1 1 0 0 0,-1-1 1 0 0,1 0-1 0 0,-1 1 0 0 0,0-1 0 0 0,1 1 1 0 0,-1 0-1 0 0,0-1 0 0 0,1 1 0 0 0,-1 0 1 0 0,0 0-1 0 0,2 1 0 0 0,1 6-14 0 0,-3-5 0 0 0,0 1 0 0 0,-4 13 0 0 0,2-13 0 0 0,-8 16 0 0 0,8-15 0 0 0,-15 16 0 0 0,-7 2-2181 0 0,17-5-7951 0 0,4-11 9619 0 0,2 1 0 0 0,-1 12 1 0 0,0 1 375 0 0,4 69 1043 0 0,-2 16 2617 0 0,-1-94-2900 0 0,-3 13 3793 0 0,3-27-4121 0 0,0-16-387 0 0,0 1 1 0 0,1-1 0 0 0,1 1 0 0 0,7-30-1 0 0,-3 13-450 0 0,3 7-42 0 0,-2 14 328 0 0,-5 11 310 0 0,0 2-41 0 0,-1-1 193 0 0,1 2-79 0 0,2 6 155 0 0,1 1 0 0 0,-1-1 0 0 0,-1 1 1 0 0,1 0-1 0 0,-1 0 0 0 0,3 12 0 0 0,-6-19-221 0 0,4 13 367 0 0,-3-9-138 0 0,0 0 0 0 0,1-1 1 0 0,0 1-1 0 0,0-1 0 0 0,0 1 1 0 0,2 3-1 0 0,-3-6 29 0 0,8-14-283 0 0,-5 5-133 0 0,0-1 0 0 0,0 1 0 0 0,-1-1 0 0 0,-1 0 0 0 0,1 0 0 0 0,1-10 0 0 0,6-52-1557 0 0,-6 43 989 0 0,1-19-586 0 0,-2 0-1 0 0,-3-77 1 0 0,-3 107 1133 0 0,1-15 117 0 0,2 30 610 0 0,5 15 426 0 0,103 402 4901 0 0,-88-329-5852 0 0,-19-84-187 0 0,-1-4-243 0 0,0 0 277 0 0,0 0-1 0 0,0 0 1 0 0,0 0 0 0 0,0 0 0 0 0,0 1 0 0 0,-1-1-1 0 0,1 0 1 0 0,0 0 0 0 0,0 0 0 0 0,-1 1 0 0 0,0-3-1 0 0,1 1-97 0 0,-49-141-3346 0 0,10 33 1340 0 0,-6-48-2438 0 0,37 118 3535 0 0,0 0 0 0 0,0-42 0 0 0,6 47 6243 0 0,4 37-4871 0 0,-1-1 0 0 0,1 0-1 0 0,-1 1 1 0 0,1 0 0 0 0,-1-1 0 0 0,0 1 0 0 0,0 0 0 0 0,0-1 0 0 0,2 5-1 0 0,8 17 940 0 0,11 34-1 0 0,-8-17-388 0 0,73 212 1544 0 0,-29-77-1228 0 0,-33-100-1162 0 0,-2 1 0 0 0,-4 1 0 0 0,15 136 0 0 0,-34-188 0 0 0,0-25 0 0 0,0 0 0 0 0,0 1 0 0 0,0-1 0 0 0,0 0 0 0 0,0 1 0 0 0,0-1 0 0 0,0 0 0 0 0,0 0 0 0 0,0 1 0 0 0,0-1 0 0 0,0 0 0 0 0,0 1 0 0 0,0-1 0 0 0,0 0 0 0 0,0 0 0 0 0,-1 1 0 0 0,1-1 0 0 0,0 0 0 0 0,0 0 0 0 0,0 1 0 0 0,0-1 0 0 0,-1 0 0 0 0,1 0 0 0 0,0 0 0 0 0,0 1 0 0 0,0-1 0 0 0,-1 0 0 0 0,1 0 0 0 0,0 0 0 0 0,0 0 0 0 0,-1 0 0 0 0,1 1 0 0 0,0-1 0 0 0,0 0 0 0 0,-1 0 0 0 0,1 0 0 0 0,0 0 0 0 0,-1 0 0 0 0,1 0 0 0 0,0 0 0 0 0,0 0 0 0 0,-1 0 0 0 0,1 0 0 0 0,0 0 0 0 0,-1 0 0 0 0,-8-5 0 0 0,9 5 0 0 0,-5-4-179 0 0,1 0-1 0 0,-1 0 1 0 0,1 0-1 0 0,1 0 1 0 0,-1 0 0 0 0,0-1-1 0 0,-4-8 1 0 0,-19-40-2161 0 0,22 42 1982 0 0,-38-72-4630 0 0,21 39-2009 0 0,5 13-221 0 0</inkml:trace>
+</inkml:ink>
+</file>
+
+<file path=ppt/ink/ink73.xml><?xml version="1.0" encoding="utf-8"?>
+<inkml:ink xmlns:inkml="http://www.w3.org/2003/InkML">
+  <inkml:definitions>
+    <inkml:context xml:id="ctx0">
+      <inkml:inkSource xml:id="inkSrc0">
+        <inkml:traceFormat>
+          <inkml:channel name="X" type="integer" min="-2.14748E9" max="2.14748E9" units="cm"/>
+          <inkml:channel name="Y" type="integer" min="-2.14748E9" max="2.14748E9" units="cm"/>
+          <inkml:channel name="F" type="integer" max="32767" units="dev"/>
+          <inkml:channel name="OA" type="integer" max="360" units="deg"/>
+          <inkml:channel name="OE" type="integer" max="90" units="deg"/>
+        </inkml:traceFormat>
+        <inkml:channelProperties>
+          <inkml:channelProperty channel="X" name="resolution" value="1000" units="1/cm"/>
+          <inkml:channelProperty channel="Y" name="resolution" value="1000" units="1/cm"/>
+          <inkml:channelProperty channel="F" name="resolution" value="0" units="1/dev"/>
+          <inkml:channelProperty channel="OA" name="resolution" value="1000" units="1/deg"/>
+          <inkml:channelProperty channel="OE" name="resolution" value="1000" units="1/deg"/>
+        </inkml:channelProperties>
+      </inkml:inkSource>
+      <inkml:timestamp xml:id="ts0" timeString="2024-05-01T17:50:01.269"/>
+    </inkml:context>
+    <inkml:brush xml:id="br0">
+      <inkml:brushProperty name="width" value="0.05" units="cm"/>
+      <inkml:brushProperty name="height" value="0.05" units="cm"/>
+      <inkml:brushProperty name="color" value="#004F8B"/>
+    </inkml:brush>
+  </inkml:definitions>
+  <inkml:trace contextRef="#ctx0" brushRef="#br0">0 135 6335 0 0,'11'-3'486'0'0,"-1"4"-53"0"0,-8 0-11 0 0,1 1-1 0 0,-1-1 1 0 0,0 1-1 0 0,1 0 1 0 0,-1 0-1 0 0,0 0 1 0 0,0 0-1 0 0,0 0 1 0 0,0 0-1 0 0,-1 0 1 0 0,1 1-1 0 0,-1-1 1 0 0,3 6 0 0 0,1 3 1395 0 0,-1 1 0 0 0,3 12 0 0 0,6 14 1674 0 0,-11-32-2858 0 0,6 7 2466 0 0,-8-13-3041 0 0,0 0 1 0 0,1 0-1 0 0,-1 1 1 0 0,1-1-1 0 0,-1 0 1 0 0,0 0-1 0 0,1 0 1 0 0,-1 0-1 0 0,1 0 1 0 0,-1 0-1 0 0,0 0 0 0 0,1 0 1 0 0,-1 0-1 0 0,1 0 1 0 0,-1 0-1 0 0,1 0 1 0 0,-1 0-1 0 0,0 0 1 0 0,1 0-1 0 0,-1 0 1 0 0,1 0-1 0 0,-1 0 1 0 0,0-1-1 0 0,1 1 0 0 0,-1 0 1 0 0,0 0-1 0 0,1-1 1 0 0,-1 1-1 0 0,0 0 1 0 0,1 0-1 0 0,-1-1 1 0 0,1 1-1 0 0,1-3-105 0 0,1 0-1 0 0,-1 0 1 0 0,1 0 0 0 0,-1 0-1 0 0,0 0 1 0 0,0 0 0 0 0,0 0-1 0 0,0-1 1 0 0,-1 1 0 0 0,2-4-1 0 0,11-41-811 0 0,-10 32 658 0 0,14-63-851 0 0,-6 49 2764 0 0,-11 29-1623 0 0,0 1-94 0 0,1-1 0 0 0,-1 1-1 0 0,0-1 1 0 0,0 1 0 0 0,0-1 0 0 0,0 0-1 0 0,0 1 1 0 0,0-1 0 0 0,0 0 0 0 0,0 0-1 0 0,0 0 1 0 0,0 0 0 0 0,-1 0 0 0 0,1 0-1 0 0,0 0 1 0 0,0 0 0 0 0,0-1 0 0 0,0-1-36 0 0,0 2-181 0 0,11-7-2662 0 0,-3 1 1866 0 0,-8 6 292 0 0,1 0 129 0 0,43-18 1555 0 0,-34 19-718 0 0,30 6 1041 0 0,-39-6-1043 0 0,17 7 1519 0 0,-128 141 201 0 0,104-141-1952 0 0,-111 200 4943 0 0,118-208-4918 0 0,13-7-31 0 0,0 0 1 0 0,-1 0-1 0 0,0-1 1 0 0,-1-1-1 0 0,0 0 1 0 0,-1-1-1 0 0,0-1 1 0 0,13-15-1 0 0,-11 13 0 0 0,-11 10 0 0 0,1 1 0 0 0,-1-1 0 0 0,0 0 0 0 0,4-6 0 0 0,-1 2 13 0 0,-3 4-25 0 0,-1 0 1 0 0,1 0 0 0 0,-1 0-1 0 0,0 0 1 0 0,-1 0 0 0 0,3-6-1 0 0,1-10-1290 0 0,-5 18 772 0 0,-6 29-3321 0 0,5-19 3979 0 0,0-1 1 0 0,-1 1-1 0 0,0-1 1 0 0,-4 9-1 0 0,-32 71 1649 0 0,-7 14 17 0 0,-10 28-394 0 0,42-97-1263 0 0,7-12-196 0 0,41-103-1660 0 0,-23 52 238 0 0,1 0 1 0 0,25-41-1 0 0,-34 66 1259 0 0,0 0 1 0 0,1 1-1 0 0,0 0 1 0 0,0 0-1 0 0,0 0 0 0 0,0 1 1 0 0,1 0-1 0 0,-1 0 0 0 0,1 0 1 0 0,0 1-1 0 0,1-1 0 0 0,-1 2 1 0 0,0-1-1 0 0,1 1 0 0 0,9-3 1 0 0,-9 4 374 0 0,0-1 0 0 0,-1 1 0 0 0,1 1 0 0 0,0-1 0 0 0,0 1 0 0 0,0 1 0 0 0,0-1 0 0 0,-1 1 0 0 0,1 0 0 0 0,0 0 0 0 0,-1 1 1 0 0,1 0-1 0 0,-1 0 0 0 0,1 1 0 0 0,9 5 0 0 0,-10-5 337 0 0,-1 1 0 0 0,1 0 0 0 0,-1 0 0 0 0,0 0 0 0 0,0 0 0 0 0,0 1 0 0 0,-1 0 0 0 0,1 0 0 0 0,-1 0 0 0 0,0 0 0 0 0,-1 1 0 0 0,4 5 0 0 0,-7-9 325 0 0,0 0-742 0 0,0 9-23 0 0,-3-1-41 0 0,-1-6-667 0 0,1 0-1 0 0,-1 0 1 0 0,0 0 0 0 0,0-1 0 0 0,0 1-1 0 0,0-1 1 0 0,-1 0 0 0 0,1-1 0 0 0,-1 1-1 0 0,0-1 1 0 0,1 0 0 0 0,-8 2 0 0 0,5-1-520 0 0,1 0 0 0 0,-1 0 0 0 0,1 0 0 0 0,-1 1 0 0 0,-9 8 0 0 0,-11 13-5851 0 0,-12 12 1194 0 0,0 1 5340 0 0,37-36 570 0 0,0-1-1 0 0,0 1 0 0 0,-1 0 1 0 0,1-1-1 0 0,-1 1 0 0 0,1-1 0 0 0,-1 0 1 0 0,1 0-1 0 0,-1 0 0 0 0,0 0 0 0 0,1-1 1 0 0,-1 1-1 0 0,0-1 0 0 0,0 1 1 0 0,-15 2 14919 0 0,27 15-14685 0 0,2 2 1053 0 0,-7-12-1204 0 0,2-1-173 0 0,-5-6-404 0 0,8 0-505 0 0,-9 0 819 0 0,1-1 0 0 0,0 0 1 0 0,0 0-1 0 0,0 0 0 0 0,-1 0 1 0 0,1 0-1 0 0,0 0 0 0 0,0 0 0 0 0,0 0 1 0 0,0 0-1 0 0,-1 0 0 0 0,1-1 1 0 0,0 1-1 0 0,0 0 0 0 0,0-1 1 0 0,-1 1-1 0 0,1 0 0 0 0,0-1 0 0 0,-1 1 1 0 0,1-1-1 0 0,1 0 0 0 0,28-24-4037 0 0,-29 24 3194 0 0,1-3 168 0 0,2-3 449 0 0,16-32-929 0 0,-8 16 1264 0 0,-11 21 132 0 0,1 2 39 0 0,1-1-60 0 0,0 1 0 0 0,1 0 0 0 0,-1 0 0 0 0,0 0 0 0 0,0 0 0 0 0,0 0 0 0 0,0 1 0 0 0,0-1 1 0 0,0 1-1 0 0,0 0 0 0 0,0 0 0 0 0,4 2 0 0 0,4 3 1021 0 0,0 0-1 0 0,9 8 1 0 0,-13-9-153 0 0,0 0 0 0 0,-1-1 0 0 0,1 0 0 0 0,1 0 1 0 0,-1 0-1 0 0,8 1 0 0 0,-14-4-935 0 0,0-1 1 0 0,-1 0-1 0 0,1 0 1 0 0,0 0-1 0 0,-1 0 1 0 0,1 0-1 0 0,0 0 1 0 0,-1 0-1 0 0,1 0 1 0 0,0 0 0 0 0,-1 0-1 0 0,1 0 1 0 0,-1 0-1 0 0,1 0 1 0 0,0 0-1 0 0,-1-1 1 0 0,1 1-1 0 0,0 0 1 0 0,-1 0-1 0 0,1-1 1 0 0,-1 1-1 0 0,1-1 1 0 0,-1 1-1 0 0,1 0 1 0 0,-1-1-1 0 0,1 1 1 0 0,-1-1-1 0 0,1 1 1 0 0,-1-1-1 0 0,0 1 1 0 0,1-1-1 0 0,0 0 1 0 0,8-10 82 0 0,-9 10-137 0 0,1 1 0 0 0,-1-1 0 0 0,0 1 0 0 0,1-1 0 0 0,-1 1 0 0 0,0-1 0 0 0,0 0 0 0 0,0 1-1 0 0,0-1 1 0 0,0 0 0 0 0,0 1 0 0 0,0-1 0 0 0,0 0 0 0 0,0 1 0 0 0,0-1 0 0 0,0 1 0 0 0,0-1 0 0 0,0 0 0 0 0,0 0 0 0 0,-1-1-15 0 0,-2-19-499 0 0,0-1-1 0 0,-2 1 1 0 0,-14-40 0 0 0,-5-22-3681 0 0,2-79-4783 0 0,19 124 5065 0 0</inkml:trace>
+</inkml:ink>
+</file>
+
+<file path=ppt/ink/ink74.xml><?xml version="1.0" encoding="utf-8"?>
+<inkml:ink xmlns:inkml="http://www.w3.org/2003/InkML">
+  <inkml:definitions>
+    <inkml:context xml:id="ctx0">
+      <inkml:inkSource xml:id="inkSrc0">
+        <inkml:traceFormat>
+          <inkml:channel name="X" type="integer" min="-2.14748E9" max="2.14748E9" units="cm"/>
+          <inkml:channel name="Y" type="integer" min="-2.14748E9" max="2.14748E9" units="cm"/>
+          <inkml:channel name="F" type="integer" max="32767" units="dev"/>
+          <inkml:channel name="OA" type="integer" max="360" units="deg"/>
+          <inkml:channel name="OE" type="integer" max="90" units="deg"/>
+        </inkml:traceFormat>
+        <inkml:channelProperties>
+          <inkml:channelProperty channel="X" name="resolution" value="1000" units="1/cm"/>
+          <inkml:channelProperty channel="Y" name="resolution" value="1000" units="1/cm"/>
+          <inkml:channelProperty channel="F" name="resolution" value="0" units="1/dev"/>
+          <inkml:channelProperty channel="OA" name="resolution" value="1000" units="1/deg"/>
+          <inkml:channelProperty channel="OE" name="resolution" value="1000" units="1/deg"/>
+        </inkml:channelProperties>
+      </inkml:inkSource>
+      <inkml:timestamp xml:id="ts0" timeString="2024-05-01T17:50:01.623"/>
+    </inkml:context>
+    <inkml:brush xml:id="br0">
+      <inkml:brushProperty name="width" value="0.05" units="cm"/>
+      <inkml:brushProperty name="height" value="0.05" units="cm"/>
+      <inkml:brushProperty name="color" value="#004F8B"/>
+    </inkml:brush>
+  </inkml:definitions>
+  <inkml:trace contextRef="#ctx0" brushRef="#br0">25 1 6679 0 0,'46'22'1146'0'0,"-23"-11"2300"0"0,42 15 1 0 0,7 6 2461 0 0,-65-29-5259 0 0,0 0 1 0 0,-1 0 0 0 0,1 1-1 0 0,-1 0 1 0 0,1 0-1 0 0,-1 1 1 0 0,-1-1-1 0 0,1 1 1 0 0,0 1-1 0 0,8 11 1 0 0,-5-6 102 0 0,0 1-1 0 0,-1 1 1 0 0,-1 0 0 0 0,10 22 0 0 0,-10-15-626 0 0,0 0 1 0 0,-2 1-1 0 0,0 0 0 0 0,-2 0 1 0 0,3 34-1 0 0,-6-12 114 0 0,-7 75-1 0 0,-4-46-239 0 0,-22 73 0 0 0,9-47 0 0 0,11-37 6 0 0,-27 115 15 0 0,25-124-92 0 0,-28 67 0 0 0,36-101-362 0 0,-2-1 0 0 0,0 0 0 0 0,-1 0 0 0 0,-23 29 0 0 0,26-38-294 0 0,0 0-1 0 0,-1-1 0 0 0,0 0 0 0 0,-11 7 1 0 0,12-9-819 0 0,-1 0 1 0 0,0-1 0 0 0,0 0-1 0 0,0-1 1 0 0,-14 5 0 0 0,-5-3-6065 0 0</inkml:trace>
+</inkml:ink>
+</file>
+
+<file path=ppt/ink/ink8.xml><?xml version="1.0" encoding="utf-8"?>
+<inkml:ink xmlns:inkml="http://www.w3.org/2003/InkML">
+  <inkml:definitions>
+    <inkml:context xml:id="ctx0">
+      <inkml:inkSource xml:id="inkSrc0">
+        <inkml:traceFormat>
+          <inkml:channel name="X" type="integer" min="-2.14748E9" max="2.14748E9" units="cm"/>
+          <inkml:channel name="Y" type="integer" min="-2.14748E9" max="2.14748E9" units="cm"/>
+          <inkml:channel name="F" type="integer" max="32767" units="dev"/>
+          <inkml:channel name="OA" type="integer" max="360" units="deg"/>
+          <inkml:channel name="OE" type="integer" max="90" units="deg"/>
+        </inkml:traceFormat>
+        <inkml:channelProperties>
+          <inkml:channelProperty channel="X" name="resolution" value="1000" units="1/cm"/>
+          <inkml:channelProperty channel="Y" name="resolution" value="1000" units="1/cm"/>
+          <inkml:channelProperty channel="F" name="resolution" value="0" units="1/dev"/>
+          <inkml:channelProperty channel="OA" name="resolution" value="1000" units="1/deg"/>
+          <inkml:channelProperty channel="OE" name="resolution" value="1000" units="1/deg"/>
+        </inkml:channelProperties>
+      </inkml:inkSource>
+      <inkml:timestamp xml:id="ts0" timeString="2024-05-01T17:28:28.494"/>
+    </inkml:context>
+    <inkml:brush xml:id="br0">
+      <inkml:brushProperty name="width" value="0.05" units="cm"/>
+      <inkml:brushProperty name="height" value="0.05" units="cm"/>
+      <inkml:brushProperty name="color" value="#004F8B"/>
+    </inkml:brush>
+  </inkml:definitions>
+  <inkml:trace contextRef="#ctx0" brushRef="#br0">69 423 4031 0 0,'0'0'306'0'0,"1"-1"-200"0"0,23-14 3319 0 0,-1 0-1 0 0,0-2 0 0 0,-1 0 0 0 0,-1-2 0 0 0,24-26 0 0 0,-17 16-361 0 0,51-42 0 0 0,-45 42-2102 0 0,58-45-269 0 0,-87 71-692 0 0,-1 0 0 0 0,-1 1 0 0 0,0-1 0 0 0,0 0 0 0 0,0 0 0 0 0,0 0 0 0 0,3-6 0 0 0,0-1 0 0 0,-4 0 0 0 0,-5-1 0 0 0,2 10 0 0 0,-1-1 0 0 0,1 1 0 0 0,-1 0 0 0 0,0 0 0 0 0,1 0 0 0 0,-1-1 0 0 0,0 2 0 0 0,0-1 0 0 0,0 0 0 0 0,1 0 0 0 0,-1 0 0 0 0,0 1 0 0 0,-4-1 0 0 0,-30-4 0 0 0,19 4 0 0 0,-36-5 0 0 0,-1 2 0 0 0,0 3 0 0 0,-100 11 0 0 0,122-6-1956 0 0,-3-1-5116 0 0,2 1-3124 0 0</inkml:trace>
+</inkml:ink>
+</file>
+
+<file path=ppt/ink/ink9.xml><?xml version="1.0" encoding="utf-8"?>
+<inkml:ink xmlns:inkml="http://www.w3.org/2003/InkML">
+  <inkml:definitions>
+    <inkml:context xml:id="ctx0">
+      <inkml:inkSource xml:id="inkSrc0">
+        <inkml:traceFormat>
+          <inkml:channel name="X" type="integer" min="-2.14748E9" max="2.14748E9" units="cm"/>
+          <inkml:channel name="Y" type="integer" min="-2.14748E9" max="2.14748E9" units="cm"/>
+          <inkml:channel name="F" type="integer" max="32767" units="dev"/>
+          <inkml:channel name="OA" type="integer" max="360" units="deg"/>
+          <inkml:channel name="OE" type="integer" max="90" units="deg"/>
+        </inkml:traceFormat>
+        <inkml:channelProperties>
+          <inkml:channelProperty channel="X" name="resolution" value="1000" units="1/cm"/>
+          <inkml:channelProperty channel="Y" name="resolution" value="1000" units="1/cm"/>
+          <inkml:channelProperty channel="F" name="resolution" value="0" units="1/dev"/>
+          <inkml:channelProperty channel="OA" name="resolution" value="1000" units="1/deg"/>
+          <inkml:channelProperty channel="OE" name="resolution" value="1000" units="1/deg"/>
+        </inkml:channelProperties>
+      </inkml:inkSource>
+      <inkml:timestamp xml:id="ts0" timeString="2024-05-01T17:28:28.960"/>
+    </inkml:context>
+    <inkml:brush xml:id="br0">
+      <inkml:brushProperty name="width" value="0.05" units="cm"/>
+      <inkml:brushProperty name="height" value="0.05" units="cm"/>
+      <inkml:brushProperty name="color" value="#004F8B"/>
+    </inkml:brush>
+  </inkml:definitions>
+  <inkml:trace contextRef="#ctx0" brushRef="#br0">1 0 6127 0 0,'22'48'25'0'0,"14"31"6654"0"0,32 99 0 0 0,-58-145-5017 0 0,19 59 1983 0 0,-23-75-2902 0 0,1-1 0 0 0,1 1-1 0 0,11 17 1 0 0,-16-30-668 0 0,-1 0 0 0 0,1 0-1 0 0,0-1 1 0 0,0 1-1 0 0,1-1 1 0 0,-1 0-1 0 0,1 0 1 0 0,-1 0 0 0 0,1 0-1 0 0,0-1 1 0 0,5 3-1 0 0,-7-4-131 0 0,0 0 0 0 0,0-1 0 0 0,0 1-1 0 0,0-1 1 0 0,0 0 0 0 0,0 1 0 0 0,0-1 0 0 0,-1 0-1 0 0,1 0 1 0 0,0 0 0 0 0,0-1 0 0 0,0 1 0 0 0,0 0-1 0 0,0-1 1 0 0,0 1 0 0 0,0-1 0 0 0,0 0 0 0 0,-1 1-1 0 0,1-1 1 0 0,0 0 0 0 0,-1 0 0 0 0,1 0 0 0 0,0 0-1 0 0,-1-1 1 0 0,1 1 0 0 0,-1 0 0 0 0,0-1 0 0 0,1 1-1 0 0,1-3 1 0 0,10-13-6515 0 0,2-6-2200 0 0</inkml:trace>
+</inkml:ink>
 </file>
 
 <file path=ppt/notesMasters/notesMaster1.xml><?xml version="1.0" encoding="utf-8"?>
@@ -405,7 +2778,7 @@
             <a:fld id="{7284CDAC-ACD1-4943-9118-05D26BC373AD}" type="datetimeFigureOut">
               <a:rPr lang="en-CA" smtClean="0"/>
               <a:pPr/>
-              <a:t>2022-12-11</a:t>
+              <a:t>2024-05-01</a:t>
             </a:fld>
             <a:endParaRPr lang="en-CA"/>
           </a:p>
@@ -853,7 +3226,7 @@
             <a:fld id="{5DF277B3-A994-49DF-A53F-7FC77A8B7443}" type="datetime1">
               <a:rPr lang="en-CA" smtClean="0"/>
               <a:pPr/>
-              <a:t>2022-12-11</a:t>
+              <a:t>2024-05-01</a:t>
             </a:fld>
             <a:endParaRPr lang="en-CA"/>
           </a:p>
@@ -1020,7 +3393,7 @@
             <a:fld id="{82923E8B-C05F-4B82-AA83-B8DEC7D9A80B}" type="datetime1">
               <a:rPr lang="en-CA" smtClean="0"/>
               <a:pPr/>
-              <a:t>2022-12-11</a:t>
+              <a:t>2024-05-01</a:t>
             </a:fld>
             <a:endParaRPr lang="en-CA"/>
           </a:p>
@@ -1197,7 +3570,7 @@
             <a:fld id="{8F56AB48-3A78-4F92-918C-3EF755977BAB}" type="datetime1">
               <a:rPr lang="en-CA" smtClean="0"/>
               <a:pPr/>
-              <a:t>2022-12-11</a:t>
+              <a:t>2024-05-01</a:t>
             </a:fld>
             <a:endParaRPr lang="en-CA"/>
           </a:p>
@@ -1364,7 +3737,7 @@
             <a:fld id="{793AD3A0-7500-4968-9241-392FE010D33B}" type="datetime1">
               <a:rPr lang="en-CA" smtClean="0"/>
               <a:pPr/>
-              <a:t>2022-12-11</a:t>
+              <a:t>2024-05-01</a:t>
             </a:fld>
             <a:endParaRPr lang="en-CA"/>
           </a:p>
@@ -1607,7 +3980,7 @@
             <a:fld id="{ED3E9B63-D6FB-469B-9450-2D1C8B32E384}" type="datetime1">
               <a:rPr lang="en-CA" smtClean="0"/>
               <a:pPr/>
-              <a:t>2022-12-11</a:t>
+              <a:t>2024-05-01</a:t>
             </a:fld>
             <a:endParaRPr lang="en-CA"/>
           </a:p>
@@ -1892,7 +4265,7 @@
             <a:fld id="{B24135C3-4C7E-4CBB-B4CD-0BEC0E5E3741}" type="datetime1">
               <a:rPr lang="en-CA" smtClean="0"/>
               <a:pPr/>
-              <a:t>2022-12-11</a:t>
+              <a:t>2024-05-01</a:t>
             </a:fld>
             <a:endParaRPr lang="en-CA"/>
           </a:p>
@@ -2311,7 +4684,7 @@
             <a:fld id="{79C60421-A1EB-4633-8CE5-90973653AF94}" type="datetime1">
               <a:rPr lang="en-CA" smtClean="0"/>
               <a:pPr/>
-              <a:t>2022-12-11</a:t>
+              <a:t>2024-05-01</a:t>
             </a:fld>
             <a:endParaRPr lang="en-CA"/>
           </a:p>
@@ -2426,7 +4799,7 @@
             <a:fld id="{7B2525DB-2019-4632-8C0A-6E4995E5149C}" type="datetime1">
               <a:rPr lang="en-CA" smtClean="0"/>
               <a:pPr/>
-              <a:t>2022-12-11</a:t>
+              <a:t>2024-05-01</a:t>
             </a:fld>
             <a:endParaRPr lang="en-CA"/>
           </a:p>
@@ -2518,7 +4891,7 @@
             <a:fld id="{EC4E9B2C-431C-4CCD-BFDD-189CF353999F}" type="datetime1">
               <a:rPr lang="en-CA" smtClean="0"/>
               <a:pPr/>
-              <a:t>2022-12-11</a:t>
+              <a:t>2024-05-01</a:t>
             </a:fld>
             <a:endParaRPr lang="en-CA"/>
           </a:p>
@@ -2792,7 +5165,7 @@
             <a:fld id="{E9AD85B9-749B-4E4C-A95F-AE6044FE9757}" type="datetime1">
               <a:rPr lang="en-CA" smtClean="0"/>
               <a:pPr/>
-              <a:t>2022-12-11</a:t>
+              <a:t>2024-05-01</a:t>
             </a:fld>
             <a:endParaRPr lang="en-CA"/>
           </a:p>
@@ -3042,7 +5415,7 @@
             <a:fld id="{4AC9657A-EF48-41A3-91A1-6A555F4FA245}" type="datetime1">
               <a:rPr lang="en-CA" smtClean="0"/>
               <a:pPr/>
-              <a:t>2022-12-11</a:t>
+              <a:t>2024-05-01</a:t>
             </a:fld>
             <a:endParaRPr lang="en-CA"/>
           </a:p>
@@ -3252,7 +5625,7 @@
             <a:fld id="{210BF460-3ECD-417A-ACDC-6D120A1AC9B0}" type="datetime1">
               <a:rPr lang="en-CA" smtClean="0"/>
               <a:pPr/>
-              <a:t>2022-12-11</a:t>
+              <a:t>2024-05-01</a:t>
             </a:fld>
             <a:endParaRPr lang="en-CA"/>
           </a:p>
@@ -4609,6 +6982,1425 @@
           </a:fontRef>
         </p:style>
       </p:cxnSp>
+      <p:grpSp>
+        <p:nvGrpSpPr>
+          <p:cNvPr id="45" name="组合 44">
+            <a:extLst>
+              <a:ext uri="{FF2B5EF4-FFF2-40B4-BE49-F238E27FC236}">
+                <a16:creationId xmlns:a16="http://schemas.microsoft.com/office/drawing/2014/main" id="{2C9F330F-1265-6883-30BA-D2CF07634C1C}"/>
+              </a:ext>
+            </a:extLst>
+          </p:cNvPr>
+          <p:cNvGrpSpPr/>
+          <p:nvPr/>
+        </p:nvGrpSpPr>
+        <p:grpSpPr>
+          <a:xfrm>
+            <a:off x="7655417" y="171954"/>
+            <a:ext cx="1114920" cy="1024920"/>
+            <a:chOff x="7655417" y="171954"/>
+            <a:chExt cx="1114920" cy="1024920"/>
+          </a:xfrm>
+        </p:grpSpPr>
+        <mc:AlternateContent xmlns:mc="http://schemas.openxmlformats.org/markup-compatibility/2006">
+          <mc:Choice xmlns:p14="http://schemas.microsoft.com/office/powerpoint/2010/main" Requires="p14">
+            <p:contentPart p14:bwMode="auto" r:id="rId3">
+              <p14:nvContentPartPr>
+                <p14:cNvPr id="3" name="墨迹 2">
+                  <a:extLst>
+                    <a:ext uri="{FF2B5EF4-FFF2-40B4-BE49-F238E27FC236}">
+                      <a16:creationId xmlns:a16="http://schemas.microsoft.com/office/drawing/2014/main" id="{13BAF303-81F6-50E0-1C06-A3693B09268E}"/>
+                    </a:ext>
+                  </a:extLst>
+                </p14:cNvPr>
+                <p14:cNvContentPartPr/>
+                <p14:nvPr/>
+              </p14:nvContentPartPr>
+              <p14:xfrm>
+                <a:off x="7656137" y="661914"/>
+                <a:ext cx="24480" cy="45720"/>
+              </p14:xfrm>
+            </p:contentPart>
+          </mc:Choice>
+          <mc:Fallback>
+            <p:pic>
+              <p:nvPicPr>
+                <p:cNvPr id="3" name="墨迹 2">
+                  <a:extLst>
+                    <a:ext uri="{FF2B5EF4-FFF2-40B4-BE49-F238E27FC236}">
+                      <a16:creationId xmlns:a16="http://schemas.microsoft.com/office/drawing/2014/main" id="{13BAF303-81F6-50E0-1C06-A3693B09268E}"/>
+                    </a:ext>
+                  </a:extLst>
+                </p:cNvPr>
+                <p:cNvPicPr/>
+                <p:nvPr/>
+              </p:nvPicPr>
+              <p:blipFill>
+                <a:blip r:embed="rId4"/>
+                <a:stretch>
+                  <a:fillRect/>
+                </a:stretch>
+              </p:blipFill>
+              <p:spPr>
+                <a:xfrm>
+                  <a:off x="7647137" y="652914"/>
+                  <a:ext cx="42120" cy="63360"/>
+                </a:xfrm>
+                <a:prstGeom prst="rect">
+                  <a:avLst/>
+                </a:prstGeom>
+              </p:spPr>
+            </p:pic>
+          </mc:Fallback>
+        </mc:AlternateContent>
+        <mc:AlternateContent xmlns:mc="http://schemas.openxmlformats.org/markup-compatibility/2006">
+          <mc:Choice xmlns:p14="http://schemas.microsoft.com/office/powerpoint/2010/main" Requires="p14">
+            <p:contentPart p14:bwMode="auto" r:id="rId5">
+              <p14:nvContentPartPr>
+                <p14:cNvPr id="7" name="墨迹 6">
+                  <a:extLst>
+                    <a:ext uri="{FF2B5EF4-FFF2-40B4-BE49-F238E27FC236}">
+                      <a16:creationId xmlns:a16="http://schemas.microsoft.com/office/drawing/2014/main" id="{867238BB-82BC-E2D6-61D0-7F1C3D0188EA}"/>
+                    </a:ext>
+                  </a:extLst>
+                </p14:cNvPr>
+                <p14:cNvContentPartPr/>
+                <p14:nvPr/>
+              </p14:nvContentPartPr>
+              <p14:xfrm>
+                <a:off x="7655417" y="571194"/>
+                <a:ext cx="117360" cy="223560"/>
+              </p14:xfrm>
+            </p:contentPart>
+          </mc:Choice>
+          <mc:Fallback>
+            <p:pic>
+              <p:nvPicPr>
+                <p:cNvPr id="7" name="墨迹 6">
+                  <a:extLst>
+                    <a:ext uri="{FF2B5EF4-FFF2-40B4-BE49-F238E27FC236}">
+                      <a16:creationId xmlns:a16="http://schemas.microsoft.com/office/drawing/2014/main" id="{867238BB-82BC-E2D6-61D0-7F1C3D0188EA}"/>
+                    </a:ext>
+                  </a:extLst>
+                </p:cNvPr>
+                <p:cNvPicPr/>
+                <p:nvPr/>
+              </p:nvPicPr>
+              <p:blipFill>
+                <a:blip r:embed="rId6"/>
+                <a:stretch>
+                  <a:fillRect/>
+                </a:stretch>
+              </p:blipFill>
+              <p:spPr>
+                <a:xfrm>
+                  <a:off x="7646417" y="562194"/>
+                  <a:ext cx="135000" cy="241200"/>
+                </a:xfrm>
+                <a:prstGeom prst="rect">
+                  <a:avLst/>
+                </a:prstGeom>
+              </p:spPr>
+            </p:pic>
+          </mc:Fallback>
+        </mc:AlternateContent>
+        <mc:AlternateContent xmlns:mc="http://schemas.openxmlformats.org/markup-compatibility/2006">
+          <mc:Choice xmlns:p14="http://schemas.microsoft.com/office/powerpoint/2010/main" Requires="p14">
+            <p:contentPart p14:bwMode="auto" r:id="rId7">
+              <p14:nvContentPartPr>
+                <p14:cNvPr id="14" name="墨迹 13">
+                  <a:extLst>
+                    <a:ext uri="{FF2B5EF4-FFF2-40B4-BE49-F238E27FC236}">
+                      <a16:creationId xmlns:a16="http://schemas.microsoft.com/office/drawing/2014/main" id="{998A2DFC-E115-D65E-990A-1DCFA3A1E3C4}"/>
+                    </a:ext>
+                  </a:extLst>
+                </p14:cNvPr>
+                <p14:cNvContentPartPr/>
+                <p14:nvPr/>
+              </p14:nvContentPartPr>
+              <p14:xfrm>
+                <a:off x="7657577" y="650754"/>
+                <a:ext cx="53640" cy="13320"/>
+              </p14:xfrm>
+            </p:contentPart>
+          </mc:Choice>
+          <mc:Fallback>
+            <p:pic>
+              <p:nvPicPr>
+                <p:cNvPr id="14" name="墨迹 13">
+                  <a:extLst>
+                    <a:ext uri="{FF2B5EF4-FFF2-40B4-BE49-F238E27FC236}">
+                      <a16:creationId xmlns:a16="http://schemas.microsoft.com/office/drawing/2014/main" id="{998A2DFC-E115-D65E-990A-1DCFA3A1E3C4}"/>
+                    </a:ext>
+                  </a:extLst>
+                </p:cNvPr>
+                <p:cNvPicPr/>
+                <p:nvPr/>
+              </p:nvPicPr>
+              <p:blipFill>
+                <a:blip r:embed="rId8"/>
+                <a:stretch>
+                  <a:fillRect/>
+                </a:stretch>
+              </p:blipFill>
+              <p:spPr>
+                <a:xfrm>
+                  <a:off x="7648937" y="641754"/>
+                  <a:ext cx="71280" cy="30960"/>
+                </a:xfrm>
+                <a:prstGeom prst="rect">
+                  <a:avLst/>
+                </a:prstGeom>
+              </p:spPr>
+            </p:pic>
+          </mc:Fallback>
+        </mc:AlternateContent>
+        <mc:AlternateContent xmlns:mc="http://schemas.openxmlformats.org/markup-compatibility/2006">
+          <mc:Choice xmlns:p14="http://schemas.microsoft.com/office/powerpoint/2010/main" Requires="p14">
+            <p:contentPart p14:bwMode="auto" r:id="rId9">
+              <p14:nvContentPartPr>
+                <p14:cNvPr id="15" name="墨迹 14">
+                  <a:extLst>
+                    <a:ext uri="{FF2B5EF4-FFF2-40B4-BE49-F238E27FC236}">
+                      <a16:creationId xmlns:a16="http://schemas.microsoft.com/office/drawing/2014/main" id="{334DC136-202F-0436-C399-70086E540A2C}"/>
+                    </a:ext>
+                  </a:extLst>
+                </p14:cNvPr>
+                <p14:cNvContentPartPr/>
+                <p14:nvPr/>
+              </p14:nvContentPartPr>
+              <p14:xfrm>
+                <a:off x="7700417" y="702594"/>
+                <a:ext cx="97200" cy="188280"/>
+              </p14:xfrm>
+            </p:contentPart>
+          </mc:Choice>
+          <mc:Fallback>
+            <p:pic>
+              <p:nvPicPr>
+                <p:cNvPr id="15" name="墨迹 14">
+                  <a:extLst>
+                    <a:ext uri="{FF2B5EF4-FFF2-40B4-BE49-F238E27FC236}">
+                      <a16:creationId xmlns:a16="http://schemas.microsoft.com/office/drawing/2014/main" id="{334DC136-202F-0436-C399-70086E540A2C}"/>
+                    </a:ext>
+                  </a:extLst>
+                </p:cNvPr>
+                <p:cNvPicPr/>
+                <p:nvPr/>
+              </p:nvPicPr>
+              <p:blipFill>
+                <a:blip r:embed="rId10"/>
+                <a:stretch>
+                  <a:fillRect/>
+                </a:stretch>
+              </p:blipFill>
+              <p:spPr>
+                <a:xfrm>
+                  <a:off x="7691417" y="693954"/>
+                  <a:ext cx="114840" cy="205920"/>
+                </a:xfrm>
+                <a:prstGeom prst="rect">
+                  <a:avLst/>
+                </a:prstGeom>
+              </p:spPr>
+            </p:pic>
+          </mc:Fallback>
+        </mc:AlternateContent>
+        <mc:AlternateContent xmlns:mc="http://schemas.openxmlformats.org/markup-compatibility/2006">
+          <mc:Choice xmlns:p14="http://schemas.microsoft.com/office/powerpoint/2010/main" Requires="p14">
+            <p:contentPart p14:bwMode="auto" r:id="rId11">
+              <p14:nvContentPartPr>
+                <p14:cNvPr id="16" name="墨迹 15">
+                  <a:extLst>
+                    <a:ext uri="{FF2B5EF4-FFF2-40B4-BE49-F238E27FC236}">
+                      <a16:creationId xmlns:a16="http://schemas.microsoft.com/office/drawing/2014/main" id="{91F1BACB-AC18-C0CC-A94E-5E9F38DACD8D}"/>
+                    </a:ext>
+                  </a:extLst>
+                </p14:cNvPr>
+                <p14:cNvContentPartPr/>
+                <p14:nvPr/>
+              </p14:nvContentPartPr>
+              <p14:xfrm>
+                <a:off x="7716617" y="797274"/>
+                <a:ext cx="55800" cy="23760"/>
+              </p14:xfrm>
+            </p:contentPart>
+          </mc:Choice>
+          <mc:Fallback>
+            <p:pic>
+              <p:nvPicPr>
+                <p:cNvPr id="16" name="墨迹 15">
+                  <a:extLst>
+                    <a:ext uri="{FF2B5EF4-FFF2-40B4-BE49-F238E27FC236}">
+                      <a16:creationId xmlns:a16="http://schemas.microsoft.com/office/drawing/2014/main" id="{91F1BACB-AC18-C0CC-A94E-5E9F38DACD8D}"/>
+                    </a:ext>
+                  </a:extLst>
+                </p:cNvPr>
+                <p:cNvPicPr/>
+                <p:nvPr/>
+              </p:nvPicPr>
+              <p:blipFill>
+                <a:blip r:embed="rId12"/>
+                <a:stretch>
+                  <a:fillRect/>
+                </a:stretch>
+              </p:blipFill>
+              <p:spPr>
+                <a:xfrm>
+                  <a:off x="7707617" y="788634"/>
+                  <a:ext cx="73440" cy="41400"/>
+                </a:xfrm>
+                <a:prstGeom prst="rect">
+                  <a:avLst/>
+                </a:prstGeom>
+              </p:spPr>
+            </p:pic>
+          </mc:Fallback>
+        </mc:AlternateContent>
+        <mc:AlternateContent xmlns:mc="http://schemas.openxmlformats.org/markup-compatibility/2006">
+          <mc:Choice xmlns:p14="http://schemas.microsoft.com/office/powerpoint/2010/main" Requires="p14">
+            <p:contentPart p14:bwMode="auto" r:id="rId13">
+              <p14:nvContentPartPr>
+                <p14:cNvPr id="19" name="墨迹 18">
+                  <a:extLst>
+                    <a:ext uri="{FF2B5EF4-FFF2-40B4-BE49-F238E27FC236}">
+                      <a16:creationId xmlns:a16="http://schemas.microsoft.com/office/drawing/2014/main" id="{3A635B4E-7D9C-488C-2C1E-0C53CAD84E19}"/>
+                    </a:ext>
+                  </a:extLst>
+                </p14:cNvPr>
+                <p14:cNvContentPartPr/>
+                <p14:nvPr/>
+              </p14:nvContentPartPr>
+              <p14:xfrm>
+                <a:off x="7826417" y="567234"/>
+                <a:ext cx="126720" cy="222480"/>
+              </p14:xfrm>
+            </p:contentPart>
+          </mc:Choice>
+          <mc:Fallback>
+            <p:pic>
+              <p:nvPicPr>
+                <p:cNvPr id="19" name="墨迹 18">
+                  <a:extLst>
+                    <a:ext uri="{FF2B5EF4-FFF2-40B4-BE49-F238E27FC236}">
+                      <a16:creationId xmlns:a16="http://schemas.microsoft.com/office/drawing/2014/main" id="{3A635B4E-7D9C-488C-2C1E-0C53CAD84E19}"/>
+                    </a:ext>
+                  </a:extLst>
+                </p:cNvPr>
+                <p:cNvPicPr/>
+                <p:nvPr/>
+              </p:nvPicPr>
+              <p:blipFill>
+                <a:blip r:embed="rId14"/>
+                <a:stretch>
+                  <a:fillRect/>
+                </a:stretch>
+              </p:blipFill>
+              <p:spPr>
+                <a:xfrm>
+                  <a:off x="7817417" y="558594"/>
+                  <a:ext cx="144360" cy="240120"/>
+                </a:xfrm>
+                <a:prstGeom prst="rect">
+                  <a:avLst/>
+                </a:prstGeom>
+              </p:spPr>
+            </p:pic>
+          </mc:Fallback>
+        </mc:AlternateContent>
+        <mc:AlternateContent xmlns:mc="http://schemas.openxmlformats.org/markup-compatibility/2006">
+          <mc:Choice xmlns:p14="http://schemas.microsoft.com/office/powerpoint/2010/main" Requires="p14">
+            <p:contentPart p14:bwMode="auto" r:id="rId15">
+              <p14:nvContentPartPr>
+                <p14:cNvPr id="20" name="墨迹 19">
+                  <a:extLst>
+                    <a:ext uri="{FF2B5EF4-FFF2-40B4-BE49-F238E27FC236}">
+                      <a16:creationId xmlns:a16="http://schemas.microsoft.com/office/drawing/2014/main" id="{E7463DE1-ED59-668A-CC6C-EF2CBEE83A87}"/>
+                    </a:ext>
+                  </a:extLst>
+                </p14:cNvPr>
+                <p14:cNvContentPartPr/>
+                <p14:nvPr/>
+              </p14:nvContentPartPr>
+              <p14:xfrm>
+                <a:off x="8012177" y="588114"/>
+                <a:ext cx="26280" cy="135000"/>
+              </p14:xfrm>
+            </p:contentPart>
+          </mc:Choice>
+          <mc:Fallback>
+            <p:pic>
+              <p:nvPicPr>
+                <p:cNvPr id="20" name="墨迹 19">
+                  <a:extLst>
+                    <a:ext uri="{FF2B5EF4-FFF2-40B4-BE49-F238E27FC236}">
+                      <a16:creationId xmlns:a16="http://schemas.microsoft.com/office/drawing/2014/main" id="{E7463DE1-ED59-668A-CC6C-EF2CBEE83A87}"/>
+                    </a:ext>
+                  </a:extLst>
+                </p:cNvPr>
+                <p:cNvPicPr/>
+                <p:nvPr/>
+              </p:nvPicPr>
+              <p:blipFill>
+                <a:blip r:embed="rId16"/>
+                <a:stretch>
+                  <a:fillRect/>
+                </a:stretch>
+              </p:blipFill>
+              <p:spPr>
+                <a:xfrm>
+                  <a:off x="8003177" y="579114"/>
+                  <a:ext cx="43920" cy="152640"/>
+                </a:xfrm>
+                <a:prstGeom prst="rect">
+                  <a:avLst/>
+                </a:prstGeom>
+              </p:spPr>
+            </p:pic>
+          </mc:Fallback>
+        </mc:AlternateContent>
+        <mc:AlternateContent xmlns:mc="http://schemas.openxmlformats.org/markup-compatibility/2006">
+          <mc:Choice xmlns:p14="http://schemas.microsoft.com/office/powerpoint/2010/main" Requires="p14">
+            <p:contentPart p14:bwMode="auto" r:id="rId17">
+              <p14:nvContentPartPr>
+                <p14:cNvPr id="21" name="墨迹 20">
+                  <a:extLst>
+                    <a:ext uri="{FF2B5EF4-FFF2-40B4-BE49-F238E27FC236}">
+                      <a16:creationId xmlns:a16="http://schemas.microsoft.com/office/drawing/2014/main" id="{481CF79F-8BF8-8DA8-E107-40F2C0000BB3}"/>
+                    </a:ext>
+                  </a:extLst>
+                </p14:cNvPr>
+                <p14:cNvContentPartPr/>
+                <p14:nvPr/>
+              </p14:nvContentPartPr>
+              <p14:xfrm>
+                <a:off x="8041697" y="536634"/>
+                <a:ext cx="140040" cy="129600"/>
+              </p14:xfrm>
+            </p:contentPart>
+          </mc:Choice>
+          <mc:Fallback>
+            <p:pic>
+              <p:nvPicPr>
+                <p:cNvPr id="21" name="墨迹 20">
+                  <a:extLst>
+                    <a:ext uri="{FF2B5EF4-FFF2-40B4-BE49-F238E27FC236}">
+                      <a16:creationId xmlns:a16="http://schemas.microsoft.com/office/drawing/2014/main" id="{481CF79F-8BF8-8DA8-E107-40F2C0000BB3}"/>
+                    </a:ext>
+                  </a:extLst>
+                </p:cNvPr>
+                <p:cNvPicPr/>
+                <p:nvPr/>
+              </p:nvPicPr>
+              <p:blipFill>
+                <a:blip r:embed="rId18"/>
+                <a:stretch>
+                  <a:fillRect/>
+                </a:stretch>
+              </p:blipFill>
+              <p:spPr>
+                <a:xfrm>
+                  <a:off x="8033057" y="527634"/>
+                  <a:ext cx="157680" cy="147240"/>
+                </a:xfrm>
+                <a:prstGeom prst="rect">
+                  <a:avLst/>
+                </a:prstGeom>
+              </p:spPr>
+            </p:pic>
+          </mc:Fallback>
+        </mc:AlternateContent>
+        <mc:AlternateContent xmlns:mc="http://schemas.openxmlformats.org/markup-compatibility/2006">
+          <mc:Choice xmlns:p14="http://schemas.microsoft.com/office/powerpoint/2010/main" Requires="p14">
+            <p:contentPart p14:bwMode="auto" r:id="rId19">
+              <p14:nvContentPartPr>
+                <p14:cNvPr id="22" name="墨迹 21">
+                  <a:extLst>
+                    <a:ext uri="{FF2B5EF4-FFF2-40B4-BE49-F238E27FC236}">
+                      <a16:creationId xmlns:a16="http://schemas.microsoft.com/office/drawing/2014/main" id="{462F64D3-7CAE-6A74-B277-02348B9A011E}"/>
+                    </a:ext>
+                  </a:extLst>
+                </p14:cNvPr>
+                <p14:cNvContentPartPr/>
+                <p14:nvPr/>
+              </p14:nvContentPartPr>
+              <p14:xfrm>
+                <a:off x="8058617" y="498474"/>
+                <a:ext cx="19800" cy="267840"/>
+              </p14:xfrm>
+            </p:contentPart>
+          </mc:Choice>
+          <mc:Fallback>
+            <p:pic>
+              <p:nvPicPr>
+                <p:cNvPr id="22" name="墨迹 21">
+                  <a:extLst>
+                    <a:ext uri="{FF2B5EF4-FFF2-40B4-BE49-F238E27FC236}">
+                      <a16:creationId xmlns:a16="http://schemas.microsoft.com/office/drawing/2014/main" id="{462F64D3-7CAE-6A74-B277-02348B9A011E}"/>
+                    </a:ext>
+                  </a:extLst>
+                </p:cNvPr>
+                <p:cNvPicPr/>
+                <p:nvPr/>
+              </p:nvPicPr>
+              <p:blipFill>
+                <a:blip r:embed="rId20"/>
+                <a:stretch>
+                  <a:fillRect/>
+                </a:stretch>
+              </p:blipFill>
+              <p:spPr>
+                <a:xfrm>
+                  <a:off x="8049977" y="489474"/>
+                  <a:ext cx="37440" cy="285480"/>
+                </a:xfrm>
+                <a:prstGeom prst="rect">
+                  <a:avLst/>
+                </a:prstGeom>
+              </p:spPr>
+            </p:pic>
+          </mc:Fallback>
+        </mc:AlternateContent>
+        <mc:AlternateContent xmlns:mc="http://schemas.openxmlformats.org/markup-compatibility/2006">
+          <mc:Choice xmlns:p14="http://schemas.microsoft.com/office/powerpoint/2010/main" Requires="p14">
+            <p:contentPart p14:bwMode="auto" r:id="rId21">
+              <p14:nvContentPartPr>
+                <p14:cNvPr id="23" name="墨迹 22">
+                  <a:extLst>
+                    <a:ext uri="{FF2B5EF4-FFF2-40B4-BE49-F238E27FC236}">
+                      <a16:creationId xmlns:a16="http://schemas.microsoft.com/office/drawing/2014/main" id="{A40841F8-3F8D-649D-C71E-8F4814047947}"/>
+                    </a:ext>
+                  </a:extLst>
+                </p14:cNvPr>
+                <p14:cNvContentPartPr/>
+                <p14:nvPr/>
+              </p14:nvContentPartPr>
+              <p14:xfrm>
+                <a:off x="8116937" y="383994"/>
+                <a:ext cx="189000" cy="329400"/>
+              </p14:xfrm>
+            </p:contentPart>
+          </mc:Choice>
+          <mc:Fallback>
+            <p:pic>
+              <p:nvPicPr>
+                <p:cNvPr id="23" name="墨迹 22">
+                  <a:extLst>
+                    <a:ext uri="{FF2B5EF4-FFF2-40B4-BE49-F238E27FC236}">
+                      <a16:creationId xmlns:a16="http://schemas.microsoft.com/office/drawing/2014/main" id="{A40841F8-3F8D-649D-C71E-8F4814047947}"/>
+                    </a:ext>
+                  </a:extLst>
+                </p:cNvPr>
+                <p:cNvPicPr/>
+                <p:nvPr/>
+              </p:nvPicPr>
+              <p:blipFill>
+                <a:blip r:embed="rId22"/>
+                <a:stretch>
+                  <a:fillRect/>
+                </a:stretch>
+              </p:blipFill>
+              <p:spPr>
+                <a:xfrm>
+                  <a:off x="8107937" y="374994"/>
+                  <a:ext cx="206640" cy="347040"/>
+                </a:xfrm>
+                <a:prstGeom prst="rect">
+                  <a:avLst/>
+                </a:prstGeom>
+              </p:spPr>
+            </p:pic>
+          </mc:Fallback>
+        </mc:AlternateContent>
+        <mc:AlternateContent xmlns:mc="http://schemas.openxmlformats.org/markup-compatibility/2006">
+          <mc:Choice xmlns:p14="http://schemas.microsoft.com/office/powerpoint/2010/main" Requires="p14">
+            <p:contentPart p14:bwMode="auto" r:id="rId23">
+              <p14:nvContentPartPr>
+                <p14:cNvPr id="24" name="墨迹 23">
+                  <a:extLst>
+                    <a:ext uri="{FF2B5EF4-FFF2-40B4-BE49-F238E27FC236}">
+                      <a16:creationId xmlns:a16="http://schemas.microsoft.com/office/drawing/2014/main" id="{41BA109B-175C-155B-DD45-453C9671C90D}"/>
+                    </a:ext>
+                  </a:extLst>
+                </p14:cNvPr>
+                <p14:cNvContentPartPr/>
+                <p14:nvPr/>
+              </p14:nvContentPartPr>
+              <p14:xfrm>
+                <a:off x="8295497" y="419274"/>
+                <a:ext cx="58680" cy="70200"/>
+              </p14:xfrm>
+            </p:contentPart>
+          </mc:Choice>
+          <mc:Fallback>
+            <p:pic>
+              <p:nvPicPr>
+                <p:cNvPr id="24" name="墨迹 23">
+                  <a:extLst>
+                    <a:ext uri="{FF2B5EF4-FFF2-40B4-BE49-F238E27FC236}">
+                      <a16:creationId xmlns:a16="http://schemas.microsoft.com/office/drawing/2014/main" id="{41BA109B-175C-155B-DD45-453C9671C90D}"/>
+                    </a:ext>
+                  </a:extLst>
+                </p:cNvPr>
+                <p:cNvPicPr/>
+                <p:nvPr/>
+              </p:nvPicPr>
+              <p:blipFill>
+                <a:blip r:embed="rId24"/>
+                <a:stretch>
+                  <a:fillRect/>
+                </a:stretch>
+              </p:blipFill>
+              <p:spPr>
+                <a:xfrm>
+                  <a:off x="8286497" y="410634"/>
+                  <a:ext cx="76320" cy="87840"/>
+                </a:xfrm>
+                <a:prstGeom prst="rect">
+                  <a:avLst/>
+                </a:prstGeom>
+              </p:spPr>
+            </p:pic>
+          </mc:Fallback>
+        </mc:AlternateContent>
+        <mc:AlternateContent xmlns:mc="http://schemas.openxmlformats.org/markup-compatibility/2006">
+          <mc:Choice xmlns:p14="http://schemas.microsoft.com/office/powerpoint/2010/main" Requires="p14">
+            <p:contentPart p14:bwMode="auto" r:id="rId25">
+              <p14:nvContentPartPr>
+                <p14:cNvPr id="25" name="墨迹 24">
+                  <a:extLst>
+                    <a:ext uri="{FF2B5EF4-FFF2-40B4-BE49-F238E27FC236}">
+                      <a16:creationId xmlns:a16="http://schemas.microsoft.com/office/drawing/2014/main" id="{95D1487F-E393-80FF-2796-5795465EB6ED}"/>
+                    </a:ext>
+                  </a:extLst>
+                </p14:cNvPr>
+                <p14:cNvContentPartPr/>
+                <p14:nvPr/>
+              </p14:nvContentPartPr>
+              <p14:xfrm>
+                <a:off x="8322857" y="368514"/>
+                <a:ext cx="83520" cy="160560"/>
+              </p14:xfrm>
+            </p:contentPart>
+          </mc:Choice>
+          <mc:Fallback>
+            <p:pic>
+              <p:nvPicPr>
+                <p:cNvPr id="25" name="墨迹 24">
+                  <a:extLst>
+                    <a:ext uri="{FF2B5EF4-FFF2-40B4-BE49-F238E27FC236}">
+                      <a16:creationId xmlns:a16="http://schemas.microsoft.com/office/drawing/2014/main" id="{95D1487F-E393-80FF-2796-5795465EB6ED}"/>
+                    </a:ext>
+                  </a:extLst>
+                </p:cNvPr>
+                <p:cNvPicPr/>
+                <p:nvPr/>
+              </p:nvPicPr>
+              <p:blipFill>
+                <a:blip r:embed="rId26"/>
+                <a:stretch>
+                  <a:fillRect/>
+                </a:stretch>
+              </p:blipFill>
+              <p:spPr>
+                <a:xfrm>
+                  <a:off x="8313857" y="359514"/>
+                  <a:ext cx="101160" cy="178200"/>
+                </a:xfrm>
+                <a:prstGeom prst="rect">
+                  <a:avLst/>
+                </a:prstGeom>
+              </p:spPr>
+            </p:pic>
+          </mc:Fallback>
+        </mc:AlternateContent>
+        <mc:AlternateContent xmlns:mc="http://schemas.openxmlformats.org/markup-compatibility/2006">
+          <mc:Choice xmlns:p14="http://schemas.microsoft.com/office/powerpoint/2010/main" Requires="p14">
+            <p:contentPart p14:bwMode="auto" r:id="rId27">
+              <p14:nvContentPartPr>
+                <p14:cNvPr id="26" name="墨迹 25">
+                  <a:extLst>
+                    <a:ext uri="{FF2B5EF4-FFF2-40B4-BE49-F238E27FC236}">
+                      <a16:creationId xmlns:a16="http://schemas.microsoft.com/office/drawing/2014/main" id="{5C1E40A2-60D3-2163-ED41-800AC86A11E7}"/>
+                    </a:ext>
+                  </a:extLst>
+                </p14:cNvPr>
+                <p14:cNvContentPartPr/>
+                <p14:nvPr/>
+              </p14:nvContentPartPr>
+              <p14:xfrm>
+                <a:off x="8221697" y="540234"/>
+                <a:ext cx="202320" cy="143280"/>
+              </p14:xfrm>
+            </p:contentPart>
+          </mc:Choice>
+          <mc:Fallback>
+            <p:pic>
+              <p:nvPicPr>
+                <p:cNvPr id="26" name="墨迹 25">
+                  <a:extLst>
+                    <a:ext uri="{FF2B5EF4-FFF2-40B4-BE49-F238E27FC236}">
+                      <a16:creationId xmlns:a16="http://schemas.microsoft.com/office/drawing/2014/main" id="{5C1E40A2-60D3-2163-ED41-800AC86A11E7}"/>
+                    </a:ext>
+                  </a:extLst>
+                </p:cNvPr>
+                <p:cNvPicPr/>
+                <p:nvPr/>
+              </p:nvPicPr>
+              <p:blipFill>
+                <a:blip r:embed="rId28"/>
+                <a:stretch>
+                  <a:fillRect/>
+                </a:stretch>
+              </p:blipFill>
+              <p:spPr>
+                <a:xfrm>
+                  <a:off x="8212697" y="531594"/>
+                  <a:ext cx="219960" cy="160920"/>
+                </a:xfrm>
+                <a:prstGeom prst="rect">
+                  <a:avLst/>
+                </a:prstGeom>
+              </p:spPr>
+            </p:pic>
+          </mc:Fallback>
+        </mc:AlternateContent>
+        <mc:AlternateContent xmlns:mc="http://schemas.openxmlformats.org/markup-compatibility/2006">
+          <mc:Choice xmlns:p14="http://schemas.microsoft.com/office/powerpoint/2010/main" Requires="p14">
+            <p:contentPart p14:bwMode="auto" r:id="rId29">
+              <p14:nvContentPartPr>
+                <p14:cNvPr id="27" name="墨迹 26">
+                  <a:extLst>
+                    <a:ext uri="{FF2B5EF4-FFF2-40B4-BE49-F238E27FC236}">
+                      <a16:creationId xmlns:a16="http://schemas.microsoft.com/office/drawing/2014/main" id="{5A4C562C-ED01-907D-F244-18CEBBB6AA8B}"/>
+                    </a:ext>
+                  </a:extLst>
+                </p14:cNvPr>
+                <p14:cNvContentPartPr/>
+                <p14:nvPr/>
+              </p14:nvContentPartPr>
+              <p14:xfrm>
+                <a:off x="8310617" y="477234"/>
+                <a:ext cx="75240" cy="190080"/>
+              </p14:xfrm>
+            </p:contentPart>
+          </mc:Choice>
+          <mc:Fallback>
+            <p:pic>
+              <p:nvPicPr>
+                <p:cNvPr id="27" name="墨迹 26">
+                  <a:extLst>
+                    <a:ext uri="{FF2B5EF4-FFF2-40B4-BE49-F238E27FC236}">
+                      <a16:creationId xmlns:a16="http://schemas.microsoft.com/office/drawing/2014/main" id="{5A4C562C-ED01-907D-F244-18CEBBB6AA8B}"/>
+                    </a:ext>
+                  </a:extLst>
+                </p:cNvPr>
+                <p:cNvPicPr/>
+                <p:nvPr/>
+              </p:nvPicPr>
+              <p:blipFill>
+                <a:blip r:embed="rId30"/>
+                <a:stretch>
+                  <a:fillRect/>
+                </a:stretch>
+              </p:blipFill>
+              <p:spPr>
+                <a:xfrm>
+                  <a:off x="8301617" y="468234"/>
+                  <a:ext cx="92880" cy="207720"/>
+                </a:xfrm>
+                <a:prstGeom prst="rect">
+                  <a:avLst/>
+                </a:prstGeom>
+              </p:spPr>
+            </p:pic>
+          </mc:Fallback>
+        </mc:AlternateContent>
+        <mc:AlternateContent xmlns:mc="http://schemas.openxmlformats.org/markup-compatibility/2006">
+          <mc:Choice xmlns:p14="http://schemas.microsoft.com/office/powerpoint/2010/main" Requires="p14">
+            <p:contentPart p14:bwMode="auto" r:id="rId31">
+              <p14:nvContentPartPr>
+                <p14:cNvPr id="28" name="墨迹 27">
+                  <a:extLst>
+                    <a:ext uri="{FF2B5EF4-FFF2-40B4-BE49-F238E27FC236}">
+                      <a16:creationId xmlns:a16="http://schemas.microsoft.com/office/drawing/2014/main" id="{5B4AA29F-1A58-432D-307B-481FBA717E0D}"/>
+                    </a:ext>
+                  </a:extLst>
+                </p14:cNvPr>
+                <p14:cNvContentPartPr/>
+                <p14:nvPr/>
+              </p14:nvContentPartPr>
+              <p14:xfrm>
+                <a:off x="8248697" y="604314"/>
+                <a:ext cx="206640" cy="120240"/>
+              </p14:xfrm>
+            </p:contentPart>
+          </mc:Choice>
+          <mc:Fallback>
+            <p:pic>
+              <p:nvPicPr>
+                <p:cNvPr id="28" name="墨迹 27">
+                  <a:extLst>
+                    <a:ext uri="{FF2B5EF4-FFF2-40B4-BE49-F238E27FC236}">
+                      <a16:creationId xmlns:a16="http://schemas.microsoft.com/office/drawing/2014/main" id="{5B4AA29F-1A58-432D-307B-481FBA717E0D}"/>
+                    </a:ext>
+                  </a:extLst>
+                </p:cNvPr>
+                <p:cNvPicPr/>
+                <p:nvPr/>
+              </p:nvPicPr>
+              <p:blipFill>
+                <a:blip r:embed="rId32"/>
+                <a:stretch>
+                  <a:fillRect/>
+                </a:stretch>
+              </p:blipFill>
+              <p:spPr>
+                <a:xfrm>
+                  <a:off x="8239697" y="595314"/>
+                  <a:ext cx="224280" cy="137880"/>
+                </a:xfrm>
+                <a:prstGeom prst="rect">
+                  <a:avLst/>
+                </a:prstGeom>
+              </p:spPr>
+            </p:pic>
+          </mc:Fallback>
+        </mc:AlternateContent>
+        <mc:AlternateContent xmlns:mc="http://schemas.openxmlformats.org/markup-compatibility/2006">
+          <mc:Choice xmlns:p14="http://schemas.microsoft.com/office/powerpoint/2010/main" Requires="p14">
+            <p:contentPart p14:bwMode="auto" r:id="rId33">
+              <p14:nvContentPartPr>
+                <p14:cNvPr id="29" name="墨迹 28">
+                  <a:extLst>
+                    <a:ext uri="{FF2B5EF4-FFF2-40B4-BE49-F238E27FC236}">
+                      <a16:creationId xmlns:a16="http://schemas.microsoft.com/office/drawing/2014/main" id="{A57F4207-401F-9DBB-68B1-380F119357E8}"/>
+                    </a:ext>
+                  </a:extLst>
+                </p14:cNvPr>
+                <p14:cNvContentPartPr/>
+                <p14:nvPr/>
+              </p14:nvContentPartPr>
+              <p14:xfrm>
+                <a:off x="8473697" y="398034"/>
+                <a:ext cx="105120" cy="30600"/>
+              </p14:xfrm>
+            </p:contentPart>
+          </mc:Choice>
+          <mc:Fallback>
+            <p:pic>
+              <p:nvPicPr>
+                <p:cNvPr id="29" name="墨迹 28">
+                  <a:extLst>
+                    <a:ext uri="{FF2B5EF4-FFF2-40B4-BE49-F238E27FC236}">
+                      <a16:creationId xmlns:a16="http://schemas.microsoft.com/office/drawing/2014/main" id="{A57F4207-401F-9DBB-68B1-380F119357E8}"/>
+                    </a:ext>
+                  </a:extLst>
+                </p:cNvPr>
+                <p:cNvPicPr/>
+                <p:nvPr/>
+              </p:nvPicPr>
+              <p:blipFill>
+                <a:blip r:embed="rId34"/>
+                <a:stretch>
+                  <a:fillRect/>
+                </a:stretch>
+              </p:blipFill>
+              <p:spPr>
+                <a:xfrm>
+                  <a:off x="8464697" y="389394"/>
+                  <a:ext cx="122760" cy="48240"/>
+                </a:xfrm>
+                <a:prstGeom prst="rect">
+                  <a:avLst/>
+                </a:prstGeom>
+              </p:spPr>
+            </p:pic>
+          </mc:Fallback>
+        </mc:AlternateContent>
+        <mc:AlternateContent xmlns:mc="http://schemas.openxmlformats.org/markup-compatibility/2006">
+          <mc:Choice xmlns:p14="http://schemas.microsoft.com/office/powerpoint/2010/main" Requires="p14">
+            <p:contentPart p14:bwMode="auto" r:id="rId35">
+              <p14:nvContentPartPr>
+                <p14:cNvPr id="30" name="墨迹 29">
+                  <a:extLst>
+                    <a:ext uri="{FF2B5EF4-FFF2-40B4-BE49-F238E27FC236}">
+                      <a16:creationId xmlns:a16="http://schemas.microsoft.com/office/drawing/2014/main" id="{4E84E9E2-4202-0860-1C08-246672AB72AD}"/>
+                    </a:ext>
+                  </a:extLst>
+                </p14:cNvPr>
+                <p14:cNvContentPartPr/>
+                <p14:nvPr/>
+              </p14:nvContentPartPr>
+              <p14:xfrm>
+                <a:off x="8532737" y="405954"/>
+                <a:ext cx="36720" cy="213120"/>
+              </p14:xfrm>
+            </p:contentPart>
+          </mc:Choice>
+          <mc:Fallback>
+            <p:pic>
+              <p:nvPicPr>
+                <p:cNvPr id="30" name="墨迹 29">
+                  <a:extLst>
+                    <a:ext uri="{FF2B5EF4-FFF2-40B4-BE49-F238E27FC236}">
+                      <a16:creationId xmlns:a16="http://schemas.microsoft.com/office/drawing/2014/main" id="{4E84E9E2-4202-0860-1C08-246672AB72AD}"/>
+                    </a:ext>
+                  </a:extLst>
+                </p:cNvPr>
+                <p:cNvPicPr/>
+                <p:nvPr/>
+              </p:nvPicPr>
+              <p:blipFill>
+                <a:blip r:embed="rId36"/>
+                <a:stretch>
+                  <a:fillRect/>
+                </a:stretch>
+              </p:blipFill>
+              <p:spPr>
+                <a:xfrm>
+                  <a:off x="8524097" y="397314"/>
+                  <a:ext cx="54360" cy="230760"/>
+                </a:xfrm>
+                <a:prstGeom prst="rect">
+                  <a:avLst/>
+                </a:prstGeom>
+              </p:spPr>
+            </p:pic>
+          </mc:Fallback>
+        </mc:AlternateContent>
+        <mc:AlternateContent xmlns:mc="http://schemas.openxmlformats.org/markup-compatibility/2006">
+          <mc:Choice xmlns:p14="http://schemas.microsoft.com/office/powerpoint/2010/main" Requires="p14">
+            <p:contentPart p14:bwMode="auto" r:id="rId37">
+              <p14:nvContentPartPr>
+                <p14:cNvPr id="31" name="墨迹 30">
+                  <a:extLst>
+                    <a:ext uri="{FF2B5EF4-FFF2-40B4-BE49-F238E27FC236}">
+                      <a16:creationId xmlns:a16="http://schemas.microsoft.com/office/drawing/2014/main" id="{AD44CCFD-E3CA-B607-0486-C9A8D6049088}"/>
+                    </a:ext>
+                  </a:extLst>
+                </p14:cNvPr>
+                <p14:cNvContentPartPr/>
+                <p14:nvPr/>
+              </p14:nvContentPartPr>
+              <p14:xfrm>
+                <a:off x="8488817" y="370674"/>
+                <a:ext cx="173520" cy="198360"/>
+              </p14:xfrm>
+            </p:contentPart>
+          </mc:Choice>
+          <mc:Fallback>
+            <p:pic>
+              <p:nvPicPr>
+                <p:cNvPr id="31" name="墨迹 30">
+                  <a:extLst>
+                    <a:ext uri="{FF2B5EF4-FFF2-40B4-BE49-F238E27FC236}">
+                      <a16:creationId xmlns:a16="http://schemas.microsoft.com/office/drawing/2014/main" id="{AD44CCFD-E3CA-B607-0486-C9A8D6049088}"/>
+                    </a:ext>
+                  </a:extLst>
+                </p:cNvPr>
+                <p:cNvPicPr/>
+                <p:nvPr/>
+              </p:nvPicPr>
+              <p:blipFill>
+                <a:blip r:embed="rId38"/>
+                <a:stretch>
+                  <a:fillRect/>
+                </a:stretch>
+              </p:blipFill>
+              <p:spPr>
+                <a:xfrm>
+                  <a:off x="8480177" y="362034"/>
+                  <a:ext cx="191160" cy="216000"/>
+                </a:xfrm>
+                <a:prstGeom prst="rect">
+                  <a:avLst/>
+                </a:prstGeom>
+              </p:spPr>
+            </p:pic>
+          </mc:Fallback>
+        </mc:AlternateContent>
+        <mc:AlternateContent xmlns:mc="http://schemas.openxmlformats.org/markup-compatibility/2006">
+          <mc:Choice xmlns:p14="http://schemas.microsoft.com/office/powerpoint/2010/main" Requires="p14">
+            <p:contentPart p14:bwMode="auto" r:id="rId39">
+              <p14:nvContentPartPr>
+                <p14:cNvPr id="32" name="墨迹 31">
+                  <a:extLst>
+                    <a:ext uri="{FF2B5EF4-FFF2-40B4-BE49-F238E27FC236}">
+                      <a16:creationId xmlns:a16="http://schemas.microsoft.com/office/drawing/2014/main" id="{8446C905-EA9E-B203-9D01-2D059E5460FD}"/>
+                    </a:ext>
+                  </a:extLst>
+                </p14:cNvPr>
+                <p14:cNvContentPartPr/>
+                <p14:nvPr/>
+              </p14:nvContentPartPr>
+              <p14:xfrm>
+                <a:off x="8574497" y="322074"/>
+                <a:ext cx="176040" cy="257400"/>
+              </p14:xfrm>
+            </p:contentPart>
+          </mc:Choice>
+          <mc:Fallback>
+            <p:pic>
+              <p:nvPicPr>
+                <p:cNvPr id="32" name="墨迹 31">
+                  <a:extLst>
+                    <a:ext uri="{FF2B5EF4-FFF2-40B4-BE49-F238E27FC236}">
+                      <a16:creationId xmlns:a16="http://schemas.microsoft.com/office/drawing/2014/main" id="{8446C905-EA9E-B203-9D01-2D059E5460FD}"/>
+                    </a:ext>
+                  </a:extLst>
+                </p:cNvPr>
+                <p:cNvPicPr/>
+                <p:nvPr/>
+              </p:nvPicPr>
+              <p:blipFill>
+                <a:blip r:embed="rId40"/>
+                <a:stretch>
+                  <a:fillRect/>
+                </a:stretch>
+              </p:blipFill>
+              <p:spPr>
+                <a:xfrm>
+                  <a:off x="8565497" y="313434"/>
+                  <a:ext cx="193680" cy="275040"/>
+                </a:xfrm>
+                <a:prstGeom prst="rect">
+                  <a:avLst/>
+                </a:prstGeom>
+              </p:spPr>
+            </p:pic>
+          </mc:Fallback>
+        </mc:AlternateContent>
+        <mc:AlternateContent xmlns:mc="http://schemas.openxmlformats.org/markup-compatibility/2006">
+          <mc:Choice xmlns:p14="http://schemas.microsoft.com/office/powerpoint/2010/main" Requires="p14">
+            <p:contentPart p14:bwMode="auto" r:id="rId41">
+              <p14:nvContentPartPr>
+                <p14:cNvPr id="33" name="墨迹 32">
+                  <a:extLst>
+                    <a:ext uri="{FF2B5EF4-FFF2-40B4-BE49-F238E27FC236}">
+                      <a16:creationId xmlns:a16="http://schemas.microsoft.com/office/drawing/2014/main" id="{C525BBA2-DC99-C1EA-9754-B2A8A1BAB683}"/>
+                    </a:ext>
+                  </a:extLst>
+                </p14:cNvPr>
+                <p14:cNvContentPartPr/>
+                <p14:nvPr/>
+              </p14:nvContentPartPr>
+              <p14:xfrm>
+                <a:off x="8676737" y="288954"/>
+                <a:ext cx="93600" cy="277920"/>
+              </p14:xfrm>
+            </p:contentPart>
+          </mc:Choice>
+          <mc:Fallback>
+            <p:pic>
+              <p:nvPicPr>
+                <p:cNvPr id="33" name="墨迹 32">
+                  <a:extLst>
+                    <a:ext uri="{FF2B5EF4-FFF2-40B4-BE49-F238E27FC236}">
+                      <a16:creationId xmlns:a16="http://schemas.microsoft.com/office/drawing/2014/main" id="{C525BBA2-DC99-C1EA-9754-B2A8A1BAB683}"/>
+                    </a:ext>
+                  </a:extLst>
+                </p:cNvPr>
+                <p:cNvPicPr/>
+                <p:nvPr/>
+              </p:nvPicPr>
+              <p:blipFill>
+                <a:blip r:embed="rId42"/>
+                <a:stretch>
+                  <a:fillRect/>
+                </a:stretch>
+              </p:blipFill>
+              <p:spPr>
+                <a:xfrm>
+                  <a:off x="8668097" y="280314"/>
+                  <a:ext cx="111240" cy="295560"/>
+                </a:xfrm>
+                <a:prstGeom prst="rect">
+                  <a:avLst/>
+                </a:prstGeom>
+              </p:spPr>
+            </p:pic>
+          </mc:Fallback>
+        </mc:AlternateContent>
+        <mc:AlternateContent xmlns:mc="http://schemas.openxmlformats.org/markup-compatibility/2006">
+          <mc:Choice xmlns:p14="http://schemas.microsoft.com/office/powerpoint/2010/main" Requires="p14">
+            <p:contentPart p14:bwMode="auto" r:id="rId43">
+              <p14:nvContentPartPr>
+                <p14:cNvPr id="35" name="墨迹 34">
+                  <a:extLst>
+                    <a:ext uri="{FF2B5EF4-FFF2-40B4-BE49-F238E27FC236}">
+                      <a16:creationId xmlns:a16="http://schemas.microsoft.com/office/drawing/2014/main" id="{DEBD170F-86DE-C798-1FA3-38F44E266F08}"/>
+                    </a:ext>
+                  </a:extLst>
+                </p14:cNvPr>
+                <p14:cNvContentPartPr/>
+                <p14:nvPr/>
+              </p14:nvContentPartPr>
+              <p14:xfrm>
+                <a:off x="7953497" y="897714"/>
+                <a:ext cx="144360" cy="299160"/>
+              </p14:xfrm>
+            </p:contentPart>
+          </mc:Choice>
+          <mc:Fallback>
+            <p:pic>
+              <p:nvPicPr>
+                <p:cNvPr id="35" name="墨迹 34">
+                  <a:extLst>
+                    <a:ext uri="{FF2B5EF4-FFF2-40B4-BE49-F238E27FC236}">
+                      <a16:creationId xmlns:a16="http://schemas.microsoft.com/office/drawing/2014/main" id="{DEBD170F-86DE-C798-1FA3-38F44E266F08}"/>
+                    </a:ext>
+                  </a:extLst>
+                </p:cNvPr>
+                <p:cNvPicPr/>
+                <p:nvPr/>
+              </p:nvPicPr>
+              <p:blipFill>
+                <a:blip r:embed="rId44"/>
+                <a:stretch>
+                  <a:fillRect/>
+                </a:stretch>
+              </p:blipFill>
+              <p:spPr>
+                <a:xfrm>
+                  <a:off x="7944497" y="888714"/>
+                  <a:ext cx="162000" cy="316800"/>
+                </a:xfrm>
+                <a:prstGeom prst="rect">
+                  <a:avLst/>
+                </a:prstGeom>
+              </p:spPr>
+            </p:pic>
+          </mc:Fallback>
+        </mc:AlternateContent>
+        <mc:AlternateContent xmlns:mc="http://schemas.openxmlformats.org/markup-compatibility/2006">
+          <mc:Choice xmlns:p14="http://schemas.microsoft.com/office/powerpoint/2010/main" Requires="p14">
+            <p:contentPart p14:bwMode="auto" r:id="rId45">
+              <p14:nvContentPartPr>
+                <p14:cNvPr id="36" name="墨迹 35">
+                  <a:extLst>
+                    <a:ext uri="{FF2B5EF4-FFF2-40B4-BE49-F238E27FC236}">
+                      <a16:creationId xmlns:a16="http://schemas.microsoft.com/office/drawing/2014/main" id="{AF61F658-0B5E-2253-2C6A-F92695222720}"/>
+                    </a:ext>
+                  </a:extLst>
+                </p14:cNvPr>
+                <p14:cNvContentPartPr/>
+                <p14:nvPr/>
+              </p14:nvContentPartPr>
+              <p14:xfrm>
+                <a:off x="8072297" y="992034"/>
+                <a:ext cx="294840" cy="140760"/>
+              </p14:xfrm>
+            </p:contentPart>
+          </mc:Choice>
+          <mc:Fallback>
+            <p:pic>
+              <p:nvPicPr>
+                <p:cNvPr id="36" name="墨迹 35">
+                  <a:extLst>
+                    <a:ext uri="{FF2B5EF4-FFF2-40B4-BE49-F238E27FC236}">
+                      <a16:creationId xmlns:a16="http://schemas.microsoft.com/office/drawing/2014/main" id="{AF61F658-0B5E-2253-2C6A-F92695222720}"/>
+                    </a:ext>
+                  </a:extLst>
+                </p:cNvPr>
+                <p:cNvPicPr/>
+                <p:nvPr/>
+              </p:nvPicPr>
+              <p:blipFill>
+                <a:blip r:embed="rId46"/>
+                <a:stretch>
+                  <a:fillRect/>
+                </a:stretch>
+              </p:blipFill>
+              <p:spPr>
+                <a:xfrm>
+                  <a:off x="8063297" y="983034"/>
+                  <a:ext cx="312480" cy="158400"/>
+                </a:xfrm>
+                <a:prstGeom prst="rect">
+                  <a:avLst/>
+                </a:prstGeom>
+              </p:spPr>
+            </p:pic>
+          </mc:Fallback>
+        </mc:AlternateContent>
+        <mc:AlternateContent xmlns:mc="http://schemas.openxmlformats.org/markup-compatibility/2006">
+          <mc:Choice xmlns:p14="http://schemas.microsoft.com/office/powerpoint/2010/main" Requires="p14">
+            <p:contentPart p14:bwMode="auto" r:id="rId47">
+              <p14:nvContentPartPr>
+                <p14:cNvPr id="38" name="墨迹 37">
+                  <a:extLst>
+                    <a:ext uri="{FF2B5EF4-FFF2-40B4-BE49-F238E27FC236}">
+                      <a16:creationId xmlns:a16="http://schemas.microsoft.com/office/drawing/2014/main" id="{0C212E88-0EEC-F376-4A4F-98C0E1DD121A}"/>
+                    </a:ext>
+                  </a:extLst>
+                </p14:cNvPr>
+                <p14:cNvContentPartPr/>
+                <p14:nvPr/>
+              </p14:nvContentPartPr>
+              <p14:xfrm>
+                <a:off x="8046377" y="346554"/>
+                <a:ext cx="18360" cy="190080"/>
+              </p14:xfrm>
+            </p:contentPart>
+          </mc:Choice>
+          <mc:Fallback>
+            <p:pic>
+              <p:nvPicPr>
+                <p:cNvPr id="38" name="墨迹 37">
+                  <a:extLst>
+                    <a:ext uri="{FF2B5EF4-FFF2-40B4-BE49-F238E27FC236}">
+                      <a16:creationId xmlns:a16="http://schemas.microsoft.com/office/drawing/2014/main" id="{0C212E88-0EEC-F376-4A4F-98C0E1DD121A}"/>
+                    </a:ext>
+                  </a:extLst>
+                </p:cNvPr>
+                <p:cNvPicPr/>
+                <p:nvPr/>
+              </p:nvPicPr>
+              <p:blipFill>
+                <a:blip r:embed="rId48"/>
+                <a:stretch>
+                  <a:fillRect/>
+                </a:stretch>
+              </p:blipFill>
+              <p:spPr>
+                <a:xfrm>
+                  <a:off x="8037737" y="337914"/>
+                  <a:ext cx="36000" cy="207720"/>
+                </a:xfrm>
+                <a:prstGeom prst="rect">
+                  <a:avLst/>
+                </a:prstGeom>
+              </p:spPr>
+            </p:pic>
+          </mc:Fallback>
+        </mc:AlternateContent>
+        <mc:AlternateContent xmlns:mc="http://schemas.openxmlformats.org/markup-compatibility/2006">
+          <mc:Choice xmlns:p14="http://schemas.microsoft.com/office/powerpoint/2010/main" Requires="p14">
+            <p:contentPart p14:bwMode="auto" r:id="rId49">
+              <p14:nvContentPartPr>
+                <p14:cNvPr id="39" name="墨迹 38">
+                  <a:extLst>
+                    <a:ext uri="{FF2B5EF4-FFF2-40B4-BE49-F238E27FC236}">
+                      <a16:creationId xmlns:a16="http://schemas.microsoft.com/office/drawing/2014/main" id="{D13C4F1C-F8E3-F79D-AA45-332AF61C9C2C}"/>
+                    </a:ext>
+                  </a:extLst>
+                </p14:cNvPr>
+                <p14:cNvContentPartPr/>
+                <p14:nvPr/>
+              </p14:nvContentPartPr>
+              <p14:xfrm>
+                <a:off x="7949897" y="171954"/>
+                <a:ext cx="623520" cy="289800"/>
+              </p14:xfrm>
+            </p:contentPart>
+          </mc:Choice>
+          <mc:Fallback>
+            <p:pic>
+              <p:nvPicPr>
+                <p:cNvPr id="39" name="墨迹 38">
+                  <a:extLst>
+                    <a:ext uri="{FF2B5EF4-FFF2-40B4-BE49-F238E27FC236}">
+                      <a16:creationId xmlns:a16="http://schemas.microsoft.com/office/drawing/2014/main" id="{D13C4F1C-F8E3-F79D-AA45-332AF61C9C2C}"/>
+                    </a:ext>
+                  </a:extLst>
+                </p:cNvPr>
+                <p:cNvPicPr/>
+                <p:nvPr/>
+              </p:nvPicPr>
+              <p:blipFill>
+                <a:blip r:embed="rId50"/>
+                <a:stretch>
+                  <a:fillRect/>
+                </a:stretch>
+              </p:blipFill>
+              <p:spPr>
+                <a:xfrm>
+                  <a:off x="7941257" y="163314"/>
+                  <a:ext cx="641160" cy="307440"/>
+                </a:xfrm>
+                <a:prstGeom prst="rect">
+                  <a:avLst/>
+                </a:prstGeom>
+              </p:spPr>
+            </p:pic>
+          </mc:Fallback>
+        </mc:AlternateContent>
+        <mc:AlternateContent xmlns:mc="http://schemas.openxmlformats.org/markup-compatibility/2006">
+          <mc:Choice xmlns:p14="http://schemas.microsoft.com/office/powerpoint/2010/main" Requires="p14">
+            <p:contentPart p14:bwMode="auto" r:id="rId51">
+              <p14:nvContentPartPr>
+                <p14:cNvPr id="41" name="墨迹 40">
+                  <a:extLst>
+                    <a:ext uri="{FF2B5EF4-FFF2-40B4-BE49-F238E27FC236}">
+                      <a16:creationId xmlns:a16="http://schemas.microsoft.com/office/drawing/2014/main" id="{BC462646-19D0-DBB8-F347-6252131CB0A4}"/>
+                    </a:ext>
+                  </a:extLst>
+                </p14:cNvPr>
+                <p14:cNvContentPartPr/>
+                <p14:nvPr/>
+              </p14:nvContentPartPr>
+              <p14:xfrm>
+                <a:off x="8407457" y="779274"/>
+                <a:ext cx="204120" cy="254160"/>
+              </p14:xfrm>
+            </p:contentPart>
+          </mc:Choice>
+          <mc:Fallback>
+            <p:pic>
+              <p:nvPicPr>
+                <p:cNvPr id="41" name="墨迹 40">
+                  <a:extLst>
+                    <a:ext uri="{FF2B5EF4-FFF2-40B4-BE49-F238E27FC236}">
+                      <a16:creationId xmlns:a16="http://schemas.microsoft.com/office/drawing/2014/main" id="{BC462646-19D0-DBB8-F347-6252131CB0A4}"/>
+                    </a:ext>
+                  </a:extLst>
+                </p:cNvPr>
+                <p:cNvPicPr/>
+                <p:nvPr/>
+              </p:nvPicPr>
+              <p:blipFill>
+                <a:blip r:embed="rId52"/>
+                <a:stretch>
+                  <a:fillRect/>
+                </a:stretch>
+              </p:blipFill>
+              <p:spPr>
+                <a:xfrm>
+                  <a:off x="8398817" y="770274"/>
+                  <a:ext cx="221760" cy="271800"/>
+                </a:xfrm>
+                <a:prstGeom prst="rect">
+                  <a:avLst/>
+                </a:prstGeom>
+              </p:spPr>
+            </p:pic>
+          </mc:Fallback>
+        </mc:AlternateContent>
+      </p:grpSp>
+      <p:grpSp>
+        <p:nvGrpSpPr>
+          <p:cNvPr id="44" name="组合 43">
+            <a:extLst>
+              <a:ext uri="{FF2B5EF4-FFF2-40B4-BE49-F238E27FC236}">
+                <a16:creationId xmlns:a16="http://schemas.microsoft.com/office/drawing/2014/main" id="{AE440A02-D309-9B8F-435E-ED89F20A5A32}"/>
+              </a:ext>
+            </a:extLst>
+          </p:cNvPr>
+          <p:cNvGrpSpPr/>
+          <p:nvPr/>
+        </p:nvGrpSpPr>
+        <p:grpSpPr>
+          <a:xfrm>
+            <a:off x="7885097" y="1390914"/>
+            <a:ext cx="792720" cy="397440"/>
+            <a:chOff x="7885097" y="1390914"/>
+            <a:chExt cx="792720" cy="397440"/>
+          </a:xfrm>
+        </p:grpSpPr>
+        <mc:AlternateContent xmlns:mc="http://schemas.openxmlformats.org/markup-compatibility/2006">
+          <mc:Choice xmlns:p14="http://schemas.microsoft.com/office/powerpoint/2010/main" Requires="p14">
+            <p:contentPart p14:bwMode="auto" r:id="rId53">
+              <p14:nvContentPartPr>
+                <p14:cNvPr id="42" name="墨迹 41">
+                  <a:extLst>
+                    <a:ext uri="{FF2B5EF4-FFF2-40B4-BE49-F238E27FC236}">
+                      <a16:creationId xmlns:a16="http://schemas.microsoft.com/office/drawing/2014/main" id="{66D05B74-266F-FE51-D638-A22D21B9961A}"/>
+                    </a:ext>
+                  </a:extLst>
+                </p14:cNvPr>
+                <p14:cNvContentPartPr/>
+                <p14:nvPr/>
+              </p14:nvContentPartPr>
+              <p14:xfrm>
+                <a:off x="7885097" y="1561194"/>
+                <a:ext cx="533880" cy="227160"/>
+              </p14:xfrm>
+            </p:contentPart>
+          </mc:Choice>
+          <mc:Fallback>
+            <p:pic>
+              <p:nvPicPr>
+                <p:cNvPr id="42" name="墨迹 41">
+                  <a:extLst>
+                    <a:ext uri="{FF2B5EF4-FFF2-40B4-BE49-F238E27FC236}">
+                      <a16:creationId xmlns:a16="http://schemas.microsoft.com/office/drawing/2014/main" id="{66D05B74-266F-FE51-D638-A22D21B9961A}"/>
+                    </a:ext>
+                  </a:extLst>
+                </p:cNvPr>
+                <p:cNvPicPr/>
+                <p:nvPr/>
+              </p:nvPicPr>
+              <p:blipFill>
+                <a:blip r:embed="rId54"/>
+                <a:stretch>
+                  <a:fillRect/>
+                </a:stretch>
+              </p:blipFill>
+              <p:spPr>
+                <a:xfrm>
+                  <a:off x="7876097" y="1552194"/>
+                  <a:ext cx="551520" cy="244800"/>
+                </a:xfrm>
+                <a:prstGeom prst="rect">
+                  <a:avLst/>
+                </a:prstGeom>
+              </p:spPr>
+            </p:pic>
+          </mc:Fallback>
+        </mc:AlternateContent>
+        <mc:AlternateContent xmlns:mc="http://schemas.openxmlformats.org/markup-compatibility/2006">
+          <mc:Choice xmlns:p14="http://schemas.microsoft.com/office/powerpoint/2010/main" Requires="p14">
+            <p:contentPart p14:bwMode="auto" r:id="rId55">
+              <p14:nvContentPartPr>
+                <p14:cNvPr id="43" name="墨迹 42">
+                  <a:extLst>
+                    <a:ext uri="{FF2B5EF4-FFF2-40B4-BE49-F238E27FC236}">
+                      <a16:creationId xmlns:a16="http://schemas.microsoft.com/office/drawing/2014/main" id="{11ED4BFB-AB9A-0EBC-D924-D8D36F89ECB3}"/>
+                    </a:ext>
+                  </a:extLst>
+                </p14:cNvPr>
+                <p14:cNvContentPartPr/>
+                <p14:nvPr/>
+              </p14:nvContentPartPr>
+              <p14:xfrm>
+                <a:off x="8474417" y="1390914"/>
+                <a:ext cx="203400" cy="245880"/>
+              </p14:xfrm>
+            </p:contentPart>
+          </mc:Choice>
+          <mc:Fallback>
+            <p:pic>
+              <p:nvPicPr>
+                <p:cNvPr id="43" name="墨迹 42">
+                  <a:extLst>
+                    <a:ext uri="{FF2B5EF4-FFF2-40B4-BE49-F238E27FC236}">
+                      <a16:creationId xmlns:a16="http://schemas.microsoft.com/office/drawing/2014/main" id="{11ED4BFB-AB9A-0EBC-D924-D8D36F89ECB3}"/>
+                    </a:ext>
+                  </a:extLst>
+                </p:cNvPr>
+                <p:cNvPicPr/>
+                <p:nvPr/>
+              </p:nvPicPr>
+              <p:blipFill>
+                <a:blip r:embed="rId56"/>
+                <a:stretch>
+                  <a:fillRect/>
+                </a:stretch>
+              </p:blipFill>
+              <p:spPr>
+                <a:xfrm>
+                  <a:off x="8465777" y="1381914"/>
+                  <a:ext cx="221040" cy="263520"/>
+                </a:xfrm>
+                <a:prstGeom prst="rect">
+                  <a:avLst/>
+                </a:prstGeom>
+              </p:spPr>
+            </p:pic>
+          </mc:Fallback>
+        </mc:AlternateContent>
+      </p:grpSp>
     </p:spTree>
     <p:extLst>
       <p:ext uri="{BB962C8B-B14F-4D97-AF65-F5344CB8AC3E}">
@@ -4894,6 +8686,1965 @@
           </a:p>
         </p:txBody>
       </p:sp>
+      <p:grpSp>
+        <p:nvGrpSpPr>
+          <p:cNvPr id="53" name="组合 52">
+            <a:extLst>
+              <a:ext uri="{FF2B5EF4-FFF2-40B4-BE49-F238E27FC236}">
+                <a16:creationId xmlns:a16="http://schemas.microsoft.com/office/drawing/2014/main" id="{7068A7EB-AE0C-EF27-CE31-1657955CD1F2}"/>
+              </a:ext>
+            </a:extLst>
+          </p:cNvPr>
+          <p:cNvGrpSpPr/>
+          <p:nvPr/>
+        </p:nvGrpSpPr>
+        <p:grpSpPr>
+          <a:xfrm>
+            <a:off x="6006617" y="-46373"/>
+            <a:ext cx="3512880" cy="1129680"/>
+            <a:chOff x="6006617" y="-46373"/>
+            <a:chExt cx="3512880" cy="1129680"/>
+          </a:xfrm>
+        </p:grpSpPr>
+        <mc:AlternateContent xmlns:mc="http://schemas.openxmlformats.org/markup-compatibility/2006">
+          <mc:Choice xmlns:p14="http://schemas.microsoft.com/office/powerpoint/2010/main" Requires="p14">
+            <p:contentPart p14:bwMode="auto" r:id="rId5">
+              <p14:nvContentPartPr>
+                <p14:cNvPr id="6" name="墨迹 5">
+                  <a:extLst>
+                    <a:ext uri="{FF2B5EF4-FFF2-40B4-BE49-F238E27FC236}">
+                      <a16:creationId xmlns:a16="http://schemas.microsoft.com/office/drawing/2014/main" id="{F375CF76-50AD-6E5D-67BA-101016AE175F}"/>
+                    </a:ext>
+                  </a:extLst>
+                </p14:cNvPr>
+                <p14:cNvContentPartPr/>
+                <p14:nvPr/>
+              </p14:nvContentPartPr>
+              <p14:xfrm>
+                <a:off x="6006617" y="115987"/>
+                <a:ext cx="180720" cy="347760"/>
+              </p14:xfrm>
+            </p:contentPart>
+          </mc:Choice>
+          <mc:Fallback>
+            <p:pic>
+              <p:nvPicPr>
+                <p:cNvPr id="6" name="墨迹 5">
+                  <a:extLst>
+                    <a:ext uri="{FF2B5EF4-FFF2-40B4-BE49-F238E27FC236}">
+                      <a16:creationId xmlns:a16="http://schemas.microsoft.com/office/drawing/2014/main" id="{F375CF76-50AD-6E5D-67BA-101016AE175F}"/>
+                    </a:ext>
+                  </a:extLst>
+                </p:cNvPr>
+                <p:cNvPicPr/>
+                <p:nvPr/>
+              </p:nvPicPr>
+              <p:blipFill>
+                <a:blip r:embed="rId6"/>
+                <a:stretch>
+                  <a:fillRect/>
+                </a:stretch>
+              </p:blipFill>
+              <p:spPr>
+                <a:xfrm>
+                  <a:off x="5997617" y="106987"/>
+                  <a:ext cx="198360" cy="365400"/>
+                </a:xfrm>
+                <a:prstGeom prst="rect">
+                  <a:avLst/>
+                </a:prstGeom>
+              </p:spPr>
+            </p:pic>
+          </mc:Fallback>
+        </mc:AlternateContent>
+        <mc:AlternateContent xmlns:mc="http://schemas.openxmlformats.org/markup-compatibility/2006">
+          <mc:Choice xmlns:p14="http://schemas.microsoft.com/office/powerpoint/2010/main" Requires="p14">
+            <p:contentPart p14:bwMode="auto" r:id="rId7">
+              <p14:nvContentPartPr>
+                <p14:cNvPr id="8" name="墨迹 7">
+                  <a:extLst>
+                    <a:ext uri="{FF2B5EF4-FFF2-40B4-BE49-F238E27FC236}">
+                      <a16:creationId xmlns:a16="http://schemas.microsoft.com/office/drawing/2014/main" id="{07465FB9-36BA-3879-223C-5ADDB1996EC7}"/>
+                    </a:ext>
+                  </a:extLst>
+                </p14:cNvPr>
+                <p14:cNvContentPartPr/>
+                <p14:nvPr/>
+              </p14:nvContentPartPr>
+              <p14:xfrm>
+                <a:off x="6127937" y="122827"/>
+                <a:ext cx="226440" cy="194040"/>
+              </p14:xfrm>
+            </p:contentPart>
+          </mc:Choice>
+          <mc:Fallback>
+            <p:pic>
+              <p:nvPicPr>
+                <p:cNvPr id="8" name="墨迹 7">
+                  <a:extLst>
+                    <a:ext uri="{FF2B5EF4-FFF2-40B4-BE49-F238E27FC236}">
+                      <a16:creationId xmlns:a16="http://schemas.microsoft.com/office/drawing/2014/main" id="{07465FB9-36BA-3879-223C-5ADDB1996EC7}"/>
+                    </a:ext>
+                  </a:extLst>
+                </p:cNvPr>
+                <p:cNvPicPr/>
+                <p:nvPr/>
+              </p:nvPicPr>
+              <p:blipFill>
+                <a:blip r:embed="rId8"/>
+                <a:stretch>
+                  <a:fillRect/>
+                </a:stretch>
+              </p:blipFill>
+              <p:spPr>
+                <a:xfrm>
+                  <a:off x="6119297" y="113827"/>
+                  <a:ext cx="244080" cy="211680"/>
+                </a:xfrm>
+                <a:prstGeom prst="rect">
+                  <a:avLst/>
+                </a:prstGeom>
+              </p:spPr>
+            </p:pic>
+          </mc:Fallback>
+        </mc:AlternateContent>
+        <mc:AlternateContent xmlns:mc="http://schemas.openxmlformats.org/markup-compatibility/2006">
+          <mc:Choice xmlns:p14="http://schemas.microsoft.com/office/powerpoint/2010/main" Requires="p14">
+            <p:contentPart p14:bwMode="auto" r:id="rId9">
+              <p14:nvContentPartPr>
+                <p14:cNvPr id="9" name="墨迹 8">
+                  <a:extLst>
+                    <a:ext uri="{FF2B5EF4-FFF2-40B4-BE49-F238E27FC236}">
+                      <a16:creationId xmlns:a16="http://schemas.microsoft.com/office/drawing/2014/main" id="{E246249A-FCBF-BCD5-9056-4B7598B63361}"/>
+                    </a:ext>
+                  </a:extLst>
+                </p14:cNvPr>
+                <p14:cNvContentPartPr/>
+                <p14:nvPr/>
+              </p14:nvContentPartPr>
+              <p14:xfrm>
+                <a:off x="6224417" y="207067"/>
+                <a:ext cx="227880" cy="217080"/>
+              </p14:xfrm>
+            </p:contentPart>
+          </mc:Choice>
+          <mc:Fallback>
+            <p:pic>
+              <p:nvPicPr>
+                <p:cNvPr id="9" name="墨迹 8">
+                  <a:extLst>
+                    <a:ext uri="{FF2B5EF4-FFF2-40B4-BE49-F238E27FC236}">
+                      <a16:creationId xmlns:a16="http://schemas.microsoft.com/office/drawing/2014/main" id="{E246249A-FCBF-BCD5-9056-4B7598B63361}"/>
+                    </a:ext>
+                  </a:extLst>
+                </p:cNvPr>
+                <p:cNvPicPr/>
+                <p:nvPr/>
+              </p:nvPicPr>
+              <p:blipFill>
+                <a:blip r:embed="rId10"/>
+                <a:stretch>
+                  <a:fillRect/>
+                </a:stretch>
+              </p:blipFill>
+              <p:spPr>
+                <a:xfrm>
+                  <a:off x="6215777" y="198427"/>
+                  <a:ext cx="245520" cy="234720"/>
+                </a:xfrm>
+                <a:prstGeom prst="rect">
+                  <a:avLst/>
+                </a:prstGeom>
+              </p:spPr>
+            </p:pic>
+          </mc:Fallback>
+        </mc:AlternateContent>
+        <mc:AlternateContent xmlns:mc="http://schemas.openxmlformats.org/markup-compatibility/2006">
+          <mc:Choice xmlns:p14="http://schemas.microsoft.com/office/powerpoint/2010/main" Requires="p14">
+            <p:contentPart p14:bwMode="auto" r:id="rId11">
+              <p14:nvContentPartPr>
+                <p14:cNvPr id="11" name="墨迹 10">
+                  <a:extLst>
+                    <a:ext uri="{FF2B5EF4-FFF2-40B4-BE49-F238E27FC236}">
+                      <a16:creationId xmlns:a16="http://schemas.microsoft.com/office/drawing/2014/main" id="{64C73C28-3DEC-7101-5B54-5EF2F97D672F}"/>
+                    </a:ext>
+                  </a:extLst>
+                </p14:cNvPr>
+                <p14:cNvContentPartPr/>
+                <p14:nvPr/>
+              </p14:nvContentPartPr>
+              <p14:xfrm>
+                <a:off x="6470657" y="67747"/>
+                <a:ext cx="119880" cy="55080"/>
+              </p14:xfrm>
+            </p:contentPart>
+          </mc:Choice>
+          <mc:Fallback>
+            <p:pic>
+              <p:nvPicPr>
+                <p:cNvPr id="11" name="墨迹 10">
+                  <a:extLst>
+                    <a:ext uri="{FF2B5EF4-FFF2-40B4-BE49-F238E27FC236}">
+                      <a16:creationId xmlns:a16="http://schemas.microsoft.com/office/drawing/2014/main" id="{64C73C28-3DEC-7101-5B54-5EF2F97D672F}"/>
+                    </a:ext>
+                  </a:extLst>
+                </p:cNvPr>
+                <p:cNvPicPr/>
+                <p:nvPr/>
+              </p:nvPicPr>
+              <p:blipFill>
+                <a:blip r:embed="rId12"/>
+                <a:stretch>
+                  <a:fillRect/>
+                </a:stretch>
+              </p:blipFill>
+              <p:spPr>
+                <a:xfrm>
+                  <a:off x="6462017" y="59107"/>
+                  <a:ext cx="137520" cy="72720"/>
+                </a:xfrm>
+                <a:prstGeom prst="rect">
+                  <a:avLst/>
+                </a:prstGeom>
+              </p:spPr>
+            </p:pic>
+          </mc:Fallback>
+        </mc:AlternateContent>
+        <mc:AlternateContent xmlns:mc="http://schemas.openxmlformats.org/markup-compatibility/2006">
+          <mc:Choice xmlns:p14="http://schemas.microsoft.com/office/powerpoint/2010/main" Requires="p14">
+            <p:contentPart p14:bwMode="auto" r:id="rId13">
+              <p14:nvContentPartPr>
+                <p14:cNvPr id="12" name="墨迹 11">
+                  <a:extLst>
+                    <a:ext uri="{FF2B5EF4-FFF2-40B4-BE49-F238E27FC236}">
+                      <a16:creationId xmlns:a16="http://schemas.microsoft.com/office/drawing/2014/main" id="{5BCAE120-D3E2-CFE4-D557-99E0ECB3C383}"/>
+                    </a:ext>
+                  </a:extLst>
+                </p14:cNvPr>
+                <p14:cNvContentPartPr/>
+                <p14:nvPr/>
+              </p14:nvContentPartPr>
+              <p14:xfrm>
+                <a:off x="6475337" y="43267"/>
+                <a:ext cx="345240" cy="297000"/>
+              </p14:xfrm>
+            </p:contentPart>
+          </mc:Choice>
+          <mc:Fallback>
+            <p:pic>
+              <p:nvPicPr>
+                <p:cNvPr id="12" name="墨迹 11">
+                  <a:extLst>
+                    <a:ext uri="{FF2B5EF4-FFF2-40B4-BE49-F238E27FC236}">
+                      <a16:creationId xmlns:a16="http://schemas.microsoft.com/office/drawing/2014/main" id="{5BCAE120-D3E2-CFE4-D557-99E0ECB3C383}"/>
+                    </a:ext>
+                  </a:extLst>
+                </p:cNvPr>
+                <p:cNvPicPr/>
+                <p:nvPr/>
+              </p:nvPicPr>
+              <p:blipFill>
+                <a:blip r:embed="rId14"/>
+                <a:stretch>
+                  <a:fillRect/>
+                </a:stretch>
+              </p:blipFill>
+              <p:spPr>
+                <a:xfrm>
+                  <a:off x="6466337" y="34267"/>
+                  <a:ext cx="362880" cy="314640"/>
+                </a:xfrm>
+                <a:prstGeom prst="rect">
+                  <a:avLst/>
+                </a:prstGeom>
+              </p:spPr>
+            </p:pic>
+          </mc:Fallback>
+        </mc:AlternateContent>
+        <mc:AlternateContent xmlns:mc="http://schemas.openxmlformats.org/markup-compatibility/2006">
+          <mc:Choice xmlns:p14="http://schemas.microsoft.com/office/powerpoint/2010/main" Requires="p14">
+            <p:contentPart p14:bwMode="auto" r:id="rId15">
+              <p14:nvContentPartPr>
+                <p14:cNvPr id="13" name="墨迹 12">
+                  <a:extLst>
+                    <a:ext uri="{FF2B5EF4-FFF2-40B4-BE49-F238E27FC236}">
+                      <a16:creationId xmlns:a16="http://schemas.microsoft.com/office/drawing/2014/main" id="{FD0040B7-5B09-03DA-F728-548AF934B1C0}"/>
+                    </a:ext>
+                  </a:extLst>
+                </p14:cNvPr>
+                <p14:cNvContentPartPr/>
+                <p14:nvPr/>
+              </p14:nvContentPartPr>
+              <p14:xfrm>
+                <a:off x="6919937" y="-7133"/>
+                <a:ext cx="8280" cy="23760"/>
+              </p14:xfrm>
+            </p:contentPart>
+          </mc:Choice>
+          <mc:Fallback>
+            <p:pic>
+              <p:nvPicPr>
+                <p:cNvPr id="13" name="墨迹 12">
+                  <a:extLst>
+                    <a:ext uri="{FF2B5EF4-FFF2-40B4-BE49-F238E27FC236}">
+                      <a16:creationId xmlns:a16="http://schemas.microsoft.com/office/drawing/2014/main" id="{FD0040B7-5B09-03DA-F728-548AF934B1C0}"/>
+                    </a:ext>
+                  </a:extLst>
+                </p:cNvPr>
+                <p:cNvPicPr/>
+                <p:nvPr/>
+              </p:nvPicPr>
+              <p:blipFill>
+                <a:blip r:embed="rId16"/>
+                <a:stretch>
+                  <a:fillRect/>
+                </a:stretch>
+              </p:blipFill>
+              <p:spPr>
+                <a:xfrm>
+                  <a:off x="6910937" y="-16133"/>
+                  <a:ext cx="25920" cy="41400"/>
+                </a:xfrm>
+                <a:prstGeom prst="rect">
+                  <a:avLst/>
+                </a:prstGeom>
+              </p:spPr>
+            </p:pic>
+          </mc:Fallback>
+        </mc:AlternateContent>
+        <mc:AlternateContent xmlns:mc="http://schemas.openxmlformats.org/markup-compatibility/2006">
+          <mc:Choice xmlns:p14="http://schemas.microsoft.com/office/powerpoint/2010/main" Requires="p14">
+            <p:contentPart p14:bwMode="auto" r:id="rId17">
+              <p14:nvContentPartPr>
+                <p14:cNvPr id="14" name="墨迹 13">
+                  <a:extLst>
+                    <a:ext uri="{FF2B5EF4-FFF2-40B4-BE49-F238E27FC236}">
+                      <a16:creationId xmlns:a16="http://schemas.microsoft.com/office/drawing/2014/main" id="{B0E5205D-5B67-A52F-F39F-FCB7349A8FB3}"/>
+                    </a:ext>
+                  </a:extLst>
+                </p14:cNvPr>
+                <p14:cNvContentPartPr/>
+                <p14:nvPr/>
+              </p14:nvContentPartPr>
+              <p14:xfrm>
+                <a:off x="6759737" y="26347"/>
+                <a:ext cx="206280" cy="102960"/>
+              </p14:xfrm>
+            </p:contentPart>
+          </mc:Choice>
+          <mc:Fallback>
+            <p:pic>
+              <p:nvPicPr>
+                <p:cNvPr id="14" name="墨迹 13">
+                  <a:extLst>
+                    <a:ext uri="{FF2B5EF4-FFF2-40B4-BE49-F238E27FC236}">
+                      <a16:creationId xmlns:a16="http://schemas.microsoft.com/office/drawing/2014/main" id="{B0E5205D-5B67-A52F-F39F-FCB7349A8FB3}"/>
+                    </a:ext>
+                  </a:extLst>
+                </p:cNvPr>
+                <p:cNvPicPr/>
+                <p:nvPr/>
+              </p:nvPicPr>
+              <p:blipFill>
+                <a:blip r:embed="rId18"/>
+                <a:stretch>
+                  <a:fillRect/>
+                </a:stretch>
+              </p:blipFill>
+              <p:spPr>
+                <a:xfrm>
+                  <a:off x="6750737" y="17347"/>
+                  <a:ext cx="223920" cy="120600"/>
+                </a:xfrm>
+                <a:prstGeom prst="rect">
+                  <a:avLst/>
+                </a:prstGeom>
+              </p:spPr>
+            </p:pic>
+          </mc:Fallback>
+        </mc:AlternateContent>
+        <mc:AlternateContent xmlns:mc="http://schemas.openxmlformats.org/markup-compatibility/2006">
+          <mc:Choice xmlns:p14="http://schemas.microsoft.com/office/powerpoint/2010/main" Requires="p14">
+            <p:contentPart p14:bwMode="auto" r:id="rId19">
+              <p14:nvContentPartPr>
+                <p14:cNvPr id="15" name="墨迹 14">
+                  <a:extLst>
+                    <a:ext uri="{FF2B5EF4-FFF2-40B4-BE49-F238E27FC236}">
+                      <a16:creationId xmlns:a16="http://schemas.microsoft.com/office/drawing/2014/main" id="{CEB0777C-9271-14C5-0A7C-1EDCB708BB04}"/>
+                    </a:ext>
+                  </a:extLst>
+                </p14:cNvPr>
+                <p14:cNvContentPartPr/>
+                <p14:nvPr/>
+              </p14:nvContentPartPr>
+              <p14:xfrm>
+                <a:off x="6809057" y="99787"/>
+                <a:ext cx="316440" cy="178200"/>
+              </p14:xfrm>
+            </p:contentPart>
+          </mc:Choice>
+          <mc:Fallback>
+            <p:pic>
+              <p:nvPicPr>
+                <p:cNvPr id="15" name="墨迹 14">
+                  <a:extLst>
+                    <a:ext uri="{FF2B5EF4-FFF2-40B4-BE49-F238E27FC236}">
+                      <a16:creationId xmlns:a16="http://schemas.microsoft.com/office/drawing/2014/main" id="{CEB0777C-9271-14C5-0A7C-1EDCB708BB04}"/>
+                    </a:ext>
+                  </a:extLst>
+                </p:cNvPr>
+                <p:cNvPicPr/>
+                <p:nvPr/>
+              </p:nvPicPr>
+              <p:blipFill>
+                <a:blip r:embed="rId20"/>
+                <a:stretch>
+                  <a:fillRect/>
+                </a:stretch>
+              </p:blipFill>
+              <p:spPr>
+                <a:xfrm>
+                  <a:off x="6800417" y="90787"/>
+                  <a:ext cx="334080" cy="195840"/>
+                </a:xfrm>
+                <a:prstGeom prst="rect">
+                  <a:avLst/>
+                </a:prstGeom>
+              </p:spPr>
+            </p:pic>
+          </mc:Fallback>
+        </mc:AlternateContent>
+        <mc:AlternateContent xmlns:mc="http://schemas.openxmlformats.org/markup-compatibility/2006">
+          <mc:Choice xmlns:p14="http://schemas.microsoft.com/office/powerpoint/2010/main" Requires="p14">
+            <p:contentPart p14:bwMode="auto" r:id="rId21">
+              <p14:nvContentPartPr>
+                <p14:cNvPr id="16" name="墨迹 15">
+                  <a:extLst>
+                    <a:ext uri="{FF2B5EF4-FFF2-40B4-BE49-F238E27FC236}">
+                      <a16:creationId xmlns:a16="http://schemas.microsoft.com/office/drawing/2014/main" id="{ED380537-B40A-5C5A-D1FB-29C94277714E}"/>
+                    </a:ext>
+                  </a:extLst>
+                </p14:cNvPr>
+                <p14:cNvContentPartPr/>
+                <p14:nvPr/>
+              </p14:nvContentPartPr>
+              <p14:xfrm>
+                <a:off x="7087697" y="-46373"/>
+                <a:ext cx="267480" cy="238320"/>
+              </p14:xfrm>
+            </p:contentPart>
+          </mc:Choice>
+          <mc:Fallback>
+            <p:pic>
+              <p:nvPicPr>
+                <p:cNvPr id="16" name="墨迹 15">
+                  <a:extLst>
+                    <a:ext uri="{FF2B5EF4-FFF2-40B4-BE49-F238E27FC236}">
+                      <a16:creationId xmlns:a16="http://schemas.microsoft.com/office/drawing/2014/main" id="{ED380537-B40A-5C5A-D1FB-29C94277714E}"/>
+                    </a:ext>
+                  </a:extLst>
+                </p:cNvPr>
+                <p:cNvPicPr/>
+                <p:nvPr/>
+              </p:nvPicPr>
+              <p:blipFill>
+                <a:blip r:embed="rId22"/>
+                <a:stretch>
+                  <a:fillRect/>
+                </a:stretch>
+              </p:blipFill>
+              <p:spPr>
+                <a:xfrm>
+                  <a:off x="7079057" y="-55373"/>
+                  <a:ext cx="285120" cy="255960"/>
+                </a:xfrm>
+                <a:prstGeom prst="rect">
+                  <a:avLst/>
+                </a:prstGeom>
+              </p:spPr>
+            </p:pic>
+          </mc:Fallback>
+        </mc:AlternateContent>
+        <mc:AlternateContent xmlns:mc="http://schemas.openxmlformats.org/markup-compatibility/2006">
+          <mc:Choice xmlns:p14="http://schemas.microsoft.com/office/powerpoint/2010/main" Requires="p14">
+            <p:contentPart p14:bwMode="auto" r:id="rId23">
+              <p14:nvContentPartPr>
+                <p14:cNvPr id="17" name="墨迹 16">
+                  <a:extLst>
+                    <a:ext uri="{FF2B5EF4-FFF2-40B4-BE49-F238E27FC236}">
+                      <a16:creationId xmlns:a16="http://schemas.microsoft.com/office/drawing/2014/main" id="{98E03F18-0D22-965E-D2A5-A6F3ED6EAED0}"/>
+                    </a:ext>
+                  </a:extLst>
+                </p14:cNvPr>
+                <p14:cNvContentPartPr/>
+                <p14:nvPr/>
+              </p14:nvContentPartPr>
+              <p14:xfrm>
+                <a:off x="7117937" y="10867"/>
+                <a:ext cx="164880" cy="269280"/>
+              </p14:xfrm>
+            </p:contentPart>
+          </mc:Choice>
+          <mc:Fallback>
+            <p:pic>
+              <p:nvPicPr>
+                <p:cNvPr id="17" name="墨迹 16">
+                  <a:extLst>
+                    <a:ext uri="{FF2B5EF4-FFF2-40B4-BE49-F238E27FC236}">
+                      <a16:creationId xmlns:a16="http://schemas.microsoft.com/office/drawing/2014/main" id="{98E03F18-0D22-965E-D2A5-A6F3ED6EAED0}"/>
+                    </a:ext>
+                  </a:extLst>
+                </p:cNvPr>
+                <p:cNvPicPr/>
+                <p:nvPr/>
+              </p:nvPicPr>
+              <p:blipFill>
+                <a:blip r:embed="rId24"/>
+                <a:stretch>
+                  <a:fillRect/>
+                </a:stretch>
+              </p:blipFill>
+              <p:spPr>
+                <a:xfrm>
+                  <a:off x="7109297" y="1867"/>
+                  <a:ext cx="182520" cy="286920"/>
+                </a:xfrm>
+                <a:prstGeom prst="rect">
+                  <a:avLst/>
+                </a:prstGeom>
+              </p:spPr>
+            </p:pic>
+          </mc:Fallback>
+        </mc:AlternateContent>
+        <mc:AlternateContent xmlns:mc="http://schemas.openxmlformats.org/markup-compatibility/2006">
+          <mc:Choice xmlns:p14="http://schemas.microsoft.com/office/powerpoint/2010/main" Requires="p14">
+            <p:contentPart p14:bwMode="auto" r:id="rId25">
+              <p14:nvContentPartPr>
+                <p14:cNvPr id="19" name="墨迹 18">
+                  <a:extLst>
+                    <a:ext uri="{FF2B5EF4-FFF2-40B4-BE49-F238E27FC236}">
+                      <a16:creationId xmlns:a16="http://schemas.microsoft.com/office/drawing/2014/main" id="{732821C6-600B-2E76-83D7-4434C2953877}"/>
+                    </a:ext>
+                  </a:extLst>
+                </p14:cNvPr>
+                <p14:cNvContentPartPr/>
+                <p14:nvPr/>
+              </p14:nvContentPartPr>
+              <p14:xfrm>
+                <a:off x="6593417" y="579307"/>
+                <a:ext cx="142920" cy="84600"/>
+              </p14:xfrm>
+            </p:contentPart>
+          </mc:Choice>
+          <mc:Fallback>
+            <p:pic>
+              <p:nvPicPr>
+                <p:cNvPr id="19" name="墨迹 18">
+                  <a:extLst>
+                    <a:ext uri="{FF2B5EF4-FFF2-40B4-BE49-F238E27FC236}">
+                      <a16:creationId xmlns:a16="http://schemas.microsoft.com/office/drawing/2014/main" id="{732821C6-600B-2E76-83D7-4434C2953877}"/>
+                    </a:ext>
+                  </a:extLst>
+                </p:cNvPr>
+                <p:cNvPicPr/>
+                <p:nvPr/>
+              </p:nvPicPr>
+              <p:blipFill>
+                <a:blip r:embed="rId26"/>
+                <a:stretch>
+                  <a:fillRect/>
+                </a:stretch>
+              </p:blipFill>
+              <p:spPr>
+                <a:xfrm>
+                  <a:off x="6584417" y="570307"/>
+                  <a:ext cx="160560" cy="102240"/>
+                </a:xfrm>
+                <a:prstGeom prst="rect">
+                  <a:avLst/>
+                </a:prstGeom>
+              </p:spPr>
+            </p:pic>
+          </mc:Fallback>
+        </mc:AlternateContent>
+        <mc:AlternateContent xmlns:mc="http://schemas.openxmlformats.org/markup-compatibility/2006">
+          <mc:Choice xmlns:p14="http://schemas.microsoft.com/office/powerpoint/2010/main" Requires="p14">
+            <p:contentPart p14:bwMode="auto" r:id="rId27">
+              <p14:nvContentPartPr>
+                <p14:cNvPr id="20" name="墨迹 19">
+                  <a:extLst>
+                    <a:ext uri="{FF2B5EF4-FFF2-40B4-BE49-F238E27FC236}">
+                      <a16:creationId xmlns:a16="http://schemas.microsoft.com/office/drawing/2014/main" id="{2CF5A25F-8641-0382-6AC9-6D8BA6B31A88}"/>
+                    </a:ext>
+                  </a:extLst>
+                </p14:cNvPr>
+                <p14:cNvContentPartPr/>
+                <p14:nvPr/>
+              </p14:nvContentPartPr>
+              <p14:xfrm>
+                <a:off x="6774857" y="424867"/>
+                <a:ext cx="306720" cy="375840"/>
+              </p14:xfrm>
+            </p:contentPart>
+          </mc:Choice>
+          <mc:Fallback>
+            <p:pic>
+              <p:nvPicPr>
+                <p:cNvPr id="20" name="墨迹 19">
+                  <a:extLst>
+                    <a:ext uri="{FF2B5EF4-FFF2-40B4-BE49-F238E27FC236}">
+                      <a16:creationId xmlns:a16="http://schemas.microsoft.com/office/drawing/2014/main" id="{2CF5A25F-8641-0382-6AC9-6D8BA6B31A88}"/>
+                    </a:ext>
+                  </a:extLst>
+                </p:cNvPr>
+                <p:cNvPicPr/>
+                <p:nvPr/>
+              </p:nvPicPr>
+              <p:blipFill>
+                <a:blip r:embed="rId28"/>
+                <a:stretch>
+                  <a:fillRect/>
+                </a:stretch>
+              </p:blipFill>
+              <p:spPr>
+                <a:xfrm>
+                  <a:off x="6765857" y="416227"/>
+                  <a:ext cx="324360" cy="393480"/>
+                </a:xfrm>
+                <a:prstGeom prst="rect">
+                  <a:avLst/>
+                </a:prstGeom>
+              </p:spPr>
+            </p:pic>
+          </mc:Fallback>
+        </mc:AlternateContent>
+        <mc:AlternateContent xmlns:mc="http://schemas.openxmlformats.org/markup-compatibility/2006">
+          <mc:Choice xmlns:p14="http://schemas.microsoft.com/office/powerpoint/2010/main" Requires="p14">
+            <p:contentPart p14:bwMode="auto" r:id="rId29">
+              <p14:nvContentPartPr>
+                <p14:cNvPr id="21" name="墨迹 20">
+                  <a:extLst>
+                    <a:ext uri="{FF2B5EF4-FFF2-40B4-BE49-F238E27FC236}">
+                      <a16:creationId xmlns:a16="http://schemas.microsoft.com/office/drawing/2014/main" id="{B9FB32A6-6118-A773-7CD2-7532E6993E5B}"/>
+                    </a:ext>
+                  </a:extLst>
+                </p14:cNvPr>
+                <p14:cNvContentPartPr/>
+                <p14:nvPr/>
+              </p14:nvContentPartPr>
+              <p14:xfrm>
+                <a:off x="7061417" y="472747"/>
+                <a:ext cx="95040" cy="213120"/>
+              </p14:xfrm>
+            </p:contentPart>
+          </mc:Choice>
+          <mc:Fallback>
+            <p:pic>
+              <p:nvPicPr>
+                <p:cNvPr id="21" name="墨迹 20">
+                  <a:extLst>
+                    <a:ext uri="{FF2B5EF4-FFF2-40B4-BE49-F238E27FC236}">
+                      <a16:creationId xmlns:a16="http://schemas.microsoft.com/office/drawing/2014/main" id="{B9FB32A6-6118-A773-7CD2-7532E6993E5B}"/>
+                    </a:ext>
+                  </a:extLst>
+                </p:cNvPr>
+                <p:cNvPicPr/>
+                <p:nvPr/>
+              </p:nvPicPr>
+              <p:blipFill>
+                <a:blip r:embed="rId30"/>
+                <a:stretch>
+                  <a:fillRect/>
+                </a:stretch>
+              </p:blipFill>
+              <p:spPr>
+                <a:xfrm>
+                  <a:off x="7052777" y="463747"/>
+                  <a:ext cx="112680" cy="230760"/>
+                </a:xfrm>
+                <a:prstGeom prst="rect">
+                  <a:avLst/>
+                </a:prstGeom>
+              </p:spPr>
+            </p:pic>
+          </mc:Fallback>
+        </mc:AlternateContent>
+        <mc:AlternateContent xmlns:mc="http://schemas.openxmlformats.org/markup-compatibility/2006">
+          <mc:Choice xmlns:p14="http://schemas.microsoft.com/office/powerpoint/2010/main" Requires="p14">
+            <p:contentPart p14:bwMode="auto" r:id="rId31">
+              <p14:nvContentPartPr>
+                <p14:cNvPr id="23" name="墨迹 22">
+                  <a:extLst>
+                    <a:ext uri="{FF2B5EF4-FFF2-40B4-BE49-F238E27FC236}">
+                      <a16:creationId xmlns:a16="http://schemas.microsoft.com/office/drawing/2014/main" id="{108BFAD6-A9DC-E703-39E2-410401155687}"/>
+                    </a:ext>
+                  </a:extLst>
+                </p14:cNvPr>
+                <p14:cNvContentPartPr/>
+                <p14:nvPr/>
+              </p14:nvContentPartPr>
+              <p14:xfrm>
+                <a:off x="7076177" y="364747"/>
+                <a:ext cx="244440" cy="351000"/>
+              </p14:xfrm>
+            </p:contentPart>
+          </mc:Choice>
+          <mc:Fallback>
+            <p:pic>
+              <p:nvPicPr>
+                <p:cNvPr id="23" name="墨迹 22">
+                  <a:extLst>
+                    <a:ext uri="{FF2B5EF4-FFF2-40B4-BE49-F238E27FC236}">
+                      <a16:creationId xmlns:a16="http://schemas.microsoft.com/office/drawing/2014/main" id="{108BFAD6-A9DC-E703-39E2-410401155687}"/>
+                    </a:ext>
+                  </a:extLst>
+                </p:cNvPr>
+                <p:cNvPicPr/>
+                <p:nvPr/>
+              </p:nvPicPr>
+              <p:blipFill>
+                <a:blip r:embed="rId32"/>
+                <a:stretch>
+                  <a:fillRect/>
+                </a:stretch>
+              </p:blipFill>
+              <p:spPr>
+                <a:xfrm>
+                  <a:off x="7067177" y="356107"/>
+                  <a:ext cx="262080" cy="368640"/>
+                </a:xfrm>
+                <a:prstGeom prst="rect">
+                  <a:avLst/>
+                </a:prstGeom>
+              </p:spPr>
+            </p:pic>
+          </mc:Fallback>
+        </mc:AlternateContent>
+        <mc:AlternateContent xmlns:mc="http://schemas.openxmlformats.org/markup-compatibility/2006">
+          <mc:Choice xmlns:p14="http://schemas.microsoft.com/office/powerpoint/2010/main" Requires="p14">
+            <p:contentPart p14:bwMode="auto" r:id="rId33">
+              <p14:nvContentPartPr>
+                <p14:cNvPr id="24" name="墨迹 23">
+                  <a:extLst>
+                    <a:ext uri="{FF2B5EF4-FFF2-40B4-BE49-F238E27FC236}">
+                      <a16:creationId xmlns:a16="http://schemas.microsoft.com/office/drawing/2014/main" id="{9A620733-E2CF-459A-FD56-320295BD7D55}"/>
+                    </a:ext>
+                  </a:extLst>
+                </p14:cNvPr>
+                <p14:cNvContentPartPr/>
+                <p14:nvPr/>
+              </p14:nvContentPartPr>
+              <p14:xfrm>
+                <a:off x="7346897" y="362227"/>
+                <a:ext cx="39600" cy="17640"/>
+              </p14:xfrm>
+            </p:contentPart>
+          </mc:Choice>
+          <mc:Fallback>
+            <p:pic>
+              <p:nvPicPr>
+                <p:cNvPr id="24" name="墨迹 23">
+                  <a:extLst>
+                    <a:ext uri="{FF2B5EF4-FFF2-40B4-BE49-F238E27FC236}">
+                      <a16:creationId xmlns:a16="http://schemas.microsoft.com/office/drawing/2014/main" id="{9A620733-E2CF-459A-FD56-320295BD7D55}"/>
+                    </a:ext>
+                  </a:extLst>
+                </p:cNvPr>
+                <p:cNvPicPr/>
+                <p:nvPr/>
+              </p:nvPicPr>
+              <p:blipFill>
+                <a:blip r:embed="rId34"/>
+                <a:stretch>
+                  <a:fillRect/>
+                </a:stretch>
+              </p:blipFill>
+              <p:spPr>
+                <a:xfrm>
+                  <a:off x="7338257" y="353587"/>
+                  <a:ext cx="57240" cy="35280"/>
+                </a:xfrm>
+                <a:prstGeom prst="rect">
+                  <a:avLst/>
+                </a:prstGeom>
+              </p:spPr>
+            </p:pic>
+          </mc:Fallback>
+        </mc:AlternateContent>
+        <mc:AlternateContent xmlns:mc="http://schemas.openxmlformats.org/markup-compatibility/2006">
+          <mc:Choice xmlns:p14="http://schemas.microsoft.com/office/powerpoint/2010/main" Requires="p14">
+            <p:contentPart p14:bwMode="auto" r:id="rId35">
+              <p14:nvContentPartPr>
+                <p14:cNvPr id="25" name="墨迹 24">
+                  <a:extLst>
+                    <a:ext uri="{FF2B5EF4-FFF2-40B4-BE49-F238E27FC236}">
+                      <a16:creationId xmlns:a16="http://schemas.microsoft.com/office/drawing/2014/main" id="{B91568E1-269A-DA57-C519-BA00FF169B13}"/>
+                    </a:ext>
+                  </a:extLst>
+                </p14:cNvPr>
+                <p14:cNvContentPartPr/>
+                <p14:nvPr/>
+              </p14:nvContentPartPr>
+              <p14:xfrm>
+                <a:off x="7328537" y="376987"/>
+                <a:ext cx="295560" cy="242640"/>
+              </p14:xfrm>
+            </p:contentPart>
+          </mc:Choice>
+          <mc:Fallback>
+            <p:pic>
+              <p:nvPicPr>
+                <p:cNvPr id="25" name="墨迹 24">
+                  <a:extLst>
+                    <a:ext uri="{FF2B5EF4-FFF2-40B4-BE49-F238E27FC236}">
+                      <a16:creationId xmlns:a16="http://schemas.microsoft.com/office/drawing/2014/main" id="{B91568E1-269A-DA57-C519-BA00FF169B13}"/>
+                    </a:ext>
+                  </a:extLst>
+                </p:cNvPr>
+                <p:cNvPicPr/>
+                <p:nvPr/>
+              </p:nvPicPr>
+              <p:blipFill>
+                <a:blip r:embed="rId36"/>
+                <a:stretch>
+                  <a:fillRect/>
+                </a:stretch>
+              </p:blipFill>
+              <p:spPr>
+                <a:xfrm>
+                  <a:off x="7319537" y="368347"/>
+                  <a:ext cx="313200" cy="260280"/>
+                </a:xfrm>
+                <a:prstGeom prst="rect">
+                  <a:avLst/>
+                </a:prstGeom>
+              </p:spPr>
+            </p:pic>
+          </mc:Fallback>
+        </mc:AlternateContent>
+        <mc:AlternateContent xmlns:mc="http://schemas.openxmlformats.org/markup-compatibility/2006">
+          <mc:Choice xmlns:p14="http://schemas.microsoft.com/office/powerpoint/2010/main" Requires="p14">
+            <p:contentPart p14:bwMode="auto" r:id="rId37">
+              <p14:nvContentPartPr>
+                <p14:cNvPr id="26" name="墨迹 25">
+                  <a:extLst>
+                    <a:ext uri="{FF2B5EF4-FFF2-40B4-BE49-F238E27FC236}">
+                      <a16:creationId xmlns:a16="http://schemas.microsoft.com/office/drawing/2014/main" id="{EC052B2D-DC1D-7543-8A37-AF9EF1605EE8}"/>
+                    </a:ext>
+                  </a:extLst>
+                </p14:cNvPr>
+                <p14:cNvContentPartPr/>
+                <p14:nvPr/>
+              </p14:nvContentPartPr>
+              <p14:xfrm>
+                <a:off x="7591697" y="267547"/>
+                <a:ext cx="172440" cy="295200"/>
+              </p14:xfrm>
+            </p:contentPart>
+          </mc:Choice>
+          <mc:Fallback>
+            <p:pic>
+              <p:nvPicPr>
+                <p:cNvPr id="26" name="墨迹 25">
+                  <a:extLst>
+                    <a:ext uri="{FF2B5EF4-FFF2-40B4-BE49-F238E27FC236}">
+                      <a16:creationId xmlns:a16="http://schemas.microsoft.com/office/drawing/2014/main" id="{EC052B2D-DC1D-7543-8A37-AF9EF1605EE8}"/>
+                    </a:ext>
+                  </a:extLst>
+                </p:cNvPr>
+                <p:cNvPicPr/>
+                <p:nvPr/>
+              </p:nvPicPr>
+              <p:blipFill>
+                <a:blip r:embed="rId38"/>
+                <a:stretch>
+                  <a:fillRect/>
+                </a:stretch>
+              </p:blipFill>
+              <p:spPr>
+                <a:xfrm>
+                  <a:off x="7582697" y="258907"/>
+                  <a:ext cx="190080" cy="312840"/>
+                </a:xfrm>
+                <a:prstGeom prst="rect">
+                  <a:avLst/>
+                </a:prstGeom>
+              </p:spPr>
+            </p:pic>
+          </mc:Fallback>
+        </mc:AlternateContent>
+        <mc:AlternateContent xmlns:mc="http://schemas.openxmlformats.org/markup-compatibility/2006">
+          <mc:Choice xmlns:p14="http://schemas.microsoft.com/office/powerpoint/2010/main" Requires="p14">
+            <p:contentPart p14:bwMode="auto" r:id="rId39">
+              <p14:nvContentPartPr>
+                <p14:cNvPr id="27" name="墨迹 26">
+                  <a:extLst>
+                    <a:ext uri="{FF2B5EF4-FFF2-40B4-BE49-F238E27FC236}">
+                      <a16:creationId xmlns:a16="http://schemas.microsoft.com/office/drawing/2014/main" id="{D5201432-218A-E370-D1A9-A424D9515D30}"/>
+                    </a:ext>
+                  </a:extLst>
+                </p14:cNvPr>
+                <p14:cNvContentPartPr/>
+                <p14:nvPr/>
+              </p14:nvContentPartPr>
+              <p14:xfrm>
+                <a:off x="7734977" y="304627"/>
+                <a:ext cx="44280" cy="119160"/>
+              </p14:xfrm>
+            </p:contentPart>
+          </mc:Choice>
+          <mc:Fallback>
+            <p:pic>
+              <p:nvPicPr>
+                <p:cNvPr id="27" name="墨迹 26">
+                  <a:extLst>
+                    <a:ext uri="{FF2B5EF4-FFF2-40B4-BE49-F238E27FC236}">
+                      <a16:creationId xmlns:a16="http://schemas.microsoft.com/office/drawing/2014/main" id="{D5201432-218A-E370-D1A9-A424D9515D30}"/>
+                    </a:ext>
+                  </a:extLst>
+                </p:cNvPr>
+                <p:cNvPicPr/>
+                <p:nvPr/>
+              </p:nvPicPr>
+              <p:blipFill>
+                <a:blip r:embed="rId40"/>
+                <a:stretch>
+                  <a:fillRect/>
+                </a:stretch>
+              </p:blipFill>
+              <p:spPr>
+                <a:xfrm>
+                  <a:off x="7725977" y="295987"/>
+                  <a:ext cx="61920" cy="136800"/>
+                </a:xfrm>
+                <a:prstGeom prst="rect">
+                  <a:avLst/>
+                </a:prstGeom>
+              </p:spPr>
+            </p:pic>
+          </mc:Fallback>
+        </mc:AlternateContent>
+        <mc:AlternateContent xmlns:mc="http://schemas.openxmlformats.org/markup-compatibility/2006">
+          <mc:Choice xmlns:p14="http://schemas.microsoft.com/office/powerpoint/2010/main" Requires="p14">
+            <p:contentPart p14:bwMode="auto" r:id="rId41">
+              <p14:nvContentPartPr>
+                <p14:cNvPr id="28" name="墨迹 27">
+                  <a:extLst>
+                    <a:ext uri="{FF2B5EF4-FFF2-40B4-BE49-F238E27FC236}">
+                      <a16:creationId xmlns:a16="http://schemas.microsoft.com/office/drawing/2014/main" id="{581442B0-CEE9-5A4B-0D26-6E6D6CCF342F}"/>
+                    </a:ext>
+                  </a:extLst>
+                </p14:cNvPr>
+                <p14:cNvContentPartPr/>
+                <p14:nvPr/>
+              </p14:nvContentPartPr>
+              <p14:xfrm>
+                <a:off x="7772417" y="236227"/>
+                <a:ext cx="85680" cy="132840"/>
+              </p14:xfrm>
+            </p:contentPart>
+          </mc:Choice>
+          <mc:Fallback>
+            <p:pic>
+              <p:nvPicPr>
+                <p:cNvPr id="28" name="墨迹 27">
+                  <a:extLst>
+                    <a:ext uri="{FF2B5EF4-FFF2-40B4-BE49-F238E27FC236}">
+                      <a16:creationId xmlns:a16="http://schemas.microsoft.com/office/drawing/2014/main" id="{581442B0-CEE9-5A4B-0D26-6E6D6CCF342F}"/>
+                    </a:ext>
+                  </a:extLst>
+                </p:cNvPr>
+                <p:cNvPicPr/>
+                <p:nvPr/>
+              </p:nvPicPr>
+              <p:blipFill>
+                <a:blip r:embed="rId42"/>
+                <a:stretch>
+                  <a:fillRect/>
+                </a:stretch>
+              </p:blipFill>
+              <p:spPr>
+                <a:xfrm>
+                  <a:off x="7763777" y="227587"/>
+                  <a:ext cx="103320" cy="150480"/>
+                </a:xfrm>
+                <a:prstGeom prst="rect">
+                  <a:avLst/>
+                </a:prstGeom>
+              </p:spPr>
+            </p:pic>
+          </mc:Fallback>
+        </mc:AlternateContent>
+        <mc:AlternateContent xmlns:mc="http://schemas.openxmlformats.org/markup-compatibility/2006">
+          <mc:Choice xmlns:p14="http://schemas.microsoft.com/office/powerpoint/2010/main" Requires="p14">
+            <p:contentPart p14:bwMode="auto" r:id="rId43">
+              <p14:nvContentPartPr>
+                <p14:cNvPr id="29" name="墨迹 28">
+                  <a:extLst>
+                    <a:ext uri="{FF2B5EF4-FFF2-40B4-BE49-F238E27FC236}">
+                      <a16:creationId xmlns:a16="http://schemas.microsoft.com/office/drawing/2014/main" id="{F9B951DD-2F66-CF62-FBAE-57481A906E0A}"/>
+                    </a:ext>
+                  </a:extLst>
+                </p14:cNvPr>
+                <p14:cNvContentPartPr/>
+                <p14:nvPr/>
+              </p14:nvContentPartPr>
+              <p14:xfrm>
+                <a:off x="7749737" y="366907"/>
+                <a:ext cx="76680" cy="54720"/>
+              </p14:xfrm>
+            </p:contentPart>
+          </mc:Choice>
+          <mc:Fallback>
+            <p:pic>
+              <p:nvPicPr>
+                <p:cNvPr id="29" name="墨迹 28">
+                  <a:extLst>
+                    <a:ext uri="{FF2B5EF4-FFF2-40B4-BE49-F238E27FC236}">
+                      <a16:creationId xmlns:a16="http://schemas.microsoft.com/office/drawing/2014/main" id="{F9B951DD-2F66-CF62-FBAE-57481A906E0A}"/>
+                    </a:ext>
+                  </a:extLst>
+                </p:cNvPr>
+                <p:cNvPicPr/>
+                <p:nvPr/>
+              </p:nvPicPr>
+              <p:blipFill>
+                <a:blip r:embed="rId44"/>
+                <a:stretch>
+                  <a:fillRect/>
+                </a:stretch>
+              </p:blipFill>
+              <p:spPr>
+                <a:xfrm>
+                  <a:off x="7740737" y="357907"/>
+                  <a:ext cx="94320" cy="72360"/>
+                </a:xfrm>
+                <a:prstGeom prst="rect">
+                  <a:avLst/>
+                </a:prstGeom>
+              </p:spPr>
+            </p:pic>
+          </mc:Fallback>
+        </mc:AlternateContent>
+        <mc:AlternateContent xmlns:mc="http://schemas.openxmlformats.org/markup-compatibility/2006">
+          <mc:Choice xmlns:p14="http://schemas.microsoft.com/office/powerpoint/2010/main" Requires="p14">
+            <p:contentPart p14:bwMode="auto" r:id="rId45">
+              <p14:nvContentPartPr>
+                <p14:cNvPr id="30" name="墨迹 29">
+                  <a:extLst>
+                    <a:ext uri="{FF2B5EF4-FFF2-40B4-BE49-F238E27FC236}">
+                      <a16:creationId xmlns:a16="http://schemas.microsoft.com/office/drawing/2014/main" id="{D79DA427-E586-F768-F9EC-623E37F271FD}"/>
+                    </a:ext>
+                  </a:extLst>
+                </p14:cNvPr>
+                <p14:cNvContentPartPr/>
+                <p14:nvPr/>
+              </p14:nvContentPartPr>
+              <p14:xfrm>
+                <a:off x="7734617" y="360787"/>
+                <a:ext cx="286200" cy="185400"/>
+              </p14:xfrm>
+            </p:contentPart>
+          </mc:Choice>
+          <mc:Fallback>
+            <p:pic>
+              <p:nvPicPr>
+                <p:cNvPr id="30" name="墨迹 29">
+                  <a:extLst>
+                    <a:ext uri="{FF2B5EF4-FFF2-40B4-BE49-F238E27FC236}">
+                      <a16:creationId xmlns:a16="http://schemas.microsoft.com/office/drawing/2014/main" id="{D79DA427-E586-F768-F9EC-623E37F271FD}"/>
+                    </a:ext>
+                  </a:extLst>
+                </p:cNvPr>
+                <p:cNvPicPr/>
+                <p:nvPr/>
+              </p:nvPicPr>
+              <p:blipFill>
+                <a:blip r:embed="rId46"/>
+                <a:stretch>
+                  <a:fillRect/>
+                </a:stretch>
+              </p:blipFill>
+              <p:spPr>
+                <a:xfrm>
+                  <a:off x="7725617" y="351787"/>
+                  <a:ext cx="303840" cy="203040"/>
+                </a:xfrm>
+                <a:prstGeom prst="rect">
+                  <a:avLst/>
+                </a:prstGeom>
+              </p:spPr>
+            </p:pic>
+          </mc:Fallback>
+        </mc:AlternateContent>
+        <mc:AlternateContent xmlns:mc="http://schemas.openxmlformats.org/markup-compatibility/2006">
+          <mc:Choice xmlns:p14="http://schemas.microsoft.com/office/powerpoint/2010/main" Requires="p14">
+            <p:contentPart p14:bwMode="auto" r:id="rId47">
+              <p14:nvContentPartPr>
+                <p14:cNvPr id="31" name="墨迹 30">
+                  <a:extLst>
+                    <a:ext uri="{FF2B5EF4-FFF2-40B4-BE49-F238E27FC236}">
+                      <a16:creationId xmlns:a16="http://schemas.microsoft.com/office/drawing/2014/main" id="{6772A0ED-3B6B-58E9-737B-EDD9D7DBD6D8}"/>
+                    </a:ext>
+                  </a:extLst>
+                </p14:cNvPr>
+                <p14:cNvContentPartPr/>
+                <p14:nvPr/>
+              </p14:nvContentPartPr>
+              <p14:xfrm>
+                <a:off x="7976177" y="167107"/>
+                <a:ext cx="73800" cy="221040"/>
+              </p14:xfrm>
+            </p:contentPart>
+          </mc:Choice>
+          <mc:Fallback>
+            <p:pic>
+              <p:nvPicPr>
+                <p:cNvPr id="31" name="墨迹 30">
+                  <a:extLst>
+                    <a:ext uri="{FF2B5EF4-FFF2-40B4-BE49-F238E27FC236}">
+                      <a16:creationId xmlns:a16="http://schemas.microsoft.com/office/drawing/2014/main" id="{6772A0ED-3B6B-58E9-737B-EDD9D7DBD6D8}"/>
+                    </a:ext>
+                  </a:extLst>
+                </p:cNvPr>
+                <p:cNvPicPr/>
+                <p:nvPr/>
+              </p:nvPicPr>
+              <p:blipFill>
+                <a:blip r:embed="rId48"/>
+                <a:stretch>
+                  <a:fillRect/>
+                </a:stretch>
+              </p:blipFill>
+              <p:spPr>
+                <a:xfrm>
+                  <a:off x="7967537" y="158467"/>
+                  <a:ext cx="91440" cy="238680"/>
+                </a:xfrm>
+                <a:prstGeom prst="rect">
+                  <a:avLst/>
+                </a:prstGeom>
+              </p:spPr>
+            </p:pic>
+          </mc:Fallback>
+        </mc:AlternateContent>
+        <mc:AlternateContent xmlns:mc="http://schemas.openxmlformats.org/markup-compatibility/2006">
+          <mc:Choice xmlns:p14="http://schemas.microsoft.com/office/powerpoint/2010/main" Requires="p14">
+            <p:contentPart p14:bwMode="auto" r:id="rId49">
+              <p14:nvContentPartPr>
+                <p14:cNvPr id="32" name="墨迹 31">
+                  <a:extLst>
+                    <a:ext uri="{FF2B5EF4-FFF2-40B4-BE49-F238E27FC236}">
+                      <a16:creationId xmlns:a16="http://schemas.microsoft.com/office/drawing/2014/main" id="{E5D72FD9-78A3-1543-8018-642D4A684E2E}"/>
+                    </a:ext>
+                  </a:extLst>
+                </p14:cNvPr>
+                <p14:cNvContentPartPr/>
+                <p14:nvPr/>
+              </p14:nvContentPartPr>
+              <p14:xfrm>
+                <a:off x="7998137" y="119227"/>
+                <a:ext cx="189000" cy="382680"/>
+              </p14:xfrm>
+            </p:contentPart>
+          </mc:Choice>
+          <mc:Fallback>
+            <p:pic>
+              <p:nvPicPr>
+                <p:cNvPr id="32" name="墨迹 31">
+                  <a:extLst>
+                    <a:ext uri="{FF2B5EF4-FFF2-40B4-BE49-F238E27FC236}">
+                      <a16:creationId xmlns:a16="http://schemas.microsoft.com/office/drawing/2014/main" id="{E5D72FD9-78A3-1543-8018-642D4A684E2E}"/>
+                    </a:ext>
+                  </a:extLst>
+                </p:cNvPr>
+                <p:cNvPicPr/>
+                <p:nvPr/>
+              </p:nvPicPr>
+              <p:blipFill>
+                <a:blip r:embed="rId50"/>
+                <a:stretch>
+                  <a:fillRect/>
+                </a:stretch>
+              </p:blipFill>
+              <p:spPr>
+                <a:xfrm>
+                  <a:off x="7989137" y="110587"/>
+                  <a:ext cx="206640" cy="400320"/>
+                </a:xfrm>
+                <a:prstGeom prst="rect">
+                  <a:avLst/>
+                </a:prstGeom>
+              </p:spPr>
+            </p:pic>
+          </mc:Fallback>
+        </mc:AlternateContent>
+        <mc:AlternateContent xmlns:mc="http://schemas.openxmlformats.org/markup-compatibility/2006">
+          <mc:Choice xmlns:p14="http://schemas.microsoft.com/office/powerpoint/2010/main" Requires="p14">
+            <p:contentPart p14:bwMode="auto" r:id="rId51">
+              <p14:nvContentPartPr>
+                <p14:cNvPr id="33" name="墨迹 32">
+                  <a:extLst>
+                    <a:ext uri="{FF2B5EF4-FFF2-40B4-BE49-F238E27FC236}">
+                      <a16:creationId xmlns:a16="http://schemas.microsoft.com/office/drawing/2014/main" id="{B340A96A-5A39-744D-83E1-6FB5DC7D1D0A}"/>
+                    </a:ext>
+                  </a:extLst>
+                </p14:cNvPr>
+                <p14:cNvContentPartPr/>
+                <p14:nvPr/>
+              </p14:nvContentPartPr>
+              <p14:xfrm>
+                <a:off x="8163737" y="85747"/>
+                <a:ext cx="115200" cy="175320"/>
+              </p14:xfrm>
+            </p:contentPart>
+          </mc:Choice>
+          <mc:Fallback>
+            <p:pic>
+              <p:nvPicPr>
+                <p:cNvPr id="33" name="墨迹 32">
+                  <a:extLst>
+                    <a:ext uri="{FF2B5EF4-FFF2-40B4-BE49-F238E27FC236}">
+                      <a16:creationId xmlns:a16="http://schemas.microsoft.com/office/drawing/2014/main" id="{B340A96A-5A39-744D-83E1-6FB5DC7D1D0A}"/>
+                    </a:ext>
+                  </a:extLst>
+                </p:cNvPr>
+                <p:cNvPicPr/>
+                <p:nvPr/>
+              </p:nvPicPr>
+              <p:blipFill>
+                <a:blip r:embed="rId52"/>
+                <a:stretch>
+                  <a:fillRect/>
+                </a:stretch>
+              </p:blipFill>
+              <p:spPr>
+                <a:xfrm>
+                  <a:off x="8154737" y="76747"/>
+                  <a:ext cx="132840" cy="192960"/>
+                </a:xfrm>
+                <a:prstGeom prst="rect">
+                  <a:avLst/>
+                </a:prstGeom>
+              </p:spPr>
+            </p:pic>
+          </mc:Fallback>
+        </mc:AlternateContent>
+        <mc:AlternateContent xmlns:mc="http://schemas.openxmlformats.org/markup-compatibility/2006">
+          <mc:Choice xmlns:p14="http://schemas.microsoft.com/office/powerpoint/2010/main" Requires="p14">
+            <p:contentPart p14:bwMode="auto" r:id="rId53">
+              <p14:nvContentPartPr>
+                <p14:cNvPr id="34" name="墨迹 33">
+                  <a:extLst>
+                    <a:ext uri="{FF2B5EF4-FFF2-40B4-BE49-F238E27FC236}">
+                      <a16:creationId xmlns:a16="http://schemas.microsoft.com/office/drawing/2014/main" id="{CCBF741C-8A46-0365-CE25-3D731B23452B}"/>
+                    </a:ext>
+                  </a:extLst>
+                </p14:cNvPr>
+                <p14:cNvContentPartPr/>
+                <p14:nvPr/>
+              </p14:nvContentPartPr>
+              <p14:xfrm>
+                <a:off x="8187137" y="183307"/>
+                <a:ext cx="188280" cy="121680"/>
+              </p14:xfrm>
+            </p:contentPart>
+          </mc:Choice>
+          <mc:Fallback>
+            <p:pic>
+              <p:nvPicPr>
+                <p:cNvPr id="34" name="墨迹 33">
+                  <a:extLst>
+                    <a:ext uri="{FF2B5EF4-FFF2-40B4-BE49-F238E27FC236}">
+                      <a16:creationId xmlns:a16="http://schemas.microsoft.com/office/drawing/2014/main" id="{CCBF741C-8A46-0365-CE25-3D731B23452B}"/>
+                    </a:ext>
+                  </a:extLst>
+                </p:cNvPr>
+                <p:cNvPicPr/>
+                <p:nvPr/>
+              </p:nvPicPr>
+              <p:blipFill>
+                <a:blip r:embed="rId54"/>
+                <a:stretch>
+                  <a:fillRect/>
+                </a:stretch>
+              </p:blipFill>
+              <p:spPr>
+                <a:xfrm>
+                  <a:off x="8178497" y="174307"/>
+                  <a:ext cx="205920" cy="139320"/>
+                </a:xfrm>
+                <a:prstGeom prst="rect">
+                  <a:avLst/>
+                </a:prstGeom>
+              </p:spPr>
+            </p:pic>
+          </mc:Fallback>
+        </mc:AlternateContent>
+        <mc:AlternateContent xmlns:mc="http://schemas.openxmlformats.org/markup-compatibility/2006">
+          <mc:Choice xmlns:p14="http://schemas.microsoft.com/office/powerpoint/2010/main" Requires="p14">
+            <p:contentPart p14:bwMode="auto" r:id="rId55">
+              <p14:nvContentPartPr>
+                <p14:cNvPr id="35" name="墨迹 34">
+                  <a:extLst>
+                    <a:ext uri="{FF2B5EF4-FFF2-40B4-BE49-F238E27FC236}">
+                      <a16:creationId xmlns:a16="http://schemas.microsoft.com/office/drawing/2014/main" id="{E039F91C-E9FD-E9AA-D15F-0B39532D925B}"/>
+                    </a:ext>
+                  </a:extLst>
+                </p14:cNvPr>
+                <p14:cNvContentPartPr/>
+                <p14:nvPr/>
+              </p14:nvContentPartPr>
+              <p14:xfrm>
+                <a:off x="8195777" y="320467"/>
+                <a:ext cx="174960" cy="141120"/>
+              </p14:xfrm>
+            </p:contentPart>
+          </mc:Choice>
+          <mc:Fallback>
+            <p:pic>
+              <p:nvPicPr>
+                <p:cNvPr id="35" name="墨迹 34">
+                  <a:extLst>
+                    <a:ext uri="{FF2B5EF4-FFF2-40B4-BE49-F238E27FC236}">
+                      <a16:creationId xmlns:a16="http://schemas.microsoft.com/office/drawing/2014/main" id="{E039F91C-E9FD-E9AA-D15F-0B39532D925B}"/>
+                    </a:ext>
+                  </a:extLst>
+                </p:cNvPr>
+                <p:cNvPicPr/>
+                <p:nvPr/>
+              </p:nvPicPr>
+              <p:blipFill>
+                <a:blip r:embed="rId56"/>
+                <a:stretch>
+                  <a:fillRect/>
+                </a:stretch>
+              </p:blipFill>
+              <p:spPr>
+                <a:xfrm>
+                  <a:off x="8187137" y="311467"/>
+                  <a:ext cx="192600" cy="158760"/>
+                </a:xfrm>
+                <a:prstGeom prst="rect">
+                  <a:avLst/>
+                </a:prstGeom>
+              </p:spPr>
+            </p:pic>
+          </mc:Fallback>
+        </mc:AlternateContent>
+        <mc:AlternateContent xmlns:mc="http://schemas.openxmlformats.org/markup-compatibility/2006">
+          <mc:Choice xmlns:p14="http://schemas.microsoft.com/office/powerpoint/2010/main" Requires="p14">
+            <p:contentPart p14:bwMode="auto" r:id="rId57">
+              <p14:nvContentPartPr>
+                <p14:cNvPr id="36" name="墨迹 35">
+                  <a:extLst>
+                    <a:ext uri="{FF2B5EF4-FFF2-40B4-BE49-F238E27FC236}">
+                      <a16:creationId xmlns:a16="http://schemas.microsoft.com/office/drawing/2014/main" id="{F9F7E534-F3D6-95C6-30B6-E82C6289BDBB}"/>
+                    </a:ext>
+                  </a:extLst>
+                </p14:cNvPr>
+                <p14:cNvContentPartPr/>
+                <p14:nvPr/>
+              </p14:nvContentPartPr>
+              <p14:xfrm>
+                <a:off x="8029097" y="685147"/>
+                <a:ext cx="268200" cy="398160"/>
+              </p14:xfrm>
+            </p:contentPart>
+          </mc:Choice>
+          <mc:Fallback>
+            <p:pic>
+              <p:nvPicPr>
+                <p:cNvPr id="36" name="墨迹 35">
+                  <a:extLst>
+                    <a:ext uri="{FF2B5EF4-FFF2-40B4-BE49-F238E27FC236}">
+                      <a16:creationId xmlns:a16="http://schemas.microsoft.com/office/drawing/2014/main" id="{F9F7E534-F3D6-95C6-30B6-E82C6289BDBB}"/>
+                    </a:ext>
+                  </a:extLst>
+                </p:cNvPr>
+                <p:cNvPicPr/>
+                <p:nvPr/>
+              </p:nvPicPr>
+              <p:blipFill>
+                <a:blip r:embed="rId58"/>
+                <a:stretch>
+                  <a:fillRect/>
+                </a:stretch>
+              </p:blipFill>
+              <p:spPr>
+                <a:xfrm>
+                  <a:off x="8020097" y="676147"/>
+                  <a:ext cx="285840" cy="415800"/>
+                </a:xfrm>
+                <a:prstGeom prst="rect">
+                  <a:avLst/>
+                </a:prstGeom>
+              </p:spPr>
+            </p:pic>
+          </mc:Fallback>
+        </mc:AlternateContent>
+        <mc:AlternateContent xmlns:mc="http://schemas.openxmlformats.org/markup-compatibility/2006">
+          <mc:Choice xmlns:p14="http://schemas.microsoft.com/office/powerpoint/2010/main" Requires="p14">
+            <p:contentPart p14:bwMode="auto" r:id="rId59">
+              <p14:nvContentPartPr>
+                <p14:cNvPr id="37" name="墨迹 36">
+                  <a:extLst>
+                    <a:ext uri="{FF2B5EF4-FFF2-40B4-BE49-F238E27FC236}">
+                      <a16:creationId xmlns:a16="http://schemas.microsoft.com/office/drawing/2014/main" id="{EB057652-1A0A-5A99-9643-3CF454B21D5F}"/>
+                    </a:ext>
+                  </a:extLst>
+                </p14:cNvPr>
+                <p14:cNvContentPartPr/>
+                <p14:nvPr/>
+              </p14:nvContentPartPr>
+              <p14:xfrm>
+                <a:off x="8391617" y="807907"/>
+                <a:ext cx="360" cy="360"/>
+              </p14:xfrm>
+            </p:contentPart>
+          </mc:Choice>
+          <mc:Fallback>
+            <p:pic>
+              <p:nvPicPr>
+                <p:cNvPr id="37" name="墨迹 36">
+                  <a:extLst>
+                    <a:ext uri="{FF2B5EF4-FFF2-40B4-BE49-F238E27FC236}">
+                      <a16:creationId xmlns:a16="http://schemas.microsoft.com/office/drawing/2014/main" id="{EB057652-1A0A-5A99-9643-3CF454B21D5F}"/>
+                    </a:ext>
+                  </a:extLst>
+                </p:cNvPr>
+                <p:cNvPicPr/>
+                <p:nvPr/>
+              </p:nvPicPr>
+              <p:blipFill>
+                <a:blip r:embed="rId60"/>
+                <a:stretch>
+                  <a:fillRect/>
+                </a:stretch>
+              </p:blipFill>
+              <p:spPr>
+                <a:xfrm>
+                  <a:off x="8382977" y="799267"/>
+                  <a:ext cx="18000" cy="18000"/>
+                </a:xfrm>
+                <a:prstGeom prst="rect">
+                  <a:avLst/>
+                </a:prstGeom>
+              </p:spPr>
+            </p:pic>
+          </mc:Fallback>
+        </mc:AlternateContent>
+        <mc:AlternateContent xmlns:mc="http://schemas.openxmlformats.org/markup-compatibility/2006">
+          <mc:Choice xmlns:p14="http://schemas.microsoft.com/office/powerpoint/2010/main" Requires="p14">
+            <p:contentPart p14:bwMode="auto" r:id="rId61">
+              <p14:nvContentPartPr>
+                <p14:cNvPr id="38" name="墨迹 37">
+                  <a:extLst>
+                    <a:ext uri="{FF2B5EF4-FFF2-40B4-BE49-F238E27FC236}">
+                      <a16:creationId xmlns:a16="http://schemas.microsoft.com/office/drawing/2014/main" id="{662A329E-41AD-CE3F-1E07-B5EBD423E0E6}"/>
+                    </a:ext>
+                  </a:extLst>
+                </p14:cNvPr>
+                <p14:cNvContentPartPr/>
+                <p14:nvPr/>
+              </p14:nvContentPartPr>
+              <p14:xfrm>
+                <a:off x="8466497" y="558787"/>
+                <a:ext cx="66240" cy="163800"/>
+              </p14:xfrm>
+            </p:contentPart>
+          </mc:Choice>
+          <mc:Fallback>
+            <p:pic>
+              <p:nvPicPr>
+                <p:cNvPr id="38" name="墨迹 37">
+                  <a:extLst>
+                    <a:ext uri="{FF2B5EF4-FFF2-40B4-BE49-F238E27FC236}">
+                      <a16:creationId xmlns:a16="http://schemas.microsoft.com/office/drawing/2014/main" id="{662A329E-41AD-CE3F-1E07-B5EBD423E0E6}"/>
+                    </a:ext>
+                  </a:extLst>
+                </p:cNvPr>
+                <p:cNvPicPr/>
+                <p:nvPr/>
+              </p:nvPicPr>
+              <p:blipFill>
+                <a:blip r:embed="rId62"/>
+                <a:stretch>
+                  <a:fillRect/>
+                </a:stretch>
+              </p:blipFill>
+              <p:spPr>
+                <a:xfrm>
+                  <a:off x="8457857" y="550147"/>
+                  <a:ext cx="83880" cy="181440"/>
+                </a:xfrm>
+                <a:prstGeom prst="rect">
+                  <a:avLst/>
+                </a:prstGeom>
+              </p:spPr>
+            </p:pic>
+          </mc:Fallback>
+        </mc:AlternateContent>
+        <mc:AlternateContent xmlns:mc="http://schemas.openxmlformats.org/markup-compatibility/2006">
+          <mc:Choice xmlns:p14="http://schemas.microsoft.com/office/powerpoint/2010/main" Requires="p14">
+            <p:contentPart p14:bwMode="auto" r:id="rId63">
+              <p14:nvContentPartPr>
+                <p14:cNvPr id="39" name="墨迹 38">
+                  <a:extLst>
+                    <a:ext uri="{FF2B5EF4-FFF2-40B4-BE49-F238E27FC236}">
+                      <a16:creationId xmlns:a16="http://schemas.microsoft.com/office/drawing/2014/main" id="{429E65B8-18EF-47AC-B5BE-0A307FBDAFA0}"/>
+                    </a:ext>
+                  </a:extLst>
+                </p14:cNvPr>
+                <p14:cNvContentPartPr/>
+                <p14:nvPr/>
+              </p14:nvContentPartPr>
+              <p14:xfrm>
+                <a:off x="8347697" y="627547"/>
+                <a:ext cx="288000" cy="242640"/>
+              </p14:xfrm>
+            </p:contentPart>
+          </mc:Choice>
+          <mc:Fallback>
+            <p:pic>
+              <p:nvPicPr>
+                <p:cNvPr id="39" name="墨迹 38">
+                  <a:extLst>
+                    <a:ext uri="{FF2B5EF4-FFF2-40B4-BE49-F238E27FC236}">
+                      <a16:creationId xmlns:a16="http://schemas.microsoft.com/office/drawing/2014/main" id="{429E65B8-18EF-47AC-B5BE-0A307FBDAFA0}"/>
+                    </a:ext>
+                  </a:extLst>
+                </p:cNvPr>
+                <p:cNvPicPr/>
+                <p:nvPr/>
+              </p:nvPicPr>
+              <p:blipFill>
+                <a:blip r:embed="rId64"/>
+                <a:stretch>
+                  <a:fillRect/>
+                </a:stretch>
+              </p:blipFill>
+              <p:spPr>
+                <a:xfrm>
+                  <a:off x="8338697" y="618907"/>
+                  <a:ext cx="305640" cy="260280"/>
+                </a:xfrm>
+                <a:prstGeom prst="rect">
+                  <a:avLst/>
+                </a:prstGeom>
+              </p:spPr>
+            </p:pic>
+          </mc:Fallback>
+        </mc:AlternateContent>
+        <mc:AlternateContent xmlns:mc="http://schemas.openxmlformats.org/markup-compatibility/2006">
+          <mc:Choice xmlns:p14="http://schemas.microsoft.com/office/powerpoint/2010/main" Requires="p14">
+            <p:contentPart p14:bwMode="auto" r:id="rId65">
+              <p14:nvContentPartPr>
+                <p14:cNvPr id="45" name="墨迹 44">
+                  <a:extLst>
+                    <a:ext uri="{FF2B5EF4-FFF2-40B4-BE49-F238E27FC236}">
+                      <a16:creationId xmlns:a16="http://schemas.microsoft.com/office/drawing/2014/main" id="{CFACACD1-CBF5-4A2B-1C79-750663334857}"/>
+                    </a:ext>
+                  </a:extLst>
+                </p14:cNvPr>
+                <p14:cNvContentPartPr/>
+                <p14:nvPr/>
+              </p14:nvContentPartPr>
+              <p14:xfrm>
+                <a:off x="8625257" y="617467"/>
+                <a:ext cx="87120" cy="66960"/>
+              </p14:xfrm>
+            </p:contentPart>
+          </mc:Choice>
+          <mc:Fallback>
+            <p:pic>
+              <p:nvPicPr>
+                <p:cNvPr id="45" name="墨迹 44">
+                  <a:extLst>
+                    <a:ext uri="{FF2B5EF4-FFF2-40B4-BE49-F238E27FC236}">
+                      <a16:creationId xmlns:a16="http://schemas.microsoft.com/office/drawing/2014/main" id="{CFACACD1-CBF5-4A2B-1C79-750663334857}"/>
+                    </a:ext>
+                  </a:extLst>
+                </p:cNvPr>
+                <p:cNvPicPr/>
+                <p:nvPr/>
+              </p:nvPicPr>
+              <p:blipFill>
+                <a:blip r:embed="rId66"/>
+                <a:stretch>
+                  <a:fillRect/>
+                </a:stretch>
+              </p:blipFill>
+              <p:spPr>
+                <a:xfrm>
+                  <a:off x="8616617" y="608827"/>
+                  <a:ext cx="104760" cy="84600"/>
+                </a:xfrm>
+                <a:prstGeom prst="rect">
+                  <a:avLst/>
+                </a:prstGeom>
+              </p:spPr>
+            </p:pic>
+          </mc:Fallback>
+        </mc:AlternateContent>
+        <mc:AlternateContent xmlns:mc="http://schemas.openxmlformats.org/markup-compatibility/2006">
+          <mc:Choice xmlns:p14="http://schemas.microsoft.com/office/powerpoint/2010/main" Requires="p14">
+            <p:contentPart p14:bwMode="auto" r:id="rId67">
+              <p14:nvContentPartPr>
+                <p14:cNvPr id="46" name="墨迹 45">
+                  <a:extLst>
+                    <a:ext uri="{FF2B5EF4-FFF2-40B4-BE49-F238E27FC236}">
+                      <a16:creationId xmlns:a16="http://schemas.microsoft.com/office/drawing/2014/main" id="{ACDB0888-8E50-8B66-596E-558D4783938B}"/>
+                    </a:ext>
+                  </a:extLst>
+                </p14:cNvPr>
+                <p14:cNvContentPartPr/>
+                <p14:nvPr/>
+              </p14:nvContentPartPr>
+              <p14:xfrm>
+                <a:off x="8667377" y="577147"/>
+                <a:ext cx="85680" cy="274680"/>
+              </p14:xfrm>
+            </p:contentPart>
+          </mc:Choice>
+          <mc:Fallback>
+            <p:pic>
+              <p:nvPicPr>
+                <p:cNvPr id="46" name="墨迹 45">
+                  <a:extLst>
+                    <a:ext uri="{FF2B5EF4-FFF2-40B4-BE49-F238E27FC236}">
+                      <a16:creationId xmlns:a16="http://schemas.microsoft.com/office/drawing/2014/main" id="{ACDB0888-8E50-8B66-596E-558D4783938B}"/>
+                    </a:ext>
+                  </a:extLst>
+                </p:cNvPr>
+                <p:cNvPicPr/>
+                <p:nvPr/>
+              </p:nvPicPr>
+              <p:blipFill>
+                <a:blip r:embed="rId68"/>
+                <a:stretch>
+                  <a:fillRect/>
+                </a:stretch>
+              </p:blipFill>
+              <p:spPr>
+                <a:xfrm>
+                  <a:off x="8658377" y="568507"/>
+                  <a:ext cx="103320" cy="292320"/>
+                </a:xfrm>
+                <a:prstGeom prst="rect">
+                  <a:avLst/>
+                </a:prstGeom>
+              </p:spPr>
+            </p:pic>
+          </mc:Fallback>
+        </mc:AlternateContent>
+        <mc:AlternateContent xmlns:mc="http://schemas.openxmlformats.org/markup-compatibility/2006">
+          <mc:Choice xmlns:p14="http://schemas.microsoft.com/office/powerpoint/2010/main" Requires="p14">
+            <p:contentPart p14:bwMode="auto" r:id="rId69">
+              <p14:nvContentPartPr>
+                <p14:cNvPr id="47" name="墨迹 46">
+                  <a:extLst>
+                    <a:ext uri="{FF2B5EF4-FFF2-40B4-BE49-F238E27FC236}">
+                      <a16:creationId xmlns:a16="http://schemas.microsoft.com/office/drawing/2014/main" id="{DEECAC32-02A9-9C91-4FAC-65D40855E4A9}"/>
+                    </a:ext>
+                  </a:extLst>
+                </p14:cNvPr>
+                <p14:cNvContentPartPr/>
+                <p14:nvPr/>
+              </p14:nvContentPartPr>
+              <p14:xfrm>
+                <a:off x="8753417" y="519547"/>
+                <a:ext cx="80640" cy="164520"/>
+              </p14:xfrm>
+            </p:contentPart>
+          </mc:Choice>
+          <mc:Fallback>
+            <p:pic>
+              <p:nvPicPr>
+                <p:cNvPr id="47" name="墨迹 46">
+                  <a:extLst>
+                    <a:ext uri="{FF2B5EF4-FFF2-40B4-BE49-F238E27FC236}">
+                      <a16:creationId xmlns:a16="http://schemas.microsoft.com/office/drawing/2014/main" id="{DEECAC32-02A9-9C91-4FAC-65D40855E4A9}"/>
+                    </a:ext>
+                  </a:extLst>
+                </p:cNvPr>
+                <p:cNvPicPr/>
+                <p:nvPr/>
+              </p:nvPicPr>
+              <p:blipFill>
+                <a:blip r:embed="rId70"/>
+                <a:stretch>
+                  <a:fillRect/>
+                </a:stretch>
+              </p:blipFill>
+              <p:spPr>
+                <a:xfrm>
+                  <a:off x="8744777" y="510907"/>
+                  <a:ext cx="98280" cy="182160"/>
+                </a:xfrm>
+                <a:prstGeom prst="rect">
+                  <a:avLst/>
+                </a:prstGeom>
+              </p:spPr>
+            </p:pic>
+          </mc:Fallback>
+        </mc:AlternateContent>
+        <mc:AlternateContent xmlns:mc="http://schemas.openxmlformats.org/markup-compatibility/2006">
+          <mc:Choice xmlns:p14="http://schemas.microsoft.com/office/powerpoint/2010/main" Requires="p14">
+            <p:contentPart p14:bwMode="auto" r:id="rId71">
+              <p14:nvContentPartPr>
+                <p14:cNvPr id="48" name="墨迹 47">
+                  <a:extLst>
+                    <a:ext uri="{FF2B5EF4-FFF2-40B4-BE49-F238E27FC236}">
+                      <a16:creationId xmlns:a16="http://schemas.microsoft.com/office/drawing/2014/main" id="{E7516F47-CF99-71CF-B404-A4B00072DF2A}"/>
+                    </a:ext>
+                  </a:extLst>
+                </p14:cNvPr>
+                <p14:cNvContentPartPr/>
+                <p14:nvPr/>
+              </p14:nvContentPartPr>
+              <p14:xfrm>
+                <a:off x="8785817" y="605947"/>
+                <a:ext cx="47880" cy="19440"/>
+              </p14:xfrm>
+            </p:contentPart>
+          </mc:Choice>
+          <mc:Fallback>
+            <p:pic>
+              <p:nvPicPr>
+                <p:cNvPr id="48" name="墨迹 47">
+                  <a:extLst>
+                    <a:ext uri="{FF2B5EF4-FFF2-40B4-BE49-F238E27FC236}">
+                      <a16:creationId xmlns:a16="http://schemas.microsoft.com/office/drawing/2014/main" id="{E7516F47-CF99-71CF-B404-A4B00072DF2A}"/>
+                    </a:ext>
+                  </a:extLst>
+                </p:cNvPr>
+                <p:cNvPicPr/>
+                <p:nvPr/>
+              </p:nvPicPr>
+              <p:blipFill>
+                <a:blip r:embed="rId72"/>
+                <a:stretch>
+                  <a:fillRect/>
+                </a:stretch>
+              </p:blipFill>
+              <p:spPr>
+                <a:xfrm>
+                  <a:off x="8777177" y="597307"/>
+                  <a:ext cx="65520" cy="37080"/>
+                </a:xfrm>
+                <a:prstGeom prst="rect">
+                  <a:avLst/>
+                </a:prstGeom>
+              </p:spPr>
+            </p:pic>
+          </mc:Fallback>
+        </mc:AlternateContent>
+        <mc:AlternateContent xmlns:mc="http://schemas.openxmlformats.org/markup-compatibility/2006">
+          <mc:Choice xmlns:p14="http://schemas.microsoft.com/office/powerpoint/2010/main" Requires="p14">
+            <p:contentPart p14:bwMode="auto" r:id="rId73">
+              <p14:nvContentPartPr>
+                <p14:cNvPr id="49" name="墨迹 48">
+                  <a:extLst>
+                    <a:ext uri="{FF2B5EF4-FFF2-40B4-BE49-F238E27FC236}">
+                      <a16:creationId xmlns:a16="http://schemas.microsoft.com/office/drawing/2014/main" id="{0ACBF609-0F33-1C1D-FA9B-BBBEE7373A6E}"/>
+                    </a:ext>
+                  </a:extLst>
+                </p14:cNvPr>
+                <p14:cNvContentPartPr/>
+                <p14:nvPr/>
+              </p14:nvContentPartPr>
+              <p14:xfrm>
+                <a:off x="8751257" y="621427"/>
+                <a:ext cx="233280" cy="159480"/>
+              </p14:xfrm>
+            </p:contentPart>
+          </mc:Choice>
+          <mc:Fallback>
+            <p:pic>
+              <p:nvPicPr>
+                <p:cNvPr id="49" name="墨迹 48">
+                  <a:extLst>
+                    <a:ext uri="{FF2B5EF4-FFF2-40B4-BE49-F238E27FC236}">
+                      <a16:creationId xmlns:a16="http://schemas.microsoft.com/office/drawing/2014/main" id="{0ACBF609-0F33-1C1D-FA9B-BBBEE7373A6E}"/>
+                    </a:ext>
+                  </a:extLst>
+                </p:cNvPr>
+                <p:cNvPicPr/>
+                <p:nvPr/>
+              </p:nvPicPr>
+              <p:blipFill>
+                <a:blip r:embed="rId74"/>
+                <a:stretch>
+                  <a:fillRect/>
+                </a:stretch>
+              </p:blipFill>
+              <p:spPr>
+                <a:xfrm>
+                  <a:off x="8742257" y="612787"/>
+                  <a:ext cx="250920" cy="177120"/>
+                </a:xfrm>
+                <a:prstGeom prst="rect">
+                  <a:avLst/>
+                </a:prstGeom>
+              </p:spPr>
+            </p:pic>
+          </mc:Fallback>
+        </mc:AlternateContent>
+        <mc:AlternateContent xmlns:mc="http://schemas.openxmlformats.org/markup-compatibility/2006">
+          <mc:Choice xmlns:p14="http://schemas.microsoft.com/office/powerpoint/2010/main" Requires="p14">
+            <p:contentPart p14:bwMode="auto" r:id="rId75">
+              <p14:nvContentPartPr>
+                <p14:cNvPr id="50" name="墨迹 49">
+                  <a:extLst>
+                    <a:ext uri="{FF2B5EF4-FFF2-40B4-BE49-F238E27FC236}">
+                      <a16:creationId xmlns:a16="http://schemas.microsoft.com/office/drawing/2014/main" id="{C02DD8B8-2673-429F-267C-590935579B51}"/>
+                    </a:ext>
+                  </a:extLst>
+                </p14:cNvPr>
+                <p14:cNvContentPartPr/>
+                <p14:nvPr/>
+              </p14:nvContentPartPr>
+              <p14:xfrm>
+                <a:off x="8978417" y="394267"/>
+                <a:ext cx="237240" cy="375120"/>
+              </p14:xfrm>
+            </p:contentPart>
+          </mc:Choice>
+          <mc:Fallback>
+            <p:pic>
+              <p:nvPicPr>
+                <p:cNvPr id="50" name="墨迹 49">
+                  <a:extLst>
+                    <a:ext uri="{FF2B5EF4-FFF2-40B4-BE49-F238E27FC236}">
+                      <a16:creationId xmlns:a16="http://schemas.microsoft.com/office/drawing/2014/main" id="{C02DD8B8-2673-429F-267C-590935579B51}"/>
+                    </a:ext>
+                  </a:extLst>
+                </p:cNvPr>
+                <p:cNvPicPr/>
+                <p:nvPr/>
+              </p:nvPicPr>
+              <p:blipFill>
+                <a:blip r:embed="rId76"/>
+                <a:stretch>
+                  <a:fillRect/>
+                </a:stretch>
+              </p:blipFill>
+              <p:spPr>
+                <a:xfrm>
+                  <a:off x="8969777" y="385267"/>
+                  <a:ext cx="254880" cy="392760"/>
+                </a:xfrm>
+                <a:prstGeom prst="rect">
+                  <a:avLst/>
+                </a:prstGeom>
+              </p:spPr>
+            </p:pic>
+          </mc:Fallback>
+        </mc:AlternateContent>
+        <mc:AlternateContent xmlns:mc="http://schemas.openxmlformats.org/markup-compatibility/2006">
+          <mc:Choice xmlns:p14="http://schemas.microsoft.com/office/powerpoint/2010/main" Requires="p14">
+            <p:contentPart p14:bwMode="auto" r:id="rId77">
+              <p14:nvContentPartPr>
+                <p14:cNvPr id="51" name="墨迹 50">
+                  <a:extLst>
+                    <a:ext uri="{FF2B5EF4-FFF2-40B4-BE49-F238E27FC236}">
+                      <a16:creationId xmlns:a16="http://schemas.microsoft.com/office/drawing/2014/main" id="{B5D06972-161D-92DC-67EB-400DF383123E}"/>
+                    </a:ext>
+                  </a:extLst>
+                </p14:cNvPr>
+                <p14:cNvContentPartPr/>
+                <p14:nvPr/>
+              </p14:nvContentPartPr>
+              <p14:xfrm>
+                <a:off x="9200897" y="378427"/>
+                <a:ext cx="193320" cy="244440"/>
+              </p14:xfrm>
+            </p:contentPart>
+          </mc:Choice>
+          <mc:Fallback>
+            <p:pic>
+              <p:nvPicPr>
+                <p:cNvPr id="51" name="墨迹 50">
+                  <a:extLst>
+                    <a:ext uri="{FF2B5EF4-FFF2-40B4-BE49-F238E27FC236}">
+                      <a16:creationId xmlns:a16="http://schemas.microsoft.com/office/drawing/2014/main" id="{B5D06972-161D-92DC-67EB-400DF383123E}"/>
+                    </a:ext>
+                  </a:extLst>
+                </p:cNvPr>
+                <p:cNvPicPr/>
+                <p:nvPr/>
+              </p:nvPicPr>
+              <p:blipFill>
+                <a:blip r:embed="rId78"/>
+                <a:stretch>
+                  <a:fillRect/>
+                </a:stretch>
+              </p:blipFill>
+              <p:spPr>
+                <a:xfrm>
+                  <a:off x="9191897" y="369787"/>
+                  <a:ext cx="210960" cy="262080"/>
+                </a:xfrm>
+                <a:prstGeom prst="rect">
+                  <a:avLst/>
+                </a:prstGeom>
+              </p:spPr>
+            </p:pic>
+          </mc:Fallback>
+        </mc:AlternateContent>
+        <mc:AlternateContent xmlns:mc="http://schemas.openxmlformats.org/markup-compatibility/2006">
+          <mc:Choice xmlns:p14="http://schemas.microsoft.com/office/powerpoint/2010/main" Requires="p14">
+            <p:contentPart p14:bwMode="auto" r:id="rId79">
+              <p14:nvContentPartPr>
+                <p14:cNvPr id="52" name="墨迹 51">
+                  <a:extLst>
+                    <a:ext uri="{FF2B5EF4-FFF2-40B4-BE49-F238E27FC236}">
+                      <a16:creationId xmlns:a16="http://schemas.microsoft.com/office/drawing/2014/main" id="{B5787369-679D-5EEE-F351-5914145DB450}"/>
+                    </a:ext>
+                  </a:extLst>
+                </p14:cNvPr>
+                <p14:cNvContentPartPr/>
+                <p14:nvPr/>
+              </p14:nvContentPartPr>
+              <p14:xfrm>
+                <a:off x="9378377" y="378427"/>
+                <a:ext cx="141120" cy="528840"/>
+              </p14:xfrm>
+            </p:contentPart>
+          </mc:Choice>
+          <mc:Fallback>
+            <p:pic>
+              <p:nvPicPr>
+                <p:cNvPr id="52" name="墨迹 51">
+                  <a:extLst>
+                    <a:ext uri="{FF2B5EF4-FFF2-40B4-BE49-F238E27FC236}">
+                      <a16:creationId xmlns:a16="http://schemas.microsoft.com/office/drawing/2014/main" id="{B5787369-679D-5EEE-F351-5914145DB450}"/>
+                    </a:ext>
+                  </a:extLst>
+                </p:cNvPr>
+                <p:cNvPicPr/>
+                <p:nvPr/>
+              </p:nvPicPr>
+              <p:blipFill>
+                <a:blip r:embed="rId80"/>
+                <a:stretch>
+                  <a:fillRect/>
+                </a:stretch>
+              </p:blipFill>
+              <p:spPr>
+                <a:xfrm>
+                  <a:off x="9369377" y="369787"/>
+                  <a:ext cx="158760" cy="546480"/>
+                </a:xfrm>
+                <a:prstGeom prst="rect">
+                  <a:avLst/>
+                </a:prstGeom>
+              </p:spPr>
+            </p:pic>
+          </mc:Fallback>
+        </mc:AlternateContent>
+      </p:grpSp>
     </p:spTree>
   </p:cSld>
   <p:clrMapOvr>
@@ -11991,6 +17742,486 @@
           </a:p>
         </p:txBody>
       </p:sp>
+      <p:grpSp>
+        <p:nvGrpSpPr>
+          <p:cNvPr id="20" name="组合 19">
+            <a:extLst>
+              <a:ext uri="{FF2B5EF4-FFF2-40B4-BE49-F238E27FC236}">
+                <a16:creationId xmlns:a16="http://schemas.microsoft.com/office/drawing/2014/main" id="{729E3789-8652-A8FF-34A3-52CB02E69096}"/>
+              </a:ext>
+            </a:extLst>
+          </p:cNvPr>
+          <p:cNvGrpSpPr/>
+          <p:nvPr/>
+        </p:nvGrpSpPr>
+        <p:grpSpPr>
+          <a:xfrm>
+            <a:off x="1567097" y="2577834"/>
+            <a:ext cx="948240" cy="3004920"/>
+            <a:chOff x="1567097" y="2577834"/>
+            <a:chExt cx="948240" cy="3004920"/>
+          </a:xfrm>
+        </p:grpSpPr>
+        <mc:AlternateContent xmlns:mc="http://schemas.openxmlformats.org/markup-compatibility/2006">
+          <mc:Choice xmlns:p14="http://schemas.microsoft.com/office/powerpoint/2010/main" Requires="p14">
+            <p:contentPart p14:bwMode="auto" r:id="rId5">
+              <p14:nvContentPartPr>
+                <p14:cNvPr id="9" name="墨迹 8">
+                  <a:extLst>
+                    <a:ext uri="{FF2B5EF4-FFF2-40B4-BE49-F238E27FC236}">
+                      <a16:creationId xmlns:a16="http://schemas.microsoft.com/office/drawing/2014/main" id="{7CB669FB-45C0-69A6-7925-6130131E510E}"/>
+                    </a:ext>
+                  </a:extLst>
+                </p14:cNvPr>
+                <p14:cNvContentPartPr/>
+                <p14:nvPr/>
+              </p14:nvContentPartPr>
+              <p14:xfrm>
+                <a:off x="1567097" y="2577834"/>
+                <a:ext cx="429840" cy="2997360"/>
+              </p14:xfrm>
+            </p:contentPart>
+          </mc:Choice>
+          <mc:Fallback>
+            <p:pic>
+              <p:nvPicPr>
+                <p:cNvPr id="9" name="墨迹 8">
+                  <a:extLst>
+                    <a:ext uri="{FF2B5EF4-FFF2-40B4-BE49-F238E27FC236}">
+                      <a16:creationId xmlns:a16="http://schemas.microsoft.com/office/drawing/2014/main" id="{7CB669FB-45C0-69A6-7925-6130131E510E}"/>
+                    </a:ext>
+                  </a:extLst>
+                </p:cNvPr>
+                <p:cNvPicPr/>
+                <p:nvPr/>
+              </p:nvPicPr>
+              <p:blipFill>
+                <a:blip r:embed="rId6"/>
+                <a:stretch>
+                  <a:fillRect/>
+                </a:stretch>
+              </p:blipFill>
+              <p:spPr>
+                <a:xfrm>
+                  <a:off x="1558097" y="2569194"/>
+                  <a:ext cx="447480" cy="3015000"/>
+                </a:xfrm>
+                <a:prstGeom prst="rect">
+                  <a:avLst/>
+                </a:prstGeom>
+              </p:spPr>
+            </p:pic>
+          </mc:Fallback>
+        </mc:AlternateContent>
+        <mc:AlternateContent xmlns:mc="http://schemas.openxmlformats.org/markup-compatibility/2006">
+          <mc:Choice xmlns:p14="http://schemas.microsoft.com/office/powerpoint/2010/main" Requires="p14">
+            <p:contentPart p14:bwMode="auto" r:id="rId7">
+              <p14:nvContentPartPr>
+                <p14:cNvPr id="11" name="墨迹 10">
+                  <a:extLst>
+                    <a:ext uri="{FF2B5EF4-FFF2-40B4-BE49-F238E27FC236}">
+                      <a16:creationId xmlns:a16="http://schemas.microsoft.com/office/drawing/2014/main" id="{C647559E-7313-4479-111E-67A651AB25C9}"/>
+                    </a:ext>
+                  </a:extLst>
+                </p14:cNvPr>
+                <p14:cNvContentPartPr/>
+                <p14:nvPr/>
+              </p14:nvContentPartPr>
+              <p14:xfrm>
+                <a:off x="1731257" y="5090274"/>
+                <a:ext cx="273240" cy="492480"/>
+              </p14:xfrm>
+            </p:contentPart>
+          </mc:Choice>
+          <mc:Fallback>
+            <p:pic>
+              <p:nvPicPr>
+                <p:cNvPr id="11" name="墨迹 10">
+                  <a:extLst>
+                    <a:ext uri="{FF2B5EF4-FFF2-40B4-BE49-F238E27FC236}">
+                      <a16:creationId xmlns:a16="http://schemas.microsoft.com/office/drawing/2014/main" id="{C647559E-7313-4479-111E-67A651AB25C9}"/>
+                    </a:ext>
+                  </a:extLst>
+                </p:cNvPr>
+                <p:cNvPicPr/>
+                <p:nvPr/>
+              </p:nvPicPr>
+              <p:blipFill>
+                <a:blip r:embed="rId8"/>
+                <a:stretch>
+                  <a:fillRect/>
+                </a:stretch>
+              </p:blipFill>
+              <p:spPr>
+                <a:xfrm>
+                  <a:off x="1722257" y="5081274"/>
+                  <a:ext cx="290880" cy="510120"/>
+                </a:xfrm>
+                <a:prstGeom prst="rect">
+                  <a:avLst/>
+                </a:prstGeom>
+              </p:spPr>
+            </p:pic>
+          </mc:Fallback>
+        </mc:AlternateContent>
+        <mc:AlternateContent xmlns:mc="http://schemas.openxmlformats.org/markup-compatibility/2006">
+          <mc:Choice xmlns:p14="http://schemas.microsoft.com/office/powerpoint/2010/main" Requires="p14">
+            <p:contentPart p14:bwMode="auto" r:id="rId9">
+              <p14:nvContentPartPr>
+                <p14:cNvPr id="12" name="墨迹 11">
+                  <a:extLst>
+                    <a:ext uri="{FF2B5EF4-FFF2-40B4-BE49-F238E27FC236}">
+                      <a16:creationId xmlns:a16="http://schemas.microsoft.com/office/drawing/2014/main" id="{04C46AAB-68C5-66C7-DF7F-15B150092BEE}"/>
+                    </a:ext>
+                  </a:extLst>
+                </p14:cNvPr>
+                <p14:cNvContentPartPr/>
+                <p14:nvPr/>
+              </p14:nvContentPartPr>
+              <p14:xfrm>
+                <a:off x="1592657" y="3744594"/>
+                <a:ext cx="131760" cy="357120"/>
+              </p14:xfrm>
+            </p:contentPart>
+          </mc:Choice>
+          <mc:Fallback>
+            <p:pic>
+              <p:nvPicPr>
+                <p:cNvPr id="12" name="墨迹 11">
+                  <a:extLst>
+                    <a:ext uri="{FF2B5EF4-FFF2-40B4-BE49-F238E27FC236}">
+                      <a16:creationId xmlns:a16="http://schemas.microsoft.com/office/drawing/2014/main" id="{04C46AAB-68C5-66C7-DF7F-15B150092BEE}"/>
+                    </a:ext>
+                  </a:extLst>
+                </p:cNvPr>
+                <p:cNvPicPr/>
+                <p:nvPr/>
+              </p:nvPicPr>
+              <p:blipFill>
+                <a:blip r:embed="rId10"/>
+                <a:stretch>
+                  <a:fillRect/>
+                </a:stretch>
+              </p:blipFill>
+              <p:spPr>
+                <a:xfrm>
+                  <a:off x="1584017" y="3735954"/>
+                  <a:ext cx="149400" cy="374760"/>
+                </a:xfrm>
+                <a:prstGeom prst="rect">
+                  <a:avLst/>
+                </a:prstGeom>
+              </p:spPr>
+            </p:pic>
+          </mc:Fallback>
+        </mc:AlternateContent>
+        <mc:AlternateContent xmlns:mc="http://schemas.openxmlformats.org/markup-compatibility/2006">
+          <mc:Choice xmlns:p14="http://schemas.microsoft.com/office/powerpoint/2010/main" Requires="p14">
+            <p:contentPart p14:bwMode="auto" r:id="rId11">
+              <p14:nvContentPartPr>
+                <p14:cNvPr id="13" name="墨迹 12">
+                  <a:extLst>
+                    <a:ext uri="{FF2B5EF4-FFF2-40B4-BE49-F238E27FC236}">
+                      <a16:creationId xmlns:a16="http://schemas.microsoft.com/office/drawing/2014/main" id="{4C7C547B-D91A-64A0-EEF6-2313996CBE72}"/>
+                    </a:ext>
+                  </a:extLst>
+                </p14:cNvPr>
+                <p14:cNvContentPartPr/>
+                <p14:nvPr/>
+              </p14:nvContentPartPr>
+              <p14:xfrm>
+                <a:off x="1601297" y="3603474"/>
+                <a:ext cx="345240" cy="501120"/>
+              </p14:xfrm>
+            </p:contentPart>
+          </mc:Choice>
+          <mc:Fallback>
+            <p:pic>
+              <p:nvPicPr>
+                <p:cNvPr id="13" name="墨迹 12">
+                  <a:extLst>
+                    <a:ext uri="{FF2B5EF4-FFF2-40B4-BE49-F238E27FC236}">
+                      <a16:creationId xmlns:a16="http://schemas.microsoft.com/office/drawing/2014/main" id="{4C7C547B-D91A-64A0-EEF6-2313996CBE72}"/>
+                    </a:ext>
+                  </a:extLst>
+                </p:cNvPr>
+                <p:cNvPicPr/>
+                <p:nvPr/>
+              </p:nvPicPr>
+              <p:blipFill>
+                <a:blip r:embed="rId12"/>
+                <a:stretch>
+                  <a:fillRect/>
+                </a:stretch>
+              </p:blipFill>
+              <p:spPr>
+                <a:xfrm>
+                  <a:off x="1592297" y="3594834"/>
+                  <a:ext cx="362880" cy="518760"/>
+                </a:xfrm>
+                <a:prstGeom prst="rect">
+                  <a:avLst/>
+                </a:prstGeom>
+              </p:spPr>
+            </p:pic>
+          </mc:Fallback>
+        </mc:AlternateContent>
+        <mc:AlternateContent xmlns:mc="http://schemas.openxmlformats.org/markup-compatibility/2006">
+          <mc:Choice xmlns:p14="http://schemas.microsoft.com/office/powerpoint/2010/main" Requires="p14">
+            <p:contentPart p14:bwMode="auto" r:id="rId13">
+              <p14:nvContentPartPr>
+                <p14:cNvPr id="14" name="墨迹 13">
+                  <a:extLst>
+                    <a:ext uri="{FF2B5EF4-FFF2-40B4-BE49-F238E27FC236}">
+                      <a16:creationId xmlns:a16="http://schemas.microsoft.com/office/drawing/2014/main" id="{0B6DF3FF-A417-10D8-ED85-2610619D1B51}"/>
+                    </a:ext>
+                  </a:extLst>
+                </p14:cNvPr>
+                <p14:cNvContentPartPr/>
+                <p14:nvPr/>
+              </p14:nvContentPartPr>
+              <p14:xfrm>
+                <a:off x="1949057" y="3760794"/>
+                <a:ext cx="33840" cy="149400"/>
+              </p14:xfrm>
+            </p:contentPart>
+          </mc:Choice>
+          <mc:Fallback>
+            <p:pic>
+              <p:nvPicPr>
+                <p:cNvPr id="14" name="墨迹 13">
+                  <a:extLst>
+                    <a:ext uri="{FF2B5EF4-FFF2-40B4-BE49-F238E27FC236}">
+                      <a16:creationId xmlns:a16="http://schemas.microsoft.com/office/drawing/2014/main" id="{0B6DF3FF-A417-10D8-ED85-2610619D1B51}"/>
+                    </a:ext>
+                  </a:extLst>
+                </p:cNvPr>
+                <p:cNvPicPr/>
+                <p:nvPr/>
+              </p:nvPicPr>
+              <p:blipFill>
+                <a:blip r:embed="rId14"/>
+                <a:stretch>
+                  <a:fillRect/>
+                </a:stretch>
+              </p:blipFill>
+              <p:spPr>
+                <a:xfrm>
+                  <a:off x="1940057" y="3752154"/>
+                  <a:ext cx="51480" cy="167040"/>
+                </a:xfrm>
+                <a:prstGeom prst="rect">
+                  <a:avLst/>
+                </a:prstGeom>
+              </p:spPr>
+            </p:pic>
+          </mc:Fallback>
+        </mc:AlternateContent>
+        <mc:AlternateContent xmlns:mc="http://schemas.openxmlformats.org/markup-compatibility/2006">
+          <mc:Choice xmlns:p14="http://schemas.microsoft.com/office/powerpoint/2010/main" Requires="p14">
+            <p:contentPart p14:bwMode="auto" r:id="rId15">
+              <p14:nvContentPartPr>
+                <p14:cNvPr id="15" name="墨迹 14">
+                  <a:extLst>
+                    <a:ext uri="{FF2B5EF4-FFF2-40B4-BE49-F238E27FC236}">
+                      <a16:creationId xmlns:a16="http://schemas.microsoft.com/office/drawing/2014/main" id="{4B4AEDB5-BFC9-E1EE-F707-6DEB98B82979}"/>
+                    </a:ext>
+                  </a:extLst>
+                </p14:cNvPr>
+                <p14:cNvContentPartPr/>
+                <p14:nvPr/>
+              </p14:nvContentPartPr>
+              <p14:xfrm>
+                <a:off x="1946537" y="3606714"/>
+                <a:ext cx="329760" cy="220680"/>
+              </p14:xfrm>
+            </p:contentPart>
+          </mc:Choice>
+          <mc:Fallback>
+            <p:pic>
+              <p:nvPicPr>
+                <p:cNvPr id="15" name="墨迹 14">
+                  <a:extLst>
+                    <a:ext uri="{FF2B5EF4-FFF2-40B4-BE49-F238E27FC236}">
+                      <a16:creationId xmlns:a16="http://schemas.microsoft.com/office/drawing/2014/main" id="{4B4AEDB5-BFC9-E1EE-F707-6DEB98B82979}"/>
+                    </a:ext>
+                  </a:extLst>
+                </p:cNvPr>
+                <p:cNvPicPr/>
+                <p:nvPr/>
+              </p:nvPicPr>
+              <p:blipFill>
+                <a:blip r:embed="rId16"/>
+                <a:stretch>
+                  <a:fillRect/>
+                </a:stretch>
+              </p:blipFill>
+              <p:spPr>
+                <a:xfrm>
+                  <a:off x="1937897" y="3598074"/>
+                  <a:ext cx="347400" cy="238320"/>
+                </a:xfrm>
+                <a:prstGeom prst="rect">
+                  <a:avLst/>
+                </a:prstGeom>
+              </p:spPr>
+            </p:pic>
+          </mc:Fallback>
+        </mc:AlternateContent>
+        <mc:AlternateContent xmlns:mc="http://schemas.openxmlformats.org/markup-compatibility/2006">
+          <mc:Choice xmlns:p14="http://schemas.microsoft.com/office/powerpoint/2010/main" Requires="p14">
+            <p:contentPart p14:bwMode="auto" r:id="rId17">
+              <p14:nvContentPartPr>
+                <p14:cNvPr id="17" name="墨迹 16">
+                  <a:extLst>
+                    <a:ext uri="{FF2B5EF4-FFF2-40B4-BE49-F238E27FC236}">
+                      <a16:creationId xmlns:a16="http://schemas.microsoft.com/office/drawing/2014/main" id="{29AA6B11-9AB8-363B-D0E2-740A3F74B477}"/>
+                    </a:ext>
+                  </a:extLst>
+                </p14:cNvPr>
+                <p14:cNvContentPartPr/>
+                <p14:nvPr/>
+              </p14:nvContentPartPr>
+              <p14:xfrm>
+                <a:off x="2242817" y="3560274"/>
+                <a:ext cx="203040" cy="75600"/>
+              </p14:xfrm>
+            </p:contentPart>
+          </mc:Choice>
+          <mc:Fallback>
+            <p:pic>
+              <p:nvPicPr>
+                <p:cNvPr id="17" name="墨迹 16">
+                  <a:extLst>
+                    <a:ext uri="{FF2B5EF4-FFF2-40B4-BE49-F238E27FC236}">
+                      <a16:creationId xmlns:a16="http://schemas.microsoft.com/office/drawing/2014/main" id="{29AA6B11-9AB8-363B-D0E2-740A3F74B477}"/>
+                    </a:ext>
+                  </a:extLst>
+                </p:cNvPr>
+                <p:cNvPicPr/>
+                <p:nvPr/>
+              </p:nvPicPr>
+              <p:blipFill>
+                <a:blip r:embed="rId18"/>
+                <a:stretch>
+                  <a:fillRect/>
+                </a:stretch>
+              </p:blipFill>
+              <p:spPr>
+                <a:xfrm>
+                  <a:off x="2234177" y="3551634"/>
+                  <a:ext cx="220680" cy="93240"/>
+                </a:xfrm>
+                <a:prstGeom prst="rect">
+                  <a:avLst/>
+                </a:prstGeom>
+              </p:spPr>
+            </p:pic>
+          </mc:Fallback>
+        </mc:AlternateContent>
+        <mc:AlternateContent xmlns:mc="http://schemas.openxmlformats.org/markup-compatibility/2006">
+          <mc:Choice xmlns:p14="http://schemas.microsoft.com/office/powerpoint/2010/main" Requires="p14">
+            <p:contentPart p14:bwMode="auto" r:id="rId19">
+              <p14:nvContentPartPr>
+                <p14:cNvPr id="18" name="墨迹 17">
+                  <a:extLst>
+                    <a:ext uri="{FF2B5EF4-FFF2-40B4-BE49-F238E27FC236}">
+                      <a16:creationId xmlns:a16="http://schemas.microsoft.com/office/drawing/2014/main" id="{DEDA9396-D3B1-161B-3FA8-C3EF25F6BB42}"/>
+                    </a:ext>
+                  </a:extLst>
+                </p14:cNvPr>
+                <p14:cNvContentPartPr/>
+                <p14:nvPr/>
+              </p14:nvContentPartPr>
+              <p14:xfrm>
+                <a:off x="2335337" y="3547314"/>
+                <a:ext cx="180000" cy="152280"/>
+              </p14:xfrm>
+            </p:contentPart>
+          </mc:Choice>
+          <mc:Fallback>
+            <p:pic>
+              <p:nvPicPr>
+                <p:cNvPr id="18" name="墨迹 17">
+                  <a:extLst>
+                    <a:ext uri="{FF2B5EF4-FFF2-40B4-BE49-F238E27FC236}">
+                      <a16:creationId xmlns:a16="http://schemas.microsoft.com/office/drawing/2014/main" id="{DEDA9396-D3B1-161B-3FA8-C3EF25F6BB42}"/>
+                    </a:ext>
+                  </a:extLst>
+                </p:cNvPr>
+                <p:cNvPicPr/>
+                <p:nvPr/>
+              </p:nvPicPr>
+              <p:blipFill>
+                <a:blip r:embed="rId20"/>
+                <a:stretch>
+                  <a:fillRect/>
+                </a:stretch>
+              </p:blipFill>
+              <p:spPr>
+                <a:xfrm>
+                  <a:off x="2326337" y="3538314"/>
+                  <a:ext cx="197640" cy="169920"/>
+                </a:xfrm>
+                <a:prstGeom prst="rect">
+                  <a:avLst/>
+                </a:prstGeom>
+              </p:spPr>
+            </p:pic>
+          </mc:Fallback>
+        </mc:AlternateContent>
+        <mc:AlternateContent xmlns:mc="http://schemas.openxmlformats.org/markup-compatibility/2006">
+          <mc:Choice xmlns:p14="http://schemas.microsoft.com/office/powerpoint/2010/main" Requires="p14">
+            <p:contentPart p14:bwMode="auto" r:id="rId21">
+              <p14:nvContentPartPr>
+                <p14:cNvPr id="19" name="墨迹 18">
+                  <a:extLst>
+                    <a:ext uri="{FF2B5EF4-FFF2-40B4-BE49-F238E27FC236}">
+                      <a16:creationId xmlns:a16="http://schemas.microsoft.com/office/drawing/2014/main" id="{04A89950-751E-B95D-DA5E-B12408A9676F}"/>
+                    </a:ext>
+                  </a:extLst>
+                </p14:cNvPr>
+                <p14:cNvContentPartPr/>
+                <p14:nvPr/>
+              </p14:nvContentPartPr>
+              <p14:xfrm>
+                <a:off x="2005937" y="3702834"/>
+                <a:ext cx="120240" cy="201600"/>
+              </p14:xfrm>
+            </p:contentPart>
+          </mc:Choice>
+          <mc:Fallback>
+            <p:pic>
+              <p:nvPicPr>
+                <p:cNvPr id="19" name="墨迹 18">
+                  <a:extLst>
+                    <a:ext uri="{FF2B5EF4-FFF2-40B4-BE49-F238E27FC236}">
+                      <a16:creationId xmlns:a16="http://schemas.microsoft.com/office/drawing/2014/main" id="{04A89950-751E-B95D-DA5E-B12408A9676F}"/>
+                    </a:ext>
+                  </a:extLst>
+                </p:cNvPr>
+                <p:cNvPicPr/>
+                <p:nvPr/>
+              </p:nvPicPr>
+              <p:blipFill>
+                <a:blip r:embed="rId22"/>
+                <a:stretch>
+                  <a:fillRect/>
+                </a:stretch>
+              </p:blipFill>
+              <p:spPr>
+                <a:xfrm>
+                  <a:off x="1997297" y="3693834"/>
+                  <a:ext cx="137880" cy="219240"/>
+                </a:xfrm>
+                <a:prstGeom prst="rect">
+                  <a:avLst/>
+                </a:prstGeom>
+              </p:spPr>
+            </p:pic>
+          </mc:Fallback>
+        </mc:AlternateContent>
+      </p:grpSp>
     </p:spTree>
     <p:extLst>
       <p:ext uri="{BB962C8B-B14F-4D97-AF65-F5344CB8AC3E}">

--- a/Term1/Machine Vision/lectures/21_ShallowNeuralNets_.pptx
+++ b/Term1/Machine Vision/lectures/21_ShallowNeuralNets_.pptx
@@ -238,7 +238,7 @@
             <a:fld id="{A1B787B9-0DAE-42E2-BEBC-E3B5162A5373}" type="datetimeFigureOut">
               <a:rPr lang="en-US" smtClean="0"/>
               <a:pPr/>
-              <a:t>5/1/2024</a:t>
+              <a:t>5/5/2024</a:t>
             </a:fld>
             <a:endParaRPr lang="en-GB"/>
           </a:p>
@@ -2631,6 +2631,146 @@
 </inkml:ink>
 </file>
 
+<file path=ppt/ink/ink75.xml><?xml version="1.0" encoding="utf-8"?>
+<inkml:ink xmlns:inkml="http://www.w3.org/2003/InkML">
+  <inkml:definitions>
+    <inkml:context xml:id="ctx0">
+      <inkml:inkSource xml:id="inkSrc0">
+        <inkml:traceFormat>
+          <inkml:channel name="X" type="integer" min="-2.14748E9" max="2.14748E9" units="cm"/>
+          <inkml:channel name="Y" type="integer" min="-2.14748E9" max="2.14748E9" units="cm"/>
+          <inkml:channel name="F" type="integer" max="32767" units="dev"/>
+        </inkml:traceFormat>
+        <inkml:channelProperties>
+          <inkml:channelProperty channel="X" name="resolution" value="1000" units="1/cm"/>
+          <inkml:channelProperty channel="Y" name="resolution" value="1000" units="1/cm"/>
+          <inkml:channelProperty channel="F" name="resolution" value="0" units="1/dev"/>
+        </inkml:channelProperties>
+      </inkml:inkSource>
+      <inkml:timestamp xml:id="ts0" timeString="2024-05-05T18:41:15.354"/>
+    </inkml:context>
+    <inkml:brush xml:id="br0">
+      <inkml:brushProperty name="width" value="0.1" units="cm"/>
+      <inkml:brushProperty name="height" value="0.1" units="cm"/>
+      <inkml:brushProperty name="color" value="#008C3A"/>
+    </inkml:brush>
+  </inkml:definitions>
+  <inkml:trace contextRef="#ctx0" brushRef="#br0">2525 225 24575,'0'-4'0,"-1"0"0,1 0 0,0 0 0,-1 1 0,0-1 0,0 0 0,0 1 0,0-1 0,-1 1 0,1-1 0,-1 1 0,0 0 0,0 0 0,0 0 0,-1 0 0,1 0 0,-1 0 0,1 0 0,-1 1 0,0-1 0,0 1 0,-6-4 0,-5-1 0,0 1 0,0 0 0,-1 0 0,-20-4 0,-8-2 0,-27-10 0,0 3 0,-1 4 0,-101-9 0,-172 5 0,-172 19 0,508 1 0,0 0 0,-1 1 0,1 0 0,0 0 0,1 1 0,-1 0 0,0 0 0,1 1 0,-1 0 0,-10 9 0,-31 14 0,34-20 0,0 1 0,1 1 0,-18 14 0,-20 12 0,-31 5 0,-55 47 0,-68 39 0,190-115 0,1 0 0,0 1 0,-13 14 0,-11 8 0,30-26 0,1 0 0,-12 15 0,-11 11 0,16-18 0,0 1 0,1 0 0,-15 24 0,-18 23 0,42-58 0,1 0 0,0 0 0,1 0 0,-1 0 0,1 1 0,0-1 0,1 1 0,-1 0 0,-2 13 0,2-8 0,0-1 0,-2 0 0,-7 16 0,6-15 0,0 1 0,-5 16 0,5 4 0,1-1 0,1 1 0,1 0 0,3 43 0,1-62 0,-1-11 0,3 68 0,-2-63 0,1-1 0,0 1 0,0-1 0,0 0 0,1 0 0,0 0 0,5 9 0,16 28 0,-19-32 0,1-1 0,0 0 0,1 0 0,0-1 0,13 15 0,-6-11 0,-3-2 0,1 0 0,0 0 0,0-1 0,2-1 0,-1 0 0,1-1 0,29 15 0,5-3 0,-27-11 0,2-1 0,-1 0 0,38 8 0,138 33 0,-42-8 0,-99-28 0,8 1 0,87 10 0,-24-2 0,-91-14 0,76 6 0,-54-6 0,-42-6 0,0-1 0,18 1 0,57-4 0,70 2 0,-55 14 0,29 2 0,-87-10 0,-24-3 0,43 1 0,537-6 0,-592 2 0,0 0 0,20 5 0,22 2 0,-26-6 0,55 13 0,-58-10 0,1 0 0,47 1 0,-52-5 0,35 6 0,-34-4 0,34 1 0,71 7 0,-79-5 0,62 9 0,-71-7 0,-27-5 0,0-1 0,20 1 0,-10-2 0,5-1 0,1 1 0,32 7 0,54 11 0,-74-15 0,0-2 0,53-4 0,-17 1 0,35 2 0,124-3 0,-121-14 0,-102 13 0,1 0 0,-1-2 0,0 1 0,0-2 0,-1 0 0,1 0 0,-1-1 0,-1-1 0,18-13 0,-21 15 0,18-9 0,-23 13 0,1 0 0,0 1 0,-1-2 0,1 1 0,-1 0 0,1-1 0,-1 0 0,0 1 0,0-1 0,0 0 0,-1-1 0,1 1 0,1-4 0,3-6 0,1 1 0,0 0 0,0 1 0,18-19 0,-19 20 0,0-1 0,-1 1 0,0-1 0,0 0 0,-1-1 0,-1 1 0,5-16 0,5-12 0,-9 26 0,1-1 0,0 1 0,-1-1 0,-1 0 0,0 0 0,-1 0 0,-1 0 0,2-21 0,-5-365 0,0 391 0,0 0 0,0-1 0,0 1 0,-1 0 0,-1 0 0,0 0 0,0 0 0,-5-8 0,-6-11 0,-19-27 0,22 38 0,-17-15 0,23 27 0,0 0 0,1 0 0,-1 0 0,-5-10 0,6 9 0,0 0 0,0 0 0,0 1 0,-1-1 0,0 1 0,0 0 0,0 1 0,-1-1 0,1 1 0,-1 0 0,0 0 0,0 1 0,-8-4 0,10 4 0,-1 0 0,1-1 0,0 1 0,0-1 0,0 0 0,-3-5 0,-18-16 0,12 17 0,-1-1 0,0 2 0,-1 0 0,-27-10 0,21 10 0,-34-18 0,-21-11 0,69 33 0,0 1 0,0-1 0,0 1 0,0 0 0,-14-1 0,-22-7 0,-149-51 0,73 45 0,26-7 0,-30-7 0,67 19 0,18 3 0,-1 2 0,-53-2 0,77 7 0,-1-1 0,1-1 0,-1 0 0,1-2 0,-19-7 0,-30-7 0,24 9 0,-1 0 0,-54-6 0,45 10 0,15 2 0,-40-1 0,-36 7 0,-168-4 0,213-6 322,42 5-1166,-39-2 1</inkml:trace>
+</inkml:ink>
+</file>
+
+<file path=ppt/ink/ink76.xml><?xml version="1.0" encoding="utf-8"?>
+<inkml:ink xmlns:inkml="http://www.w3.org/2003/InkML">
+  <inkml:definitions>
+    <inkml:context xml:id="ctx0">
+      <inkml:inkSource xml:id="inkSrc0">
+        <inkml:traceFormat>
+          <inkml:channel name="X" type="integer" min="-2.14748E9" max="2.14748E9" units="cm"/>
+          <inkml:channel name="Y" type="integer" min="-2.14748E9" max="2.14748E9" units="cm"/>
+          <inkml:channel name="F" type="integer" max="32767" units="dev"/>
+        </inkml:traceFormat>
+        <inkml:channelProperties>
+          <inkml:channelProperty channel="X" name="resolution" value="1000" units="1/cm"/>
+          <inkml:channelProperty channel="Y" name="resolution" value="1000" units="1/cm"/>
+          <inkml:channelProperty channel="F" name="resolution" value="0" units="1/dev"/>
+        </inkml:channelProperties>
+      </inkml:inkSource>
+      <inkml:timestamp xml:id="ts0" timeString="2024-05-05T18:41:19.092"/>
+    </inkml:context>
+    <inkml:brush xml:id="br0">
+      <inkml:brushProperty name="width" value="0.1" units="cm"/>
+      <inkml:brushProperty name="height" value="0.1" units="cm"/>
+      <inkml:brushProperty name="color" value="#008C3A"/>
+    </inkml:brush>
+  </inkml:definitions>
+  <inkml:trace contextRef="#ctx0" brushRef="#br0">193 0 24575,'-1'0'0,"-1"0"0,0 0 0,0 0 0,0 0 0,0 1 0,0-1 0,0 0 0,1 1 0,-1-1 0,0 1 0,0 0 0,1-1 0,-1 1 0,0 0 0,1 0 0,-1 0 0,1 0 0,-1 1 0,1-1 0,-1 0 0,1 1 0,-1 0 0,0 2 0,0-1 0,1 1 0,0 0 0,0-1 0,0 1 0,0 0 0,0 0 0,1 0 0,0-1 0,0 6 0,2 137 0,-1-139 0,1-1 0,0 1 0,0-1 0,0 0 0,1 1 0,0-1 0,0 0 0,1-1 0,-1 1 0,1-1 0,7 8 0,-6-8 0,-1 0 0,0 0 0,0 1 0,0-1 0,-1 1 0,0 0 0,0 0 0,-1 0 0,0 0 0,0 1 0,2 10 0,-3-9 0,0 0 0,-1 0 0,0 0 0,-1 0 0,0 0 0,0 0 0,0 0 0,-4 10 0,3-13 0,0-2 0,0 1 0,0 0 0,-1 0 0,1-1 0,-1 1 0,0-1 0,0 0 0,0 0 0,0 0 0,0 0 0,-1 0 0,0-1 0,1 1 0,-1-1 0,-7 3 0,-108 40 0,112-43-341,0 0 0,0-1-1,-14 2 1</inkml:trace>
+</inkml:ink>
+</file>
+
+<file path=ppt/ink/ink77.xml><?xml version="1.0" encoding="utf-8"?>
+<inkml:ink xmlns:inkml="http://www.w3.org/2003/InkML">
+  <inkml:definitions>
+    <inkml:context xml:id="ctx0">
+      <inkml:inkSource xml:id="inkSrc0">
+        <inkml:traceFormat>
+          <inkml:channel name="X" type="integer" min="-2.14748E9" max="2.14748E9" units="cm"/>
+          <inkml:channel name="Y" type="integer" min="-2.14748E9" max="2.14748E9" units="cm"/>
+          <inkml:channel name="F" type="integer" max="32767" units="dev"/>
+        </inkml:traceFormat>
+        <inkml:channelProperties>
+          <inkml:channelProperty channel="X" name="resolution" value="1000" units="1/cm"/>
+          <inkml:channelProperty channel="Y" name="resolution" value="1000" units="1/cm"/>
+          <inkml:channelProperty channel="F" name="resolution" value="0" units="1/dev"/>
+        </inkml:channelProperties>
+      </inkml:inkSource>
+      <inkml:timestamp xml:id="ts0" timeString="2024-05-05T18:41:20.288"/>
+    </inkml:context>
+    <inkml:brush xml:id="br0">
+      <inkml:brushProperty name="width" value="0.1" units="cm"/>
+      <inkml:brushProperty name="height" value="0.1" units="cm"/>
+      <inkml:brushProperty name="color" value="#008C3A"/>
+    </inkml:brush>
+  </inkml:definitions>
+  <inkml:trace contextRef="#ctx0" brushRef="#br0">1 155 24575,'5'0'0,"-1"1"0,1 1 0,0-1 0,-1 1 0,1-1 0,-1 1 0,0 0 0,1 1 0,-1-1 0,0 1 0,0 0 0,6 6 0,-5-5 0,0 0 0,0 0 0,1 0 0,-1-1 0,1 0 0,-1 0 0,10 2 0,4-2 0,1-1 0,0 0 0,-1-2 0,1 0 0,23-4 0,-39 3 0,0 0 0,1-1 0,-1 1 0,0-1 0,0 0 0,0 0 0,0 0 0,0-1 0,0 1 0,-1-1 0,1 0 0,-1 0 0,0 0 0,0-1 0,0 1 0,0-1 0,0 1 0,2-7 0,6-8 0,-2 0 0,11-32 0,-19 49 0,-1-1 0,0 1 0,0-1 0,0 0 0,0 0 0,0 1 0,0-1 0,-1 0 0,1 0 0,-1 1 0,1-1 0,-1 0 0,0 0 0,1 1 0,-1-1 0,0 1 0,0-1 0,0 1 0,0-1 0,-1 1 0,1 0 0,0 0 0,0-1 0,-1 1 0,-1-1 0,-38-28 0,41 29 0,-2 0 0,0 0 0,0 0 0,0 1 0,0-1 0,-1 0 0,1 1 0,0-1 0,0 1 0,0 0 0,0-1 0,0 1 0,-1 0 0,1 0 0,0 1 0,0-1 0,0 0 0,0 1 0,-4 0 0,-3 3 0,0 0 0,1 0 0,-10 6 0,-14 6 0,13-9 0,1 1 0,-24 14 0,34-17 0,0 0 0,0 1 0,1 0 0,-1 0 0,2 0 0,-1 1 0,-7 9 0,10-8 0,0-1 0,0 1 0,1 0 0,0 0 0,0 0 0,1 0 0,0 1 0,0-1 0,-1 15 0,2 0 0,1 0 0,3 32 0,-1-48 0,-1 0 0,1 0 0,1 0 0,-1 0 0,1-1 0,0 1 0,0-1 0,1 1 0,0-1 0,0 0 0,1-1 0,0 1 0,6 6 0,4 1 0,-1 0 0,2-1 0,28 18 0,-42-30-52,-1 1-1,0 0 1,0-1-1,1 1 1,-1 0-1,1-1 1,-1 0-1,1 1 1,-1-1-1,1 0 1,-1 0-1,1 0 1,-1 0-1,1 0 1,-1 0-1,1 0 1,-1 0-1,0-1 1,1 1-1,-1-1 0,1 1 1,-1-1-1,0 1 1,1-1-1,1-1 1</inkml:trace>
+</inkml:ink>
+</file>
+
+<file path=ppt/ink/ink78.xml><?xml version="1.0" encoding="utf-8"?>
+<inkml:ink xmlns:inkml="http://www.w3.org/2003/InkML">
+  <inkml:definitions>
+    <inkml:context xml:id="ctx0">
+      <inkml:inkSource xml:id="inkSrc0">
+        <inkml:traceFormat>
+          <inkml:channel name="X" type="integer" min="-2.14748E9" max="2.14748E9" units="cm"/>
+          <inkml:channel name="Y" type="integer" min="-2.14748E9" max="2.14748E9" units="cm"/>
+          <inkml:channel name="F" type="integer" max="32767" units="dev"/>
+        </inkml:traceFormat>
+        <inkml:channelProperties>
+          <inkml:channelProperty channel="X" name="resolution" value="1000" units="1/cm"/>
+          <inkml:channelProperty channel="Y" name="resolution" value="1000" units="1/cm"/>
+          <inkml:channelProperty channel="F" name="resolution" value="0" units="1/dev"/>
+        </inkml:channelProperties>
+      </inkml:inkSource>
+      <inkml:timestamp xml:id="ts0" timeString="2024-05-05T18:41:21.020"/>
+    </inkml:context>
+    <inkml:brush xml:id="br0">
+      <inkml:brushProperty name="width" value="0.1" units="cm"/>
+      <inkml:brushProperty name="height" value="0.1" units="cm"/>
+      <inkml:brushProperty name="color" value="#008C3A"/>
+    </inkml:brush>
+  </inkml:definitions>
+  <inkml:trace contextRef="#ctx0" brushRef="#br0">1 0 24575,'2'1'0,"0"-1"0,0 1 0,0-1 0,0 1 0,-1 0 0,1 0 0,0 0 0,0 0 0,0 0 0,-1 0 0,1 0 0,0 0 0,-1 1 0,3 2 0,21 25 0,-20-22 0,24 26 0,1-2 0,46 39 0,-28-33 248,-25-19-786,0 0 1,24 27-1</inkml:trace>
+</inkml:ink>
+</file>
+
+<file path=ppt/ink/ink79.xml><?xml version="1.0" encoding="utf-8"?>
+<inkml:ink xmlns:inkml="http://www.w3.org/2003/InkML">
+  <inkml:definitions>
+    <inkml:context xml:id="ctx0">
+      <inkml:inkSource xml:id="inkSrc0">
+        <inkml:traceFormat>
+          <inkml:channel name="X" type="integer" min="-2.14748E9" max="2.14748E9" units="cm"/>
+          <inkml:channel name="Y" type="integer" min="-2.14748E9" max="2.14748E9" units="cm"/>
+          <inkml:channel name="F" type="integer" max="32767" units="dev"/>
+        </inkml:traceFormat>
+        <inkml:channelProperties>
+          <inkml:channelProperty channel="X" name="resolution" value="1000" units="1/cm"/>
+          <inkml:channelProperty channel="Y" name="resolution" value="1000" units="1/cm"/>
+          <inkml:channelProperty channel="F" name="resolution" value="0" units="1/dev"/>
+        </inkml:channelProperties>
+      </inkml:inkSource>
+      <inkml:timestamp xml:id="ts0" timeString="2024-05-05T18:41:21.439"/>
+    </inkml:context>
+    <inkml:brush xml:id="br0">
+      <inkml:brushProperty name="width" value="0.1" units="cm"/>
+      <inkml:brushProperty name="height" value="0.1" units="cm"/>
+      <inkml:brushProperty name="color" value="#008C3A"/>
+    </inkml:brush>
+  </inkml:definitions>
+  <inkml:trace contextRef="#ctx0" brushRef="#br0">311 0 24575,'-3'1'0,"1"-1"0,0 0 0,0 1 0,0 0 0,0-1 0,0 1 0,0 0 0,0 0 0,0 0 0,0 0 0,0 0 0,0 1 0,-3 2 0,-24 26 0,7-6 0,14-18 0,1 1 0,1-1 0,-1 1 0,1 1 0,0-1 0,-6 12 0,7-12 0,0-1 0,0 1 0,-1-1 0,1 0 0,-13 9 0,12-11 0,0 1 0,1 0 0,0 1 0,0-1 0,0 1 0,0 0 0,-4 8 0,4-5 68,-1 0 1,0-1-1,0 0 0,-14 13 0,12-14-409,1 1 0,1-1 0,-1 2-1,-7 13 1</inkml:trace>
+</inkml:ink>
+</file>
+
 <file path=ppt/ink/ink8.xml><?xml version="1.0" encoding="utf-8"?>
 <inkml:ink xmlns:inkml="http://www.w3.org/2003/InkML">
   <inkml:definitions>
@@ -2660,6 +2800,286 @@
     </inkml:brush>
   </inkml:definitions>
   <inkml:trace contextRef="#ctx0" brushRef="#br0">69 423 4031 0 0,'0'0'306'0'0,"1"-1"-200"0"0,23-14 3319 0 0,-1 0-1 0 0,0-2 0 0 0,-1 0 0 0 0,-1-2 0 0 0,24-26 0 0 0,-17 16-361 0 0,51-42 0 0 0,-45 42-2102 0 0,58-45-269 0 0,-87 71-692 0 0,-1 0 0 0 0,-1 1 0 0 0,0-1 0 0 0,0 0 0 0 0,0 0 0 0 0,0 0 0 0 0,3-6 0 0 0,0-1 0 0 0,-4 0 0 0 0,-5-1 0 0 0,2 10 0 0 0,-1-1 0 0 0,1 1 0 0 0,-1 0 0 0 0,0 0 0 0 0,1 0 0 0 0,-1-1 0 0 0,0 2 0 0 0,0-1 0 0 0,0 0 0 0 0,1 0 0 0 0,-1 0 0 0 0,0 1 0 0 0,-4-1 0 0 0,-30-4 0 0 0,19 4 0 0 0,-36-5 0 0 0,-1 2 0 0 0,0 3 0 0 0,-100 11 0 0 0,122-6-1956 0 0,-3-1-5116 0 0,2 1-3124 0 0</inkml:trace>
+</inkml:ink>
+</file>
+
+<file path=ppt/ink/ink80.xml><?xml version="1.0" encoding="utf-8"?>
+<inkml:ink xmlns:inkml="http://www.w3.org/2003/InkML">
+  <inkml:definitions>
+    <inkml:context xml:id="ctx0">
+      <inkml:inkSource xml:id="inkSrc0">
+        <inkml:traceFormat>
+          <inkml:channel name="X" type="integer" min="-2.14748E9" max="2.14748E9" units="cm"/>
+          <inkml:channel name="Y" type="integer" min="-2.14748E9" max="2.14748E9" units="cm"/>
+          <inkml:channel name="F" type="integer" max="32767" units="dev"/>
+        </inkml:traceFormat>
+        <inkml:channelProperties>
+          <inkml:channelProperty channel="X" name="resolution" value="1000" units="1/cm"/>
+          <inkml:channelProperty channel="Y" name="resolution" value="1000" units="1/cm"/>
+          <inkml:channelProperty channel="F" name="resolution" value="0" units="1/dev"/>
+        </inkml:channelProperties>
+      </inkml:inkSource>
+      <inkml:timestamp xml:id="ts0" timeString="2024-05-05T18:41:34.449"/>
+    </inkml:context>
+    <inkml:brush xml:id="br0">
+      <inkml:brushProperty name="width" value="0.1" units="cm"/>
+      <inkml:brushProperty name="height" value="0.1" units="cm"/>
+      <inkml:brushProperty name="color" value="#008C3A"/>
+    </inkml:brush>
+  </inkml:definitions>
+  <inkml:trace contextRef="#ctx0" brushRef="#br0">366 708 24575,'0'-6'0,"0"-24"0,-4-31 0,2 50 0,0 1 0,0-1 0,-1 0 0,-1 1 0,0 0 0,-6-13 0,-48-86 0,51 97 0,-1 1 0,-17-20 0,17 22 0,0-1 0,0 0 0,-11-21 0,10 15 0,-1 1 0,-1 0 0,-13-16 0,5 9 0,10 7 0,-1 1 0,-9-21 0,-12-20 0,16 35 171,10 14-390,-1-2-1,1 1 1,1 0-1,-1-1 1,1 0-1,-4-11 1</inkml:trace>
+</inkml:ink>
+</file>
+
+<file path=ppt/ink/ink81.xml><?xml version="1.0" encoding="utf-8"?>
+<inkml:ink xmlns:inkml="http://www.w3.org/2003/InkML">
+  <inkml:definitions>
+    <inkml:context xml:id="ctx0">
+      <inkml:inkSource xml:id="inkSrc0">
+        <inkml:traceFormat>
+          <inkml:channel name="X" type="integer" min="-2.14748E9" max="2.14748E9" units="cm"/>
+          <inkml:channel name="Y" type="integer" min="-2.14748E9" max="2.14748E9" units="cm"/>
+          <inkml:channel name="F" type="integer" max="32767" units="dev"/>
+        </inkml:traceFormat>
+        <inkml:channelProperties>
+          <inkml:channelProperty channel="X" name="resolution" value="1000" units="1/cm"/>
+          <inkml:channelProperty channel="Y" name="resolution" value="1000" units="1/cm"/>
+          <inkml:channelProperty channel="F" name="resolution" value="0" units="1/dev"/>
+        </inkml:channelProperties>
+      </inkml:inkSource>
+      <inkml:timestamp xml:id="ts0" timeString="2024-05-05T18:41:25.760"/>
+    </inkml:context>
+    <inkml:brush xml:id="br0">
+      <inkml:brushProperty name="width" value="0.1" units="cm"/>
+      <inkml:brushProperty name="height" value="0.1" units="cm"/>
+      <inkml:brushProperty name="color" value="#008C3A"/>
+    </inkml:brush>
+  </inkml:definitions>
+  <inkml:trace contextRef="#ctx0" brushRef="#br0">73 0 24575,'0'449'0,"-1"-437"0,-1 1 0,0 0 0,0-1 0,-9 23 0,-4 23 0,9-27 0,-17 47 0,18-62 0,0 1 0,4-13 0,3-12 0,3-8 0,2-15 0,2 1 0,15-33 0,-11 34 0,2 1 0,0 1 0,39-50 0,-47 70 0,1 0 0,-1 1 0,16-11 0,12-8 0,-30 20 0,22-18 0,-26 22 0,1 0 0,0 0 0,-1 0 0,1 0 0,0 0 0,0 0 0,0 0 0,0 0 0,0 1 0,0-1 0,0 1 0,4-1 0,-5 1 0,0 1 0,0-1 0,0 1 0,0-1 0,1 1 0,-1-1 0,0 1 0,0 0 0,0 0 0,-1-1 0,1 1 0,0 0 0,0 0 0,0 0 0,0 0 0,-1 0 0,1 0 0,0 0 0,-1 0 0,1 0 0,-1 0 0,0 1 0,1-1 0,0 2 0,6 35 0,-6-30 0,12 63 0,-7-39 0,0 0 0,1 60 0,-4-63-1365</inkml:trace>
+</inkml:ink>
+</file>
+
+<file path=ppt/ink/ink82.xml><?xml version="1.0" encoding="utf-8"?>
+<inkml:ink xmlns:inkml="http://www.w3.org/2003/InkML">
+  <inkml:definitions>
+    <inkml:context xml:id="ctx0">
+      <inkml:inkSource xml:id="inkSrc0">
+        <inkml:traceFormat>
+          <inkml:channel name="X" type="integer" min="-2.14748E9" max="2.14748E9" units="cm"/>
+          <inkml:channel name="Y" type="integer" min="-2.14748E9" max="2.14748E9" units="cm"/>
+          <inkml:channel name="F" type="integer" max="32767" units="dev"/>
+        </inkml:traceFormat>
+        <inkml:channelProperties>
+          <inkml:channelProperty channel="X" name="resolution" value="1000" units="1/cm"/>
+          <inkml:channelProperty channel="Y" name="resolution" value="1000" units="1/cm"/>
+          <inkml:channelProperty channel="F" name="resolution" value="0" units="1/dev"/>
+        </inkml:channelProperties>
+      </inkml:inkSource>
+      <inkml:timestamp xml:id="ts0" timeString="2024-05-05T18:41:26.755"/>
+    </inkml:context>
+    <inkml:brush xml:id="br0">
+      <inkml:brushProperty name="width" value="0.1" units="cm"/>
+      <inkml:brushProperty name="height" value="0.1" units="cm"/>
+      <inkml:brushProperty name="color" value="#008C3A"/>
+    </inkml:brush>
+  </inkml:definitions>
+  <inkml:trace contextRef="#ctx0" brushRef="#br0">1 90 24575,'0'21'0,"-1"13"0,2-1 0,9 56 0,-7-66 0,-1 1 0,0 0 0,-3 26 0,2 36 0,-1-85 0,0 0 0,0 1 0,0-1 0,0 0 0,0 0 0,0 1 0,1-1 0,-1 0 0,0 0 0,1 0 0,-1 1 0,1-1 0,0 0 0,-1 0 0,1 0 0,0 0 0,0 0 0,-1 0 0,3 1 0,-2-2 0,-1 1 0,1-1 0,0 0 0,0 0 0,0 0 0,0 0 0,-1 0 0,1 0 0,0 0 0,0 0 0,0 0 0,0 0 0,-1 0 0,1 0 0,0-1 0,0 1 0,0 0 0,-1-1 0,1 1 0,0-1 0,1 0 0,4-3 0,1-1 0,-1-1 0,0 1 0,7-10 0,-10 12 0,13-17 0,16-23 0,-19 23 0,27-29 0,-32 38 0,0 0 0,0-1 0,-1 0 0,0 0 0,-1-1 0,8-25 0,12-23 0,-19 48 0,0-1 0,0 0 0,-1 0 0,-1 0 0,-1-1 0,0 0 0,-1 0 0,3-26 0,-20 212 0,9-122 0,3 1 0,4 53 0,-1-18 0,-1-79 0,0 0 0,1-1 0,0 1 0,-1-1 0,4 11 0,-3-15 0,-1 0 0,0-1 0,0 1 0,1-1 0,-1 1 0,0-1 0,1 1 0,-1-1 0,0 1 0,1-1 0,-1 1 0,1-1 0,-1 1 0,1-1 0,-1 1 0,1-1 0,-1 0 0,1 1 0,-1-1 0,1 0 0,0 0 0,-1 1 0,2-1 0,-1 0 0,1 0 0,-1-1 0,0 1 0,0 0 0,0-1 0,1 1 0,-1-1 0,0 0 0,0 1 0,0-1 0,0 0 0,0 1 0,0-1 0,0 0 0,0 0 0,0 0 0,1-1 0,1-2-195,-1 1 0,1 0 0,0-1 0,-1 1 0,0-1 0,3-6 0</inkml:trace>
+</inkml:ink>
+</file>
+
+<file path=ppt/ink/ink83.xml><?xml version="1.0" encoding="utf-8"?>
+<inkml:ink xmlns:inkml="http://www.w3.org/2003/InkML">
+  <inkml:definitions>
+    <inkml:context xml:id="ctx0">
+      <inkml:inkSource xml:id="inkSrc0">
+        <inkml:traceFormat>
+          <inkml:channel name="X" type="integer" min="-2.14748E9" max="2.14748E9" units="cm"/>
+          <inkml:channel name="Y" type="integer" min="-2.14748E9" max="2.14748E9" units="cm"/>
+          <inkml:channel name="F" type="integer" max="32767" units="dev"/>
+        </inkml:traceFormat>
+        <inkml:channelProperties>
+          <inkml:channelProperty channel="X" name="resolution" value="1000" units="1/cm"/>
+          <inkml:channelProperty channel="Y" name="resolution" value="1000" units="1/cm"/>
+          <inkml:channelProperty channel="F" name="resolution" value="0" units="1/dev"/>
+        </inkml:channelProperties>
+      </inkml:inkSource>
+      <inkml:timestamp xml:id="ts0" timeString="2024-05-05T18:41:28.208"/>
+    </inkml:context>
+    <inkml:brush xml:id="br0">
+      <inkml:brushProperty name="width" value="0.1" units="cm"/>
+      <inkml:brushProperty name="height" value="0.1" units="cm"/>
+      <inkml:brushProperty name="color" value="#008C3A"/>
+    </inkml:brush>
+  </inkml:definitions>
+  <inkml:trace contextRef="#ctx0" brushRef="#br0">5 1 24575,'1'0'0,"0"1"0,1-1 0,-1 1 0,0 0 0,0-1 0,0 1 0,0 0 0,0 0 0,0 0 0,0 0 0,0 0 0,0 0 0,-1 0 0,1 0 0,0 0 0,-1 0 0,1 0 0,0 1 0,-1-1 0,1 1 0,9 28 0,-7-4 0,-1 1 0,0 0 0,-4 38 0,0-3 0,1-51 0,0 0 0,0 1 0,-1-1 0,0 0 0,-1 0 0,0 0 0,-1-1 0,0 1 0,-1-1 0,-6 11 0,31-73 0,1 24 0,-17 23 0,-1 0 0,1 0 0,-1 0 0,0 0 0,0-1 0,0 1 0,3-12 0,-4 11 0,1 0 0,1 1 0,-1-1 0,1 1 0,0-1 0,0 1 0,0 0 0,1 0 0,0 1 0,0 0 0,9-7 0,16-15 0,-24 19 0,1 1 0,-1 0 0,1 0 0,0 1 0,0 0 0,1 0 0,15-7 0,-20 10 0,1 0 0,-1 0 0,0-1 0,0 0 0,0 1 0,5-7 0,-6 7 0,0-1 0,0 1 0,0 0 0,1 0 0,-1 0 0,1 0 0,-1 0 0,1 1 0,-1-1 0,5-1 0,-6 3 0,-1 0 0,1 0 0,-1 0 0,1 0 0,-1 0 0,1 0 0,-1 1 0,1-1 0,-1 0 0,1 0 0,-1 1 0,1-1 0,-1 0 0,0 0 0,1 1 0,-1-1 0,1 0 0,-1 1 0,0-1 0,1 1 0,-1-1 0,0 0 0,0 1 0,1-1 0,-1 1 0,0-1 0,0 1 0,1 0 0,5 18 0,-5-16 0,5 16 0,-1 0 0,-1 0 0,-1 1 0,-1-1 0,0 33 0,-2-37 0,2 1 0,3 20 0,3 18 0,-7-40 0,0-1 0,2 0 0,5 21 0,-8-34 0,0 1 0,0-1 0,0 1 0,1-1 0,-1 1 0,0-1 0,0 1 0,1 0 0,-1-1 0,0 0 0,1 1 0,-1-1 0,1 1 0,-1-1 0,0 1 0,1-1 0,-1 0 0,1 1 0,-1-1 0,1 0 0,-1 0 0,1 1 0,-1-1 0,1 0 0,0 0 0,-1 0 0,1 0 0,-1 1 0,1-1 0,-1 0 0,2 0 0,0-1 0,0 1 0,0-1 0,0 1 0,0-1 0,0 0 0,-1 0 0,1 0 0,0 0 0,2-2 0,3-2 0,0-1 0,0 0 0,8-9 0,39-43 0,-36 40 0,0-1 0,20-29 0,-6 13 0,-27 31 0,0-1 0,0 0 0,-1 0 0,0-1 0,0 0 0,0 1 0,5-11 0,9-20 0,-17 33 0,1 0 0,0 1 0,0-1 0,0 1 0,0-1 0,0 1 0,0 0 0,1-1 0,-1 1 0,4-2 0,-5 4 0,-1 0 0,0 0 0,1 0 0,-1 0 0,0 0 0,1 1 0,-1-1 0,0 0 0,1 0 0,-1 0 0,0 0 0,0 0 0,1 1 0,-1-1 0,0 0 0,1 0 0,-1 1 0,0-1 0,0 0 0,0 0 0,1 1 0,-1-1 0,0 0 0,0 1 0,0-1 0,0 0 0,1 0 0,-1 1 0,0-1 0,0 0 0,0 1 0,0-1 0,0 0 0,0 1 0,0-1 0,0 1 0,0-1 0,0 0 0,0 1 0,0-1 0,1 19 0,-1-18 0,0 17 0,1 0 0,0-1 0,5 20 0,-3-22 0,-1 1 0,-1-1 0,-1 16 0,1 14 0,-1-44-105,1 1 0,-1 0 0,0 0 0,1-1 0,-1 1 0,1 0 0,-1-1 0,1 1 0,0 0 0,0-1 0,-1 1 0,3 1 0</inkml:trace>
+</inkml:ink>
+</file>
+
+<file path=ppt/ink/ink84.xml><?xml version="1.0" encoding="utf-8"?>
+<inkml:ink xmlns:inkml="http://www.w3.org/2003/InkML">
+  <inkml:definitions>
+    <inkml:context xml:id="ctx0">
+      <inkml:inkSource xml:id="inkSrc0">
+        <inkml:traceFormat>
+          <inkml:channel name="X" type="integer" min="-2.14748E9" max="2.14748E9" units="cm"/>
+          <inkml:channel name="Y" type="integer" min="-2.14748E9" max="2.14748E9" units="cm"/>
+          <inkml:channel name="F" type="integer" max="32767" units="dev"/>
+        </inkml:traceFormat>
+        <inkml:channelProperties>
+          <inkml:channelProperty channel="X" name="resolution" value="1000" units="1/cm"/>
+          <inkml:channelProperty channel="Y" name="resolution" value="1000" units="1/cm"/>
+          <inkml:channelProperty channel="F" name="resolution" value="0" units="1/dev"/>
+        </inkml:channelProperties>
+      </inkml:inkSource>
+      <inkml:timestamp xml:id="ts0" timeString="2024-05-05T18:41:29.236"/>
+    </inkml:context>
+    <inkml:brush xml:id="br0">
+      <inkml:brushProperty name="width" value="0.1" units="cm"/>
+      <inkml:brushProperty name="height" value="0.1" units="cm"/>
+      <inkml:brushProperty name="color" value="#008C3A"/>
+    </inkml:brush>
+  </inkml:definitions>
+  <inkml:trace contextRef="#ctx0" brushRef="#br0">209 165 24575,'1'-5'0,"1"0"0,0 0 0,0 1 0,0-1 0,1 1 0,-1 0 0,1 0 0,4-4 0,-7 7 0,4-5 0,-1 0 0,1 0 0,-1 0 0,-1 0 0,1-1 0,2-10 0,-4 13 0,0 0 0,0 0 0,-1 1 0,0-1 0,1 0 0,-1 0 0,0 0 0,-1 0 0,1 0 0,-1 0 0,0 0 0,-2-6 0,3 9 0,0 1 0,0-1 0,-1 1 0,1-1 0,0 1 0,0-1 0,-1 1 0,1-1 0,0 1 0,-1 0 0,1-1 0,-1 1 0,1 0 0,0-1 0,-1 1 0,1 0 0,-1-1 0,1 1 0,-1 0 0,1 0 0,-1 0 0,1-1 0,-1 1 0,1 0 0,-1 0 0,1 0 0,-1 0 0,1 0 0,-2 0 0,-14 9 0,12-6 0,0 1 0,0 0 0,0 1 0,1-1 0,-3 5 0,-20 48 0,21-43 0,-1 0 0,-1-1 0,0 0 0,-14 19 0,6-9 0,0 0 0,2 0 0,-15 35 0,4-9 0,16-32 0,-10 27 0,16-40 0,1 0 0,0 0 0,0 0 0,0 1 0,0-1 0,1 0 0,-1 0 0,1 1 0,0-1 0,1 0 0,-1 1 0,1-1 0,1 4 0,-2-7 0,1 1 0,-1-1 0,1 0 0,-1 0 0,1 0 0,-1 0 0,1 0 0,0 0 0,0 0 0,-1-1 0,1 1 0,0 0 0,0 0 0,0-1 0,0 1 0,0 0 0,0-1 0,0 1 0,0-1 0,0 1 0,0-1 0,1 0 0,-1 1 0,0-1 0,0 0 0,0 0 0,0 0 0,1 0 0,-1 0 0,0 0 0,2 0 0,4-2 0,-1 1 0,0-1 0,0-1 0,0 1 0,5-4 0,11-3 0,-15 6 0,1 1 0,-1-1 0,0-1 0,0 1 0,0-1 0,0 0 0,0-1 0,-1 0 0,11-10 0,25-20 0,-34 29 0,1 0 0,-1-1 0,0-1 0,0 1 0,-1-1 0,0-1 0,8-11 0,42-83 0,-57 103 0,0 0 0,0 0 0,0 0 0,0 1 0,0-1 0,0 0 0,0 0 0,0 0 0,0 0 0,0 0 0,0 0 0,0 0 0,0 0 0,0 0 0,0 0 0,0 0 0,0 1 0,0-1 0,0 0 0,0 0 0,0 0 0,0 0 0,0 0 0,0 0 0,0 0 0,0 0 0,0 0 0,0 0 0,1 0 0,-1 0 0,0 0 0,0 0 0,0 0 0,0 0 0,0 0 0,0 1 0,0-1 0,0 0 0,0 0 0,0 0 0,0 0 0,0 0 0,0 0 0,1 0 0,-1 0 0,0 0 0,0 0 0,0 0 0,0 0 0,0 0 0,0 0 0,0 0 0,0 0 0,0 0 0,0-1 0,0 1 0,0 0 0,1 0 0,-1 0 0,0 0 0,0 0 0,0 0 0,0 0 0,0 0 0,0 0 0,0 0 0,0 0 0,0 0 0,0 0 0,2 11 0,-1 14 0,-2 140-1365</inkml:trace>
+</inkml:ink>
+</file>
+
+<file path=ppt/ink/ink85.xml><?xml version="1.0" encoding="utf-8"?>
+<inkml:ink xmlns:inkml="http://www.w3.org/2003/InkML">
+  <inkml:definitions>
+    <inkml:context xml:id="ctx0">
+      <inkml:inkSource xml:id="inkSrc0">
+        <inkml:traceFormat>
+          <inkml:channel name="X" type="integer" min="-2.14748E9" max="2.14748E9" units="cm"/>
+          <inkml:channel name="Y" type="integer" min="-2.14748E9" max="2.14748E9" units="cm"/>
+          <inkml:channel name="F" type="integer" max="32767" units="dev"/>
+        </inkml:traceFormat>
+        <inkml:channelProperties>
+          <inkml:channelProperty channel="X" name="resolution" value="1000" units="1/cm"/>
+          <inkml:channelProperty channel="Y" name="resolution" value="1000" units="1/cm"/>
+          <inkml:channelProperty channel="F" name="resolution" value="0" units="1/dev"/>
+        </inkml:channelProperties>
+      </inkml:inkSource>
+      <inkml:timestamp xml:id="ts0" timeString="2024-05-05T18:41:30.010"/>
+    </inkml:context>
+    <inkml:brush xml:id="br0">
+      <inkml:brushProperty name="width" value="0.1" units="cm"/>
+      <inkml:brushProperty name="height" value="0.1" units="cm"/>
+      <inkml:brushProperty name="color" value="#008C3A"/>
+    </inkml:brush>
+  </inkml:definitions>
+  <inkml:trace contextRef="#ctx0" brushRef="#br0">0 161 24575,'1'0'0,"-1"0"0,1 0 0,0 1 0,-1-1 0,1 0 0,-1 0 0,1 1 0,-1-1 0,1 0 0,-1 1 0,1-1 0,-1 1 0,0-1 0,1 1 0,-1-1 0,1 1 0,-1-1 0,0 1 0,0-1 0,1 1 0,-1-1 0,0 1 0,0-1 0,1 2 0,4 20 0,-3-12 0,11 26 0,-6-20 0,-1 0 0,-1 1 0,-1 0 0,0 0 0,-1 0 0,2 27 0,-6 134 0,2-197 0,1 1 0,1 0 0,0 1 0,2-1 0,0 0 0,10-22 0,11-38 0,-19 59 0,0 1 0,1-1 0,1 2 0,1-1 0,13-17 0,13-25 0,-27 44 0,0 0 0,2 1 0,0 0 0,15-16 0,-10 8 0,-14 20 0,0-1 0,0 1 0,0 0 0,0 0 0,0 0 0,1 0 0,0 1 0,-1-1 0,6-3 0,-8 6 0,1 0 0,0 0 0,0 0 0,-1 0 0,1 0 0,0 0 0,0 0 0,-1 0 0,1 0 0,0 0 0,0 1 0,-1-1 0,1 0 0,0 1 0,-1-1 0,1 0 0,0 1 0,-1-1 0,1 1 0,-1-1 0,1 1 0,0-1 0,-1 1 0,1-1 0,-1 1 0,0-1 0,1 1 0,-1 0 0,1-1 0,-1 1 0,0 0 0,0-1 0,1 1 0,-1 1 0,11 29 0,-10-29 0,13 50 0,-2 0 0,-2 1 0,3 63 0,-13-84 264,-1-23-589,1 1-1,0-1 0,1 0 0,2 15 0</inkml:trace>
+</inkml:ink>
+</file>
+
+<file path=ppt/ink/ink86.xml><?xml version="1.0" encoding="utf-8"?>
+<inkml:ink xmlns:inkml="http://www.w3.org/2003/InkML">
+  <inkml:definitions>
+    <inkml:context xml:id="ctx0">
+      <inkml:inkSource xml:id="inkSrc0">
+        <inkml:traceFormat>
+          <inkml:channel name="X" type="integer" min="-2.14748E9" max="2.14748E9" units="cm"/>
+          <inkml:channel name="Y" type="integer" min="-2.14748E9" max="2.14748E9" units="cm"/>
+          <inkml:channel name="F" type="integer" max="32767" units="dev"/>
+        </inkml:traceFormat>
+        <inkml:channelProperties>
+          <inkml:channelProperty channel="X" name="resolution" value="1000" units="1/cm"/>
+          <inkml:channelProperty channel="Y" name="resolution" value="1000" units="1/cm"/>
+          <inkml:channelProperty channel="F" name="resolution" value="0" units="1/dev"/>
+        </inkml:channelProperties>
+      </inkml:inkSource>
+      <inkml:timestamp xml:id="ts0" timeString="2024-05-05T18:41:30.910"/>
+    </inkml:context>
+    <inkml:brush xml:id="br0">
+      <inkml:brushProperty name="width" value="0.1" units="cm"/>
+      <inkml:brushProperty name="height" value="0.1" units="cm"/>
+      <inkml:brushProperty name="color" value="#008C3A"/>
+    </inkml:brush>
+  </inkml:definitions>
+  <inkml:trace contextRef="#ctx0" brushRef="#br0">4 4 24575,'36'-2'0,"-26"1"0,1 1 0,0-1 0,0 2 0,0 0 0,-1 0 0,15 3 0,-21-2 0,0 0 0,-1-1 0,1 1 0,-1 1 0,1-1 0,-1 0 0,0 1 0,0 0 0,0 0 0,0 0 0,0 0 0,-1 0 0,4 6 0,2 5 0,-1-1 0,7 21 0,0-2 0,-6-14 0,0 1 0,-1 1 0,7 26 0,-12-36 0,0 0 0,-1 0 0,0 1 0,-1-1 0,0 0 0,0 0 0,-1 0 0,-4 18 0,3-20 0,0-1 0,-1 0 0,0 0 0,-1 0 0,1 0 0,-1 0 0,-1-1 0,1 1 0,-1-1 0,0-1 0,-1 1 0,1-1 0,-1 1 0,0-2 0,-1 1 0,-12 7 0,-4 5 0,1 0 0,1 1 0,-35 40 0,32-33 0,22-22 22,-1 1-1,1-1 1,0 0 0,0 1-1,1-1 1,-1 1-1,1 0 1,-1 0 0,1 0-1,0-1 1,0 1-1,1 0 1,-1 6-1,0 8-238,3 31-1,0-18-1014</inkml:trace>
+</inkml:ink>
+</file>
+
+<file path=ppt/ink/ink87.xml><?xml version="1.0" encoding="utf-8"?>
+<inkml:ink xmlns:inkml="http://www.w3.org/2003/InkML">
+  <inkml:definitions>
+    <inkml:context xml:id="ctx0">
+      <inkml:inkSource xml:id="inkSrc0">
+        <inkml:traceFormat>
+          <inkml:channel name="X" type="integer" min="-2.14748E9" max="2.14748E9" units="cm"/>
+          <inkml:channel name="Y" type="integer" min="-2.14748E9" max="2.14748E9" units="cm"/>
+          <inkml:channel name="F" type="integer" max="32767" units="dev"/>
+        </inkml:traceFormat>
+        <inkml:channelProperties>
+          <inkml:channelProperty channel="X" name="resolution" value="1000" units="1/cm"/>
+          <inkml:channelProperty channel="Y" name="resolution" value="1000" units="1/cm"/>
+          <inkml:channelProperty channel="F" name="resolution" value="0" units="1/dev"/>
+        </inkml:channelProperties>
+      </inkml:inkSource>
+      <inkml:timestamp xml:id="ts0" timeString="2024-05-05T18:41:31.252"/>
+    </inkml:context>
+    <inkml:brush xml:id="br0">
+      <inkml:brushProperty name="width" value="0.1" units="cm"/>
+      <inkml:brushProperty name="height" value="0.1" units="cm"/>
+      <inkml:brushProperty name="color" value="#008C3A"/>
+    </inkml:brush>
+  </inkml:definitions>
+  <inkml:trace contextRef="#ctx0" brushRef="#br0">1 1 24575,'0'0'-8191</inkml:trace>
+</inkml:ink>
+</file>
+
+<file path=ppt/ink/ink88.xml><?xml version="1.0" encoding="utf-8"?>
+<inkml:ink xmlns:inkml="http://www.w3.org/2003/InkML">
+  <inkml:definitions>
+    <inkml:context xml:id="ctx0">
+      <inkml:inkSource xml:id="inkSrc0">
+        <inkml:traceFormat>
+          <inkml:channel name="X" type="integer" min="-2.14748E9" max="2.14748E9" units="cm"/>
+          <inkml:channel name="Y" type="integer" min="-2.14748E9" max="2.14748E9" units="cm"/>
+          <inkml:channel name="F" type="integer" max="32767" units="dev"/>
+        </inkml:traceFormat>
+        <inkml:channelProperties>
+          <inkml:channelProperty channel="X" name="resolution" value="1000" units="1/cm"/>
+          <inkml:channelProperty channel="Y" name="resolution" value="1000" units="1/cm"/>
+          <inkml:channelProperty channel="F" name="resolution" value="0" units="1/dev"/>
+        </inkml:channelProperties>
+      </inkml:inkSource>
+      <inkml:timestamp xml:id="ts0" timeString="2024-05-05T18:41:32.945"/>
+    </inkml:context>
+    <inkml:brush xml:id="br0">
+      <inkml:brushProperty name="width" value="0.1" units="cm"/>
+      <inkml:brushProperty name="height" value="0.1" units="cm"/>
+      <inkml:brushProperty name="color" value="#008C3A"/>
+    </inkml:brush>
+  </inkml:definitions>
+  <inkml:trace contextRef="#ctx0" brushRef="#br0">2 1248 24575,'-2'-105'0,"4"-110"0,5 151 0,2-37 0,0-24 0,-2 44 0,-1 5 0,4-103 0,-9 136-227,2-1-1,2 1 1,2 0-1,2 1 1,15-44-1</inkml:trace>
+</inkml:ink>
+</file>
+
+<file path=ppt/ink/ink89.xml><?xml version="1.0" encoding="utf-8"?>
+<inkml:ink xmlns:inkml="http://www.w3.org/2003/InkML">
+  <inkml:definitions>
+    <inkml:context xml:id="ctx0">
+      <inkml:inkSource xml:id="inkSrc0">
+        <inkml:traceFormat>
+          <inkml:channel name="X" type="integer" min="-2.14748E9" max="2.14748E9" units="cm"/>
+          <inkml:channel name="Y" type="integer" min="-2.14748E9" max="2.14748E9" units="cm"/>
+          <inkml:channel name="F" type="integer" max="32767" units="dev"/>
+        </inkml:traceFormat>
+        <inkml:channelProperties>
+          <inkml:channelProperty channel="X" name="resolution" value="1000" units="1/cm"/>
+          <inkml:channelProperty channel="Y" name="resolution" value="1000" units="1/cm"/>
+          <inkml:channelProperty channel="F" name="resolution" value="0" units="1/dev"/>
+        </inkml:channelProperties>
+      </inkml:inkSource>
+      <inkml:timestamp xml:id="ts0" timeString="2024-05-05T18:41:36.115"/>
+    </inkml:context>
+    <inkml:brush xml:id="br0">
+      <inkml:brushProperty name="width" value="0.1" units="cm"/>
+      <inkml:brushProperty name="height" value="0.1" units="cm"/>
+      <inkml:brushProperty name="color" value="#008C3A"/>
+    </inkml:brush>
+  </inkml:definitions>
+  <inkml:trace contextRef="#ctx0" brushRef="#br0">1 1630 24575,'0'-1'0,"0"0"0,1 1 0,-1-1 0,1 0 0,-1 0 0,1 0 0,-1 0 0,1 1 0,0-1 0,-1 0 0,1 1 0,0-1 0,0 0 0,0 1 0,-1-1 0,1 1 0,0-1 0,2 0 0,21-10 0,-16 8 0,5-3 0,1 1 0,27-6 0,15-4 0,16-12 0,214-89 0,-181 73-893,1 5 0,120-27 0,134-44-822,-186 53 1143,1037-305-5439,-468 169 6011,296-24-729,-773 167 829,173-27 113,-23 7 399,-168 26-179,124-17 1770,-125 21 3381,-190 33-4684</inkml:trace>
 </inkml:ink>
 </file>
 
@@ -2695,6 +3115,174 @@
 </inkml:ink>
 </file>
 
+<file path=ppt/ink/ink90.xml><?xml version="1.0" encoding="utf-8"?>
+<inkml:ink xmlns:inkml="http://www.w3.org/2003/InkML">
+  <inkml:definitions>
+    <inkml:context xml:id="ctx0">
+      <inkml:inkSource xml:id="inkSrc0">
+        <inkml:traceFormat>
+          <inkml:channel name="X" type="integer" min="-2.14748E9" max="2.14748E9" units="cm"/>
+          <inkml:channel name="Y" type="integer" min="-2.14748E9" max="2.14748E9" units="cm"/>
+          <inkml:channel name="F" type="integer" max="32767" units="dev"/>
+        </inkml:traceFormat>
+        <inkml:channelProperties>
+          <inkml:channelProperty channel="X" name="resolution" value="1000" units="1/cm"/>
+          <inkml:channelProperty channel="Y" name="resolution" value="1000" units="1/cm"/>
+          <inkml:channelProperty channel="F" name="resolution" value="0" units="1/dev"/>
+        </inkml:channelProperties>
+      </inkml:inkSource>
+      <inkml:timestamp xml:id="ts0" timeString="2024-05-05T18:41:37.143"/>
+    </inkml:context>
+    <inkml:brush xml:id="br0">
+      <inkml:brushProperty name="width" value="0.1" units="cm"/>
+      <inkml:brushProperty name="height" value="0.1" units="cm"/>
+      <inkml:brushProperty name="color" value="#008C3A"/>
+    </inkml:brush>
+  </inkml:definitions>
+  <inkml:trace contextRef="#ctx0" brushRef="#br0">280 1 24575,'-3'0'0,"1"1"0,-1-1 0,1 1 0,0 0 0,-1 0 0,1 0 0,0 0 0,0 0 0,0 0 0,0 1 0,0-1 0,0 1 0,0-1 0,0 1 0,0 0 0,1 0 0,-1 0 0,1 0 0,-1 0 0,1 0 0,0 0 0,0 0 0,-1 3 0,-1 2 0,0 0 0,0 0 0,1 0 0,0 1 0,0-1 0,-1 9 0,2-3 0,1-1 0,0 1 0,0-1 0,1 1 0,1-1 0,0 0 0,1 0 0,0 0 0,1 0 0,0 0 0,1-1 0,1 1 0,-1-1 0,12 15 0,15 31 0,-26-44 0,0-1 0,1 0 0,0-1 0,1 1 0,10 9 0,-13-15 0,1 0 0,-1 0 0,0 0 0,0 1 0,0 0 0,-1 0 0,0 0 0,-1 0 0,1 0 0,-2 1 0,1 0 0,-1-1 0,0 1 0,0 0 0,-1 0 0,0 0 0,-1 0 0,0 10 0,0-2 0,1-8 0,-1 1 0,-1-1 0,0 1 0,-2 11 0,2-18 0,1 0 0,-1 0 0,0 0 0,0 0 0,0 0 0,0 0 0,0 0 0,0 0 0,-1 0 0,1 0 0,0-1 0,-1 1 0,1-1 0,-1 1 0,0-1 0,0 0 0,0 1 0,1-1 0,-1 0 0,0 0 0,0 0 0,-3 0 0,-10 4 0,-5 2 0,0 0 0,-1-2 0,0-1 0,0 0 0,-33 1 0,11-4 0,20 0 0,0-1 0,0-1 0,-25-4 0,45 5-97,0-1-1,1 0 1,-1 1-1,0-1 1,1 0-1,-1 0 1,1-1-1,-1 1 1,1 0-1,-1-1 1,1 1-1,0-1 0,-3-3 1</inkml:trace>
+</inkml:ink>
+</file>
+
+<file path=ppt/ink/ink91.xml><?xml version="1.0" encoding="utf-8"?>
+<inkml:ink xmlns:inkml="http://www.w3.org/2003/InkML">
+  <inkml:definitions>
+    <inkml:context xml:id="ctx0">
+      <inkml:inkSource xml:id="inkSrc0">
+        <inkml:traceFormat>
+          <inkml:channel name="X" type="integer" min="-2.14748E9" max="2.14748E9" units="cm"/>
+          <inkml:channel name="Y" type="integer" min="-2.14748E9" max="2.14748E9" units="cm"/>
+          <inkml:channel name="F" type="integer" max="32767" units="dev"/>
+        </inkml:traceFormat>
+        <inkml:channelProperties>
+          <inkml:channelProperty channel="X" name="resolution" value="1000" units="1/cm"/>
+          <inkml:channelProperty channel="Y" name="resolution" value="1000" units="1/cm"/>
+          <inkml:channelProperty channel="F" name="resolution" value="0" units="1/dev"/>
+        </inkml:channelProperties>
+      </inkml:inkSource>
+      <inkml:timestamp xml:id="ts0" timeString="2024-05-05T18:41:38.252"/>
+    </inkml:context>
+    <inkml:brush xml:id="br0">
+      <inkml:brushProperty name="width" value="0.1" units="cm"/>
+      <inkml:brushProperty name="height" value="0.1" units="cm"/>
+      <inkml:brushProperty name="color" value="#008C3A"/>
+    </inkml:brush>
+  </inkml:definitions>
+  <inkml:trace contextRef="#ctx0" brushRef="#br0">0 160 24575,'0'540'0,"1"-550"0,1-1 0,0 1 0,0 0 0,1 0 0,1 0 0,5-13 0,9-27 0,-6 11 0,2 0 0,2 1 0,21-38 0,12-28 0,35-67 0,-71 136 0,-11 28 0,0-1 0,1 1 0,0 0 0,0 0 0,1 0 0,5-8 0,-8 14 0,-1 1 0,0-1 0,0 1 0,1 0 0,-1 0 0,0-1 0,1 1 0,-1 0 0,0 0 0,1-1 0,-1 1 0,0 0 0,1 0 0,-1 0 0,1-1 0,-1 1 0,0 0 0,1 0 0,-1 0 0,1 0 0,-1 0 0,1 0 0,-1 0 0,1 0 0,-1 0 0,0 0 0,1 0 0,-1 0 0,1 0 0,-1 1 0,0-1 0,1 0 0,-1 0 0,1 0 0,-1 1 0,0-1 0,1 0 0,-1 0 0,0 1 0,1-1 0,-1 0 0,0 1 0,0-1 0,1 0 0,-1 1 0,0-1 0,0 0 0,1 1 0,-1-1 0,0 0 0,0 1 0,0-1 0,0 1 0,0-1 0,0 1 0,1 0 0,6 24 0,8 129 0,-10-49 0,-5-64 0,8 50 0,-4-21 0,-1-23 0,2-29 0,-5-17 0,0-1 0,0 0 0,1 1 0,-1-1 0,0 0 0,1 1 0,-1-1 0,0 0 0,1 0 0,-1 0 0,0 1 0,1-1 0,-1 0 0,0 0 0,1 0 0,-1 0 0,0 1 0,1-1 0,-1 0 0,1 0 0,-1 0 0,0 0 0,1 0 0,0 0 0,1-1 0,-1 1 0,1-1 0,-1 0 0,1 0 0,-1 0 0,0 0 0,1 0 0,-1 0 0,0 0 0,0 0 0,0 0 0,0-1 0,0 1 0,0 0 0,0-1 0,1-1 0,13-23 0,-1 0 0,-1-1 0,-2 0 0,14-45 0,-16 44 0,2 1 0,1 1 0,2-1 0,27-39 0,-19 30 0,-21 33 0,1 0 0,0 0 0,0 1 0,0-1 0,0 1 0,1 0 0,-1-1 0,1 1 0,-1 0 0,1 0 0,0 1 0,-1-1 0,1 0 0,0 1 0,4-2 0,-6 3 0,1 0 0,-1 0 0,0 0 0,0 0 0,0 0 0,0 0 0,0 0 0,0 0 0,0 0 0,0 0 0,0 0 0,0 1 0,0-1 0,0 1 0,0-1 0,0 1 0,0-1 0,0 1 0,1 0 0,-1 0 0,1 1 0,-1 0 0,0-1 0,0 1 0,1 0 0,-1 0 0,0-1 0,-1 1 0,1 0 0,0 0 0,0 0 0,-1 0 0,1 3 0,6 37 0,3 54 0,-8-71 0,15 80 0,-3-33 0,2 23 0,-15-89 69,0-1-1,0 1 0,0-1 0,4 10 1,-4-13-170,0-1 1,0 1-1,0 0 1,0-1 0,0 1-1,0-1 1,0 1-1,1-1 1,-1 1 0,1-1-1,-1 0 1,1 1 0,-1-1-1,1 0 1,0 0-1,2 1 1</inkml:trace>
+</inkml:ink>
+</file>
+
+<file path=ppt/ink/ink92.xml><?xml version="1.0" encoding="utf-8"?>
+<inkml:ink xmlns:inkml="http://www.w3.org/2003/InkML">
+  <inkml:definitions>
+    <inkml:context xml:id="ctx0">
+      <inkml:inkSource xml:id="inkSrc0">
+        <inkml:traceFormat>
+          <inkml:channel name="X" type="integer" min="-2.14748E9" max="2.14748E9" units="cm"/>
+          <inkml:channel name="Y" type="integer" min="-2.14748E9" max="2.14748E9" units="cm"/>
+          <inkml:channel name="F" type="integer" max="32767" units="dev"/>
+        </inkml:traceFormat>
+        <inkml:channelProperties>
+          <inkml:channelProperty channel="X" name="resolution" value="1000" units="1/cm"/>
+          <inkml:channelProperty channel="Y" name="resolution" value="1000" units="1/cm"/>
+          <inkml:channelProperty channel="F" name="resolution" value="0" units="1/dev"/>
+        </inkml:channelProperties>
+      </inkml:inkSource>
+      <inkml:timestamp xml:id="ts0" timeString="2024-05-05T18:41:39.294"/>
+    </inkml:context>
+    <inkml:brush xml:id="br0">
+      <inkml:brushProperty name="width" value="0.1" units="cm"/>
+      <inkml:brushProperty name="height" value="0.1" units="cm"/>
+      <inkml:brushProperty name="color" value="#008C3A"/>
+    </inkml:brush>
+  </inkml:definitions>
+  <inkml:trace contextRef="#ctx0" brushRef="#br0">273 72 24575,'3'-25'0,"-2"22"0,0 1 0,-1-1 0,1 0 0,-1 0 0,1 0 0,-1 0 0,0 0 0,0 1 0,-1-1 0,1 0 0,0 0 0,-1 0 0,-1-3 0,2 5 0,-1 1 0,1 0 0,0-1 0,-1 1 0,1 0 0,0 0 0,-1 0 0,1-1 0,0 1 0,-1 0 0,1 0 0,-1 0 0,1 0 0,-1 0 0,1-1 0,0 1 0,-1 0 0,1 0 0,-1 0 0,1 0 0,-1 0 0,1 1 0,-1-1 0,1 0 0,0 0 0,-1 0 0,1 0 0,-1 0 0,1 1 0,0-1 0,-1 0 0,1 0 0,0 0 0,-1 1 0,1-1 0,0 0 0,-1 1 0,1-1 0,-18 16 0,13-11 0,-57 42 0,41-32 0,-27 24 0,41-32 0,0 1 0,1-1 0,0 1 0,0 0 0,0 0 0,1 1 0,-4 10 0,-1 5 0,1 1 0,1-1 0,1 2 0,-4 32 0,6-11 0,1 69 0,4-105 0,0-2 0,0 1 0,0-1 0,1 1 0,4 15 0,-5-23 0,1 0 0,0 0 0,-1 0 0,1 0 0,0 0 0,0-1 0,0 1 0,1 0 0,-1 0 0,0-1 0,1 1 0,-1 0 0,1-1 0,-1 0 0,1 1 0,0-1 0,0 0 0,0 0 0,-1 0 0,1 0 0,0 0 0,0 0 0,0-1 0,0 1 0,1 0 0,1-1 0,21 2 0,0-1 0,31-3 0,-1 0 0,-49 2 0,-1 0 0,1-1 0,0 0 0,-1 0 0,1-1 0,-1 1 0,1-1 0,-1 0 0,0-1 0,0 1 0,0-1 0,0 0 0,0-1 0,-1 1 0,1-1 0,4-4 0,-3 1 0,0 0 0,0 0 0,-1-1 0,0 1 0,0-1 0,-1 0 0,0-1 0,0 1 0,3-13 0,50-149 0,-46 130 0,-2-1 0,-2 1 0,3-44 0,-11 111 0,1 0 0,1-1 0,1 1 0,2 0 0,0-1 0,11 33 0,-12-51 49,0 0 0,0-1 0,1 1-1,0-1 1,0 0 0,10 13 0,-13-19-68,0 0 0,0 0 0,1 0 0,-1 0 0,0 0 0,0 0 0,1 0 0,-1 0 0,0-1 0,1 1 0,-1 0 0,1-1 0,-1 1 0,1-1 0,-1 0 0,1 1 0,2-1 0,-2 0-49,0-1 0,-1 1-1,1-1 1,0 1 0,-1-1 0,1 0-1,0 0 1,-1 0 0,1 0 0,-1 0-1,0 0 1,1 0 0,-1 0 0,0 0-1,1-1 1,-1 1 0,0-1 0,0 1-1,1-3 1</inkml:trace>
+</inkml:ink>
+</file>
+
+<file path=ppt/ink/ink93.xml><?xml version="1.0" encoding="utf-8"?>
+<inkml:ink xmlns:inkml="http://www.w3.org/2003/InkML">
+  <inkml:definitions>
+    <inkml:context xml:id="ctx0">
+      <inkml:inkSource xml:id="inkSrc0">
+        <inkml:traceFormat>
+          <inkml:channel name="X" type="integer" min="-2.14748E9" max="2.14748E9" units="cm"/>
+          <inkml:channel name="Y" type="integer" min="-2.14748E9" max="2.14748E9" units="cm"/>
+          <inkml:channel name="F" type="integer" max="32767" units="dev"/>
+        </inkml:traceFormat>
+        <inkml:channelProperties>
+          <inkml:channelProperty channel="X" name="resolution" value="1000" units="1/cm"/>
+          <inkml:channelProperty channel="Y" name="resolution" value="1000" units="1/cm"/>
+          <inkml:channelProperty channel="F" name="resolution" value="0" units="1/dev"/>
+        </inkml:channelProperties>
+      </inkml:inkSource>
+      <inkml:timestamp xml:id="ts0" timeString="2024-05-05T18:41:39.713"/>
+    </inkml:context>
+    <inkml:brush xml:id="br0">
+      <inkml:brushProperty name="width" value="0.1" units="cm"/>
+      <inkml:brushProperty name="height" value="0.1" units="cm"/>
+      <inkml:brushProperty name="color" value="#008C3A"/>
+    </inkml:brush>
+  </inkml:definitions>
+  <inkml:trace contextRef="#ctx0" brushRef="#br0">0 486 24575,'8'39'0,"-1"-15"0,27 132 0,-16-84 0,12 103 0,-24-121 0,-1-20 0,-1 36 0,-2-58 0,2-21 0,2-23 0,-1-28 0,-2 23 0,0 1 0,18-71 0,-1 40 0,115-351 0,-84 301 0,7-18 0,-20 32-1365</inkml:trace>
+</inkml:ink>
+</file>
+
+<file path=ppt/ink/ink94.xml><?xml version="1.0" encoding="utf-8"?>
+<inkml:ink xmlns:inkml="http://www.w3.org/2003/InkML">
+  <inkml:definitions>
+    <inkml:context xml:id="ctx0">
+      <inkml:inkSource xml:id="inkSrc0">
+        <inkml:traceFormat>
+          <inkml:channel name="X" type="integer" min="-2.14748E9" max="2.14748E9" units="cm"/>
+          <inkml:channel name="Y" type="integer" min="-2.14748E9" max="2.14748E9" units="cm"/>
+          <inkml:channel name="F" type="integer" max="32767" units="dev"/>
+        </inkml:traceFormat>
+        <inkml:channelProperties>
+          <inkml:channelProperty channel="X" name="resolution" value="1000" units="1/cm"/>
+          <inkml:channelProperty channel="Y" name="resolution" value="1000" units="1/cm"/>
+          <inkml:channelProperty channel="F" name="resolution" value="0" units="1/dev"/>
+        </inkml:channelProperties>
+      </inkml:inkSource>
+      <inkml:timestamp xml:id="ts0" timeString="2024-05-05T18:41:40.162"/>
+    </inkml:context>
+    <inkml:brush xml:id="br0">
+      <inkml:brushProperty name="width" value="0.1" units="cm"/>
+      <inkml:brushProperty name="height" value="0.1" units="cm"/>
+      <inkml:brushProperty name="color" value="#008C3A"/>
+    </inkml:brush>
+  </inkml:definitions>
+  <inkml:trace contextRef="#ctx0" brushRef="#br0">0 0 24575,'2'36'0,"12"69"0,-1-20 0,25 415-1823,-20-209 1012,14 35 835,11 283 1631,-43-600-1519,0 0 1,1 0-1,1 0 1,-1 0-1,2 0 1,2 9-1,-35-90-1501</inkml:trace>
+</inkml:ink>
+</file>
+
+<file path=ppt/ink/ink95.xml><?xml version="1.0" encoding="utf-8"?>
+<inkml:ink xmlns:inkml="http://www.w3.org/2003/InkML">
+  <inkml:definitions>
+    <inkml:context xml:id="ctx0">
+      <inkml:inkSource xml:id="inkSrc0">
+        <inkml:traceFormat>
+          <inkml:channel name="X" type="integer" min="-2.14748E9" max="2.14748E9" units="cm"/>
+          <inkml:channel name="Y" type="integer" min="-2.14748E9" max="2.14748E9" units="cm"/>
+          <inkml:channel name="F" type="integer" max="32767" units="dev"/>
+        </inkml:traceFormat>
+        <inkml:channelProperties>
+          <inkml:channelProperty channel="X" name="resolution" value="1000" units="1/cm"/>
+          <inkml:channelProperty channel="Y" name="resolution" value="1000" units="1/cm"/>
+          <inkml:channelProperty channel="F" name="resolution" value="0" units="1/dev"/>
+        </inkml:channelProperties>
+      </inkml:inkSource>
+      <inkml:timestamp xml:id="ts0" timeString="2024-05-05T18:41:40.503"/>
+    </inkml:context>
+    <inkml:brush xml:id="br0">
+      <inkml:brushProperty name="width" value="0.1" units="cm"/>
+      <inkml:brushProperty name="height" value="0.1" units="cm"/>
+      <inkml:brushProperty name="color" value="#008C3A"/>
+    </inkml:brush>
+  </inkml:definitions>
+  <inkml:trace contextRef="#ctx0" brushRef="#br0">0 160 24575,'0'-3'0,"1"-1"0,-1 1 0,0-1 0,1 1 0,0 0 0,0 0 0,0-1 0,0 1 0,1 0 0,-1 0 0,1 0 0,-1 0 0,1 0 0,0 1 0,0-1 0,1 0 0,-1 1 0,0 0 0,1-1 0,0 1 0,-1 0 0,1 0 0,0 1 0,0-1 0,0 1 0,0-1 0,4 0 0,11-4 0,-1 1 0,1 1 0,0 1 0,20-2 0,8-1 0,128-18 0,-71 13 0,-6-1 0,120 2 0,-202 11-1365</inkml:trace>
+</inkml:ink>
+</file>
+
 <file path=ppt/notesMasters/notesMaster1.xml><?xml version="1.0" encoding="utf-8"?>
 <p:notesMaster xmlns:a="http://schemas.openxmlformats.org/drawingml/2006/main" xmlns:r="http://schemas.openxmlformats.org/officeDocument/2006/relationships" xmlns:p="http://schemas.openxmlformats.org/presentationml/2006/main">
   <p:cSld>
@@ -2778,7 +3366,7 @@
             <a:fld id="{7284CDAC-ACD1-4943-9118-05D26BC373AD}" type="datetimeFigureOut">
               <a:rPr lang="en-CA" smtClean="0"/>
               <a:pPr/>
-              <a:t>2024-05-01</a:t>
+              <a:t>2024-05-05</a:t>
             </a:fld>
             <a:endParaRPr lang="en-CA"/>
           </a:p>
@@ -3226,7 +3814,7 @@
             <a:fld id="{5DF277B3-A994-49DF-A53F-7FC77A8B7443}" type="datetime1">
               <a:rPr lang="en-CA" smtClean="0"/>
               <a:pPr/>
-              <a:t>2024-05-01</a:t>
+              <a:t>2024-05-05</a:t>
             </a:fld>
             <a:endParaRPr lang="en-CA"/>
           </a:p>
@@ -3393,7 +3981,7 @@
             <a:fld id="{82923E8B-C05F-4B82-AA83-B8DEC7D9A80B}" type="datetime1">
               <a:rPr lang="en-CA" smtClean="0"/>
               <a:pPr/>
-              <a:t>2024-05-01</a:t>
+              <a:t>2024-05-05</a:t>
             </a:fld>
             <a:endParaRPr lang="en-CA"/>
           </a:p>
@@ -3570,7 +4158,7 @@
             <a:fld id="{8F56AB48-3A78-4F92-918C-3EF755977BAB}" type="datetime1">
               <a:rPr lang="en-CA" smtClean="0"/>
               <a:pPr/>
-              <a:t>2024-05-01</a:t>
+              <a:t>2024-05-05</a:t>
             </a:fld>
             <a:endParaRPr lang="en-CA"/>
           </a:p>
@@ -3737,7 +4325,7 @@
             <a:fld id="{793AD3A0-7500-4968-9241-392FE010D33B}" type="datetime1">
               <a:rPr lang="en-CA" smtClean="0"/>
               <a:pPr/>
-              <a:t>2024-05-01</a:t>
+              <a:t>2024-05-05</a:t>
             </a:fld>
             <a:endParaRPr lang="en-CA"/>
           </a:p>
@@ -3980,7 +4568,7 @@
             <a:fld id="{ED3E9B63-D6FB-469B-9450-2D1C8B32E384}" type="datetime1">
               <a:rPr lang="en-CA" smtClean="0"/>
               <a:pPr/>
-              <a:t>2024-05-01</a:t>
+              <a:t>2024-05-05</a:t>
             </a:fld>
             <a:endParaRPr lang="en-CA"/>
           </a:p>
@@ -4265,7 +4853,7 @@
             <a:fld id="{B24135C3-4C7E-4CBB-B4CD-0BEC0E5E3741}" type="datetime1">
               <a:rPr lang="en-CA" smtClean="0"/>
               <a:pPr/>
-              <a:t>2024-05-01</a:t>
+              <a:t>2024-05-05</a:t>
             </a:fld>
             <a:endParaRPr lang="en-CA"/>
           </a:p>
@@ -4684,7 +5272,7 @@
             <a:fld id="{79C60421-A1EB-4633-8CE5-90973653AF94}" type="datetime1">
               <a:rPr lang="en-CA" smtClean="0"/>
               <a:pPr/>
-              <a:t>2024-05-01</a:t>
+              <a:t>2024-05-05</a:t>
             </a:fld>
             <a:endParaRPr lang="en-CA"/>
           </a:p>
@@ -4799,7 +5387,7 @@
             <a:fld id="{7B2525DB-2019-4632-8C0A-6E4995E5149C}" type="datetime1">
               <a:rPr lang="en-CA" smtClean="0"/>
               <a:pPr/>
-              <a:t>2024-05-01</a:t>
+              <a:t>2024-05-05</a:t>
             </a:fld>
             <a:endParaRPr lang="en-CA"/>
           </a:p>
@@ -4891,7 +5479,7 @@
             <a:fld id="{EC4E9B2C-431C-4CCD-BFDD-189CF353999F}" type="datetime1">
               <a:rPr lang="en-CA" smtClean="0"/>
               <a:pPr/>
-              <a:t>2024-05-01</a:t>
+              <a:t>2024-05-05</a:t>
             </a:fld>
             <a:endParaRPr lang="en-CA"/>
           </a:p>
@@ -5165,7 +5753,7 @@
             <a:fld id="{E9AD85B9-749B-4E4C-A95F-AE6044FE9757}" type="datetime1">
               <a:rPr lang="en-CA" smtClean="0"/>
               <a:pPr/>
-              <a:t>2024-05-01</a:t>
+              <a:t>2024-05-05</a:t>
             </a:fld>
             <a:endParaRPr lang="en-CA"/>
           </a:p>
@@ -5415,7 +6003,7 @@
             <a:fld id="{4AC9657A-EF48-41A3-91A1-6A555F4FA245}" type="datetime1">
               <a:rPr lang="en-CA" smtClean="0"/>
               <a:pPr/>
-              <a:t>2024-05-01</a:t>
+              <a:t>2024-05-05</a:t>
             </a:fld>
             <a:endParaRPr lang="en-CA"/>
           </a:p>
@@ -5625,7 +6213,7 @@
             <a:fld id="{210BF460-3ECD-417A-ACDC-6D120A1AC9B0}" type="datetime1">
               <a:rPr lang="en-CA" smtClean="0"/>
               <a:pPr/>
-              <a:t>2024-05-01</a:t>
+              <a:t>2024-05-05</a:t>
             </a:fld>
             <a:endParaRPr lang="en-CA"/>
           </a:p>
@@ -6572,6 +7160,66 @@
           </a:p>
         </p:txBody>
       </p:sp>
+      <p:pic>
+        <p:nvPicPr>
+          <p:cNvPr id="7" name="Picture 6">
+            <a:extLst>
+              <a:ext uri="{FF2B5EF4-FFF2-40B4-BE49-F238E27FC236}">
+                <a16:creationId xmlns:a16="http://schemas.microsoft.com/office/drawing/2014/main" id="{12A02C68-1291-4B54-0EBF-7F32E121B6D5}"/>
+              </a:ext>
+            </a:extLst>
+          </p:cNvPr>
+          <p:cNvPicPr>
+            <a:picLocks noChangeAspect="1"/>
+          </p:cNvPicPr>
+          <p:nvPr/>
+        </p:nvPicPr>
+        <p:blipFill>
+          <a:blip r:embed="rId2"/>
+          <a:stretch>
+            <a:fillRect/>
+          </a:stretch>
+        </p:blipFill>
+        <p:spPr>
+          <a:xfrm>
+            <a:off x="5076056" y="4797152"/>
+            <a:ext cx="4655241" cy="756379"/>
+          </a:xfrm>
+          <a:prstGeom prst="rect">
+            <a:avLst/>
+          </a:prstGeom>
+        </p:spPr>
+      </p:pic>
+      <p:pic>
+        <p:nvPicPr>
+          <p:cNvPr id="10" name="Picture 9">
+            <a:extLst>
+              <a:ext uri="{FF2B5EF4-FFF2-40B4-BE49-F238E27FC236}">
+                <a16:creationId xmlns:a16="http://schemas.microsoft.com/office/drawing/2014/main" id="{DA95B1C9-EBBD-9EC7-9B61-F22D76F2EF1C}"/>
+              </a:ext>
+            </a:extLst>
+          </p:cNvPr>
+          <p:cNvPicPr>
+            <a:picLocks noChangeAspect="1"/>
+          </p:cNvPicPr>
+          <p:nvPr/>
+        </p:nvPicPr>
+        <p:blipFill>
+          <a:blip r:embed="rId3"/>
+          <a:stretch>
+            <a:fillRect/>
+          </a:stretch>
+        </p:blipFill>
+        <p:spPr>
+          <a:xfrm>
+            <a:off x="4653383" y="136525"/>
+            <a:ext cx="4105425" cy="425695"/>
+          </a:xfrm>
+          <a:prstGeom prst="rect">
+            <a:avLst/>
+          </a:prstGeom>
+        </p:spPr>
+      </p:pic>
     </p:spTree>
     <p:extLst>
       <p:ext uri="{BB962C8B-B14F-4D97-AF65-F5344CB8AC3E}">
@@ -7002,8 +7650,8 @@
             <a:chExt cx="1114920" cy="1024920"/>
           </a:xfrm>
         </p:grpSpPr>
-        <mc:AlternateContent xmlns:mc="http://schemas.openxmlformats.org/markup-compatibility/2006">
-          <mc:Choice xmlns:p14="http://schemas.microsoft.com/office/powerpoint/2010/main" Requires="p14">
+        <mc:AlternateContent xmlns:mc="http://schemas.openxmlformats.org/markup-compatibility/2006" xmlns:p14="http://schemas.microsoft.com/office/powerpoint/2010/main">
+          <mc:Choice Requires="p14">
             <p:contentPart p14:bwMode="auto" r:id="rId3">
               <p14:nvContentPartPr>
                 <p14:cNvPr id="3" name="墨迹 2">
@@ -7022,7 +7670,7 @@
               </p14:xfrm>
             </p:contentPart>
           </mc:Choice>
-          <mc:Fallback>
+          <mc:Fallback xmlns="">
             <p:pic>
               <p:nvPicPr>
                 <p:cNvPr id="3" name="墨迹 2">
@@ -7053,8 +7701,8 @@
             </p:pic>
           </mc:Fallback>
         </mc:AlternateContent>
-        <mc:AlternateContent xmlns:mc="http://schemas.openxmlformats.org/markup-compatibility/2006">
-          <mc:Choice xmlns:p14="http://schemas.microsoft.com/office/powerpoint/2010/main" Requires="p14">
+        <mc:AlternateContent xmlns:mc="http://schemas.openxmlformats.org/markup-compatibility/2006" xmlns:p14="http://schemas.microsoft.com/office/powerpoint/2010/main">
+          <mc:Choice Requires="p14">
             <p:contentPart p14:bwMode="auto" r:id="rId5">
               <p14:nvContentPartPr>
                 <p14:cNvPr id="7" name="墨迹 6">
@@ -7073,7 +7721,7 @@
               </p14:xfrm>
             </p:contentPart>
           </mc:Choice>
-          <mc:Fallback>
+          <mc:Fallback xmlns="">
             <p:pic>
               <p:nvPicPr>
                 <p:cNvPr id="7" name="墨迹 6">
@@ -7104,8 +7752,8 @@
             </p:pic>
           </mc:Fallback>
         </mc:AlternateContent>
-        <mc:AlternateContent xmlns:mc="http://schemas.openxmlformats.org/markup-compatibility/2006">
-          <mc:Choice xmlns:p14="http://schemas.microsoft.com/office/powerpoint/2010/main" Requires="p14">
+        <mc:AlternateContent xmlns:mc="http://schemas.openxmlformats.org/markup-compatibility/2006" xmlns:p14="http://schemas.microsoft.com/office/powerpoint/2010/main">
+          <mc:Choice Requires="p14">
             <p:contentPart p14:bwMode="auto" r:id="rId7">
               <p14:nvContentPartPr>
                 <p14:cNvPr id="14" name="墨迹 13">
@@ -7124,7 +7772,7 @@
               </p14:xfrm>
             </p:contentPart>
           </mc:Choice>
-          <mc:Fallback>
+          <mc:Fallback xmlns="">
             <p:pic>
               <p:nvPicPr>
                 <p:cNvPr id="14" name="墨迹 13">
@@ -7155,8 +7803,8 @@
             </p:pic>
           </mc:Fallback>
         </mc:AlternateContent>
-        <mc:AlternateContent xmlns:mc="http://schemas.openxmlformats.org/markup-compatibility/2006">
-          <mc:Choice xmlns:p14="http://schemas.microsoft.com/office/powerpoint/2010/main" Requires="p14">
+        <mc:AlternateContent xmlns:mc="http://schemas.openxmlformats.org/markup-compatibility/2006" xmlns:p14="http://schemas.microsoft.com/office/powerpoint/2010/main">
+          <mc:Choice Requires="p14">
             <p:contentPart p14:bwMode="auto" r:id="rId9">
               <p14:nvContentPartPr>
                 <p14:cNvPr id="15" name="墨迹 14">
@@ -7175,7 +7823,7 @@
               </p14:xfrm>
             </p:contentPart>
           </mc:Choice>
-          <mc:Fallback>
+          <mc:Fallback xmlns="">
             <p:pic>
               <p:nvPicPr>
                 <p:cNvPr id="15" name="墨迹 14">
@@ -7206,8 +7854,8 @@
             </p:pic>
           </mc:Fallback>
         </mc:AlternateContent>
-        <mc:AlternateContent xmlns:mc="http://schemas.openxmlformats.org/markup-compatibility/2006">
-          <mc:Choice xmlns:p14="http://schemas.microsoft.com/office/powerpoint/2010/main" Requires="p14">
+        <mc:AlternateContent xmlns:mc="http://schemas.openxmlformats.org/markup-compatibility/2006" xmlns:p14="http://schemas.microsoft.com/office/powerpoint/2010/main">
+          <mc:Choice Requires="p14">
             <p:contentPart p14:bwMode="auto" r:id="rId11">
               <p14:nvContentPartPr>
                 <p14:cNvPr id="16" name="墨迹 15">
@@ -7226,7 +7874,7 @@
               </p14:xfrm>
             </p:contentPart>
           </mc:Choice>
-          <mc:Fallback>
+          <mc:Fallback xmlns="">
             <p:pic>
               <p:nvPicPr>
                 <p:cNvPr id="16" name="墨迹 15">
@@ -7257,8 +7905,8 @@
             </p:pic>
           </mc:Fallback>
         </mc:AlternateContent>
-        <mc:AlternateContent xmlns:mc="http://schemas.openxmlformats.org/markup-compatibility/2006">
-          <mc:Choice xmlns:p14="http://schemas.microsoft.com/office/powerpoint/2010/main" Requires="p14">
+        <mc:AlternateContent xmlns:mc="http://schemas.openxmlformats.org/markup-compatibility/2006" xmlns:p14="http://schemas.microsoft.com/office/powerpoint/2010/main">
+          <mc:Choice Requires="p14">
             <p:contentPart p14:bwMode="auto" r:id="rId13">
               <p14:nvContentPartPr>
                 <p14:cNvPr id="19" name="墨迹 18">
@@ -7277,7 +7925,7 @@
               </p14:xfrm>
             </p:contentPart>
           </mc:Choice>
-          <mc:Fallback>
+          <mc:Fallback xmlns="">
             <p:pic>
               <p:nvPicPr>
                 <p:cNvPr id="19" name="墨迹 18">
@@ -7308,8 +7956,8 @@
             </p:pic>
           </mc:Fallback>
         </mc:AlternateContent>
-        <mc:AlternateContent xmlns:mc="http://schemas.openxmlformats.org/markup-compatibility/2006">
-          <mc:Choice xmlns:p14="http://schemas.microsoft.com/office/powerpoint/2010/main" Requires="p14">
+        <mc:AlternateContent xmlns:mc="http://schemas.openxmlformats.org/markup-compatibility/2006" xmlns:p14="http://schemas.microsoft.com/office/powerpoint/2010/main">
+          <mc:Choice Requires="p14">
             <p:contentPart p14:bwMode="auto" r:id="rId15">
               <p14:nvContentPartPr>
                 <p14:cNvPr id="20" name="墨迹 19">
@@ -7328,7 +7976,7 @@
               </p14:xfrm>
             </p:contentPart>
           </mc:Choice>
-          <mc:Fallback>
+          <mc:Fallback xmlns="">
             <p:pic>
               <p:nvPicPr>
                 <p:cNvPr id="20" name="墨迹 19">
@@ -7359,8 +8007,8 @@
             </p:pic>
           </mc:Fallback>
         </mc:AlternateContent>
-        <mc:AlternateContent xmlns:mc="http://schemas.openxmlformats.org/markup-compatibility/2006">
-          <mc:Choice xmlns:p14="http://schemas.microsoft.com/office/powerpoint/2010/main" Requires="p14">
+        <mc:AlternateContent xmlns:mc="http://schemas.openxmlformats.org/markup-compatibility/2006" xmlns:p14="http://schemas.microsoft.com/office/powerpoint/2010/main">
+          <mc:Choice Requires="p14">
             <p:contentPart p14:bwMode="auto" r:id="rId17">
               <p14:nvContentPartPr>
                 <p14:cNvPr id="21" name="墨迹 20">
@@ -7379,7 +8027,7 @@
               </p14:xfrm>
             </p:contentPart>
           </mc:Choice>
-          <mc:Fallback>
+          <mc:Fallback xmlns="">
             <p:pic>
               <p:nvPicPr>
                 <p:cNvPr id="21" name="墨迹 20">
@@ -7410,8 +8058,8 @@
             </p:pic>
           </mc:Fallback>
         </mc:AlternateContent>
-        <mc:AlternateContent xmlns:mc="http://schemas.openxmlformats.org/markup-compatibility/2006">
-          <mc:Choice xmlns:p14="http://schemas.microsoft.com/office/powerpoint/2010/main" Requires="p14">
+        <mc:AlternateContent xmlns:mc="http://schemas.openxmlformats.org/markup-compatibility/2006" xmlns:p14="http://schemas.microsoft.com/office/powerpoint/2010/main">
+          <mc:Choice Requires="p14">
             <p:contentPart p14:bwMode="auto" r:id="rId19">
               <p14:nvContentPartPr>
                 <p14:cNvPr id="22" name="墨迹 21">
@@ -7430,7 +8078,7 @@
               </p14:xfrm>
             </p:contentPart>
           </mc:Choice>
-          <mc:Fallback>
+          <mc:Fallback xmlns="">
             <p:pic>
               <p:nvPicPr>
                 <p:cNvPr id="22" name="墨迹 21">
@@ -7461,8 +8109,8 @@
             </p:pic>
           </mc:Fallback>
         </mc:AlternateContent>
-        <mc:AlternateContent xmlns:mc="http://schemas.openxmlformats.org/markup-compatibility/2006">
-          <mc:Choice xmlns:p14="http://schemas.microsoft.com/office/powerpoint/2010/main" Requires="p14">
+        <mc:AlternateContent xmlns:mc="http://schemas.openxmlformats.org/markup-compatibility/2006" xmlns:p14="http://schemas.microsoft.com/office/powerpoint/2010/main">
+          <mc:Choice Requires="p14">
             <p:contentPart p14:bwMode="auto" r:id="rId21">
               <p14:nvContentPartPr>
                 <p14:cNvPr id="23" name="墨迹 22">
@@ -7481,7 +8129,7 @@
               </p14:xfrm>
             </p:contentPart>
           </mc:Choice>
-          <mc:Fallback>
+          <mc:Fallback xmlns="">
             <p:pic>
               <p:nvPicPr>
                 <p:cNvPr id="23" name="墨迹 22">
@@ -7512,8 +8160,8 @@
             </p:pic>
           </mc:Fallback>
         </mc:AlternateContent>
-        <mc:AlternateContent xmlns:mc="http://schemas.openxmlformats.org/markup-compatibility/2006">
-          <mc:Choice xmlns:p14="http://schemas.microsoft.com/office/powerpoint/2010/main" Requires="p14">
+        <mc:AlternateContent xmlns:mc="http://schemas.openxmlformats.org/markup-compatibility/2006" xmlns:p14="http://schemas.microsoft.com/office/powerpoint/2010/main">
+          <mc:Choice Requires="p14">
             <p:contentPart p14:bwMode="auto" r:id="rId23">
               <p14:nvContentPartPr>
                 <p14:cNvPr id="24" name="墨迹 23">
@@ -7532,7 +8180,7 @@
               </p14:xfrm>
             </p:contentPart>
           </mc:Choice>
-          <mc:Fallback>
+          <mc:Fallback xmlns="">
             <p:pic>
               <p:nvPicPr>
                 <p:cNvPr id="24" name="墨迹 23">
@@ -7563,8 +8211,8 @@
             </p:pic>
           </mc:Fallback>
         </mc:AlternateContent>
-        <mc:AlternateContent xmlns:mc="http://schemas.openxmlformats.org/markup-compatibility/2006">
-          <mc:Choice xmlns:p14="http://schemas.microsoft.com/office/powerpoint/2010/main" Requires="p14">
+        <mc:AlternateContent xmlns:mc="http://schemas.openxmlformats.org/markup-compatibility/2006" xmlns:p14="http://schemas.microsoft.com/office/powerpoint/2010/main">
+          <mc:Choice Requires="p14">
             <p:contentPart p14:bwMode="auto" r:id="rId25">
               <p14:nvContentPartPr>
                 <p14:cNvPr id="25" name="墨迹 24">
@@ -7583,7 +8231,7 @@
               </p14:xfrm>
             </p:contentPart>
           </mc:Choice>
-          <mc:Fallback>
+          <mc:Fallback xmlns="">
             <p:pic>
               <p:nvPicPr>
                 <p:cNvPr id="25" name="墨迹 24">
@@ -7614,8 +8262,8 @@
             </p:pic>
           </mc:Fallback>
         </mc:AlternateContent>
-        <mc:AlternateContent xmlns:mc="http://schemas.openxmlformats.org/markup-compatibility/2006">
-          <mc:Choice xmlns:p14="http://schemas.microsoft.com/office/powerpoint/2010/main" Requires="p14">
+        <mc:AlternateContent xmlns:mc="http://schemas.openxmlformats.org/markup-compatibility/2006" xmlns:p14="http://schemas.microsoft.com/office/powerpoint/2010/main">
+          <mc:Choice Requires="p14">
             <p:contentPart p14:bwMode="auto" r:id="rId27">
               <p14:nvContentPartPr>
                 <p14:cNvPr id="26" name="墨迹 25">
@@ -7634,7 +8282,7 @@
               </p14:xfrm>
             </p:contentPart>
           </mc:Choice>
-          <mc:Fallback>
+          <mc:Fallback xmlns="">
             <p:pic>
               <p:nvPicPr>
                 <p:cNvPr id="26" name="墨迹 25">
@@ -7665,8 +8313,8 @@
             </p:pic>
           </mc:Fallback>
         </mc:AlternateContent>
-        <mc:AlternateContent xmlns:mc="http://schemas.openxmlformats.org/markup-compatibility/2006">
-          <mc:Choice xmlns:p14="http://schemas.microsoft.com/office/powerpoint/2010/main" Requires="p14">
+        <mc:AlternateContent xmlns:mc="http://schemas.openxmlformats.org/markup-compatibility/2006" xmlns:p14="http://schemas.microsoft.com/office/powerpoint/2010/main">
+          <mc:Choice Requires="p14">
             <p:contentPart p14:bwMode="auto" r:id="rId29">
               <p14:nvContentPartPr>
                 <p14:cNvPr id="27" name="墨迹 26">
@@ -7685,7 +8333,7 @@
               </p14:xfrm>
             </p:contentPart>
           </mc:Choice>
-          <mc:Fallback>
+          <mc:Fallback xmlns="">
             <p:pic>
               <p:nvPicPr>
                 <p:cNvPr id="27" name="墨迹 26">
@@ -7716,8 +8364,8 @@
             </p:pic>
           </mc:Fallback>
         </mc:AlternateContent>
-        <mc:AlternateContent xmlns:mc="http://schemas.openxmlformats.org/markup-compatibility/2006">
-          <mc:Choice xmlns:p14="http://schemas.microsoft.com/office/powerpoint/2010/main" Requires="p14">
+        <mc:AlternateContent xmlns:mc="http://schemas.openxmlformats.org/markup-compatibility/2006" xmlns:p14="http://schemas.microsoft.com/office/powerpoint/2010/main">
+          <mc:Choice Requires="p14">
             <p:contentPart p14:bwMode="auto" r:id="rId31">
               <p14:nvContentPartPr>
                 <p14:cNvPr id="28" name="墨迹 27">
@@ -7736,7 +8384,7 @@
               </p14:xfrm>
             </p:contentPart>
           </mc:Choice>
-          <mc:Fallback>
+          <mc:Fallback xmlns="">
             <p:pic>
               <p:nvPicPr>
                 <p:cNvPr id="28" name="墨迹 27">
@@ -7767,8 +8415,8 @@
             </p:pic>
           </mc:Fallback>
         </mc:AlternateContent>
-        <mc:AlternateContent xmlns:mc="http://schemas.openxmlformats.org/markup-compatibility/2006">
-          <mc:Choice xmlns:p14="http://schemas.microsoft.com/office/powerpoint/2010/main" Requires="p14">
+        <mc:AlternateContent xmlns:mc="http://schemas.openxmlformats.org/markup-compatibility/2006" xmlns:p14="http://schemas.microsoft.com/office/powerpoint/2010/main">
+          <mc:Choice Requires="p14">
             <p:contentPart p14:bwMode="auto" r:id="rId33">
               <p14:nvContentPartPr>
                 <p14:cNvPr id="29" name="墨迹 28">
@@ -7787,7 +8435,7 @@
               </p14:xfrm>
             </p:contentPart>
           </mc:Choice>
-          <mc:Fallback>
+          <mc:Fallback xmlns="">
             <p:pic>
               <p:nvPicPr>
                 <p:cNvPr id="29" name="墨迹 28">
@@ -7818,8 +8466,8 @@
             </p:pic>
           </mc:Fallback>
         </mc:AlternateContent>
-        <mc:AlternateContent xmlns:mc="http://schemas.openxmlformats.org/markup-compatibility/2006">
-          <mc:Choice xmlns:p14="http://schemas.microsoft.com/office/powerpoint/2010/main" Requires="p14">
+        <mc:AlternateContent xmlns:mc="http://schemas.openxmlformats.org/markup-compatibility/2006" xmlns:p14="http://schemas.microsoft.com/office/powerpoint/2010/main">
+          <mc:Choice Requires="p14">
             <p:contentPart p14:bwMode="auto" r:id="rId35">
               <p14:nvContentPartPr>
                 <p14:cNvPr id="30" name="墨迹 29">
@@ -7838,7 +8486,7 @@
               </p14:xfrm>
             </p:contentPart>
           </mc:Choice>
-          <mc:Fallback>
+          <mc:Fallback xmlns="">
             <p:pic>
               <p:nvPicPr>
                 <p:cNvPr id="30" name="墨迹 29">
@@ -7869,8 +8517,8 @@
             </p:pic>
           </mc:Fallback>
         </mc:AlternateContent>
-        <mc:AlternateContent xmlns:mc="http://schemas.openxmlformats.org/markup-compatibility/2006">
-          <mc:Choice xmlns:p14="http://schemas.microsoft.com/office/powerpoint/2010/main" Requires="p14">
+        <mc:AlternateContent xmlns:mc="http://schemas.openxmlformats.org/markup-compatibility/2006" xmlns:p14="http://schemas.microsoft.com/office/powerpoint/2010/main">
+          <mc:Choice Requires="p14">
             <p:contentPart p14:bwMode="auto" r:id="rId37">
               <p14:nvContentPartPr>
                 <p14:cNvPr id="31" name="墨迹 30">
@@ -7889,7 +8537,7 @@
               </p14:xfrm>
             </p:contentPart>
           </mc:Choice>
-          <mc:Fallback>
+          <mc:Fallback xmlns="">
             <p:pic>
               <p:nvPicPr>
                 <p:cNvPr id="31" name="墨迹 30">
@@ -7920,8 +8568,8 @@
             </p:pic>
           </mc:Fallback>
         </mc:AlternateContent>
-        <mc:AlternateContent xmlns:mc="http://schemas.openxmlformats.org/markup-compatibility/2006">
-          <mc:Choice xmlns:p14="http://schemas.microsoft.com/office/powerpoint/2010/main" Requires="p14">
+        <mc:AlternateContent xmlns:mc="http://schemas.openxmlformats.org/markup-compatibility/2006" xmlns:p14="http://schemas.microsoft.com/office/powerpoint/2010/main">
+          <mc:Choice Requires="p14">
             <p:contentPart p14:bwMode="auto" r:id="rId39">
               <p14:nvContentPartPr>
                 <p14:cNvPr id="32" name="墨迹 31">
@@ -7940,7 +8588,7 @@
               </p14:xfrm>
             </p:contentPart>
           </mc:Choice>
-          <mc:Fallback>
+          <mc:Fallback xmlns="">
             <p:pic>
               <p:nvPicPr>
                 <p:cNvPr id="32" name="墨迹 31">
@@ -7971,8 +8619,8 @@
             </p:pic>
           </mc:Fallback>
         </mc:AlternateContent>
-        <mc:AlternateContent xmlns:mc="http://schemas.openxmlformats.org/markup-compatibility/2006">
-          <mc:Choice xmlns:p14="http://schemas.microsoft.com/office/powerpoint/2010/main" Requires="p14">
+        <mc:AlternateContent xmlns:mc="http://schemas.openxmlformats.org/markup-compatibility/2006" xmlns:p14="http://schemas.microsoft.com/office/powerpoint/2010/main">
+          <mc:Choice Requires="p14">
             <p:contentPart p14:bwMode="auto" r:id="rId41">
               <p14:nvContentPartPr>
                 <p14:cNvPr id="33" name="墨迹 32">
@@ -7991,7 +8639,7 @@
               </p14:xfrm>
             </p:contentPart>
           </mc:Choice>
-          <mc:Fallback>
+          <mc:Fallback xmlns="">
             <p:pic>
               <p:nvPicPr>
                 <p:cNvPr id="33" name="墨迹 32">
@@ -8022,8 +8670,8 @@
             </p:pic>
           </mc:Fallback>
         </mc:AlternateContent>
-        <mc:AlternateContent xmlns:mc="http://schemas.openxmlformats.org/markup-compatibility/2006">
-          <mc:Choice xmlns:p14="http://schemas.microsoft.com/office/powerpoint/2010/main" Requires="p14">
+        <mc:AlternateContent xmlns:mc="http://schemas.openxmlformats.org/markup-compatibility/2006" xmlns:p14="http://schemas.microsoft.com/office/powerpoint/2010/main">
+          <mc:Choice Requires="p14">
             <p:contentPart p14:bwMode="auto" r:id="rId43">
               <p14:nvContentPartPr>
                 <p14:cNvPr id="35" name="墨迹 34">
@@ -8042,7 +8690,7 @@
               </p14:xfrm>
             </p:contentPart>
           </mc:Choice>
-          <mc:Fallback>
+          <mc:Fallback xmlns="">
             <p:pic>
               <p:nvPicPr>
                 <p:cNvPr id="35" name="墨迹 34">
@@ -8073,8 +8721,8 @@
             </p:pic>
           </mc:Fallback>
         </mc:AlternateContent>
-        <mc:AlternateContent xmlns:mc="http://schemas.openxmlformats.org/markup-compatibility/2006">
-          <mc:Choice xmlns:p14="http://schemas.microsoft.com/office/powerpoint/2010/main" Requires="p14">
+        <mc:AlternateContent xmlns:mc="http://schemas.openxmlformats.org/markup-compatibility/2006" xmlns:p14="http://schemas.microsoft.com/office/powerpoint/2010/main">
+          <mc:Choice Requires="p14">
             <p:contentPart p14:bwMode="auto" r:id="rId45">
               <p14:nvContentPartPr>
                 <p14:cNvPr id="36" name="墨迹 35">
@@ -8093,7 +8741,7 @@
               </p14:xfrm>
             </p:contentPart>
           </mc:Choice>
-          <mc:Fallback>
+          <mc:Fallback xmlns="">
             <p:pic>
               <p:nvPicPr>
                 <p:cNvPr id="36" name="墨迹 35">
@@ -8124,8 +8772,8 @@
             </p:pic>
           </mc:Fallback>
         </mc:AlternateContent>
-        <mc:AlternateContent xmlns:mc="http://schemas.openxmlformats.org/markup-compatibility/2006">
-          <mc:Choice xmlns:p14="http://schemas.microsoft.com/office/powerpoint/2010/main" Requires="p14">
+        <mc:AlternateContent xmlns:mc="http://schemas.openxmlformats.org/markup-compatibility/2006" xmlns:p14="http://schemas.microsoft.com/office/powerpoint/2010/main">
+          <mc:Choice Requires="p14">
             <p:contentPart p14:bwMode="auto" r:id="rId47">
               <p14:nvContentPartPr>
                 <p14:cNvPr id="38" name="墨迹 37">
@@ -8144,7 +8792,7 @@
               </p14:xfrm>
             </p:contentPart>
           </mc:Choice>
-          <mc:Fallback>
+          <mc:Fallback xmlns="">
             <p:pic>
               <p:nvPicPr>
                 <p:cNvPr id="38" name="墨迹 37">
@@ -8175,8 +8823,8 @@
             </p:pic>
           </mc:Fallback>
         </mc:AlternateContent>
-        <mc:AlternateContent xmlns:mc="http://schemas.openxmlformats.org/markup-compatibility/2006">
-          <mc:Choice xmlns:p14="http://schemas.microsoft.com/office/powerpoint/2010/main" Requires="p14">
+        <mc:AlternateContent xmlns:mc="http://schemas.openxmlformats.org/markup-compatibility/2006" xmlns:p14="http://schemas.microsoft.com/office/powerpoint/2010/main">
+          <mc:Choice Requires="p14">
             <p:contentPart p14:bwMode="auto" r:id="rId49">
               <p14:nvContentPartPr>
                 <p14:cNvPr id="39" name="墨迹 38">
@@ -8195,7 +8843,7 @@
               </p14:xfrm>
             </p:contentPart>
           </mc:Choice>
-          <mc:Fallback>
+          <mc:Fallback xmlns="">
             <p:pic>
               <p:nvPicPr>
                 <p:cNvPr id="39" name="墨迹 38">
@@ -8226,8 +8874,8 @@
             </p:pic>
           </mc:Fallback>
         </mc:AlternateContent>
-        <mc:AlternateContent xmlns:mc="http://schemas.openxmlformats.org/markup-compatibility/2006">
-          <mc:Choice xmlns:p14="http://schemas.microsoft.com/office/powerpoint/2010/main" Requires="p14">
+        <mc:AlternateContent xmlns:mc="http://schemas.openxmlformats.org/markup-compatibility/2006" xmlns:p14="http://schemas.microsoft.com/office/powerpoint/2010/main">
+          <mc:Choice Requires="p14">
             <p:contentPart p14:bwMode="auto" r:id="rId51">
               <p14:nvContentPartPr>
                 <p14:cNvPr id="41" name="墨迹 40">
@@ -8246,7 +8894,7 @@
               </p14:xfrm>
             </p:contentPart>
           </mc:Choice>
-          <mc:Fallback>
+          <mc:Fallback xmlns="">
             <p:pic>
               <p:nvPicPr>
                 <p:cNvPr id="41" name="墨迹 40">
@@ -8298,8 +8946,8 @@
             <a:chExt cx="792720" cy="397440"/>
           </a:xfrm>
         </p:grpSpPr>
-        <mc:AlternateContent xmlns:mc="http://schemas.openxmlformats.org/markup-compatibility/2006">
-          <mc:Choice xmlns:p14="http://schemas.microsoft.com/office/powerpoint/2010/main" Requires="p14">
+        <mc:AlternateContent xmlns:mc="http://schemas.openxmlformats.org/markup-compatibility/2006" xmlns:p14="http://schemas.microsoft.com/office/powerpoint/2010/main">
+          <mc:Choice Requires="p14">
             <p:contentPart p14:bwMode="auto" r:id="rId53">
               <p14:nvContentPartPr>
                 <p14:cNvPr id="42" name="墨迹 41">
@@ -8318,7 +8966,7 @@
               </p14:xfrm>
             </p:contentPart>
           </mc:Choice>
-          <mc:Fallback>
+          <mc:Fallback xmlns="">
             <p:pic>
               <p:nvPicPr>
                 <p:cNvPr id="42" name="墨迹 41">
@@ -8349,8 +8997,8 @@
             </p:pic>
           </mc:Fallback>
         </mc:AlternateContent>
-        <mc:AlternateContent xmlns:mc="http://schemas.openxmlformats.org/markup-compatibility/2006">
-          <mc:Choice xmlns:p14="http://schemas.microsoft.com/office/powerpoint/2010/main" Requires="p14">
+        <mc:AlternateContent xmlns:mc="http://schemas.openxmlformats.org/markup-compatibility/2006" xmlns:p14="http://schemas.microsoft.com/office/powerpoint/2010/main">
+          <mc:Choice Requires="p14">
             <p:contentPart p14:bwMode="auto" r:id="rId55">
               <p14:nvContentPartPr>
                 <p14:cNvPr id="43" name="墨迹 42">
@@ -8369,7 +9017,7 @@
               </p14:xfrm>
             </p:contentPart>
           </mc:Choice>
-          <mc:Fallback>
+          <mc:Fallback xmlns="">
             <p:pic>
               <p:nvPicPr>
                 <p:cNvPr id="43" name="墨迹 42">
@@ -8706,8 +9354,8 @@
             <a:chExt cx="3512880" cy="1129680"/>
           </a:xfrm>
         </p:grpSpPr>
-        <mc:AlternateContent xmlns:mc="http://schemas.openxmlformats.org/markup-compatibility/2006">
-          <mc:Choice xmlns:p14="http://schemas.microsoft.com/office/powerpoint/2010/main" Requires="p14">
+        <mc:AlternateContent xmlns:mc="http://schemas.openxmlformats.org/markup-compatibility/2006" xmlns:p14="http://schemas.microsoft.com/office/powerpoint/2010/main">
+          <mc:Choice Requires="p14">
             <p:contentPart p14:bwMode="auto" r:id="rId5">
               <p14:nvContentPartPr>
                 <p14:cNvPr id="6" name="墨迹 5">
@@ -8726,7 +9374,7 @@
               </p14:xfrm>
             </p:contentPart>
           </mc:Choice>
-          <mc:Fallback>
+          <mc:Fallback xmlns="">
             <p:pic>
               <p:nvPicPr>
                 <p:cNvPr id="6" name="墨迹 5">
@@ -8757,8 +9405,8 @@
             </p:pic>
           </mc:Fallback>
         </mc:AlternateContent>
-        <mc:AlternateContent xmlns:mc="http://schemas.openxmlformats.org/markup-compatibility/2006">
-          <mc:Choice xmlns:p14="http://schemas.microsoft.com/office/powerpoint/2010/main" Requires="p14">
+        <mc:AlternateContent xmlns:mc="http://schemas.openxmlformats.org/markup-compatibility/2006" xmlns:p14="http://schemas.microsoft.com/office/powerpoint/2010/main">
+          <mc:Choice Requires="p14">
             <p:contentPart p14:bwMode="auto" r:id="rId7">
               <p14:nvContentPartPr>
                 <p14:cNvPr id="8" name="墨迹 7">
@@ -8777,7 +9425,7 @@
               </p14:xfrm>
             </p:contentPart>
           </mc:Choice>
-          <mc:Fallback>
+          <mc:Fallback xmlns="">
             <p:pic>
               <p:nvPicPr>
                 <p:cNvPr id="8" name="墨迹 7">
@@ -8808,8 +9456,8 @@
             </p:pic>
           </mc:Fallback>
         </mc:AlternateContent>
-        <mc:AlternateContent xmlns:mc="http://schemas.openxmlformats.org/markup-compatibility/2006">
-          <mc:Choice xmlns:p14="http://schemas.microsoft.com/office/powerpoint/2010/main" Requires="p14">
+        <mc:AlternateContent xmlns:mc="http://schemas.openxmlformats.org/markup-compatibility/2006" xmlns:p14="http://schemas.microsoft.com/office/powerpoint/2010/main">
+          <mc:Choice Requires="p14">
             <p:contentPart p14:bwMode="auto" r:id="rId9">
               <p14:nvContentPartPr>
                 <p14:cNvPr id="9" name="墨迹 8">
@@ -8828,7 +9476,7 @@
               </p14:xfrm>
             </p:contentPart>
           </mc:Choice>
-          <mc:Fallback>
+          <mc:Fallback xmlns="">
             <p:pic>
               <p:nvPicPr>
                 <p:cNvPr id="9" name="墨迹 8">
@@ -8859,8 +9507,8 @@
             </p:pic>
           </mc:Fallback>
         </mc:AlternateContent>
-        <mc:AlternateContent xmlns:mc="http://schemas.openxmlformats.org/markup-compatibility/2006">
-          <mc:Choice xmlns:p14="http://schemas.microsoft.com/office/powerpoint/2010/main" Requires="p14">
+        <mc:AlternateContent xmlns:mc="http://schemas.openxmlformats.org/markup-compatibility/2006" xmlns:p14="http://schemas.microsoft.com/office/powerpoint/2010/main">
+          <mc:Choice Requires="p14">
             <p:contentPart p14:bwMode="auto" r:id="rId11">
               <p14:nvContentPartPr>
                 <p14:cNvPr id="11" name="墨迹 10">
@@ -8879,7 +9527,7 @@
               </p14:xfrm>
             </p:contentPart>
           </mc:Choice>
-          <mc:Fallback>
+          <mc:Fallback xmlns="">
             <p:pic>
               <p:nvPicPr>
                 <p:cNvPr id="11" name="墨迹 10">
@@ -8910,8 +9558,8 @@
             </p:pic>
           </mc:Fallback>
         </mc:AlternateContent>
-        <mc:AlternateContent xmlns:mc="http://schemas.openxmlformats.org/markup-compatibility/2006">
-          <mc:Choice xmlns:p14="http://schemas.microsoft.com/office/powerpoint/2010/main" Requires="p14">
+        <mc:AlternateContent xmlns:mc="http://schemas.openxmlformats.org/markup-compatibility/2006" xmlns:p14="http://schemas.microsoft.com/office/powerpoint/2010/main">
+          <mc:Choice Requires="p14">
             <p:contentPart p14:bwMode="auto" r:id="rId13">
               <p14:nvContentPartPr>
                 <p14:cNvPr id="12" name="墨迹 11">
@@ -8930,7 +9578,7 @@
               </p14:xfrm>
             </p:contentPart>
           </mc:Choice>
-          <mc:Fallback>
+          <mc:Fallback xmlns="">
             <p:pic>
               <p:nvPicPr>
                 <p:cNvPr id="12" name="墨迹 11">
@@ -8961,8 +9609,8 @@
             </p:pic>
           </mc:Fallback>
         </mc:AlternateContent>
-        <mc:AlternateContent xmlns:mc="http://schemas.openxmlformats.org/markup-compatibility/2006">
-          <mc:Choice xmlns:p14="http://schemas.microsoft.com/office/powerpoint/2010/main" Requires="p14">
+        <mc:AlternateContent xmlns:mc="http://schemas.openxmlformats.org/markup-compatibility/2006" xmlns:p14="http://schemas.microsoft.com/office/powerpoint/2010/main">
+          <mc:Choice Requires="p14">
             <p:contentPart p14:bwMode="auto" r:id="rId15">
               <p14:nvContentPartPr>
                 <p14:cNvPr id="13" name="墨迹 12">
@@ -8981,7 +9629,7 @@
               </p14:xfrm>
             </p:contentPart>
           </mc:Choice>
-          <mc:Fallback>
+          <mc:Fallback xmlns="">
             <p:pic>
               <p:nvPicPr>
                 <p:cNvPr id="13" name="墨迹 12">
@@ -9012,8 +9660,8 @@
             </p:pic>
           </mc:Fallback>
         </mc:AlternateContent>
-        <mc:AlternateContent xmlns:mc="http://schemas.openxmlformats.org/markup-compatibility/2006">
-          <mc:Choice xmlns:p14="http://schemas.microsoft.com/office/powerpoint/2010/main" Requires="p14">
+        <mc:AlternateContent xmlns:mc="http://schemas.openxmlformats.org/markup-compatibility/2006" xmlns:p14="http://schemas.microsoft.com/office/powerpoint/2010/main">
+          <mc:Choice Requires="p14">
             <p:contentPart p14:bwMode="auto" r:id="rId17">
               <p14:nvContentPartPr>
                 <p14:cNvPr id="14" name="墨迹 13">
@@ -9032,7 +9680,7 @@
               </p14:xfrm>
             </p:contentPart>
           </mc:Choice>
-          <mc:Fallback>
+          <mc:Fallback xmlns="">
             <p:pic>
               <p:nvPicPr>
                 <p:cNvPr id="14" name="墨迹 13">
@@ -9063,8 +9711,8 @@
             </p:pic>
           </mc:Fallback>
         </mc:AlternateContent>
-        <mc:AlternateContent xmlns:mc="http://schemas.openxmlformats.org/markup-compatibility/2006">
-          <mc:Choice xmlns:p14="http://schemas.microsoft.com/office/powerpoint/2010/main" Requires="p14">
+        <mc:AlternateContent xmlns:mc="http://schemas.openxmlformats.org/markup-compatibility/2006" xmlns:p14="http://schemas.microsoft.com/office/powerpoint/2010/main">
+          <mc:Choice Requires="p14">
             <p:contentPart p14:bwMode="auto" r:id="rId19">
               <p14:nvContentPartPr>
                 <p14:cNvPr id="15" name="墨迹 14">
@@ -9083,7 +9731,7 @@
               </p14:xfrm>
             </p:contentPart>
           </mc:Choice>
-          <mc:Fallback>
+          <mc:Fallback xmlns="">
             <p:pic>
               <p:nvPicPr>
                 <p:cNvPr id="15" name="墨迹 14">
@@ -9114,8 +9762,8 @@
             </p:pic>
           </mc:Fallback>
         </mc:AlternateContent>
-        <mc:AlternateContent xmlns:mc="http://schemas.openxmlformats.org/markup-compatibility/2006">
-          <mc:Choice xmlns:p14="http://schemas.microsoft.com/office/powerpoint/2010/main" Requires="p14">
+        <mc:AlternateContent xmlns:mc="http://schemas.openxmlformats.org/markup-compatibility/2006" xmlns:p14="http://schemas.microsoft.com/office/powerpoint/2010/main">
+          <mc:Choice Requires="p14">
             <p:contentPart p14:bwMode="auto" r:id="rId21">
               <p14:nvContentPartPr>
                 <p14:cNvPr id="16" name="墨迹 15">
@@ -9134,7 +9782,7 @@
               </p14:xfrm>
             </p:contentPart>
           </mc:Choice>
-          <mc:Fallback>
+          <mc:Fallback xmlns="">
             <p:pic>
               <p:nvPicPr>
                 <p:cNvPr id="16" name="墨迹 15">
@@ -9165,8 +9813,8 @@
             </p:pic>
           </mc:Fallback>
         </mc:AlternateContent>
-        <mc:AlternateContent xmlns:mc="http://schemas.openxmlformats.org/markup-compatibility/2006">
-          <mc:Choice xmlns:p14="http://schemas.microsoft.com/office/powerpoint/2010/main" Requires="p14">
+        <mc:AlternateContent xmlns:mc="http://schemas.openxmlformats.org/markup-compatibility/2006" xmlns:p14="http://schemas.microsoft.com/office/powerpoint/2010/main">
+          <mc:Choice Requires="p14">
             <p:contentPart p14:bwMode="auto" r:id="rId23">
               <p14:nvContentPartPr>
                 <p14:cNvPr id="17" name="墨迹 16">
@@ -9185,7 +9833,7 @@
               </p14:xfrm>
             </p:contentPart>
           </mc:Choice>
-          <mc:Fallback>
+          <mc:Fallback xmlns="">
             <p:pic>
               <p:nvPicPr>
                 <p:cNvPr id="17" name="墨迹 16">
@@ -9216,8 +9864,8 @@
             </p:pic>
           </mc:Fallback>
         </mc:AlternateContent>
-        <mc:AlternateContent xmlns:mc="http://schemas.openxmlformats.org/markup-compatibility/2006">
-          <mc:Choice xmlns:p14="http://schemas.microsoft.com/office/powerpoint/2010/main" Requires="p14">
+        <mc:AlternateContent xmlns:mc="http://schemas.openxmlformats.org/markup-compatibility/2006" xmlns:p14="http://schemas.microsoft.com/office/powerpoint/2010/main">
+          <mc:Choice Requires="p14">
             <p:contentPart p14:bwMode="auto" r:id="rId25">
               <p14:nvContentPartPr>
                 <p14:cNvPr id="19" name="墨迹 18">
@@ -9236,7 +9884,7 @@
               </p14:xfrm>
             </p:contentPart>
           </mc:Choice>
-          <mc:Fallback>
+          <mc:Fallback xmlns="">
             <p:pic>
               <p:nvPicPr>
                 <p:cNvPr id="19" name="墨迹 18">
@@ -9267,8 +9915,8 @@
             </p:pic>
           </mc:Fallback>
         </mc:AlternateContent>
-        <mc:AlternateContent xmlns:mc="http://schemas.openxmlformats.org/markup-compatibility/2006">
-          <mc:Choice xmlns:p14="http://schemas.microsoft.com/office/powerpoint/2010/main" Requires="p14">
+        <mc:AlternateContent xmlns:mc="http://schemas.openxmlformats.org/markup-compatibility/2006" xmlns:p14="http://schemas.microsoft.com/office/powerpoint/2010/main">
+          <mc:Choice Requires="p14">
             <p:contentPart p14:bwMode="auto" r:id="rId27">
               <p14:nvContentPartPr>
                 <p14:cNvPr id="20" name="墨迹 19">
@@ -9287,7 +9935,7 @@
               </p14:xfrm>
             </p:contentPart>
           </mc:Choice>
-          <mc:Fallback>
+          <mc:Fallback xmlns="">
             <p:pic>
               <p:nvPicPr>
                 <p:cNvPr id="20" name="墨迹 19">
@@ -9318,8 +9966,8 @@
             </p:pic>
           </mc:Fallback>
         </mc:AlternateContent>
-        <mc:AlternateContent xmlns:mc="http://schemas.openxmlformats.org/markup-compatibility/2006">
-          <mc:Choice xmlns:p14="http://schemas.microsoft.com/office/powerpoint/2010/main" Requires="p14">
+        <mc:AlternateContent xmlns:mc="http://schemas.openxmlformats.org/markup-compatibility/2006" xmlns:p14="http://schemas.microsoft.com/office/powerpoint/2010/main">
+          <mc:Choice Requires="p14">
             <p:contentPart p14:bwMode="auto" r:id="rId29">
               <p14:nvContentPartPr>
                 <p14:cNvPr id="21" name="墨迹 20">
@@ -9338,7 +9986,7 @@
               </p14:xfrm>
             </p:contentPart>
           </mc:Choice>
-          <mc:Fallback>
+          <mc:Fallback xmlns="">
             <p:pic>
               <p:nvPicPr>
                 <p:cNvPr id="21" name="墨迹 20">
@@ -9369,8 +10017,8 @@
             </p:pic>
           </mc:Fallback>
         </mc:AlternateContent>
-        <mc:AlternateContent xmlns:mc="http://schemas.openxmlformats.org/markup-compatibility/2006">
-          <mc:Choice xmlns:p14="http://schemas.microsoft.com/office/powerpoint/2010/main" Requires="p14">
+        <mc:AlternateContent xmlns:mc="http://schemas.openxmlformats.org/markup-compatibility/2006" xmlns:p14="http://schemas.microsoft.com/office/powerpoint/2010/main">
+          <mc:Choice Requires="p14">
             <p:contentPart p14:bwMode="auto" r:id="rId31">
               <p14:nvContentPartPr>
                 <p14:cNvPr id="23" name="墨迹 22">
@@ -9389,7 +10037,7 @@
               </p14:xfrm>
             </p:contentPart>
           </mc:Choice>
-          <mc:Fallback>
+          <mc:Fallback xmlns="">
             <p:pic>
               <p:nvPicPr>
                 <p:cNvPr id="23" name="墨迹 22">
@@ -9420,8 +10068,8 @@
             </p:pic>
           </mc:Fallback>
         </mc:AlternateContent>
-        <mc:AlternateContent xmlns:mc="http://schemas.openxmlformats.org/markup-compatibility/2006">
-          <mc:Choice xmlns:p14="http://schemas.microsoft.com/office/powerpoint/2010/main" Requires="p14">
+        <mc:AlternateContent xmlns:mc="http://schemas.openxmlformats.org/markup-compatibility/2006" xmlns:p14="http://schemas.microsoft.com/office/powerpoint/2010/main">
+          <mc:Choice Requires="p14">
             <p:contentPart p14:bwMode="auto" r:id="rId33">
               <p14:nvContentPartPr>
                 <p14:cNvPr id="24" name="墨迹 23">
@@ -9440,7 +10088,7 @@
               </p14:xfrm>
             </p:contentPart>
           </mc:Choice>
-          <mc:Fallback>
+          <mc:Fallback xmlns="">
             <p:pic>
               <p:nvPicPr>
                 <p:cNvPr id="24" name="墨迹 23">
@@ -9471,8 +10119,8 @@
             </p:pic>
           </mc:Fallback>
         </mc:AlternateContent>
-        <mc:AlternateContent xmlns:mc="http://schemas.openxmlformats.org/markup-compatibility/2006">
-          <mc:Choice xmlns:p14="http://schemas.microsoft.com/office/powerpoint/2010/main" Requires="p14">
+        <mc:AlternateContent xmlns:mc="http://schemas.openxmlformats.org/markup-compatibility/2006" xmlns:p14="http://schemas.microsoft.com/office/powerpoint/2010/main">
+          <mc:Choice Requires="p14">
             <p:contentPart p14:bwMode="auto" r:id="rId35">
               <p14:nvContentPartPr>
                 <p14:cNvPr id="25" name="墨迹 24">
@@ -9491,7 +10139,7 @@
               </p14:xfrm>
             </p:contentPart>
           </mc:Choice>
-          <mc:Fallback>
+          <mc:Fallback xmlns="">
             <p:pic>
               <p:nvPicPr>
                 <p:cNvPr id="25" name="墨迹 24">
@@ -9522,8 +10170,8 @@
             </p:pic>
           </mc:Fallback>
         </mc:AlternateContent>
-        <mc:AlternateContent xmlns:mc="http://schemas.openxmlformats.org/markup-compatibility/2006">
-          <mc:Choice xmlns:p14="http://schemas.microsoft.com/office/powerpoint/2010/main" Requires="p14">
+        <mc:AlternateContent xmlns:mc="http://schemas.openxmlformats.org/markup-compatibility/2006" xmlns:p14="http://schemas.microsoft.com/office/powerpoint/2010/main">
+          <mc:Choice Requires="p14">
             <p:contentPart p14:bwMode="auto" r:id="rId37">
               <p14:nvContentPartPr>
                 <p14:cNvPr id="26" name="墨迹 25">
@@ -9542,7 +10190,7 @@
               </p14:xfrm>
             </p:contentPart>
           </mc:Choice>
-          <mc:Fallback>
+          <mc:Fallback xmlns="">
             <p:pic>
               <p:nvPicPr>
                 <p:cNvPr id="26" name="墨迹 25">
@@ -9573,8 +10221,8 @@
             </p:pic>
           </mc:Fallback>
         </mc:AlternateContent>
-        <mc:AlternateContent xmlns:mc="http://schemas.openxmlformats.org/markup-compatibility/2006">
-          <mc:Choice xmlns:p14="http://schemas.microsoft.com/office/powerpoint/2010/main" Requires="p14">
+        <mc:AlternateContent xmlns:mc="http://schemas.openxmlformats.org/markup-compatibility/2006" xmlns:p14="http://schemas.microsoft.com/office/powerpoint/2010/main">
+          <mc:Choice Requires="p14">
             <p:contentPart p14:bwMode="auto" r:id="rId39">
               <p14:nvContentPartPr>
                 <p14:cNvPr id="27" name="墨迹 26">
@@ -9593,7 +10241,7 @@
               </p14:xfrm>
             </p:contentPart>
           </mc:Choice>
-          <mc:Fallback>
+          <mc:Fallback xmlns="">
             <p:pic>
               <p:nvPicPr>
                 <p:cNvPr id="27" name="墨迹 26">
@@ -9624,8 +10272,8 @@
             </p:pic>
           </mc:Fallback>
         </mc:AlternateContent>
-        <mc:AlternateContent xmlns:mc="http://schemas.openxmlformats.org/markup-compatibility/2006">
-          <mc:Choice xmlns:p14="http://schemas.microsoft.com/office/powerpoint/2010/main" Requires="p14">
+        <mc:AlternateContent xmlns:mc="http://schemas.openxmlformats.org/markup-compatibility/2006" xmlns:p14="http://schemas.microsoft.com/office/powerpoint/2010/main">
+          <mc:Choice Requires="p14">
             <p:contentPart p14:bwMode="auto" r:id="rId41">
               <p14:nvContentPartPr>
                 <p14:cNvPr id="28" name="墨迹 27">
@@ -9644,7 +10292,7 @@
               </p14:xfrm>
             </p:contentPart>
           </mc:Choice>
-          <mc:Fallback>
+          <mc:Fallback xmlns="">
             <p:pic>
               <p:nvPicPr>
                 <p:cNvPr id="28" name="墨迹 27">
@@ -9675,8 +10323,8 @@
             </p:pic>
           </mc:Fallback>
         </mc:AlternateContent>
-        <mc:AlternateContent xmlns:mc="http://schemas.openxmlformats.org/markup-compatibility/2006">
-          <mc:Choice xmlns:p14="http://schemas.microsoft.com/office/powerpoint/2010/main" Requires="p14">
+        <mc:AlternateContent xmlns:mc="http://schemas.openxmlformats.org/markup-compatibility/2006" xmlns:p14="http://schemas.microsoft.com/office/powerpoint/2010/main">
+          <mc:Choice Requires="p14">
             <p:contentPart p14:bwMode="auto" r:id="rId43">
               <p14:nvContentPartPr>
                 <p14:cNvPr id="29" name="墨迹 28">
@@ -9695,7 +10343,7 @@
               </p14:xfrm>
             </p:contentPart>
           </mc:Choice>
-          <mc:Fallback>
+          <mc:Fallback xmlns="">
             <p:pic>
               <p:nvPicPr>
                 <p:cNvPr id="29" name="墨迹 28">
@@ -9726,8 +10374,8 @@
             </p:pic>
           </mc:Fallback>
         </mc:AlternateContent>
-        <mc:AlternateContent xmlns:mc="http://schemas.openxmlformats.org/markup-compatibility/2006">
-          <mc:Choice xmlns:p14="http://schemas.microsoft.com/office/powerpoint/2010/main" Requires="p14">
+        <mc:AlternateContent xmlns:mc="http://schemas.openxmlformats.org/markup-compatibility/2006" xmlns:p14="http://schemas.microsoft.com/office/powerpoint/2010/main">
+          <mc:Choice Requires="p14">
             <p:contentPart p14:bwMode="auto" r:id="rId45">
               <p14:nvContentPartPr>
                 <p14:cNvPr id="30" name="墨迹 29">
@@ -9746,7 +10394,7 @@
               </p14:xfrm>
             </p:contentPart>
           </mc:Choice>
-          <mc:Fallback>
+          <mc:Fallback xmlns="">
             <p:pic>
               <p:nvPicPr>
                 <p:cNvPr id="30" name="墨迹 29">
@@ -9777,8 +10425,8 @@
             </p:pic>
           </mc:Fallback>
         </mc:AlternateContent>
-        <mc:AlternateContent xmlns:mc="http://schemas.openxmlformats.org/markup-compatibility/2006">
-          <mc:Choice xmlns:p14="http://schemas.microsoft.com/office/powerpoint/2010/main" Requires="p14">
+        <mc:AlternateContent xmlns:mc="http://schemas.openxmlformats.org/markup-compatibility/2006" xmlns:p14="http://schemas.microsoft.com/office/powerpoint/2010/main">
+          <mc:Choice Requires="p14">
             <p:contentPart p14:bwMode="auto" r:id="rId47">
               <p14:nvContentPartPr>
                 <p14:cNvPr id="31" name="墨迹 30">
@@ -9797,7 +10445,7 @@
               </p14:xfrm>
             </p:contentPart>
           </mc:Choice>
-          <mc:Fallback>
+          <mc:Fallback xmlns="">
             <p:pic>
               <p:nvPicPr>
                 <p:cNvPr id="31" name="墨迹 30">
@@ -9828,8 +10476,8 @@
             </p:pic>
           </mc:Fallback>
         </mc:AlternateContent>
-        <mc:AlternateContent xmlns:mc="http://schemas.openxmlformats.org/markup-compatibility/2006">
-          <mc:Choice xmlns:p14="http://schemas.microsoft.com/office/powerpoint/2010/main" Requires="p14">
+        <mc:AlternateContent xmlns:mc="http://schemas.openxmlformats.org/markup-compatibility/2006" xmlns:p14="http://schemas.microsoft.com/office/powerpoint/2010/main">
+          <mc:Choice Requires="p14">
             <p:contentPart p14:bwMode="auto" r:id="rId49">
               <p14:nvContentPartPr>
                 <p14:cNvPr id="32" name="墨迹 31">
@@ -9848,7 +10496,7 @@
               </p14:xfrm>
             </p:contentPart>
           </mc:Choice>
-          <mc:Fallback>
+          <mc:Fallback xmlns="">
             <p:pic>
               <p:nvPicPr>
                 <p:cNvPr id="32" name="墨迹 31">
@@ -9879,8 +10527,8 @@
             </p:pic>
           </mc:Fallback>
         </mc:AlternateContent>
-        <mc:AlternateContent xmlns:mc="http://schemas.openxmlformats.org/markup-compatibility/2006">
-          <mc:Choice xmlns:p14="http://schemas.microsoft.com/office/powerpoint/2010/main" Requires="p14">
+        <mc:AlternateContent xmlns:mc="http://schemas.openxmlformats.org/markup-compatibility/2006" xmlns:p14="http://schemas.microsoft.com/office/powerpoint/2010/main">
+          <mc:Choice Requires="p14">
             <p:contentPart p14:bwMode="auto" r:id="rId51">
               <p14:nvContentPartPr>
                 <p14:cNvPr id="33" name="墨迹 32">
@@ -9899,7 +10547,7 @@
               </p14:xfrm>
             </p:contentPart>
           </mc:Choice>
-          <mc:Fallback>
+          <mc:Fallback xmlns="">
             <p:pic>
               <p:nvPicPr>
                 <p:cNvPr id="33" name="墨迹 32">
@@ -9930,8 +10578,8 @@
             </p:pic>
           </mc:Fallback>
         </mc:AlternateContent>
-        <mc:AlternateContent xmlns:mc="http://schemas.openxmlformats.org/markup-compatibility/2006">
-          <mc:Choice xmlns:p14="http://schemas.microsoft.com/office/powerpoint/2010/main" Requires="p14">
+        <mc:AlternateContent xmlns:mc="http://schemas.openxmlformats.org/markup-compatibility/2006" xmlns:p14="http://schemas.microsoft.com/office/powerpoint/2010/main">
+          <mc:Choice Requires="p14">
             <p:contentPart p14:bwMode="auto" r:id="rId53">
               <p14:nvContentPartPr>
                 <p14:cNvPr id="34" name="墨迹 33">
@@ -9950,7 +10598,7 @@
               </p14:xfrm>
             </p:contentPart>
           </mc:Choice>
-          <mc:Fallback>
+          <mc:Fallback xmlns="">
             <p:pic>
               <p:nvPicPr>
                 <p:cNvPr id="34" name="墨迹 33">
@@ -9981,8 +10629,8 @@
             </p:pic>
           </mc:Fallback>
         </mc:AlternateContent>
-        <mc:AlternateContent xmlns:mc="http://schemas.openxmlformats.org/markup-compatibility/2006">
-          <mc:Choice xmlns:p14="http://schemas.microsoft.com/office/powerpoint/2010/main" Requires="p14">
+        <mc:AlternateContent xmlns:mc="http://schemas.openxmlformats.org/markup-compatibility/2006" xmlns:p14="http://schemas.microsoft.com/office/powerpoint/2010/main">
+          <mc:Choice Requires="p14">
             <p:contentPart p14:bwMode="auto" r:id="rId55">
               <p14:nvContentPartPr>
                 <p14:cNvPr id="35" name="墨迹 34">
@@ -10001,7 +10649,7 @@
               </p14:xfrm>
             </p:contentPart>
           </mc:Choice>
-          <mc:Fallback>
+          <mc:Fallback xmlns="">
             <p:pic>
               <p:nvPicPr>
                 <p:cNvPr id="35" name="墨迹 34">
@@ -10032,8 +10680,8 @@
             </p:pic>
           </mc:Fallback>
         </mc:AlternateContent>
-        <mc:AlternateContent xmlns:mc="http://schemas.openxmlformats.org/markup-compatibility/2006">
-          <mc:Choice xmlns:p14="http://schemas.microsoft.com/office/powerpoint/2010/main" Requires="p14">
+        <mc:AlternateContent xmlns:mc="http://schemas.openxmlformats.org/markup-compatibility/2006" xmlns:p14="http://schemas.microsoft.com/office/powerpoint/2010/main">
+          <mc:Choice Requires="p14">
             <p:contentPart p14:bwMode="auto" r:id="rId57">
               <p14:nvContentPartPr>
                 <p14:cNvPr id="36" name="墨迹 35">
@@ -10052,7 +10700,7 @@
               </p14:xfrm>
             </p:contentPart>
           </mc:Choice>
-          <mc:Fallback>
+          <mc:Fallback xmlns="">
             <p:pic>
               <p:nvPicPr>
                 <p:cNvPr id="36" name="墨迹 35">
@@ -10083,8 +10731,8 @@
             </p:pic>
           </mc:Fallback>
         </mc:AlternateContent>
-        <mc:AlternateContent xmlns:mc="http://schemas.openxmlformats.org/markup-compatibility/2006">
-          <mc:Choice xmlns:p14="http://schemas.microsoft.com/office/powerpoint/2010/main" Requires="p14">
+        <mc:AlternateContent xmlns:mc="http://schemas.openxmlformats.org/markup-compatibility/2006" xmlns:p14="http://schemas.microsoft.com/office/powerpoint/2010/main">
+          <mc:Choice Requires="p14">
             <p:contentPart p14:bwMode="auto" r:id="rId59">
               <p14:nvContentPartPr>
                 <p14:cNvPr id="37" name="墨迹 36">
@@ -10103,7 +10751,7 @@
               </p14:xfrm>
             </p:contentPart>
           </mc:Choice>
-          <mc:Fallback>
+          <mc:Fallback xmlns="">
             <p:pic>
               <p:nvPicPr>
                 <p:cNvPr id="37" name="墨迹 36">
@@ -10134,8 +10782,8 @@
             </p:pic>
           </mc:Fallback>
         </mc:AlternateContent>
-        <mc:AlternateContent xmlns:mc="http://schemas.openxmlformats.org/markup-compatibility/2006">
-          <mc:Choice xmlns:p14="http://schemas.microsoft.com/office/powerpoint/2010/main" Requires="p14">
+        <mc:AlternateContent xmlns:mc="http://schemas.openxmlformats.org/markup-compatibility/2006" xmlns:p14="http://schemas.microsoft.com/office/powerpoint/2010/main">
+          <mc:Choice Requires="p14">
             <p:contentPart p14:bwMode="auto" r:id="rId61">
               <p14:nvContentPartPr>
                 <p14:cNvPr id="38" name="墨迹 37">
@@ -10154,7 +10802,7 @@
               </p14:xfrm>
             </p:contentPart>
           </mc:Choice>
-          <mc:Fallback>
+          <mc:Fallback xmlns="">
             <p:pic>
               <p:nvPicPr>
                 <p:cNvPr id="38" name="墨迹 37">
@@ -10185,8 +10833,8 @@
             </p:pic>
           </mc:Fallback>
         </mc:AlternateContent>
-        <mc:AlternateContent xmlns:mc="http://schemas.openxmlformats.org/markup-compatibility/2006">
-          <mc:Choice xmlns:p14="http://schemas.microsoft.com/office/powerpoint/2010/main" Requires="p14">
+        <mc:AlternateContent xmlns:mc="http://schemas.openxmlformats.org/markup-compatibility/2006" xmlns:p14="http://schemas.microsoft.com/office/powerpoint/2010/main">
+          <mc:Choice Requires="p14">
             <p:contentPart p14:bwMode="auto" r:id="rId63">
               <p14:nvContentPartPr>
                 <p14:cNvPr id="39" name="墨迹 38">
@@ -10205,7 +10853,7 @@
               </p14:xfrm>
             </p:contentPart>
           </mc:Choice>
-          <mc:Fallback>
+          <mc:Fallback xmlns="">
             <p:pic>
               <p:nvPicPr>
                 <p:cNvPr id="39" name="墨迹 38">
@@ -10236,8 +10884,8 @@
             </p:pic>
           </mc:Fallback>
         </mc:AlternateContent>
-        <mc:AlternateContent xmlns:mc="http://schemas.openxmlformats.org/markup-compatibility/2006">
-          <mc:Choice xmlns:p14="http://schemas.microsoft.com/office/powerpoint/2010/main" Requires="p14">
+        <mc:AlternateContent xmlns:mc="http://schemas.openxmlformats.org/markup-compatibility/2006" xmlns:p14="http://schemas.microsoft.com/office/powerpoint/2010/main">
+          <mc:Choice Requires="p14">
             <p:contentPart p14:bwMode="auto" r:id="rId65">
               <p14:nvContentPartPr>
                 <p14:cNvPr id="45" name="墨迹 44">
@@ -10256,7 +10904,7 @@
               </p14:xfrm>
             </p:contentPart>
           </mc:Choice>
-          <mc:Fallback>
+          <mc:Fallback xmlns="">
             <p:pic>
               <p:nvPicPr>
                 <p:cNvPr id="45" name="墨迹 44">
@@ -10287,8 +10935,8 @@
             </p:pic>
           </mc:Fallback>
         </mc:AlternateContent>
-        <mc:AlternateContent xmlns:mc="http://schemas.openxmlformats.org/markup-compatibility/2006">
-          <mc:Choice xmlns:p14="http://schemas.microsoft.com/office/powerpoint/2010/main" Requires="p14">
+        <mc:AlternateContent xmlns:mc="http://schemas.openxmlformats.org/markup-compatibility/2006" xmlns:p14="http://schemas.microsoft.com/office/powerpoint/2010/main">
+          <mc:Choice Requires="p14">
             <p:contentPart p14:bwMode="auto" r:id="rId67">
               <p14:nvContentPartPr>
                 <p14:cNvPr id="46" name="墨迹 45">
@@ -10307,7 +10955,7 @@
               </p14:xfrm>
             </p:contentPart>
           </mc:Choice>
-          <mc:Fallback>
+          <mc:Fallback xmlns="">
             <p:pic>
               <p:nvPicPr>
                 <p:cNvPr id="46" name="墨迹 45">
@@ -10338,8 +10986,8 @@
             </p:pic>
           </mc:Fallback>
         </mc:AlternateContent>
-        <mc:AlternateContent xmlns:mc="http://schemas.openxmlformats.org/markup-compatibility/2006">
-          <mc:Choice xmlns:p14="http://schemas.microsoft.com/office/powerpoint/2010/main" Requires="p14">
+        <mc:AlternateContent xmlns:mc="http://schemas.openxmlformats.org/markup-compatibility/2006" xmlns:p14="http://schemas.microsoft.com/office/powerpoint/2010/main">
+          <mc:Choice Requires="p14">
             <p:contentPart p14:bwMode="auto" r:id="rId69">
               <p14:nvContentPartPr>
                 <p14:cNvPr id="47" name="墨迹 46">
@@ -10358,7 +11006,7 @@
               </p14:xfrm>
             </p:contentPart>
           </mc:Choice>
-          <mc:Fallback>
+          <mc:Fallback xmlns="">
             <p:pic>
               <p:nvPicPr>
                 <p:cNvPr id="47" name="墨迹 46">
@@ -10389,8 +11037,8 @@
             </p:pic>
           </mc:Fallback>
         </mc:AlternateContent>
-        <mc:AlternateContent xmlns:mc="http://schemas.openxmlformats.org/markup-compatibility/2006">
-          <mc:Choice xmlns:p14="http://schemas.microsoft.com/office/powerpoint/2010/main" Requires="p14">
+        <mc:AlternateContent xmlns:mc="http://schemas.openxmlformats.org/markup-compatibility/2006" xmlns:p14="http://schemas.microsoft.com/office/powerpoint/2010/main">
+          <mc:Choice Requires="p14">
             <p:contentPart p14:bwMode="auto" r:id="rId71">
               <p14:nvContentPartPr>
                 <p14:cNvPr id="48" name="墨迹 47">
@@ -10409,7 +11057,7 @@
               </p14:xfrm>
             </p:contentPart>
           </mc:Choice>
-          <mc:Fallback>
+          <mc:Fallback xmlns="">
             <p:pic>
               <p:nvPicPr>
                 <p:cNvPr id="48" name="墨迹 47">
@@ -10440,8 +11088,8 @@
             </p:pic>
           </mc:Fallback>
         </mc:AlternateContent>
-        <mc:AlternateContent xmlns:mc="http://schemas.openxmlformats.org/markup-compatibility/2006">
-          <mc:Choice xmlns:p14="http://schemas.microsoft.com/office/powerpoint/2010/main" Requires="p14">
+        <mc:AlternateContent xmlns:mc="http://schemas.openxmlformats.org/markup-compatibility/2006" xmlns:p14="http://schemas.microsoft.com/office/powerpoint/2010/main">
+          <mc:Choice Requires="p14">
             <p:contentPart p14:bwMode="auto" r:id="rId73">
               <p14:nvContentPartPr>
                 <p14:cNvPr id="49" name="墨迹 48">
@@ -10460,7 +11108,7 @@
               </p14:xfrm>
             </p:contentPart>
           </mc:Choice>
-          <mc:Fallback>
+          <mc:Fallback xmlns="">
             <p:pic>
               <p:nvPicPr>
                 <p:cNvPr id="49" name="墨迹 48">
@@ -10491,8 +11139,8 @@
             </p:pic>
           </mc:Fallback>
         </mc:AlternateContent>
-        <mc:AlternateContent xmlns:mc="http://schemas.openxmlformats.org/markup-compatibility/2006">
-          <mc:Choice xmlns:p14="http://schemas.microsoft.com/office/powerpoint/2010/main" Requires="p14">
+        <mc:AlternateContent xmlns:mc="http://schemas.openxmlformats.org/markup-compatibility/2006" xmlns:p14="http://schemas.microsoft.com/office/powerpoint/2010/main">
+          <mc:Choice Requires="p14">
             <p:contentPart p14:bwMode="auto" r:id="rId75">
               <p14:nvContentPartPr>
                 <p14:cNvPr id="50" name="墨迹 49">
@@ -10511,7 +11159,7 @@
               </p14:xfrm>
             </p:contentPart>
           </mc:Choice>
-          <mc:Fallback>
+          <mc:Fallback xmlns="">
             <p:pic>
               <p:nvPicPr>
                 <p:cNvPr id="50" name="墨迹 49">
@@ -10542,8 +11190,8 @@
             </p:pic>
           </mc:Fallback>
         </mc:AlternateContent>
-        <mc:AlternateContent xmlns:mc="http://schemas.openxmlformats.org/markup-compatibility/2006">
-          <mc:Choice xmlns:p14="http://schemas.microsoft.com/office/powerpoint/2010/main" Requires="p14">
+        <mc:AlternateContent xmlns:mc="http://schemas.openxmlformats.org/markup-compatibility/2006" xmlns:p14="http://schemas.microsoft.com/office/powerpoint/2010/main">
+          <mc:Choice Requires="p14">
             <p:contentPart p14:bwMode="auto" r:id="rId77">
               <p14:nvContentPartPr>
                 <p14:cNvPr id="51" name="墨迹 50">
@@ -10562,7 +11210,7 @@
               </p14:xfrm>
             </p:contentPart>
           </mc:Choice>
-          <mc:Fallback>
+          <mc:Fallback xmlns="">
             <p:pic>
               <p:nvPicPr>
                 <p:cNvPr id="51" name="墨迹 50">
@@ -10593,8 +11241,8 @@
             </p:pic>
           </mc:Fallback>
         </mc:AlternateContent>
-        <mc:AlternateContent xmlns:mc="http://schemas.openxmlformats.org/markup-compatibility/2006">
-          <mc:Choice xmlns:p14="http://schemas.microsoft.com/office/powerpoint/2010/main" Requires="p14">
+        <mc:AlternateContent xmlns:mc="http://schemas.openxmlformats.org/markup-compatibility/2006" xmlns:p14="http://schemas.microsoft.com/office/powerpoint/2010/main">
+          <mc:Choice Requires="p14">
             <p:contentPart p14:bwMode="auto" r:id="rId79">
               <p14:nvContentPartPr>
                 <p14:cNvPr id="52" name="墨迹 51">
@@ -10613,7 +11261,7 @@
               </p14:xfrm>
             </p:contentPart>
           </mc:Choice>
-          <mc:Fallback>
+          <mc:Fallback xmlns="">
             <p:pic>
               <p:nvPicPr>
                 <p:cNvPr id="52" name="墨迹 51">
@@ -11197,6 +11845,1128 @@
           </a:p>
         </p:txBody>
       </p:sp>
+      <p:pic>
+        <p:nvPicPr>
+          <p:cNvPr id="3" name="Picture 2">
+            <a:extLst>
+              <a:ext uri="{FF2B5EF4-FFF2-40B4-BE49-F238E27FC236}">
+                <a16:creationId xmlns:a16="http://schemas.microsoft.com/office/drawing/2014/main" id="{537CF078-CE41-9FEA-804B-A9FF514A637F}"/>
+              </a:ext>
+            </a:extLst>
+          </p:cNvPr>
+          <p:cNvPicPr>
+            <a:picLocks noChangeAspect="1"/>
+          </p:cNvPicPr>
+          <p:nvPr/>
+        </p:nvPicPr>
+        <p:blipFill>
+          <a:blip r:embed="rId5"/>
+          <a:stretch>
+            <a:fillRect/>
+          </a:stretch>
+        </p:blipFill>
+        <p:spPr>
+          <a:xfrm>
+            <a:off x="8971635" y="78528"/>
+            <a:ext cx="4293030" cy="2236448"/>
+          </a:xfrm>
+          <a:prstGeom prst="rect">
+            <a:avLst/>
+          </a:prstGeom>
+        </p:spPr>
+      </p:pic>
+      <mc:AlternateContent xmlns:mc="http://schemas.openxmlformats.org/markup-compatibility/2006">
+        <mc:Choice xmlns:p14="http://schemas.microsoft.com/office/powerpoint/2010/main" Requires="p14">
+          <p:contentPart p14:bwMode="auto" r:id="rId6">
+            <p14:nvContentPartPr>
+              <p14:cNvPr id="7" name="Ink 6">
+                <a:extLst>
+                  <a:ext uri="{FF2B5EF4-FFF2-40B4-BE49-F238E27FC236}">
+                    <a16:creationId xmlns:a16="http://schemas.microsoft.com/office/drawing/2014/main" id="{E876C5E4-444D-A9B9-2FAE-C12ABFDEBD13}"/>
+                  </a:ext>
+                </a:extLst>
+              </p14:cNvPr>
+              <p14:cNvContentPartPr/>
+              <p14:nvPr/>
+            </p14:nvContentPartPr>
+            <p14:xfrm>
+              <a:off x="5307858" y="4721158"/>
+              <a:ext cx="1783440" cy="714600"/>
+            </p14:xfrm>
+          </p:contentPart>
+        </mc:Choice>
+        <mc:Fallback>
+          <p:pic>
+            <p:nvPicPr>
+              <p:cNvPr id="7" name="Ink 6">
+                <a:extLst>
+                  <a:ext uri="{FF2B5EF4-FFF2-40B4-BE49-F238E27FC236}">
+                    <a16:creationId xmlns:a16="http://schemas.microsoft.com/office/drawing/2014/main" id="{E876C5E4-444D-A9B9-2FAE-C12ABFDEBD13}"/>
+                  </a:ext>
+                </a:extLst>
+              </p:cNvPr>
+              <p:cNvPicPr/>
+              <p:nvPr/>
+            </p:nvPicPr>
+            <p:blipFill>
+              <a:blip r:embed="rId7"/>
+              <a:stretch>
+                <a:fillRect/>
+              </a:stretch>
+            </p:blipFill>
+            <p:spPr>
+              <a:xfrm>
+                <a:off x="5289858" y="4703518"/>
+                <a:ext cx="1819080" cy="750240"/>
+              </a:xfrm>
+              <a:prstGeom prst="rect">
+                <a:avLst/>
+              </a:prstGeom>
+            </p:spPr>
+          </p:pic>
+        </mc:Fallback>
+      </mc:AlternateContent>
+      <mc:AlternateContent xmlns:mc="http://schemas.openxmlformats.org/markup-compatibility/2006">
+        <mc:Choice xmlns:p14="http://schemas.microsoft.com/office/powerpoint/2010/main" Requires="p14">
+          <p:contentPart p14:bwMode="auto" r:id="rId8">
+            <p14:nvContentPartPr>
+              <p14:cNvPr id="8" name="Ink 7">
+                <a:extLst>
+                  <a:ext uri="{FF2B5EF4-FFF2-40B4-BE49-F238E27FC236}">
+                    <a16:creationId xmlns:a16="http://schemas.microsoft.com/office/drawing/2014/main" id="{D4B1AAF8-2304-6CB6-CE50-30684F3614A1}"/>
+                  </a:ext>
+                </a:extLst>
+              </p14:cNvPr>
+              <p14:cNvContentPartPr/>
+              <p14:nvPr/>
+            </p14:nvContentPartPr>
+            <p14:xfrm>
+              <a:off x="5135058" y="4525678"/>
+              <a:ext cx="82080" cy="202320"/>
+            </p14:xfrm>
+          </p:contentPart>
+        </mc:Choice>
+        <mc:Fallback>
+          <p:pic>
+            <p:nvPicPr>
+              <p:cNvPr id="8" name="Ink 7">
+                <a:extLst>
+                  <a:ext uri="{FF2B5EF4-FFF2-40B4-BE49-F238E27FC236}">
+                    <a16:creationId xmlns:a16="http://schemas.microsoft.com/office/drawing/2014/main" id="{D4B1AAF8-2304-6CB6-CE50-30684F3614A1}"/>
+                  </a:ext>
+                </a:extLst>
+              </p:cNvPr>
+              <p:cNvPicPr/>
+              <p:nvPr/>
+            </p:nvPicPr>
+            <p:blipFill>
+              <a:blip r:embed="rId9"/>
+              <a:stretch>
+                <a:fillRect/>
+              </a:stretch>
+            </p:blipFill>
+            <p:spPr>
+              <a:xfrm>
+                <a:off x="5117418" y="4507678"/>
+                <a:ext cx="117720" cy="237960"/>
+              </a:xfrm>
+              <a:prstGeom prst="rect">
+                <a:avLst/>
+              </a:prstGeom>
+            </p:spPr>
+          </p:pic>
+        </mc:Fallback>
+      </mc:AlternateContent>
+      <mc:AlternateContent xmlns:mc="http://schemas.openxmlformats.org/markup-compatibility/2006">
+        <mc:Choice xmlns:p14="http://schemas.microsoft.com/office/powerpoint/2010/main" Requires="p14">
+          <p:contentPart p14:bwMode="auto" r:id="rId10">
+            <p14:nvContentPartPr>
+              <p14:cNvPr id="12" name="Ink 11">
+                <a:extLst>
+                  <a:ext uri="{FF2B5EF4-FFF2-40B4-BE49-F238E27FC236}">
+                    <a16:creationId xmlns:a16="http://schemas.microsoft.com/office/drawing/2014/main" id="{E7FE8AEC-63FC-F46E-F346-3C9D0C7E87C3}"/>
+                  </a:ext>
+                </a:extLst>
+              </p14:cNvPr>
+              <p14:cNvContentPartPr/>
+              <p14:nvPr/>
+            </p14:nvContentPartPr>
+            <p14:xfrm>
+              <a:off x="5313618" y="4493278"/>
+              <a:ext cx="132840" cy="180360"/>
+            </p14:xfrm>
+          </p:contentPart>
+        </mc:Choice>
+        <mc:Fallback>
+          <p:pic>
+            <p:nvPicPr>
+              <p:cNvPr id="12" name="Ink 11">
+                <a:extLst>
+                  <a:ext uri="{FF2B5EF4-FFF2-40B4-BE49-F238E27FC236}">
+                    <a16:creationId xmlns:a16="http://schemas.microsoft.com/office/drawing/2014/main" id="{E7FE8AEC-63FC-F46E-F346-3C9D0C7E87C3}"/>
+                  </a:ext>
+                </a:extLst>
+              </p:cNvPr>
+              <p:cNvPicPr/>
+              <p:nvPr/>
+            </p:nvPicPr>
+            <p:blipFill>
+              <a:blip r:embed="rId11"/>
+              <a:stretch>
+                <a:fillRect/>
+              </a:stretch>
+            </p:blipFill>
+            <p:spPr>
+              <a:xfrm>
+                <a:off x="5295978" y="4475278"/>
+                <a:ext cx="168480" cy="216000"/>
+              </a:xfrm>
+              <a:prstGeom prst="rect">
+                <a:avLst/>
+              </a:prstGeom>
+            </p:spPr>
+          </p:pic>
+        </mc:Fallback>
+      </mc:AlternateContent>
+      <mc:AlternateContent xmlns:mc="http://schemas.openxmlformats.org/markup-compatibility/2006">
+        <mc:Choice xmlns:p14="http://schemas.microsoft.com/office/powerpoint/2010/main" Requires="p14">
+          <p:contentPart p14:bwMode="auto" r:id="rId12">
+            <p14:nvContentPartPr>
+              <p14:cNvPr id="14" name="Ink 13">
+                <a:extLst>
+                  <a:ext uri="{FF2B5EF4-FFF2-40B4-BE49-F238E27FC236}">
+                    <a16:creationId xmlns:a16="http://schemas.microsoft.com/office/drawing/2014/main" id="{32984D4B-B3F0-8CD8-2192-A63183D9C9AA}"/>
+                  </a:ext>
+                </a:extLst>
+              </p14:cNvPr>
+              <p14:cNvContentPartPr/>
+              <p14:nvPr/>
+            </p14:nvContentPartPr>
+            <p14:xfrm>
+              <a:off x="5497578" y="4525678"/>
+              <a:ext cx="121320" cy="109800"/>
+            </p14:xfrm>
+          </p:contentPart>
+        </mc:Choice>
+        <mc:Fallback>
+          <p:pic>
+            <p:nvPicPr>
+              <p:cNvPr id="14" name="Ink 13">
+                <a:extLst>
+                  <a:ext uri="{FF2B5EF4-FFF2-40B4-BE49-F238E27FC236}">
+                    <a16:creationId xmlns:a16="http://schemas.microsoft.com/office/drawing/2014/main" id="{32984D4B-B3F0-8CD8-2192-A63183D9C9AA}"/>
+                  </a:ext>
+                </a:extLst>
+              </p:cNvPr>
+              <p:cNvPicPr/>
+              <p:nvPr/>
+            </p:nvPicPr>
+            <p:blipFill>
+              <a:blip r:embed="rId13"/>
+              <a:stretch>
+                <a:fillRect/>
+              </a:stretch>
+            </p:blipFill>
+            <p:spPr>
+              <a:xfrm>
+                <a:off x="5479938" y="4507678"/>
+                <a:ext cx="156960" cy="145440"/>
+              </a:xfrm>
+              <a:prstGeom prst="rect">
+                <a:avLst/>
+              </a:prstGeom>
+            </p:spPr>
+          </p:pic>
+        </mc:Fallback>
+      </mc:AlternateContent>
+      <mc:AlternateContent xmlns:mc="http://schemas.openxmlformats.org/markup-compatibility/2006">
+        <mc:Choice xmlns:p14="http://schemas.microsoft.com/office/powerpoint/2010/main" Requires="p14">
+          <p:contentPart p14:bwMode="auto" r:id="rId14">
+            <p14:nvContentPartPr>
+              <p14:cNvPr id="16" name="Ink 15">
+                <a:extLst>
+                  <a:ext uri="{FF2B5EF4-FFF2-40B4-BE49-F238E27FC236}">
+                    <a16:creationId xmlns:a16="http://schemas.microsoft.com/office/drawing/2014/main" id="{F2C4F4D6-7AE1-C1A9-EC02-D082DCB2F2B3}"/>
+                  </a:ext>
+                </a:extLst>
+              </p14:cNvPr>
+              <p14:cNvContentPartPr/>
+              <p14:nvPr/>
+            </p14:nvContentPartPr>
+            <p14:xfrm>
+              <a:off x="5524218" y="4474198"/>
+              <a:ext cx="111960" cy="120600"/>
+            </p14:xfrm>
+          </p:contentPart>
+        </mc:Choice>
+        <mc:Fallback>
+          <p:pic>
+            <p:nvPicPr>
+              <p:cNvPr id="16" name="Ink 15">
+                <a:extLst>
+                  <a:ext uri="{FF2B5EF4-FFF2-40B4-BE49-F238E27FC236}">
+                    <a16:creationId xmlns:a16="http://schemas.microsoft.com/office/drawing/2014/main" id="{F2C4F4D6-7AE1-C1A9-EC02-D082DCB2F2B3}"/>
+                  </a:ext>
+                </a:extLst>
+              </p:cNvPr>
+              <p:cNvPicPr/>
+              <p:nvPr/>
+            </p:nvPicPr>
+            <p:blipFill>
+              <a:blip r:embed="rId15"/>
+              <a:stretch>
+                <a:fillRect/>
+              </a:stretch>
+            </p:blipFill>
+            <p:spPr>
+              <a:xfrm>
+                <a:off x="5506578" y="4456198"/>
+                <a:ext cx="147600" cy="156240"/>
+              </a:xfrm>
+              <a:prstGeom prst="rect">
+                <a:avLst/>
+              </a:prstGeom>
+            </p:spPr>
+          </p:pic>
+        </mc:Fallback>
+      </mc:AlternateContent>
+      <mc:AlternateContent xmlns:mc="http://schemas.openxmlformats.org/markup-compatibility/2006">
+        <mc:Choice xmlns:p14="http://schemas.microsoft.com/office/powerpoint/2010/main" Requires="p14">
+          <p:contentPart p14:bwMode="auto" r:id="rId16">
+            <p14:nvContentPartPr>
+              <p14:cNvPr id="35" name="Ink 34">
+                <a:extLst>
+                  <a:ext uri="{FF2B5EF4-FFF2-40B4-BE49-F238E27FC236}">
+                    <a16:creationId xmlns:a16="http://schemas.microsoft.com/office/drawing/2014/main" id="{9BBAB196-D1EA-E12B-B2E5-DC4221F0DA5B}"/>
+                  </a:ext>
+                </a:extLst>
+              </p14:cNvPr>
+              <p14:cNvContentPartPr/>
+              <p14:nvPr/>
+            </p14:nvContentPartPr>
+            <p14:xfrm>
+              <a:off x="5469858" y="4840678"/>
+              <a:ext cx="132120" cy="254880"/>
+            </p14:xfrm>
+          </p:contentPart>
+        </mc:Choice>
+        <mc:Fallback>
+          <p:pic>
+            <p:nvPicPr>
+              <p:cNvPr id="35" name="Ink 34">
+                <a:extLst>
+                  <a:ext uri="{FF2B5EF4-FFF2-40B4-BE49-F238E27FC236}">
+                    <a16:creationId xmlns:a16="http://schemas.microsoft.com/office/drawing/2014/main" id="{9BBAB196-D1EA-E12B-B2E5-DC4221F0DA5B}"/>
+                  </a:ext>
+                </a:extLst>
+              </p:cNvPr>
+              <p:cNvPicPr/>
+              <p:nvPr/>
+            </p:nvPicPr>
+            <p:blipFill>
+              <a:blip r:embed="rId17"/>
+              <a:stretch>
+                <a:fillRect/>
+              </a:stretch>
+            </p:blipFill>
+            <p:spPr>
+              <a:xfrm>
+                <a:off x="5451858" y="4823038"/>
+                <a:ext cx="167760" cy="290520"/>
+              </a:xfrm>
+              <a:prstGeom prst="rect">
+                <a:avLst/>
+              </a:prstGeom>
+            </p:spPr>
+          </p:pic>
+        </mc:Fallback>
+      </mc:AlternateContent>
+      <p:grpSp>
+        <p:nvGrpSpPr>
+          <p:cNvPr id="43" name="Group 42">
+            <a:extLst>
+              <a:ext uri="{FF2B5EF4-FFF2-40B4-BE49-F238E27FC236}">
+                <a16:creationId xmlns:a16="http://schemas.microsoft.com/office/drawing/2014/main" id="{7B11992A-96D5-56FF-0674-97A8E346B19D}"/>
+              </a:ext>
+            </a:extLst>
+          </p:cNvPr>
+          <p:cNvGrpSpPr/>
+          <p:nvPr/>
+        </p:nvGrpSpPr>
+        <p:grpSpPr>
+          <a:xfrm>
+            <a:off x="5972058" y="3887758"/>
+            <a:ext cx="4587480" cy="1271160"/>
+            <a:chOff x="5972058" y="3887758"/>
+            <a:chExt cx="4587480" cy="1271160"/>
+          </a:xfrm>
+        </p:grpSpPr>
+        <mc:AlternateContent xmlns:mc="http://schemas.openxmlformats.org/markup-compatibility/2006">
+          <mc:Choice xmlns:p14="http://schemas.microsoft.com/office/powerpoint/2010/main" Requires="p14">
+            <p:contentPart p14:bwMode="auto" r:id="rId18">
+              <p14:nvContentPartPr>
+                <p14:cNvPr id="19" name="Ink 18">
+                  <a:extLst>
+                    <a:ext uri="{FF2B5EF4-FFF2-40B4-BE49-F238E27FC236}">
+                      <a16:creationId xmlns:a16="http://schemas.microsoft.com/office/drawing/2014/main" id="{A7EB67BF-2A6A-498D-C6E1-307E670C5AA9}"/>
+                    </a:ext>
+                  </a:extLst>
+                </p14:cNvPr>
+                <p14:cNvContentPartPr/>
+                <p14:nvPr/>
+              </p14:nvContentPartPr>
+              <p14:xfrm>
+                <a:off x="5972058" y="4399318"/>
+                <a:ext cx="125280" cy="266040"/>
+              </p14:xfrm>
+            </p:contentPart>
+          </mc:Choice>
+          <mc:Fallback>
+            <p:pic>
+              <p:nvPicPr>
+                <p:cNvPr id="19" name="Ink 18">
+                  <a:extLst>
+                    <a:ext uri="{FF2B5EF4-FFF2-40B4-BE49-F238E27FC236}">
+                      <a16:creationId xmlns:a16="http://schemas.microsoft.com/office/drawing/2014/main" id="{A7EB67BF-2A6A-498D-C6E1-307E670C5AA9}"/>
+                    </a:ext>
+                  </a:extLst>
+                </p:cNvPr>
+                <p:cNvPicPr/>
+                <p:nvPr/>
+              </p:nvPicPr>
+              <p:blipFill>
+                <a:blip r:embed="rId19"/>
+                <a:stretch>
+                  <a:fillRect/>
+                </a:stretch>
+              </p:blipFill>
+              <p:spPr>
+                <a:xfrm>
+                  <a:off x="5954058" y="4381318"/>
+                  <a:ext cx="160920" cy="301680"/>
+                </a:xfrm>
+                <a:prstGeom prst="rect">
+                  <a:avLst/>
+                </a:prstGeom>
+              </p:spPr>
+            </p:pic>
+          </mc:Fallback>
+        </mc:AlternateContent>
+        <mc:AlternateContent xmlns:mc="http://schemas.openxmlformats.org/markup-compatibility/2006">
+          <mc:Choice xmlns:p14="http://schemas.microsoft.com/office/powerpoint/2010/main" Requires="p14">
+            <p:contentPart p14:bwMode="auto" r:id="rId20">
+              <p14:nvContentPartPr>
+                <p14:cNvPr id="20" name="Ink 19">
+                  <a:extLst>
+                    <a:ext uri="{FF2B5EF4-FFF2-40B4-BE49-F238E27FC236}">
+                      <a16:creationId xmlns:a16="http://schemas.microsoft.com/office/drawing/2014/main" id="{6AB4DE79-89D8-C142-3542-00DD328F7AF1}"/>
+                    </a:ext>
+                  </a:extLst>
+                </p14:cNvPr>
+                <p14:cNvContentPartPr/>
+                <p14:nvPr/>
+              </p14:nvContentPartPr>
+              <p14:xfrm>
+                <a:off x="6170418" y="4487878"/>
+                <a:ext cx="131040" cy="185040"/>
+              </p14:xfrm>
+            </p:contentPart>
+          </mc:Choice>
+          <mc:Fallback>
+            <p:pic>
+              <p:nvPicPr>
+                <p:cNvPr id="20" name="Ink 19">
+                  <a:extLst>
+                    <a:ext uri="{FF2B5EF4-FFF2-40B4-BE49-F238E27FC236}">
+                      <a16:creationId xmlns:a16="http://schemas.microsoft.com/office/drawing/2014/main" id="{6AB4DE79-89D8-C142-3542-00DD328F7AF1}"/>
+                    </a:ext>
+                  </a:extLst>
+                </p:cNvPr>
+                <p:cNvPicPr/>
+                <p:nvPr/>
+              </p:nvPicPr>
+              <p:blipFill>
+                <a:blip r:embed="rId21"/>
+                <a:stretch>
+                  <a:fillRect/>
+                </a:stretch>
+              </p:blipFill>
+              <p:spPr>
+                <a:xfrm>
+                  <a:off x="6152418" y="4469878"/>
+                  <a:ext cx="166680" cy="220680"/>
+                </a:xfrm>
+                <a:prstGeom prst="rect">
+                  <a:avLst/>
+                </a:prstGeom>
+              </p:spPr>
+            </p:pic>
+          </mc:Fallback>
+        </mc:AlternateContent>
+        <mc:AlternateContent xmlns:mc="http://schemas.openxmlformats.org/markup-compatibility/2006">
+          <mc:Choice xmlns:p14="http://schemas.microsoft.com/office/powerpoint/2010/main" Requires="p14">
+            <p:contentPart p14:bwMode="auto" r:id="rId22">
+              <p14:nvContentPartPr>
+                <p14:cNvPr id="22" name="Ink 21">
+                  <a:extLst>
+                    <a:ext uri="{FF2B5EF4-FFF2-40B4-BE49-F238E27FC236}">
+                      <a16:creationId xmlns:a16="http://schemas.microsoft.com/office/drawing/2014/main" id="{44B5C228-72B5-09F5-A654-A0AF4FA13637}"/>
+                    </a:ext>
+                  </a:extLst>
+                </p14:cNvPr>
+                <p14:cNvContentPartPr/>
+                <p14:nvPr/>
+              </p14:nvContentPartPr>
+              <p14:xfrm>
+                <a:off x="6358698" y="4462318"/>
+                <a:ext cx="253080" cy="161280"/>
+              </p14:xfrm>
+            </p:contentPart>
+          </mc:Choice>
+          <mc:Fallback>
+            <p:pic>
+              <p:nvPicPr>
+                <p:cNvPr id="22" name="Ink 21">
+                  <a:extLst>
+                    <a:ext uri="{FF2B5EF4-FFF2-40B4-BE49-F238E27FC236}">
+                      <a16:creationId xmlns:a16="http://schemas.microsoft.com/office/drawing/2014/main" id="{44B5C228-72B5-09F5-A654-A0AF4FA13637}"/>
+                    </a:ext>
+                  </a:extLst>
+                </p:cNvPr>
+                <p:cNvPicPr/>
+                <p:nvPr/>
+              </p:nvPicPr>
+              <p:blipFill>
+                <a:blip r:embed="rId23"/>
+                <a:stretch>
+                  <a:fillRect/>
+                </a:stretch>
+              </p:blipFill>
+              <p:spPr>
+                <a:xfrm>
+                  <a:off x="6340698" y="4444678"/>
+                  <a:ext cx="288720" cy="196920"/>
+                </a:xfrm>
+                <a:prstGeom prst="rect">
+                  <a:avLst/>
+                </a:prstGeom>
+              </p:spPr>
+            </p:pic>
+          </mc:Fallback>
+        </mc:AlternateContent>
+        <mc:AlternateContent xmlns:mc="http://schemas.openxmlformats.org/markup-compatibility/2006">
+          <mc:Choice xmlns:p14="http://schemas.microsoft.com/office/powerpoint/2010/main" Requires="p14">
+            <p:contentPart p14:bwMode="auto" r:id="rId24">
+              <p14:nvContentPartPr>
+                <p14:cNvPr id="24" name="Ink 23">
+                  <a:extLst>
+                    <a:ext uri="{FF2B5EF4-FFF2-40B4-BE49-F238E27FC236}">
+                      <a16:creationId xmlns:a16="http://schemas.microsoft.com/office/drawing/2014/main" id="{491F6FE2-9064-9DA3-508C-88C8B92D16CD}"/>
+                    </a:ext>
+                  </a:extLst>
+                </p14:cNvPr>
+                <p14:cNvContentPartPr/>
+                <p14:nvPr/>
+              </p14:nvContentPartPr>
+              <p14:xfrm>
+                <a:off x="6693498" y="4506958"/>
+                <a:ext cx="127800" cy="180360"/>
+              </p14:xfrm>
+            </p:contentPart>
+          </mc:Choice>
+          <mc:Fallback>
+            <p:pic>
+              <p:nvPicPr>
+                <p:cNvPr id="24" name="Ink 23">
+                  <a:extLst>
+                    <a:ext uri="{FF2B5EF4-FFF2-40B4-BE49-F238E27FC236}">
+                      <a16:creationId xmlns:a16="http://schemas.microsoft.com/office/drawing/2014/main" id="{491F6FE2-9064-9DA3-508C-88C8B92D16CD}"/>
+                    </a:ext>
+                  </a:extLst>
+                </p:cNvPr>
+                <p:cNvPicPr/>
+                <p:nvPr/>
+              </p:nvPicPr>
+              <p:blipFill>
+                <a:blip r:embed="rId25"/>
+                <a:stretch>
+                  <a:fillRect/>
+                </a:stretch>
+              </p:blipFill>
+              <p:spPr>
+                <a:xfrm>
+                  <a:off x="6675498" y="4488958"/>
+                  <a:ext cx="163440" cy="216000"/>
+                </a:xfrm>
+                <a:prstGeom prst="rect">
+                  <a:avLst/>
+                </a:prstGeom>
+              </p:spPr>
+            </p:pic>
+          </mc:Fallback>
+        </mc:AlternateContent>
+        <mc:AlternateContent xmlns:mc="http://schemas.openxmlformats.org/markup-compatibility/2006">
+          <mc:Choice xmlns:p14="http://schemas.microsoft.com/office/powerpoint/2010/main" Requires="p14">
+            <p:contentPart p14:bwMode="auto" r:id="rId26">
+              <p14:nvContentPartPr>
+                <p14:cNvPr id="26" name="Ink 25">
+                  <a:extLst>
+                    <a:ext uri="{FF2B5EF4-FFF2-40B4-BE49-F238E27FC236}">
+                      <a16:creationId xmlns:a16="http://schemas.microsoft.com/office/drawing/2014/main" id="{6FEC0E59-3B52-4B39-F92B-9AB986154BE8}"/>
+                    </a:ext>
+                  </a:extLst>
+                </p14:cNvPr>
+                <p14:cNvContentPartPr/>
+                <p14:nvPr/>
+              </p14:nvContentPartPr>
+              <p14:xfrm>
+                <a:off x="6878178" y="4491118"/>
+                <a:ext cx="150840" cy="202320"/>
+              </p14:xfrm>
+            </p:contentPart>
+          </mc:Choice>
+          <mc:Fallback>
+            <p:pic>
+              <p:nvPicPr>
+                <p:cNvPr id="26" name="Ink 25">
+                  <a:extLst>
+                    <a:ext uri="{FF2B5EF4-FFF2-40B4-BE49-F238E27FC236}">
+                      <a16:creationId xmlns:a16="http://schemas.microsoft.com/office/drawing/2014/main" id="{6FEC0E59-3B52-4B39-F92B-9AB986154BE8}"/>
+                    </a:ext>
+                  </a:extLst>
+                </p:cNvPr>
+                <p:cNvPicPr/>
+                <p:nvPr/>
+              </p:nvPicPr>
+              <p:blipFill>
+                <a:blip r:embed="rId27"/>
+                <a:stretch>
+                  <a:fillRect/>
+                </a:stretch>
+              </p:blipFill>
+              <p:spPr>
+                <a:xfrm>
+                  <a:off x="6860178" y="4473478"/>
+                  <a:ext cx="186480" cy="237960"/>
+                </a:xfrm>
+                <a:prstGeom prst="rect">
+                  <a:avLst/>
+                </a:prstGeom>
+              </p:spPr>
+            </p:pic>
+          </mc:Fallback>
+        </mc:AlternateContent>
+        <mc:AlternateContent xmlns:mc="http://schemas.openxmlformats.org/markup-compatibility/2006">
+          <mc:Choice xmlns:p14="http://schemas.microsoft.com/office/powerpoint/2010/main" Requires="p14">
+            <p:contentPart p14:bwMode="auto" r:id="rId28">
+              <p14:nvContentPartPr>
+                <p14:cNvPr id="28" name="Ink 27">
+                  <a:extLst>
+                    <a:ext uri="{FF2B5EF4-FFF2-40B4-BE49-F238E27FC236}">
+                      <a16:creationId xmlns:a16="http://schemas.microsoft.com/office/drawing/2014/main" id="{5D355B07-2192-033E-4A87-92B972CC6FD1}"/>
+                    </a:ext>
+                  </a:extLst>
+                </p14:cNvPr>
+                <p14:cNvContentPartPr/>
+                <p14:nvPr/>
+              </p14:nvContentPartPr>
+              <p14:xfrm>
+                <a:off x="7290738" y="4242718"/>
+                <a:ext cx="95040" cy="272160"/>
+              </p14:xfrm>
+            </p:contentPart>
+          </mc:Choice>
+          <mc:Fallback>
+            <p:pic>
+              <p:nvPicPr>
+                <p:cNvPr id="28" name="Ink 27">
+                  <a:extLst>
+                    <a:ext uri="{FF2B5EF4-FFF2-40B4-BE49-F238E27FC236}">
+                      <a16:creationId xmlns:a16="http://schemas.microsoft.com/office/drawing/2014/main" id="{5D355B07-2192-033E-4A87-92B972CC6FD1}"/>
+                    </a:ext>
+                  </a:extLst>
+                </p:cNvPr>
+                <p:cNvPicPr/>
+                <p:nvPr/>
+              </p:nvPicPr>
+              <p:blipFill>
+                <a:blip r:embed="rId29"/>
+                <a:stretch>
+                  <a:fillRect/>
+                </a:stretch>
+              </p:blipFill>
+              <p:spPr>
+                <a:xfrm>
+                  <a:off x="7272738" y="4224718"/>
+                  <a:ext cx="130680" cy="307800"/>
+                </a:xfrm>
+                <a:prstGeom prst="rect">
+                  <a:avLst/>
+                </a:prstGeom>
+              </p:spPr>
+            </p:pic>
+          </mc:Fallback>
+        </mc:AlternateContent>
+        <mc:AlternateContent xmlns:mc="http://schemas.openxmlformats.org/markup-compatibility/2006">
+          <mc:Choice xmlns:p14="http://schemas.microsoft.com/office/powerpoint/2010/main" Requires="p14">
+            <p:contentPart p14:bwMode="auto" r:id="rId30">
+              <p14:nvContentPartPr>
+                <p14:cNvPr id="29" name="Ink 28">
+                  <a:extLst>
+                    <a:ext uri="{FF2B5EF4-FFF2-40B4-BE49-F238E27FC236}">
+                      <a16:creationId xmlns:a16="http://schemas.microsoft.com/office/drawing/2014/main" id="{BF0C7462-5144-A118-8A0E-BBA9FE88B028}"/>
+                    </a:ext>
+                  </a:extLst>
+                </p14:cNvPr>
+                <p14:cNvContentPartPr/>
+                <p14:nvPr/>
+              </p14:nvContentPartPr>
+              <p14:xfrm>
+                <a:off x="7332138" y="4738438"/>
+                <a:ext cx="360" cy="360"/>
+              </p14:xfrm>
+            </p:contentPart>
+          </mc:Choice>
+          <mc:Fallback>
+            <p:pic>
+              <p:nvPicPr>
+                <p:cNvPr id="29" name="Ink 28">
+                  <a:extLst>
+                    <a:ext uri="{FF2B5EF4-FFF2-40B4-BE49-F238E27FC236}">
+                      <a16:creationId xmlns:a16="http://schemas.microsoft.com/office/drawing/2014/main" id="{BF0C7462-5144-A118-8A0E-BBA9FE88B028}"/>
+                    </a:ext>
+                  </a:extLst>
+                </p:cNvPr>
+                <p:cNvPicPr/>
+                <p:nvPr/>
+              </p:nvPicPr>
+              <p:blipFill>
+                <a:blip r:embed="rId31"/>
+                <a:stretch>
+                  <a:fillRect/>
+                </a:stretch>
+              </p:blipFill>
+              <p:spPr>
+                <a:xfrm>
+                  <a:off x="7314498" y="4720798"/>
+                  <a:ext cx="36000" cy="36000"/>
+                </a:xfrm>
+                <a:prstGeom prst="rect">
+                  <a:avLst/>
+                </a:prstGeom>
+              </p:spPr>
+            </p:pic>
+          </mc:Fallback>
+        </mc:AlternateContent>
+        <mc:AlternateContent xmlns:mc="http://schemas.openxmlformats.org/markup-compatibility/2006">
+          <mc:Choice xmlns:p14="http://schemas.microsoft.com/office/powerpoint/2010/main" Requires="p14">
+            <p:contentPart p14:bwMode="auto" r:id="rId32">
+              <p14:nvContentPartPr>
+                <p14:cNvPr id="32" name="Ink 31">
+                  <a:extLst>
+                    <a:ext uri="{FF2B5EF4-FFF2-40B4-BE49-F238E27FC236}">
+                      <a16:creationId xmlns:a16="http://schemas.microsoft.com/office/drawing/2014/main" id="{B7CFC325-B497-F78F-0960-BDE05CD32717}"/>
+                    </a:ext>
+                  </a:extLst>
+                </p14:cNvPr>
+                <p14:cNvContentPartPr/>
+                <p14:nvPr/>
+              </p14:nvContentPartPr>
+              <p14:xfrm>
+                <a:off x="6273738" y="4668958"/>
+                <a:ext cx="36000" cy="449280"/>
+              </p14:xfrm>
+            </p:contentPart>
+          </mc:Choice>
+          <mc:Fallback>
+            <p:pic>
+              <p:nvPicPr>
+                <p:cNvPr id="32" name="Ink 31">
+                  <a:extLst>
+                    <a:ext uri="{FF2B5EF4-FFF2-40B4-BE49-F238E27FC236}">
+                      <a16:creationId xmlns:a16="http://schemas.microsoft.com/office/drawing/2014/main" id="{B7CFC325-B497-F78F-0960-BDE05CD32717}"/>
+                    </a:ext>
+                  </a:extLst>
+                </p:cNvPr>
+                <p:cNvPicPr/>
+                <p:nvPr/>
+              </p:nvPicPr>
+              <p:blipFill>
+                <a:blip r:embed="rId33"/>
+                <a:stretch>
+                  <a:fillRect/>
+                </a:stretch>
+              </p:blipFill>
+              <p:spPr>
+                <a:xfrm>
+                  <a:off x="6255738" y="4651318"/>
+                  <a:ext cx="71640" cy="484920"/>
+                </a:xfrm>
+                <a:prstGeom prst="rect">
+                  <a:avLst/>
+                </a:prstGeom>
+              </p:spPr>
+            </p:pic>
+          </mc:Fallback>
+        </mc:AlternateContent>
+        <mc:AlternateContent xmlns:mc="http://schemas.openxmlformats.org/markup-compatibility/2006">
+          <mc:Choice xmlns:p14="http://schemas.microsoft.com/office/powerpoint/2010/main" Requires="p14">
+            <p:contentPart p14:bwMode="auto" r:id="rId34">
+              <p14:nvContentPartPr>
+                <p14:cNvPr id="36" name="Ink 35">
+                  <a:extLst>
+                    <a:ext uri="{FF2B5EF4-FFF2-40B4-BE49-F238E27FC236}">
+                      <a16:creationId xmlns:a16="http://schemas.microsoft.com/office/drawing/2014/main" id="{128C1CB0-2615-220C-0FCD-9C5C4669F5B5}"/>
+                    </a:ext>
+                  </a:extLst>
+                </p14:cNvPr>
+                <p14:cNvContentPartPr/>
+                <p14:nvPr/>
+              </p14:nvContentPartPr>
+              <p14:xfrm>
+                <a:off x="6693858" y="4571758"/>
+                <a:ext cx="2354040" cy="587160"/>
+              </p14:xfrm>
+            </p:contentPart>
+          </mc:Choice>
+          <mc:Fallback>
+            <p:pic>
+              <p:nvPicPr>
+                <p:cNvPr id="36" name="Ink 35">
+                  <a:extLst>
+                    <a:ext uri="{FF2B5EF4-FFF2-40B4-BE49-F238E27FC236}">
+                      <a16:creationId xmlns:a16="http://schemas.microsoft.com/office/drawing/2014/main" id="{128C1CB0-2615-220C-0FCD-9C5C4669F5B5}"/>
+                    </a:ext>
+                  </a:extLst>
+                </p:cNvPr>
+                <p:cNvPicPr/>
+                <p:nvPr/>
+              </p:nvPicPr>
+              <p:blipFill>
+                <a:blip r:embed="rId35"/>
+                <a:stretch>
+                  <a:fillRect/>
+                </a:stretch>
+              </p:blipFill>
+              <p:spPr>
+                <a:xfrm>
+                  <a:off x="6676218" y="4553758"/>
+                  <a:ext cx="2389680" cy="622800"/>
+                </a:xfrm>
+                <a:prstGeom prst="rect">
+                  <a:avLst/>
+                </a:prstGeom>
+              </p:spPr>
+            </p:pic>
+          </mc:Fallback>
+        </mc:AlternateContent>
+        <mc:AlternateContent xmlns:mc="http://schemas.openxmlformats.org/markup-compatibility/2006">
+          <mc:Choice xmlns:p14="http://schemas.microsoft.com/office/powerpoint/2010/main" Requires="p14">
+            <p:contentPart p14:bwMode="auto" r:id="rId36">
+              <p14:nvContentPartPr>
+                <p14:cNvPr id="37" name="Ink 36">
+                  <a:extLst>
+                    <a:ext uri="{FF2B5EF4-FFF2-40B4-BE49-F238E27FC236}">
+                      <a16:creationId xmlns:a16="http://schemas.microsoft.com/office/drawing/2014/main" id="{BC02A77B-5D0D-A7EE-08A8-7D2DA2540A04}"/>
+                    </a:ext>
+                  </a:extLst>
+                </p14:cNvPr>
+                <p14:cNvContentPartPr/>
+                <p14:nvPr/>
+              </p14:nvContentPartPr>
+              <p14:xfrm>
+                <a:off x="9261738" y="4295638"/>
+                <a:ext cx="147960" cy="260280"/>
+              </p14:xfrm>
+            </p:contentPart>
+          </mc:Choice>
+          <mc:Fallback>
+            <p:pic>
+              <p:nvPicPr>
+                <p:cNvPr id="37" name="Ink 36">
+                  <a:extLst>
+                    <a:ext uri="{FF2B5EF4-FFF2-40B4-BE49-F238E27FC236}">
+                      <a16:creationId xmlns:a16="http://schemas.microsoft.com/office/drawing/2014/main" id="{BC02A77B-5D0D-A7EE-08A8-7D2DA2540A04}"/>
+                    </a:ext>
+                  </a:extLst>
+                </p:cNvPr>
+                <p:cNvPicPr/>
+                <p:nvPr/>
+              </p:nvPicPr>
+              <p:blipFill>
+                <a:blip r:embed="rId37"/>
+                <a:stretch>
+                  <a:fillRect/>
+                </a:stretch>
+              </p:blipFill>
+              <p:spPr>
+                <a:xfrm>
+                  <a:off x="9244098" y="4277998"/>
+                  <a:ext cx="183600" cy="295920"/>
+                </a:xfrm>
+                <a:prstGeom prst="rect">
+                  <a:avLst/>
+                </a:prstGeom>
+              </p:spPr>
+            </p:pic>
+          </mc:Fallback>
+        </mc:AlternateContent>
+        <mc:AlternateContent xmlns:mc="http://schemas.openxmlformats.org/markup-compatibility/2006">
+          <mc:Choice xmlns:p14="http://schemas.microsoft.com/office/powerpoint/2010/main" Requires="p14">
+            <p:contentPart p14:bwMode="auto" r:id="rId38">
+              <p14:nvContentPartPr>
+                <p14:cNvPr id="38" name="Ink 37">
+                  <a:extLst>
+                    <a:ext uri="{FF2B5EF4-FFF2-40B4-BE49-F238E27FC236}">
+                      <a16:creationId xmlns:a16="http://schemas.microsoft.com/office/drawing/2014/main" id="{598B4503-DECC-E0DF-A122-60A8A7927EA3}"/>
+                    </a:ext>
+                  </a:extLst>
+                </p14:cNvPr>
+                <p14:cNvContentPartPr/>
+                <p14:nvPr/>
+              </p14:nvContentPartPr>
+              <p14:xfrm>
+                <a:off x="9460098" y="4284478"/>
+                <a:ext cx="271800" cy="252000"/>
+              </p14:xfrm>
+            </p:contentPart>
+          </mc:Choice>
+          <mc:Fallback>
+            <p:pic>
+              <p:nvPicPr>
+                <p:cNvPr id="38" name="Ink 37">
+                  <a:extLst>
+                    <a:ext uri="{FF2B5EF4-FFF2-40B4-BE49-F238E27FC236}">
+                      <a16:creationId xmlns:a16="http://schemas.microsoft.com/office/drawing/2014/main" id="{598B4503-DECC-E0DF-A122-60A8A7927EA3}"/>
+                    </a:ext>
+                  </a:extLst>
+                </p:cNvPr>
+                <p:cNvPicPr/>
+                <p:nvPr/>
+              </p:nvPicPr>
+              <p:blipFill>
+                <a:blip r:embed="rId39"/>
+                <a:stretch>
+                  <a:fillRect/>
+                </a:stretch>
+              </p:blipFill>
+              <p:spPr>
+                <a:xfrm>
+                  <a:off x="9442098" y="4266838"/>
+                  <a:ext cx="307440" cy="287640"/>
+                </a:xfrm>
+                <a:prstGeom prst="rect">
+                  <a:avLst/>
+                </a:prstGeom>
+              </p:spPr>
+            </p:pic>
+          </mc:Fallback>
+        </mc:AlternateContent>
+        <mc:AlternateContent xmlns:mc="http://schemas.openxmlformats.org/markup-compatibility/2006">
+          <mc:Choice xmlns:p14="http://schemas.microsoft.com/office/powerpoint/2010/main" Requires="p14">
+            <p:contentPart p14:bwMode="auto" r:id="rId40">
+              <p14:nvContentPartPr>
+                <p14:cNvPr id="39" name="Ink 38">
+                  <a:extLst>
+                    <a:ext uri="{FF2B5EF4-FFF2-40B4-BE49-F238E27FC236}">
+                      <a16:creationId xmlns:a16="http://schemas.microsoft.com/office/drawing/2014/main" id="{FE772FF1-9DD1-054A-FB45-A93E1A519163}"/>
+                    </a:ext>
+                  </a:extLst>
+                </p14:cNvPr>
+                <p14:cNvContentPartPr/>
+                <p14:nvPr/>
+              </p14:nvContentPartPr>
+              <p14:xfrm>
+                <a:off x="9781938" y="4316158"/>
+                <a:ext cx="203760" cy="228600"/>
+              </p14:xfrm>
+            </p:contentPart>
+          </mc:Choice>
+          <mc:Fallback>
+            <p:pic>
+              <p:nvPicPr>
+                <p:cNvPr id="39" name="Ink 38">
+                  <a:extLst>
+                    <a:ext uri="{FF2B5EF4-FFF2-40B4-BE49-F238E27FC236}">
+                      <a16:creationId xmlns:a16="http://schemas.microsoft.com/office/drawing/2014/main" id="{FE772FF1-9DD1-054A-FB45-A93E1A519163}"/>
+                    </a:ext>
+                  </a:extLst>
+                </p:cNvPr>
+                <p:cNvPicPr/>
+                <p:nvPr/>
+              </p:nvPicPr>
+              <p:blipFill>
+                <a:blip r:embed="rId41"/>
+                <a:stretch>
+                  <a:fillRect/>
+                </a:stretch>
+              </p:blipFill>
+              <p:spPr>
+                <a:xfrm>
+                  <a:off x="9764298" y="4298158"/>
+                  <a:ext cx="239400" cy="264240"/>
+                </a:xfrm>
+                <a:prstGeom prst="rect">
+                  <a:avLst/>
+                </a:prstGeom>
+              </p:spPr>
+            </p:pic>
+          </mc:Fallback>
+        </mc:AlternateContent>
+        <mc:AlternateContent xmlns:mc="http://schemas.openxmlformats.org/markup-compatibility/2006">
+          <mc:Choice xmlns:p14="http://schemas.microsoft.com/office/powerpoint/2010/main" Requires="p14">
+            <p:contentPart p14:bwMode="auto" r:id="rId42">
+              <p14:nvContentPartPr>
+                <p14:cNvPr id="40" name="Ink 39">
+                  <a:extLst>
+                    <a:ext uri="{FF2B5EF4-FFF2-40B4-BE49-F238E27FC236}">
+                      <a16:creationId xmlns:a16="http://schemas.microsoft.com/office/drawing/2014/main" id="{184B0DC0-DFAF-9A56-D11D-EFFBD839EBEF}"/>
+                    </a:ext>
+                  </a:extLst>
+                </p14:cNvPr>
+                <p14:cNvContentPartPr/>
+                <p14:nvPr/>
+              </p14:nvContentPartPr>
+              <p14:xfrm>
+                <a:off x="10041138" y="4143718"/>
+                <a:ext cx="165240" cy="403920"/>
+              </p14:xfrm>
+            </p:contentPart>
+          </mc:Choice>
+          <mc:Fallback>
+            <p:pic>
+              <p:nvPicPr>
+                <p:cNvPr id="40" name="Ink 39">
+                  <a:extLst>
+                    <a:ext uri="{FF2B5EF4-FFF2-40B4-BE49-F238E27FC236}">
+                      <a16:creationId xmlns:a16="http://schemas.microsoft.com/office/drawing/2014/main" id="{184B0DC0-DFAF-9A56-D11D-EFFBD839EBEF}"/>
+                    </a:ext>
+                  </a:extLst>
+                </p:cNvPr>
+                <p:cNvPicPr/>
+                <p:nvPr/>
+              </p:nvPicPr>
+              <p:blipFill>
+                <a:blip r:embed="rId43"/>
+                <a:stretch>
+                  <a:fillRect/>
+                </a:stretch>
+              </p:blipFill>
+              <p:spPr>
+                <a:xfrm>
+                  <a:off x="10023138" y="4126078"/>
+                  <a:ext cx="200880" cy="439560"/>
+                </a:xfrm>
+                <a:prstGeom prst="rect">
+                  <a:avLst/>
+                </a:prstGeom>
+              </p:spPr>
+            </p:pic>
+          </mc:Fallback>
+        </mc:AlternateContent>
+        <mc:AlternateContent xmlns:mc="http://schemas.openxmlformats.org/markup-compatibility/2006">
+          <mc:Choice xmlns:p14="http://schemas.microsoft.com/office/powerpoint/2010/main" Requires="p14">
+            <p:contentPart p14:bwMode="auto" r:id="rId44">
+              <p14:nvContentPartPr>
+                <p14:cNvPr id="41" name="Ink 40">
+                  <a:extLst>
+                    <a:ext uri="{FF2B5EF4-FFF2-40B4-BE49-F238E27FC236}">
+                      <a16:creationId xmlns:a16="http://schemas.microsoft.com/office/drawing/2014/main" id="{0BC7F174-F5C1-FC5D-1D01-079B48FCB07C}"/>
+                    </a:ext>
+                  </a:extLst>
+                </p14:cNvPr>
+                <p14:cNvContentPartPr/>
+                <p14:nvPr/>
+              </p14:nvContentPartPr>
+              <p14:xfrm>
+                <a:off x="10483938" y="3887758"/>
+                <a:ext cx="62280" cy="729000"/>
+              </p14:xfrm>
+            </p:contentPart>
+          </mc:Choice>
+          <mc:Fallback>
+            <p:pic>
+              <p:nvPicPr>
+                <p:cNvPr id="41" name="Ink 40">
+                  <a:extLst>
+                    <a:ext uri="{FF2B5EF4-FFF2-40B4-BE49-F238E27FC236}">
+                      <a16:creationId xmlns:a16="http://schemas.microsoft.com/office/drawing/2014/main" id="{0BC7F174-F5C1-FC5D-1D01-079B48FCB07C}"/>
+                    </a:ext>
+                  </a:extLst>
+                </p:cNvPr>
+                <p:cNvPicPr/>
+                <p:nvPr/>
+              </p:nvPicPr>
+              <p:blipFill>
+                <a:blip r:embed="rId45"/>
+                <a:stretch>
+                  <a:fillRect/>
+                </a:stretch>
+              </p:blipFill>
+              <p:spPr>
+                <a:xfrm>
+                  <a:off x="10465938" y="3869758"/>
+                  <a:ext cx="97920" cy="764640"/>
+                </a:xfrm>
+                <a:prstGeom prst="rect">
+                  <a:avLst/>
+                </a:prstGeom>
+              </p:spPr>
+            </p:pic>
+          </mc:Fallback>
+        </mc:AlternateContent>
+        <mc:AlternateContent xmlns:mc="http://schemas.openxmlformats.org/markup-compatibility/2006">
+          <mc:Choice xmlns:p14="http://schemas.microsoft.com/office/powerpoint/2010/main" Requires="p14">
+            <p:contentPart p14:bwMode="auto" r:id="rId46">
+              <p14:nvContentPartPr>
+                <p14:cNvPr id="42" name="Ink 41">
+                  <a:extLst>
+                    <a:ext uri="{FF2B5EF4-FFF2-40B4-BE49-F238E27FC236}">
+                      <a16:creationId xmlns:a16="http://schemas.microsoft.com/office/drawing/2014/main" id="{B41F9DC6-81EC-B36B-E0F4-E69816D9E6D1}"/>
+                    </a:ext>
+                  </a:extLst>
+                </p14:cNvPr>
+                <p14:cNvContentPartPr/>
+                <p14:nvPr/>
+              </p14:nvContentPartPr>
+              <p14:xfrm>
+                <a:off x="10265418" y="4238398"/>
+                <a:ext cx="294120" cy="57960"/>
+              </p14:xfrm>
+            </p:contentPart>
+          </mc:Choice>
+          <mc:Fallback>
+            <p:pic>
+              <p:nvPicPr>
+                <p:cNvPr id="42" name="Ink 41">
+                  <a:extLst>
+                    <a:ext uri="{FF2B5EF4-FFF2-40B4-BE49-F238E27FC236}">
+                      <a16:creationId xmlns:a16="http://schemas.microsoft.com/office/drawing/2014/main" id="{B41F9DC6-81EC-B36B-E0F4-E69816D9E6D1}"/>
+                    </a:ext>
+                  </a:extLst>
+                </p:cNvPr>
+                <p:cNvPicPr/>
+                <p:nvPr/>
+              </p:nvPicPr>
+              <p:blipFill>
+                <a:blip r:embed="rId47"/>
+                <a:stretch>
+                  <a:fillRect/>
+                </a:stretch>
+              </p:blipFill>
+              <p:spPr>
+                <a:xfrm>
+                  <a:off x="10247418" y="4220398"/>
+                  <a:ext cx="329760" cy="93600"/>
+                </a:xfrm>
+                <a:prstGeom prst="rect">
+                  <a:avLst/>
+                </a:prstGeom>
+              </p:spPr>
+            </p:pic>
+          </mc:Fallback>
+        </mc:AlternateContent>
+      </p:grpSp>
     </p:spTree>
   </p:cSld>
   <p:clrMapOvr>
@@ -17762,8 +19532,8 @@
             <a:chExt cx="948240" cy="3004920"/>
           </a:xfrm>
         </p:grpSpPr>
-        <mc:AlternateContent xmlns:mc="http://schemas.openxmlformats.org/markup-compatibility/2006">
-          <mc:Choice xmlns:p14="http://schemas.microsoft.com/office/powerpoint/2010/main" Requires="p14">
+        <mc:AlternateContent xmlns:mc="http://schemas.openxmlformats.org/markup-compatibility/2006" xmlns:p14="http://schemas.microsoft.com/office/powerpoint/2010/main">
+          <mc:Choice Requires="p14">
             <p:contentPart p14:bwMode="auto" r:id="rId5">
               <p14:nvContentPartPr>
                 <p14:cNvPr id="9" name="墨迹 8">
@@ -17782,7 +19552,7 @@
               </p14:xfrm>
             </p:contentPart>
           </mc:Choice>
-          <mc:Fallback>
+          <mc:Fallback xmlns="">
             <p:pic>
               <p:nvPicPr>
                 <p:cNvPr id="9" name="墨迹 8">
@@ -17813,8 +19583,8 @@
             </p:pic>
           </mc:Fallback>
         </mc:AlternateContent>
-        <mc:AlternateContent xmlns:mc="http://schemas.openxmlformats.org/markup-compatibility/2006">
-          <mc:Choice xmlns:p14="http://schemas.microsoft.com/office/powerpoint/2010/main" Requires="p14">
+        <mc:AlternateContent xmlns:mc="http://schemas.openxmlformats.org/markup-compatibility/2006" xmlns:p14="http://schemas.microsoft.com/office/powerpoint/2010/main">
+          <mc:Choice Requires="p14">
             <p:contentPart p14:bwMode="auto" r:id="rId7">
               <p14:nvContentPartPr>
                 <p14:cNvPr id="11" name="墨迹 10">
@@ -17833,7 +19603,7 @@
               </p14:xfrm>
             </p:contentPart>
           </mc:Choice>
-          <mc:Fallback>
+          <mc:Fallback xmlns="">
             <p:pic>
               <p:nvPicPr>
                 <p:cNvPr id="11" name="墨迹 10">
@@ -17864,8 +19634,8 @@
             </p:pic>
           </mc:Fallback>
         </mc:AlternateContent>
-        <mc:AlternateContent xmlns:mc="http://schemas.openxmlformats.org/markup-compatibility/2006">
-          <mc:Choice xmlns:p14="http://schemas.microsoft.com/office/powerpoint/2010/main" Requires="p14">
+        <mc:AlternateContent xmlns:mc="http://schemas.openxmlformats.org/markup-compatibility/2006" xmlns:p14="http://schemas.microsoft.com/office/powerpoint/2010/main">
+          <mc:Choice Requires="p14">
             <p:contentPart p14:bwMode="auto" r:id="rId9">
               <p14:nvContentPartPr>
                 <p14:cNvPr id="12" name="墨迹 11">
@@ -17884,7 +19654,7 @@
               </p14:xfrm>
             </p:contentPart>
           </mc:Choice>
-          <mc:Fallback>
+          <mc:Fallback xmlns="">
             <p:pic>
               <p:nvPicPr>
                 <p:cNvPr id="12" name="墨迹 11">
@@ -17915,8 +19685,8 @@
             </p:pic>
           </mc:Fallback>
         </mc:AlternateContent>
-        <mc:AlternateContent xmlns:mc="http://schemas.openxmlformats.org/markup-compatibility/2006">
-          <mc:Choice xmlns:p14="http://schemas.microsoft.com/office/powerpoint/2010/main" Requires="p14">
+        <mc:AlternateContent xmlns:mc="http://schemas.openxmlformats.org/markup-compatibility/2006" xmlns:p14="http://schemas.microsoft.com/office/powerpoint/2010/main">
+          <mc:Choice Requires="p14">
             <p:contentPart p14:bwMode="auto" r:id="rId11">
               <p14:nvContentPartPr>
                 <p14:cNvPr id="13" name="墨迹 12">
@@ -17935,7 +19705,7 @@
               </p14:xfrm>
             </p:contentPart>
           </mc:Choice>
-          <mc:Fallback>
+          <mc:Fallback xmlns="">
             <p:pic>
               <p:nvPicPr>
                 <p:cNvPr id="13" name="墨迹 12">
@@ -17966,8 +19736,8 @@
             </p:pic>
           </mc:Fallback>
         </mc:AlternateContent>
-        <mc:AlternateContent xmlns:mc="http://schemas.openxmlformats.org/markup-compatibility/2006">
-          <mc:Choice xmlns:p14="http://schemas.microsoft.com/office/powerpoint/2010/main" Requires="p14">
+        <mc:AlternateContent xmlns:mc="http://schemas.openxmlformats.org/markup-compatibility/2006" xmlns:p14="http://schemas.microsoft.com/office/powerpoint/2010/main">
+          <mc:Choice Requires="p14">
             <p:contentPart p14:bwMode="auto" r:id="rId13">
               <p14:nvContentPartPr>
                 <p14:cNvPr id="14" name="墨迹 13">
@@ -17986,7 +19756,7 @@
               </p14:xfrm>
             </p:contentPart>
           </mc:Choice>
-          <mc:Fallback>
+          <mc:Fallback xmlns="">
             <p:pic>
               <p:nvPicPr>
                 <p:cNvPr id="14" name="墨迹 13">
@@ -18017,8 +19787,8 @@
             </p:pic>
           </mc:Fallback>
         </mc:AlternateContent>
-        <mc:AlternateContent xmlns:mc="http://schemas.openxmlformats.org/markup-compatibility/2006">
-          <mc:Choice xmlns:p14="http://schemas.microsoft.com/office/powerpoint/2010/main" Requires="p14">
+        <mc:AlternateContent xmlns:mc="http://schemas.openxmlformats.org/markup-compatibility/2006" xmlns:p14="http://schemas.microsoft.com/office/powerpoint/2010/main">
+          <mc:Choice Requires="p14">
             <p:contentPart p14:bwMode="auto" r:id="rId15">
               <p14:nvContentPartPr>
                 <p14:cNvPr id="15" name="墨迹 14">
@@ -18037,7 +19807,7 @@
               </p14:xfrm>
             </p:contentPart>
           </mc:Choice>
-          <mc:Fallback>
+          <mc:Fallback xmlns="">
             <p:pic>
               <p:nvPicPr>
                 <p:cNvPr id="15" name="墨迹 14">
@@ -18068,8 +19838,8 @@
             </p:pic>
           </mc:Fallback>
         </mc:AlternateContent>
-        <mc:AlternateContent xmlns:mc="http://schemas.openxmlformats.org/markup-compatibility/2006">
-          <mc:Choice xmlns:p14="http://schemas.microsoft.com/office/powerpoint/2010/main" Requires="p14">
+        <mc:AlternateContent xmlns:mc="http://schemas.openxmlformats.org/markup-compatibility/2006" xmlns:p14="http://schemas.microsoft.com/office/powerpoint/2010/main">
+          <mc:Choice Requires="p14">
             <p:contentPart p14:bwMode="auto" r:id="rId17">
               <p14:nvContentPartPr>
                 <p14:cNvPr id="17" name="墨迹 16">
@@ -18088,7 +19858,7 @@
               </p14:xfrm>
             </p:contentPart>
           </mc:Choice>
-          <mc:Fallback>
+          <mc:Fallback xmlns="">
             <p:pic>
               <p:nvPicPr>
                 <p:cNvPr id="17" name="墨迹 16">
@@ -18119,8 +19889,8 @@
             </p:pic>
           </mc:Fallback>
         </mc:AlternateContent>
-        <mc:AlternateContent xmlns:mc="http://schemas.openxmlformats.org/markup-compatibility/2006">
-          <mc:Choice xmlns:p14="http://schemas.microsoft.com/office/powerpoint/2010/main" Requires="p14">
+        <mc:AlternateContent xmlns:mc="http://schemas.openxmlformats.org/markup-compatibility/2006" xmlns:p14="http://schemas.microsoft.com/office/powerpoint/2010/main">
+          <mc:Choice Requires="p14">
             <p:contentPart p14:bwMode="auto" r:id="rId19">
               <p14:nvContentPartPr>
                 <p14:cNvPr id="18" name="墨迹 17">
@@ -18139,7 +19909,7 @@
               </p14:xfrm>
             </p:contentPart>
           </mc:Choice>
-          <mc:Fallback>
+          <mc:Fallback xmlns="">
             <p:pic>
               <p:nvPicPr>
                 <p:cNvPr id="18" name="墨迹 17">
@@ -18170,8 +19940,8 @@
             </p:pic>
           </mc:Fallback>
         </mc:AlternateContent>
-        <mc:AlternateContent xmlns:mc="http://schemas.openxmlformats.org/markup-compatibility/2006">
-          <mc:Choice xmlns:p14="http://schemas.microsoft.com/office/powerpoint/2010/main" Requires="p14">
+        <mc:AlternateContent xmlns:mc="http://schemas.openxmlformats.org/markup-compatibility/2006" xmlns:p14="http://schemas.microsoft.com/office/powerpoint/2010/main">
+          <mc:Choice Requires="p14">
             <p:contentPart p14:bwMode="auto" r:id="rId21">
               <p14:nvContentPartPr>
                 <p14:cNvPr id="19" name="墨迹 18">
@@ -18190,7 +19960,7 @@
               </p14:xfrm>
             </p:contentPart>
           </mc:Choice>
-          <mc:Fallback>
+          <mc:Fallback xmlns="">
             <p:pic>
               <p:nvPicPr>
                 <p:cNvPr id="19" name="墨迹 18">
